--- a/High School/Design and Drawing for Production/Unit 3 - Introduction to Lettering/Section 1 - What is Lettering/Assets/Unit 3 - Section 1 - What is Lettering.pptx
+++ b/High School/Design and Drawing for Production/Unit 3 - Introduction to Lettering/Section 1 - What is Lettering/Assets/Unit 3 - Section 1 - What is Lettering.pptx
@@ -5,10 +5,10 @@
     <p:sldMasterId id="2147483705" r:id="rId1"/>
   </p:sldMasterIdLst>
   <p:notesMasterIdLst>
-    <p:notesMasterId r:id="rId9"/>
+    <p:notesMasterId r:id="rId10"/>
   </p:notesMasterIdLst>
   <p:handoutMasterIdLst>
-    <p:handoutMasterId r:id="rId10"/>
+    <p:handoutMasterId r:id="rId11"/>
   </p:handoutMasterIdLst>
   <p:sldIdLst>
     <p:sldId id="268" r:id="rId2"/>
@@ -18,6 +18,7 @@
     <p:sldId id="279" r:id="rId6"/>
     <p:sldId id="280" r:id="rId7"/>
     <p:sldId id="281" r:id="rId8"/>
+    <p:sldId id="282" r:id="rId9"/>
   </p:sldIdLst>
   <p:sldSz cx="12192000" cy="6858000"/>
   <p:notesSz cx="6858000" cy="9144000"/>
@@ -220,7 +221,7 @@
           <a:p>
             <a:fld id="{6AC4FB8F-ED15-48AB-97BD-17129D4E699D}" type="datetimeFigureOut">
               <a:rPr lang="en-US" smtClean="0"/>
-              <a:t>10/1/2018</a:t>
+              <a:t>10/3/2018</a:t>
             </a:fld>
             <a:endParaRPr lang="en-US" dirty="0"/>
           </a:p>
@@ -385,7 +386,7 @@
           <a:p>
             <a:fld id="{BBC9D437-CD83-4825-AD0D-5E7B341BC79B}" type="datetimeFigureOut">
               <a:rPr lang="en-US" smtClean="0"/>
-              <a:t>10/1/2018</a:t>
+              <a:t>10/3/2018</a:t>
             </a:fld>
             <a:endParaRPr lang="en-US" dirty="0"/>
           </a:p>
@@ -783,7 +784,7 @@
           <a:p>
             <a:fld id="{85AB7CBB-843F-464A-A764-71D6ADC27CFA}" type="datetime1">
               <a:rPr lang="en-US" smtClean="0"/>
-              <a:t>10/1/2018</a:t>
+              <a:t>10/3/2018</a:t>
             </a:fld>
             <a:endParaRPr lang="en-US" dirty="0"/>
           </a:p>
@@ -970,7 +971,7 @@
           <a:p>
             <a:fld id="{CBEFC03D-3A1F-4813-9337-02411FCC3A9A}" type="datetime1">
               <a:rPr lang="en-US" smtClean="0"/>
-              <a:t>10/1/2018</a:t>
+              <a:t>10/3/2018</a:t>
             </a:fld>
             <a:endParaRPr lang="en-US" dirty="0"/>
           </a:p>
@@ -1166,7 +1167,7 @@
           <a:p>
             <a:fld id="{3D638F79-DFA0-4C26-9553-23A017B69AB6}" type="datetime1">
               <a:rPr lang="en-US" smtClean="0"/>
-              <a:t>10/1/2018</a:t>
+              <a:t>10/3/2018</a:t>
             </a:fld>
             <a:endParaRPr lang="en-US" dirty="0"/>
           </a:p>
@@ -1277,7 +1278,7 @@
           <a:p>
             <a:fld id="{AA615CA6-EC4D-4728-8AA6-534BE7E9B67C}" type="datetime1">
               <a:rPr lang="en-US" smtClean="0"/>
-              <a:t>10/1/2018</a:t>
+              <a:t>10/3/2018</a:t>
             </a:fld>
             <a:endParaRPr lang="en-US" dirty="0"/>
           </a:p>
@@ -1462,7 +1463,7 @@
           <a:p>
             <a:fld id="{A70B34E7-E1D9-4FBF-A1A0-4009669A00BF}" type="datetime1">
               <a:rPr lang="en-US" smtClean="0"/>
-              <a:t>10/1/2018</a:t>
+              <a:t>10/3/2018</a:t>
             </a:fld>
             <a:endParaRPr lang="en-US" dirty="0"/>
           </a:p>
@@ -1725,7 +1726,7 @@
           <a:p>
             <a:fld id="{C50FD434-5945-4FAF-A8C0-DAE9905532CE}" type="datetimeFigureOut">
               <a:rPr lang="en-US" smtClean="0"/>
-              <a:t>10/1/2018</a:t>
+              <a:t>10/3/2018</a:t>
             </a:fld>
             <a:endParaRPr lang="en-US"/>
           </a:p>
@@ -1969,7 +1970,7 @@
           <a:p>
             <a:fld id="{7579E8B6-2F47-420B-83EA-EB2285D13EC9}" type="datetime1">
               <a:rPr lang="en-US" smtClean="0"/>
-              <a:t>10/1/2018</a:t>
+              <a:t>10/3/2018</a:t>
             </a:fld>
             <a:endParaRPr lang="en-US" dirty="0"/>
           </a:p>
@@ -2352,7 +2353,7 @@
           <a:p>
             <a:fld id="{2304803D-B10E-4B90-8456-A0E05393E233}" type="datetime1">
               <a:rPr lang="en-US" smtClean="0"/>
-              <a:t>10/1/2018</a:t>
+              <a:t>10/3/2018</a:t>
             </a:fld>
             <a:endParaRPr lang="en-US" dirty="0"/>
           </a:p>
@@ -2486,7 +2487,7 @@
           <a:p>
             <a:fld id="{CCE1E62F-6CCE-4064-96C2-2084AF883904}" type="datetime1">
               <a:rPr lang="en-US" smtClean="0"/>
-              <a:t>10/1/2018</a:t>
+              <a:t>10/3/2018</a:t>
             </a:fld>
             <a:endParaRPr lang="en-US" dirty="0"/>
           </a:p>
@@ -2597,7 +2598,7 @@
           <a:p>
             <a:fld id="{AA615CA6-EC4D-4728-8AA6-534BE7E9B67C}" type="datetime1">
               <a:rPr lang="en-US" smtClean="0"/>
-              <a:t>10/1/2018</a:t>
+              <a:t>10/3/2018</a:t>
             </a:fld>
             <a:endParaRPr lang="en-US" dirty="0"/>
           </a:p>
@@ -2890,7 +2891,7 @@
           <a:p>
             <a:fld id="{A6139942-0A2E-443A-842F-D6DE74360370}" type="datetime1">
               <a:rPr lang="en-US" smtClean="0"/>
-              <a:t>10/1/2018</a:t>
+              <a:t>10/3/2018</a:t>
             </a:fld>
             <a:endParaRPr lang="en-US" dirty="0"/>
           </a:p>
@@ -3163,7 +3164,7 @@
           <a:p>
             <a:fld id="{C50FD434-5945-4FAF-A8C0-DAE9905532CE}" type="datetimeFigureOut">
               <a:rPr lang="en-US" smtClean="0"/>
-              <a:t>10/1/2018</a:t>
+              <a:t>10/3/2018</a:t>
             </a:fld>
             <a:endParaRPr lang="en-US"/>
           </a:p>
@@ -3440,7 +3441,7 @@
           <a:p>
             <a:fld id="{3F138946-C5C1-4A11-BA69-F12F43F8A94B}" type="datetime1">
               <a:rPr lang="en-US" smtClean="0"/>
-              <a:t>10/1/2018</a:t>
+              <a:t>10/3/2018</a:t>
             </a:fld>
             <a:endParaRPr lang="en-US" dirty="0"/>
           </a:p>
@@ -5394,6 +5395,17 @@
 <file path=ppt/slides/slide6.xml><?xml version="1.0" encoding="utf-8"?>
 <p:sld xmlns:a="http://schemas.openxmlformats.org/drawingml/2006/main" xmlns:r="http://schemas.openxmlformats.org/officeDocument/2006/relationships" xmlns:p="http://schemas.openxmlformats.org/presentationml/2006/main">
   <p:cSld>
+    <p:bg>
+      <p:bgPr>
+        <a:solidFill>
+          <a:schemeClr val="bg1">
+            <a:tint val="95000"/>
+            <a:satMod val="170000"/>
+          </a:schemeClr>
+        </a:solidFill>
+        <a:effectLst/>
+      </p:bgPr>
+    </p:bg>
     <p:spTree>
       <p:nvGrpSpPr>
         <p:cNvPr id="1" name=""/>
@@ -5424,15 +5436,95 @@
             <p:ph type="title"/>
           </p:nvPr>
         </p:nvSpPr>
-        <p:spPr/>
-        <p:txBody>
-          <a:bodyPr/>
-          <a:lstStyle/>
-          <a:p>
-            <a:r>
-              <a:rPr lang="en-US" dirty="0"/>
+        <p:spPr>
+          <a:xfrm>
+            <a:off x="1023257" y="965198"/>
+            <a:ext cx="6766078" cy="4927601"/>
+          </a:xfrm>
+        </p:spPr>
+        <p:txBody>
+          <a:bodyPr vert="horz" lIns="91440" tIns="45720" rIns="91440" bIns="45720" rtlCol="0" anchor="ctr">
+            <a:normAutofit/>
+          </a:bodyPr>
+          <a:lstStyle/>
+          <a:p>
+            <a:pPr algn="r"/>
+            <a:r>
+              <a:rPr lang="en-US" sz="6000" kern="1200">
+                <a:solidFill>
+                  <a:schemeClr val="tx1"/>
+                </a:solidFill>
+                <a:latin typeface="+mj-lt"/>
+                <a:ea typeface="+mj-ea"/>
+                <a:cs typeface="+mj-cs"/>
+              </a:rPr>
               <a:t>Lettering Guide</a:t>
             </a:r>
+          </a:p>
+        </p:txBody>
+      </p:sp>
+      <p:sp>
+        <p:nvSpPr>
+          <p:cNvPr id="16" name="Rectangle 15">
+            <a:extLst>
+              <a:ext uri="{FF2B5EF4-FFF2-40B4-BE49-F238E27FC236}">
+                <a16:creationId xmlns:a16="http://schemas.microsoft.com/office/drawing/2014/main" id="{793EF0C2-EE57-40DD-B754-BF1477FABABB}"/>
+              </a:ext>
+              <a:ext uri="{C183D7F6-B498-43B3-948B-1728B52AA6E4}">
+                <adec:decorative xmlns:adec="http://schemas.microsoft.com/office/drawing/2017/decorative" val="1"/>
+              </a:ext>
+            </a:extLst>
+          </p:cNvPr>
+          <p:cNvSpPr>
+            <a:spLocks noGrp="1" noRot="1" noChangeAspect="1" noMove="1" noResize="1" noEditPoints="1" noAdjustHandles="1" noChangeArrowheads="1" noChangeShapeType="1" noTextEdit="1"/>
+          </p:cNvSpPr>
+          <p:nvPr>
+            <p:extLst>
+              <p:ext uri="{386F3935-93C4-4BCD-93E2-E3B085C9AB24}">
+                <p16:designElem xmlns:p16="http://schemas.microsoft.com/office/powerpoint/2015/main" val="1"/>
+              </p:ext>
+            </p:extLst>
+          </p:nvPr>
+        </p:nvSpPr>
+        <p:spPr>
+          <a:xfrm>
+            <a:off x="8119870" y="0"/>
+            <a:ext cx="4072130" cy="6858000"/>
+          </a:xfrm>
+          <a:prstGeom prst="rect">
+            <a:avLst/>
+          </a:prstGeom>
+          <a:solidFill>
+            <a:schemeClr val="accent1">
+              <a:alpha val="80000"/>
+            </a:schemeClr>
+          </a:solidFill>
+          <a:ln>
+            <a:noFill/>
+          </a:ln>
+        </p:spPr>
+        <p:style>
+          <a:lnRef idx="2">
+            <a:schemeClr val="accent1">
+              <a:shade val="50000"/>
+            </a:schemeClr>
+          </a:lnRef>
+          <a:fillRef idx="1">
+            <a:schemeClr val="accent1"/>
+          </a:fillRef>
+          <a:effectRef idx="0">
+            <a:schemeClr val="accent1"/>
+          </a:effectRef>
+          <a:fontRef idx="minor">
+            <a:schemeClr val="lt1"/>
+          </a:fontRef>
+        </p:style>
+        <p:txBody>
+          <a:bodyPr rtlCol="0" anchor="ctr"/>
+          <a:lstStyle/>
+          <a:p>
+            <a:pPr algn="ctr"/>
+            <a:endParaRPr lang="en-US"/>
           </a:p>
         </p:txBody>
       </p:sp>
@@ -5452,13 +5544,30 @@
             <p:ph idx="1"/>
           </p:nvPr>
         </p:nvSpPr>
-        <p:spPr/>
-        <p:txBody>
-          <a:bodyPr/>
-          <a:lstStyle/>
-          <a:p>
-            <a:r>
-              <a:rPr lang="en-US" dirty="0"/>
+        <p:spPr>
+          <a:xfrm>
+            <a:off x="8454570" y="965199"/>
+            <a:ext cx="3093963" cy="4927602"/>
+          </a:xfrm>
+        </p:spPr>
+        <p:txBody>
+          <a:bodyPr vert="horz" lIns="91440" tIns="45720" rIns="91440" bIns="45720" rtlCol="0" anchor="ctr">
+            <a:normAutofit/>
+          </a:bodyPr>
+          <a:lstStyle/>
+          <a:p>
+            <a:pPr marL="0" indent="0">
+              <a:buNone/>
+            </a:pPr>
+            <a:r>
+              <a:rPr lang="en-US" sz="2000" kern="1200">
+                <a:solidFill>
+                  <a:srgbClr val="FFFFFF"/>
+                </a:solidFill>
+                <a:latin typeface="+mn-lt"/>
+                <a:ea typeface="+mn-ea"/>
+                <a:cs typeface="+mn-cs"/>
+              </a:rPr>
               <a:t>The Ames Lettering Guide can help provide guidelines for freehand technical drawing</a:t>
             </a:r>
           </a:p>
@@ -5480,16 +5589,36 @@
             <p:ph type="ftr" sz="quarter" idx="11"/>
           </p:nvPr>
         </p:nvSpPr>
-        <p:spPr/>
-        <p:txBody>
-          <a:bodyPr/>
-          <a:lstStyle/>
-          <a:p>
-            <a:r>
-              <a:rPr lang="en-US"/>
+        <p:spPr>
+          <a:xfrm>
+            <a:off x="1023257" y="6356350"/>
+            <a:ext cx="4114800" cy="365125"/>
+          </a:xfrm>
+        </p:spPr>
+        <p:txBody>
+          <a:bodyPr vert="horz" lIns="91440" tIns="45720" rIns="91440" bIns="45720" rtlCol="0" anchor="ctr">
+            <a:normAutofit/>
+          </a:bodyPr>
+          <a:lstStyle/>
+          <a:p>
+            <a:pPr algn="l" defTabSz="914400">
+              <a:spcAft>
+                <a:spcPts val="600"/>
+              </a:spcAft>
+            </a:pPr>
+            <a:r>
+              <a:rPr lang="en-US" sz="1100" kern="1200">
+                <a:solidFill>
+                  <a:schemeClr val="tx1">
+                    <a:tint val="75000"/>
+                  </a:schemeClr>
+                </a:solidFill>
+                <a:latin typeface="+mn-lt"/>
+                <a:ea typeface="+mn-ea"/>
+                <a:cs typeface="+mn-cs"/>
+              </a:rPr>
               <a:t>Add a footer</a:t>
             </a:r>
-            <a:endParaRPr lang="en-US" dirty="0"/>
           </a:p>
         </p:txBody>
       </p:sp>
@@ -5501,7 +5630,7 @@
     </p:extLst>
   </p:cSld>
   <p:clrMapOvr>
-    <a:masterClrMapping/>
+    <a:overrideClrMapping bg1="dk1" tx1="lt1" bg2="dk2" tx2="lt2" accent1="accent1" accent2="accent2" accent3="accent3" accent4="accent4" accent5="accent5" accent6="accent6" hlink="hlink" folHlink="folHlink"/>
   </p:clrMapOvr>
   <mc:AlternateContent xmlns:mc="http://schemas.openxmlformats.org/markup-compatibility/2006" xmlns:p14="http://schemas.microsoft.com/office/powerpoint/2010/main">
     <mc:Choice Requires="p14">
@@ -5650,6 +5779,562 @@
   </p:cSld>
   <p:clrMapOvr>
     <a:masterClrMapping/>
+  </p:clrMapOvr>
+  <mc:AlternateContent xmlns:mc="http://schemas.openxmlformats.org/markup-compatibility/2006" xmlns:p14="http://schemas.microsoft.com/office/powerpoint/2010/main">
+    <mc:Choice Requires="p14">
+      <p:transition spd="med" p14:dur="700">
+        <p:fade/>
+      </p:transition>
+    </mc:Choice>
+    <mc:Fallback xmlns="">
+      <p:transition spd="med">
+        <p:fade/>
+      </p:transition>
+    </mc:Fallback>
+  </mc:AlternateContent>
+</p:sld>
+</file>
+
+<file path=ppt/slides/slide8.xml><?xml version="1.0" encoding="utf-8"?>
+<p:sld xmlns:a="http://schemas.openxmlformats.org/drawingml/2006/main" xmlns:r="http://schemas.openxmlformats.org/officeDocument/2006/relationships" xmlns:p="http://schemas.openxmlformats.org/presentationml/2006/main">
+  <p:cSld>
+    <p:bg>
+      <p:bgPr>
+        <a:solidFill>
+          <a:schemeClr val="bg1">
+            <a:tint val="95000"/>
+            <a:satMod val="170000"/>
+          </a:schemeClr>
+        </a:solidFill>
+        <a:effectLst/>
+      </p:bgPr>
+    </p:bg>
+    <p:spTree>
+      <p:nvGrpSpPr>
+        <p:cNvPr id="1" name=""/>
+        <p:cNvGrpSpPr/>
+        <p:nvPr/>
+      </p:nvGrpSpPr>
+      <p:grpSpPr>
+        <a:xfrm>
+          <a:off x="0" y="0"/>
+          <a:ext cx="0" cy="0"/>
+          <a:chOff x="0" y="0"/>
+          <a:chExt cx="0" cy="0"/>
+        </a:xfrm>
+      </p:grpSpPr>
+      <p:sp>
+        <p:nvSpPr>
+          <p:cNvPr id="2" name="Title 1">
+            <a:extLst>
+              <a:ext uri="{FF2B5EF4-FFF2-40B4-BE49-F238E27FC236}">
+                <a16:creationId xmlns:a16="http://schemas.microsoft.com/office/drawing/2014/main" id="{566A6327-5314-45CB-9F00-BC875423FB8B}"/>
+              </a:ext>
+            </a:extLst>
+          </p:cNvPr>
+          <p:cNvSpPr>
+            <a:spLocks noGrp="1"/>
+          </p:cNvSpPr>
+          <p:nvPr>
+            <p:ph type="title"/>
+          </p:nvPr>
+        </p:nvSpPr>
+        <p:spPr>
+          <a:xfrm>
+            <a:off x="6653600" y="1396289"/>
+            <a:ext cx="5006336" cy="1325563"/>
+          </a:xfrm>
+        </p:spPr>
+        <p:txBody>
+          <a:bodyPr>
+            <a:normAutofit/>
+          </a:bodyPr>
+          <a:lstStyle/>
+          <a:p>
+            <a:r>
+              <a:rPr lang="en-US" dirty="0"/>
+              <a:t>Drawing #5</a:t>
+            </a:r>
+          </a:p>
+        </p:txBody>
+      </p:sp>
+      <p:sp>
+        <p:nvSpPr>
+          <p:cNvPr id="18" name="Freeform: Shape 17">
+            <a:extLst>
+              <a:ext uri="{FF2B5EF4-FFF2-40B4-BE49-F238E27FC236}">
+                <a16:creationId xmlns:a16="http://schemas.microsoft.com/office/drawing/2014/main" id="{4F74D28C-3268-4E35-8EE1-D92CB4A85A7D}"/>
+              </a:ext>
+              <a:ext uri="{C183D7F6-B498-43B3-948B-1728B52AA6E4}">
+                <adec:decorative xmlns:adec="http://schemas.microsoft.com/office/drawing/2017/decorative" val="1"/>
+              </a:ext>
+            </a:extLst>
+          </p:cNvPr>
+          <p:cNvSpPr>
+            <a:spLocks noGrp="1" noRot="1" noChangeAspect="1" noMove="1" noResize="1" noEditPoints="1" noAdjustHandles="1" noChangeArrowheads="1" noChangeShapeType="1" noTextEdit="1"/>
+          </p:cNvSpPr>
+          <p:nvPr>
+            <p:extLst>
+              <p:ext uri="{386F3935-93C4-4BCD-93E2-E3B085C9AB24}">
+                <p16:designElem xmlns:p16="http://schemas.microsoft.com/office/powerpoint/2015/main" val="1"/>
+              </p:ext>
+            </p:extLst>
+          </p:nvPr>
+        </p:nvSpPr>
+        <p:spPr>
+          <a:xfrm flipH="1">
+            <a:off x="0" y="0"/>
+            <a:ext cx="6172782" cy="6858000"/>
+          </a:xfrm>
+          <a:custGeom>
+            <a:avLst/>
+            <a:gdLst>
+              <a:gd name="connsiteX0" fmla="*/ 6172782 w 6172782"/>
+              <a:gd name="connsiteY0" fmla="*/ 0 h 6858000"/>
+              <a:gd name="connsiteX1" fmla="*/ 69075 w 6172782"/>
+              <a:gd name="connsiteY1" fmla="*/ 0 h 6858000"/>
+              <a:gd name="connsiteX2" fmla="*/ 35131 w 6172782"/>
+              <a:gd name="connsiteY2" fmla="*/ 267128 h 6858000"/>
+              <a:gd name="connsiteX3" fmla="*/ 0 w 6172782"/>
+              <a:gd name="connsiteY3" fmla="*/ 962845 h 6858000"/>
+              <a:gd name="connsiteX4" fmla="*/ 3276103 w 6172782"/>
+              <a:gd name="connsiteY4" fmla="*/ 6782205 h 6858000"/>
+              <a:gd name="connsiteX5" fmla="*/ 3407923 w 6172782"/>
+              <a:gd name="connsiteY5" fmla="*/ 6858000 h 6858000"/>
+              <a:gd name="connsiteX6" fmla="*/ 6172782 w 6172782"/>
+              <a:gd name="connsiteY6" fmla="*/ 6858000 h 6858000"/>
+            </a:gdLst>
+            <a:ahLst/>
+            <a:cxnLst>
+              <a:cxn ang="0">
+                <a:pos x="connsiteX0" y="connsiteY0"/>
+              </a:cxn>
+              <a:cxn ang="0">
+                <a:pos x="connsiteX1" y="connsiteY1"/>
+              </a:cxn>
+              <a:cxn ang="0">
+                <a:pos x="connsiteX2" y="connsiteY2"/>
+              </a:cxn>
+              <a:cxn ang="0">
+                <a:pos x="connsiteX3" y="connsiteY3"/>
+              </a:cxn>
+              <a:cxn ang="0">
+                <a:pos x="connsiteX4" y="connsiteY4"/>
+              </a:cxn>
+              <a:cxn ang="0">
+                <a:pos x="connsiteX5" y="connsiteY5"/>
+              </a:cxn>
+              <a:cxn ang="0">
+                <a:pos x="connsiteX6" y="connsiteY6"/>
+              </a:cxn>
+            </a:cxnLst>
+            <a:rect l="l" t="t" r="r" b="b"/>
+            <a:pathLst>
+              <a:path w="6172782" h="6858000">
+                <a:moveTo>
+                  <a:pt x="6172782" y="0"/>
+                </a:moveTo>
+                <a:lnTo>
+                  <a:pt x="69075" y="0"/>
+                </a:lnTo>
+                <a:lnTo>
+                  <a:pt x="35131" y="267128"/>
+                </a:lnTo>
+                <a:cubicBezTo>
+                  <a:pt x="11901" y="495874"/>
+                  <a:pt x="0" y="727970"/>
+                  <a:pt x="0" y="962845"/>
+                </a:cubicBezTo>
+                <a:cubicBezTo>
+                  <a:pt x="0" y="3429034"/>
+                  <a:pt x="1312002" y="5588789"/>
+                  <a:pt x="3276103" y="6782205"/>
+                </a:cubicBezTo>
+                <a:lnTo>
+                  <a:pt x="3407923" y="6858000"/>
+                </a:lnTo>
+                <a:lnTo>
+                  <a:pt x="6172782" y="6858000"/>
+                </a:lnTo>
+                <a:close/>
+              </a:path>
+            </a:pathLst>
+          </a:custGeom>
+          <a:solidFill>
+            <a:srgbClr val="FFFFFF">
+              <a:alpha val="80000"/>
+            </a:srgbClr>
+          </a:solidFill>
+          <a:ln>
+            <a:noFill/>
+          </a:ln>
+        </p:spPr>
+        <p:style>
+          <a:lnRef idx="2">
+            <a:schemeClr val="accent1">
+              <a:shade val="50000"/>
+            </a:schemeClr>
+          </a:lnRef>
+          <a:fillRef idx="1">
+            <a:schemeClr val="accent1"/>
+          </a:fillRef>
+          <a:effectRef idx="0">
+            <a:schemeClr val="accent1"/>
+          </a:effectRef>
+          <a:fontRef idx="minor">
+            <a:schemeClr val="lt1"/>
+          </a:fontRef>
+        </p:style>
+        <p:txBody>
+          <a:bodyPr wrap="square" rtlCol="0" anchor="ctr">
+            <a:noAutofit/>
+          </a:bodyPr>
+          <a:lstStyle/>
+          <a:p>
+            <a:pPr marL="0" marR="0" lvl="0" indent="0" algn="ctr" defTabSz="914400" rtl="0" eaLnBrk="1" fontAlgn="auto" latinLnBrk="0" hangingPunct="1">
+              <a:lnSpc>
+                <a:spcPct val="100000"/>
+              </a:lnSpc>
+              <a:spcBef>
+                <a:spcPts val="0"/>
+              </a:spcBef>
+              <a:spcAft>
+                <a:spcPts val="0"/>
+              </a:spcAft>
+              <a:buClrTx/>
+              <a:buSzTx/>
+              <a:buFontTx/>
+              <a:buNone/>
+              <a:tabLst/>
+              <a:defRPr/>
+            </a:pPr>
+            <a:endParaRPr kumimoji="0" lang="en-US" sz="1800" b="0" i="0" u="none" strike="noStrike" kern="1200" cap="none" spc="0" normalizeH="0" baseline="0" noProof="0">
+              <a:ln>
+                <a:noFill/>
+              </a:ln>
+              <a:solidFill>
+                <a:prstClr val="white"/>
+              </a:solidFill>
+              <a:effectLst/>
+              <a:uLnTx/>
+              <a:uFillTx/>
+              <a:latin typeface="Calibri" panose="020F0502020204030204"/>
+              <a:ea typeface="+mn-ea"/>
+              <a:cs typeface="+mn-cs"/>
+            </a:endParaRPr>
+          </a:p>
+        </p:txBody>
+      </p:sp>
+      <p:sp>
+        <p:nvSpPr>
+          <p:cNvPr id="20" name="Freeform: Shape 19">
+            <a:extLst>
+              <a:ext uri="{FF2B5EF4-FFF2-40B4-BE49-F238E27FC236}">
+                <a16:creationId xmlns:a16="http://schemas.microsoft.com/office/drawing/2014/main" id="{58D44E42-C462-4105-BC86-FE75B4E3C4AF}"/>
+              </a:ext>
+              <a:ext uri="{C183D7F6-B498-43B3-948B-1728B52AA6E4}">
+                <adec:decorative xmlns:adec="http://schemas.microsoft.com/office/drawing/2017/decorative" val="1"/>
+              </a:ext>
+            </a:extLst>
+          </p:cNvPr>
+          <p:cNvSpPr>
+            <a:spLocks noGrp="1" noRot="1" noChangeAspect="1" noMove="1" noResize="1" noEditPoints="1" noAdjustHandles="1" noChangeArrowheads="1" noChangeShapeType="1" noTextEdit="1"/>
+          </p:cNvSpPr>
+          <p:nvPr>
+            <p:extLst>
+              <p:ext uri="{386F3935-93C4-4BCD-93E2-E3B085C9AB24}">
+                <p16:designElem xmlns:p16="http://schemas.microsoft.com/office/powerpoint/2015/main" val="1"/>
+              </p:ext>
+            </p:extLst>
+          </p:nvPr>
+        </p:nvSpPr>
+        <p:spPr>
+          <a:xfrm flipH="1">
+            <a:off x="0" y="0"/>
+            <a:ext cx="6024154" cy="6858000"/>
+          </a:xfrm>
+          <a:custGeom>
+            <a:avLst/>
+            <a:gdLst>
+              <a:gd name="connsiteX0" fmla="*/ 70374 w 6024154"/>
+              <a:gd name="connsiteY0" fmla="*/ 0 h 6858000"/>
+              <a:gd name="connsiteX1" fmla="*/ 6024154 w 6024154"/>
+              <a:gd name="connsiteY1" fmla="*/ 0 h 6858000"/>
+              <a:gd name="connsiteX2" fmla="*/ 6024154 w 6024154"/>
+              <a:gd name="connsiteY2" fmla="*/ 6858000 h 6858000"/>
+              <a:gd name="connsiteX3" fmla="*/ 3587167 w 6024154"/>
+              <a:gd name="connsiteY3" fmla="*/ 6858000 h 6858000"/>
+              <a:gd name="connsiteX4" fmla="*/ 3474220 w 6024154"/>
+              <a:gd name="connsiteY4" fmla="*/ 6800152 h 6858000"/>
+              <a:gd name="connsiteX5" fmla="*/ 0 w 6024154"/>
+              <a:gd name="connsiteY5" fmla="*/ 962844 h 6858000"/>
+              <a:gd name="connsiteX6" fmla="*/ 34274 w 6024154"/>
+              <a:gd name="connsiteY6" fmla="*/ 284091 h 6858000"/>
+            </a:gdLst>
+            <a:ahLst/>
+            <a:cxnLst>
+              <a:cxn ang="0">
+                <a:pos x="connsiteX0" y="connsiteY0"/>
+              </a:cxn>
+              <a:cxn ang="0">
+                <a:pos x="connsiteX1" y="connsiteY1"/>
+              </a:cxn>
+              <a:cxn ang="0">
+                <a:pos x="connsiteX2" y="connsiteY2"/>
+              </a:cxn>
+              <a:cxn ang="0">
+                <a:pos x="connsiteX3" y="connsiteY3"/>
+              </a:cxn>
+              <a:cxn ang="0">
+                <a:pos x="connsiteX4" y="connsiteY4"/>
+              </a:cxn>
+              <a:cxn ang="0">
+                <a:pos x="connsiteX5" y="connsiteY5"/>
+              </a:cxn>
+              <a:cxn ang="0">
+                <a:pos x="connsiteX6" y="connsiteY6"/>
+              </a:cxn>
+            </a:cxnLst>
+            <a:rect l="l" t="t" r="r" b="b"/>
+            <a:pathLst>
+              <a:path w="6024154" h="6858000">
+                <a:moveTo>
+                  <a:pt x="70374" y="0"/>
+                </a:moveTo>
+                <a:lnTo>
+                  <a:pt x="6024154" y="0"/>
+                </a:lnTo>
+                <a:lnTo>
+                  <a:pt x="6024154" y="6858000"/>
+                </a:lnTo>
+                <a:lnTo>
+                  <a:pt x="3587167" y="6858000"/>
+                </a:lnTo>
+                <a:lnTo>
+                  <a:pt x="3474220" y="6800152"/>
+                </a:lnTo>
+                <a:cubicBezTo>
+                  <a:pt x="1404818" y="5675986"/>
+                  <a:pt x="0" y="3483472"/>
+                  <a:pt x="0" y="962844"/>
+                </a:cubicBezTo>
+                <a:cubicBezTo>
+                  <a:pt x="0" y="733696"/>
+                  <a:pt x="11610" y="507260"/>
+                  <a:pt x="34274" y="284091"/>
+                </a:cubicBezTo>
+                <a:close/>
+              </a:path>
+            </a:pathLst>
+          </a:custGeom>
+          <a:solidFill>
+            <a:schemeClr val="tx1"/>
+          </a:solidFill>
+          <a:ln>
+            <a:noFill/>
+          </a:ln>
+        </p:spPr>
+        <p:style>
+          <a:lnRef idx="2">
+            <a:schemeClr val="accent1">
+              <a:shade val="50000"/>
+            </a:schemeClr>
+          </a:lnRef>
+          <a:fillRef idx="1">
+            <a:schemeClr val="accent1"/>
+          </a:fillRef>
+          <a:effectRef idx="0">
+            <a:schemeClr val="accent1"/>
+          </a:effectRef>
+          <a:fontRef idx="minor">
+            <a:schemeClr val="lt1"/>
+          </a:fontRef>
+        </p:style>
+        <p:txBody>
+          <a:bodyPr rtlCol="0" anchor="ctr"/>
+          <a:lstStyle/>
+          <a:p>
+            <a:pPr marL="0" marR="0" lvl="0" indent="0" algn="ctr" defTabSz="914400" rtl="0" eaLnBrk="1" fontAlgn="auto" latinLnBrk="0" hangingPunct="1">
+              <a:lnSpc>
+                <a:spcPct val="100000"/>
+              </a:lnSpc>
+              <a:spcBef>
+                <a:spcPts val="0"/>
+              </a:spcBef>
+              <a:spcAft>
+                <a:spcPts val="0"/>
+              </a:spcAft>
+              <a:buClrTx/>
+              <a:buSzTx/>
+              <a:buFontTx/>
+              <a:buNone/>
+              <a:tabLst/>
+              <a:defRPr/>
+            </a:pPr>
+            <a:endParaRPr kumimoji="0" lang="en-US" sz="1800" b="0" i="0" u="none" strike="noStrike" kern="1200" cap="none" spc="0" normalizeH="0" baseline="0" noProof="0">
+              <a:ln>
+                <a:noFill/>
+              </a:ln>
+              <a:solidFill>
+                <a:prstClr val="white"/>
+              </a:solidFill>
+              <a:effectLst/>
+              <a:uLnTx/>
+              <a:uFillTx/>
+              <a:latin typeface="Calibri" panose="020F0502020204030204"/>
+              <a:ea typeface="+mn-ea"/>
+              <a:cs typeface="+mn-cs"/>
+            </a:endParaRPr>
+          </a:p>
+        </p:txBody>
+      </p:sp>
+      <p:pic>
+        <p:nvPicPr>
+          <p:cNvPr id="8" name="Graphic 7" descr="Presentation with Checklist">
+            <a:extLst>
+              <a:ext uri="{FF2B5EF4-FFF2-40B4-BE49-F238E27FC236}">
+                <a16:creationId xmlns:a16="http://schemas.microsoft.com/office/drawing/2014/main" id="{77E2C276-8CC5-4881-84C7-C315A63D0505}"/>
+              </a:ext>
+            </a:extLst>
+          </p:cNvPr>
+          <p:cNvPicPr>
+            <a:picLocks noChangeAspect="1"/>
+          </p:cNvPicPr>
+          <p:nvPr/>
+        </p:nvPicPr>
+        <p:blipFill>
+          <a:blip r:embed="rId2">
+            <a:extLst>
+              <a:ext uri="{28A0092B-C50C-407E-A947-70E740481C1C}">
+                <a14:useLocalDpi xmlns:a14="http://schemas.microsoft.com/office/drawing/2010/main" val="0"/>
+              </a:ext>
+              <a:ext uri="{96DAC541-7B7A-43D3-8B79-37D633B846F1}">
+                <asvg:svgBlip xmlns:asvg="http://schemas.microsoft.com/office/drawing/2016/SVG/main" r:embed="rId3"/>
+              </a:ext>
+            </a:extLst>
+          </a:blip>
+          <a:stretch>
+            <a:fillRect/>
+          </a:stretch>
+        </p:blipFill>
+        <p:spPr>
+          <a:xfrm>
+            <a:off x="364241" y="643466"/>
+            <a:ext cx="4105275" cy="4105275"/>
+          </a:xfrm>
+          <a:prstGeom prst="rect">
+            <a:avLst/>
+          </a:prstGeom>
+        </p:spPr>
+      </p:pic>
+      <p:sp>
+        <p:nvSpPr>
+          <p:cNvPr id="3" name="Content Placeholder 2">
+            <a:extLst>
+              <a:ext uri="{FF2B5EF4-FFF2-40B4-BE49-F238E27FC236}">
+                <a16:creationId xmlns:a16="http://schemas.microsoft.com/office/drawing/2014/main" id="{243F4135-D972-4007-ADC9-8172C07FD54E}"/>
+              </a:ext>
+            </a:extLst>
+          </p:cNvPr>
+          <p:cNvSpPr>
+            <a:spLocks noGrp="1"/>
+          </p:cNvSpPr>
+          <p:nvPr>
+            <p:ph idx="1"/>
+          </p:nvPr>
+        </p:nvSpPr>
+        <p:spPr>
+          <a:xfrm>
+            <a:off x="6658044" y="2871982"/>
+            <a:ext cx="5006336" cy="3181684"/>
+          </a:xfrm>
+        </p:spPr>
+        <p:txBody>
+          <a:bodyPr anchor="t">
+            <a:normAutofit/>
+          </a:bodyPr>
+          <a:lstStyle/>
+          <a:p>
+            <a:r>
+              <a:rPr lang="en-US" sz="1800"/>
+              <a:t>Using the lettering guide to create your title blocks</a:t>
+            </a:r>
+          </a:p>
+          <a:p>
+            <a:r>
+              <a:rPr lang="en-US" sz="1800"/>
+              <a:t>3/8” vertical capitals</a:t>
+            </a:r>
+          </a:p>
+          <a:p>
+            <a:r>
+              <a:rPr lang="en-US" sz="1800"/>
+              <a:t>1/8” vertical capitals</a:t>
+            </a:r>
+          </a:p>
+          <a:p>
+            <a:r>
+              <a:rPr lang="en-US" sz="1800"/>
+              <a:t>1/8” vertical lower case</a:t>
+            </a:r>
+          </a:p>
+        </p:txBody>
+      </p:sp>
+      <p:sp>
+        <p:nvSpPr>
+          <p:cNvPr id="4" name="Footer Placeholder 3">
+            <a:extLst>
+              <a:ext uri="{FF2B5EF4-FFF2-40B4-BE49-F238E27FC236}">
+                <a16:creationId xmlns:a16="http://schemas.microsoft.com/office/drawing/2014/main" id="{5F183A92-70E0-4BB3-A9A6-D12A58EBE610}"/>
+              </a:ext>
+            </a:extLst>
+          </p:cNvPr>
+          <p:cNvSpPr>
+            <a:spLocks noGrp="1"/>
+          </p:cNvSpPr>
+          <p:nvPr>
+            <p:ph type="ftr" sz="quarter" idx="11"/>
+          </p:nvPr>
+        </p:nvSpPr>
+        <p:spPr>
+          <a:xfrm>
+            <a:off x="6657173" y="6199632"/>
+            <a:ext cx="5006336" cy="365125"/>
+          </a:xfrm>
+        </p:spPr>
+        <p:txBody>
+          <a:bodyPr>
+            <a:normAutofit/>
+          </a:bodyPr>
+          <a:lstStyle/>
+          <a:p>
+            <a:pPr algn="l">
+              <a:spcAft>
+                <a:spcPts val="600"/>
+              </a:spcAft>
+            </a:pPr>
+            <a:r>
+              <a:rPr lang="en-US" sz="1100">
+                <a:solidFill>
+                  <a:schemeClr val="tx1">
+                    <a:alpha val="80000"/>
+                  </a:schemeClr>
+                </a:solidFill>
+              </a:rPr>
+              <a:t>Add a footer</a:t>
+            </a:r>
+          </a:p>
+        </p:txBody>
+      </p:sp>
+    </p:spTree>
+    <p:extLst>
+      <p:ext uri="{BB962C8B-B14F-4D97-AF65-F5344CB8AC3E}">
+        <p14:creationId xmlns:p14="http://schemas.microsoft.com/office/powerpoint/2010/main" val="1478747153"/>
+      </p:ext>
+    </p:extLst>
+  </p:cSld>
+  <p:clrMapOvr>
+    <a:overrideClrMapping bg1="dk1" tx1="lt1" bg2="dk2" tx2="lt2" accent1="accent1" accent2="accent2" accent3="accent3" accent4="accent4" accent5="accent5" accent6="accent6" hlink="hlink" folHlink="folHlink"/>
   </p:clrMapOvr>
   <mc:AlternateContent xmlns:mc="http://schemas.openxmlformats.org/markup-compatibility/2006" xmlns:p14="http://schemas.microsoft.com/office/powerpoint/2010/main">
     <mc:Choice Requires="p14">

--- a/High School/Design and Drawing for Production/Unit 3 - Introduction to Lettering/Section 1 - What is Lettering/Assets/Unit 3 - Section 1 - What is Lettering.pptx
+++ b/High School/Design and Drawing for Production/Unit 3 - Introduction to Lettering/Section 1 - What is Lettering/Assets/Unit 3 - Section 1 - What is Lettering.pptx
@@ -5,10 +5,10 @@
     <p:sldMasterId id="2147483705" r:id="rId1"/>
   </p:sldMasterIdLst>
   <p:notesMasterIdLst>
-    <p:notesMasterId r:id="rId10"/>
+    <p:notesMasterId r:id="rId15"/>
   </p:notesMasterIdLst>
   <p:handoutMasterIdLst>
-    <p:handoutMasterId r:id="rId11"/>
+    <p:handoutMasterId r:id="rId16"/>
   </p:handoutMasterIdLst>
   <p:sldIdLst>
     <p:sldId id="268" r:id="rId2"/>
@@ -19,6 +19,11 @@
     <p:sldId id="280" r:id="rId7"/>
     <p:sldId id="281" r:id="rId8"/>
     <p:sldId id="282" r:id="rId9"/>
+    <p:sldId id="283" r:id="rId10"/>
+    <p:sldId id="284" r:id="rId11"/>
+    <p:sldId id="285" r:id="rId12"/>
+    <p:sldId id="286" r:id="rId13"/>
+    <p:sldId id="287" r:id="rId14"/>
   </p:sldIdLst>
   <p:sldSz cx="12192000" cy="6858000"/>
   <p:notesSz cx="6858000" cy="9144000"/>
@@ -221,7 +226,7 @@
           <a:p>
             <a:fld id="{6AC4FB8F-ED15-48AB-97BD-17129D4E699D}" type="datetimeFigureOut">
               <a:rPr lang="en-US" smtClean="0"/>
-              <a:t>10/3/2018</a:t>
+              <a:t>10/4/2018</a:t>
             </a:fld>
             <a:endParaRPr lang="en-US" dirty="0"/>
           </a:p>
@@ -386,7 +391,7 @@
           <a:p>
             <a:fld id="{BBC9D437-CD83-4825-AD0D-5E7B341BC79B}" type="datetimeFigureOut">
               <a:rPr lang="en-US" smtClean="0"/>
-              <a:t>10/3/2018</a:t>
+              <a:t>10/4/2018</a:t>
             </a:fld>
             <a:endParaRPr lang="en-US" dirty="0"/>
           </a:p>
@@ -784,7 +789,7 @@
           <a:p>
             <a:fld id="{85AB7CBB-843F-464A-A764-71D6ADC27CFA}" type="datetime1">
               <a:rPr lang="en-US" smtClean="0"/>
-              <a:t>10/3/2018</a:t>
+              <a:t>10/4/2018</a:t>
             </a:fld>
             <a:endParaRPr lang="en-US" dirty="0"/>
           </a:p>
@@ -971,7 +976,7 @@
           <a:p>
             <a:fld id="{CBEFC03D-3A1F-4813-9337-02411FCC3A9A}" type="datetime1">
               <a:rPr lang="en-US" smtClean="0"/>
-              <a:t>10/3/2018</a:t>
+              <a:t>10/4/2018</a:t>
             </a:fld>
             <a:endParaRPr lang="en-US" dirty="0"/>
           </a:p>
@@ -1167,7 +1172,7 @@
           <a:p>
             <a:fld id="{3D638F79-DFA0-4C26-9553-23A017B69AB6}" type="datetime1">
               <a:rPr lang="en-US" smtClean="0"/>
-              <a:t>10/3/2018</a:t>
+              <a:t>10/4/2018</a:t>
             </a:fld>
             <a:endParaRPr lang="en-US" dirty="0"/>
           </a:p>
@@ -1278,7 +1283,7 @@
           <a:p>
             <a:fld id="{AA615CA6-EC4D-4728-8AA6-534BE7E9B67C}" type="datetime1">
               <a:rPr lang="en-US" smtClean="0"/>
-              <a:t>10/3/2018</a:t>
+              <a:t>10/4/2018</a:t>
             </a:fld>
             <a:endParaRPr lang="en-US" dirty="0"/>
           </a:p>
@@ -1463,7 +1468,7 @@
           <a:p>
             <a:fld id="{A70B34E7-E1D9-4FBF-A1A0-4009669A00BF}" type="datetime1">
               <a:rPr lang="en-US" smtClean="0"/>
-              <a:t>10/3/2018</a:t>
+              <a:t>10/4/2018</a:t>
             </a:fld>
             <a:endParaRPr lang="en-US" dirty="0"/>
           </a:p>
@@ -1726,7 +1731,7 @@
           <a:p>
             <a:fld id="{C50FD434-5945-4FAF-A8C0-DAE9905532CE}" type="datetimeFigureOut">
               <a:rPr lang="en-US" smtClean="0"/>
-              <a:t>10/3/2018</a:t>
+              <a:t>10/4/2018</a:t>
             </a:fld>
             <a:endParaRPr lang="en-US"/>
           </a:p>
@@ -1970,7 +1975,7 @@
           <a:p>
             <a:fld id="{7579E8B6-2F47-420B-83EA-EB2285D13EC9}" type="datetime1">
               <a:rPr lang="en-US" smtClean="0"/>
-              <a:t>10/3/2018</a:t>
+              <a:t>10/4/2018</a:t>
             </a:fld>
             <a:endParaRPr lang="en-US" dirty="0"/>
           </a:p>
@@ -2353,7 +2358,7 @@
           <a:p>
             <a:fld id="{2304803D-B10E-4B90-8456-A0E05393E233}" type="datetime1">
               <a:rPr lang="en-US" smtClean="0"/>
-              <a:t>10/3/2018</a:t>
+              <a:t>10/4/2018</a:t>
             </a:fld>
             <a:endParaRPr lang="en-US" dirty="0"/>
           </a:p>
@@ -2487,7 +2492,7 @@
           <a:p>
             <a:fld id="{CCE1E62F-6CCE-4064-96C2-2084AF883904}" type="datetime1">
               <a:rPr lang="en-US" smtClean="0"/>
-              <a:t>10/3/2018</a:t>
+              <a:t>10/4/2018</a:t>
             </a:fld>
             <a:endParaRPr lang="en-US" dirty="0"/>
           </a:p>
@@ -2598,7 +2603,7 @@
           <a:p>
             <a:fld id="{AA615CA6-EC4D-4728-8AA6-534BE7E9B67C}" type="datetime1">
               <a:rPr lang="en-US" smtClean="0"/>
-              <a:t>10/3/2018</a:t>
+              <a:t>10/4/2018</a:t>
             </a:fld>
             <a:endParaRPr lang="en-US" dirty="0"/>
           </a:p>
@@ -2891,7 +2896,7 @@
           <a:p>
             <a:fld id="{A6139942-0A2E-443A-842F-D6DE74360370}" type="datetime1">
               <a:rPr lang="en-US" smtClean="0"/>
-              <a:t>10/3/2018</a:t>
+              <a:t>10/4/2018</a:t>
             </a:fld>
             <a:endParaRPr lang="en-US" dirty="0"/>
           </a:p>
@@ -3164,7 +3169,7 @@
           <a:p>
             <a:fld id="{C50FD434-5945-4FAF-A8C0-DAE9905532CE}" type="datetimeFigureOut">
               <a:rPr lang="en-US" smtClean="0"/>
-              <a:t>10/3/2018</a:t>
+              <a:t>10/4/2018</a:t>
             </a:fld>
             <a:endParaRPr lang="en-US"/>
           </a:p>
@@ -3441,7 +3446,7 @@
           <a:p>
             <a:fld id="{3F138946-C5C1-4A11-BA69-F12F43F8A94B}" type="datetime1">
               <a:rPr lang="en-US" smtClean="0"/>
-              <a:t>10/3/2018</a:t>
+              <a:t>10/4/2018</a:t>
             </a:fld>
             <a:endParaRPr lang="en-US" dirty="0"/>
           </a:p>
@@ -4033,7 +4038,7 @@
 </p:sld>
 </file>
 
-<file path=ppt/slides/slide2.xml><?xml version="1.0" encoding="utf-8"?>
+<file path=ppt/slides/slide10.xml><?xml version="1.0" encoding="utf-8"?>
 <p:sld xmlns:a="http://schemas.openxmlformats.org/drawingml/2006/main" xmlns:r="http://schemas.openxmlformats.org/officeDocument/2006/relationships" xmlns:p="http://schemas.openxmlformats.org/presentationml/2006/main">
   <p:cSld>
     <p:bg>
@@ -4060,10 +4065,10 @@
       </p:grpSpPr>
       <p:sp>
         <p:nvSpPr>
-          <p:cNvPr id="9" name="Rectangle 8">
+          <p:cNvPr id="135" name="Rectangle 134">
             <a:extLst>
               <a:ext uri="{FF2B5EF4-FFF2-40B4-BE49-F238E27FC236}">
-                <a16:creationId xmlns:a16="http://schemas.microsoft.com/office/drawing/2014/main" id="{6F9EB9F2-07E2-4D64-BBD8-BB5B217F1218}"/>
+                <a16:creationId xmlns:a16="http://schemas.microsoft.com/office/drawing/2014/main" id="{AB45A142-4255-493C-8284-5D566C121B10}"/>
               </a:ext>
               <a:ext uri="{C183D7F6-B498-43B3-948B-1728B52AA6E4}">
                 <adec:decorative xmlns:adec="http://schemas.microsoft.com/office/drawing/2017/decorative" val="1"/>
@@ -4083,19 +4088,23 @@
         </p:nvSpPr>
         <p:spPr bwMode="ltGray">
           <a:xfrm>
-            <a:off x="321564" y="320040"/>
-            <a:ext cx="11548872" cy="6217920"/>
+            <a:off x="336884" y="321177"/>
+            <a:ext cx="4332307" cy="6179552"/>
           </a:xfrm>
           <a:prstGeom prst="rect">
             <a:avLst/>
           </a:prstGeom>
           <a:solidFill>
-            <a:schemeClr val="tx1">
-              <a:alpha val="12000"/>
-            </a:schemeClr>
+            <a:srgbClr val="404040">
+              <a:alpha val="89804"/>
+            </a:srgbClr>
           </a:solidFill>
           <a:ln w="127000" cap="sq" cmpd="thinThick">
-            <a:noFill/>
+            <a:solidFill>
+              <a:srgbClr val="595959">
+                <a:alpha val="80000"/>
+              </a:srgbClr>
+            </a:solidFill>
           </a:ln>
         </p:spPr>
         <p:style>
@@ -4125,7 +4134,13 @@
       </p:sp>
       <p:sp>
         <p:nvSpPr>
-          <p:cNvPr id="2" name="Title 1"/>
+          <p:cNvPr id="4" name="Title 3">
+            <a:extLst>
+              <a:ext uri="{FF2B5EF4-FFF2-40B4-BE49-F238E27FC236}">
+                <a16:creationId xmlns:a16="http://schemas.microsoft.com/office/drawing/2014/main" id="{6E72D690-3946-41C4-B01B-C2857A0A1E69}"/>
+              </a:ext>
+            </a:extLst>
+          </p:cNvPr>
           <p:cNvSpPr>
             <a:spLocks noGrp="1"/>
           </p:cNvSpPr>
@@ -4135,36 +4150,40 @@
         </p:nvSpPr>
         <p:spPr>
           <a:xfrm>
-            <a:off x="4380588" y="965199"/>
-            <a:ext cx="6766078" cy="4927601"/>
-          </a:xfrm>
-        </p:spPr>
-        <p:txBody>
-          <a:bodyPr vert="horz" lIns="91440" tIns="45720" rIns="91440" bIns="45720" rtlCol="0" anchor="ctr">
+            <a:off x="674237" y="914400"/>
+            <a:ext cx="3657600" cy="2887579"/>
+          </a:xfrm>
+        </p:spPr>
+        <p:txBody>
+          <a:bodyPr vert="horz" lIns="91440" tIns="45720" rIns="91440" bIns="45720" rtlCol="0" anchor="b">
             <a:normAutofit/>
           </a:bodyPr>
           <a:lstStyle/>
           <a:p>
-            <a:r>
-              <a:rPr lang="en-US" sz="5400" kern="1200">
+            <a:pPr algn="ctr"/>
+            <a:r>
+              <a:rPr lang="en-US" sz="4800" kern="1200">
                 <a:solidFill>
-                  <a:schemeClr val="tx1">
-                    <a:lumMod val="85000"/>
-                    <a:lumOff val="15000"/>
-                  </a:schemeClr>
+                  <a:srgbClr val="FFFFFF"/>
                 </a:solidFill>
                 <a:latin typeface="+mj-lt"/>
                 <a:ea typeface="+mj-ea"/>
                 <a:cs typeface="+mj-cs"/>
               </a:rPr>
-              <a:t>Google classroom code</a:t>
-            </a:r>
-          </a:p>
-        </p:txBody>
-      </p:sp>
-      <p:sp>
-        <p:nvSpPr>
-          <p:cNvPr id="3" name="Content Placeholder 2"/>
+              <a:t>Why technical lettering?</a:t>
+            </a:r>
+          </a:p>
+        </p:txBody>
+      </p:sp>
+      <p:sp>
+        <p:nvSpPr>
+          <p:cNvPr id="5" name="Content Placeholder 4">
+            <a:extLst>
+              <a:ext uri="{FF2B5EF4-FFF2-40B4-BE49-F238E27FC236}">
+                <a16:creationId xmlns:a16="http://schemas.microsoft.com/office/drawing/2014/main" id="{A2540170-1DBD-4347-B779-0831D3F5A786}"/>
+              </a:ext>
+            </a:extLst>
+          </p:cNvPr>
           <p:cNvSpPr>
             <a:spLocks noGrp="1"/>
           </p:cNvSpPr>
@@ -4174,39 +4193,39 @@
         </p:nvSpPr>
         <p:spPr>
           <a:xfrm>
-            <a:off x="1023257" y="965198"/>
-            <a:ext cx="2707937" cy="4927602"/>
-          </a:xfrm>
-        </p:spPr>
-        <p:txBody>
-          <a:bodyPr vert="horz" lIns="91440" tIns="45720" rIns="91440" bIns="45720" rtlCol="0" anchor="ctr">
+            <a:off x="674237" y="4170501"/>
+            <a:ext cx="3657600" cy="1525597"/>
+          </a:xfrm>
+        </p:spPr>
+        <p:txBody>
+          <a:bodyPr vert="horz" lIns="91440" tIns="45720" rIns="91440" bIns="45720" rtlCol="0">
             <a:normAutofit/>
           </a:bodyPr>
           <a:lstStyle/>
           <a:p>
-            <a:pPr marL="0" indent="0" algn="r">
+            <a:pPr marL="0" indent="0" algn="ctr">
               <a:buNone/>
             </a:pPr>
             <a:r>
-              <a:rPr lang="en-US" sz="2000" b="1" kern="1200">
+              <a:rPr lang="en-US" sz="2000" kern="1200">
                 <a:solidFill>
-                  <a:schemeClr val="accent1"/>
+                  <a:srgbClr val="FFFFFF"/>
                 </a:solidFill>
                 <a:latin typeface="+mn-lt"/>
                 <a:ea typeface="+mn-ea"/>
                 <a:cs typeface="+mn-cs"/>
               </a:rPr>
-              <a:t>okia9n</a:t>
+              <a:t>Clarify projections</a:t>
             </a:r>
           </a:p>
         </p:txBody>
       </p:sp>
       <p:cxnSp>
         <p:nvCxnSpPr>
-          <p:cNvPr id="11" name="Straight Connector 10">
+          <p:cNvPr id="137" name="Straight Connector 136">
             <a:extLst>
               <a:ext uri="{FF2B5EF4-FFF2-40B4-BE49-F238E27FC236}">
-                <a16:creationId xmlns:a16="http://schemas.microsoft.com/office/drawing/2014/main" id="{F0C57C7C-DFE9-4A1E-B7A9-DF40E63366BB}"/>
+                <a16:creationId xmlns:a16="http://schemas.microsoft.com/office/drawing/2014/main" id="{38FB9660-F42F-4313-BBC4-47C007FE484C}"/>
               </a:ext>
               <a:ext uri="{C183D7F6-B498-43B3-948B-1728B52AA6E4}">
                 <adec:decorative xmlns:adec="http://schemas.microsoft.com/office/drawing/2017/decorative" val="1"/>
@@ -4226,18 +4245,15 @@
         </p:nvCxnSpPr>
         <p:spPr>
           <a:xfrm>
-            <a:off x="4055891" y="2057399"/>
-            <a:ext cx="0" cy="2743200"/>
+            <a:off x="1191126" y="3910267"/>
+            <a:ext cx="2586790" cy="0"/>
           </a:xfrm>
           <a:prstGeom prst="line">
             <a:avLst/>
           </a:prstGeom>
-          <a:ln w="19050">
+          <a:ln w="22225">
             <a:solidFill>
-              <a:schemeClr val="tx1">
-                <a:lumMod val="85000"/>
-                <a:lumOff val="15000"/>
-              </a:schemeClr>
+              <a:srgbClr val="D9D9D9"/>
             </a:solidFill>
           </a:ln>
         </p:spPr>
@@ -4256,15 +4272,62 @@
           </a:fontRef>
         </p:style>
       </p:cxnSp>
-      <p:sp>
-        <p:nvSpPr>
-          <p:cNvPr id="4" name="Footer Placeholder 3">
+      <p:pic>
+        <p:nvPicPr>
+          <p:cNvPr id="1026" name="Picture 2" descr="Image result for isometric views">
             <a:extLst>
               <a:ext uri="{FF2B5EF4-FFF2-40B4-BE49-F238E27FC236}">
-                <a16:creationId xmlns:a16="http://schemas.microsoft.com/office/drawing/2014/main" id="{EADFB87E-2A3F-4815-8F5E-3CF3521EBF24}"/>
+                <a16:creationId xmlns:a16="http://schemas.microsoft.com/office/drawing/2014/main" id="{9AE3F868-0052-45C6-8864-53B02AD0C954}"/>
               </a:ext>
             </a:extLst>
           </p:cNvPr>
+          <p:cNvPicPr>
+            <a:picLocks noChangeAspect="1" noChangeArrowheads="1"/>
+          </p:cNvPicPr>
+          <p:nvPr/>
+        </p:nvPicPr>
+        <p:blipFill>
+          <a:blip r:embed="rId2">
+            <a:extLst>
+              <a:ext uri="{28A0092B-C50C-407E-A947-70E740481C1C}">
+                <a14:useLocalDpi xmlns:a14="http://schemas.microsoft.com/office/drawing/2010/main" val="0"/>
+              </a:ext>
+            </a:extLst>
+          </a:blip>
+          <a:srcRect/>
+          <a:stretch>
+            <a:fillRect/>
+          </a:stretch>
+        </p:blipFill>
+        <p:spPr bwMode="auto">
+          <a:xfrm>
+            <a:off x="5153822" y="2007575"/>
+            <a:ext cx="6553545" cy="2850792"/>
+          </a:xfrm>
+          <a:prstGeom prst="rect">
+            <a:avLst/>
+          </a:prstGeom>
+          <a:noFill/>
+          <a:extLst>
+            <a:ext uri="{909E8E84-426E-40DD-AFC4-6F175D3DCCD1}">
+              <a14:hiddenFill xmlns:a14="http://schemas.microsoft.com/office/drawing/2010/main">
+                <a:solidFill>
+                  <a:srgbClr val="FFFFFF"/>
+                </a:solidFill>
+              </a14:hiddenFill>
+            </a:ext>
+          </a:extLst>
+        </p:spPr>
+      </p:pic>
+      <p:sp>
+        <p:nvSpPr>
+          <p:cNvPr id="3" name="Footer Placeholder 2">
+            <a:extLst>
+              <a:ext uri="{FF2B5EF4-FFF2-40B4-BE49-F238E27FC236}">
+                <a16:creationId xmlns:a16="http://schemas.microsoft.com/office/drawing/2014/main" id="{3CC17A83-0D87-4D33-957F-E3A36E4E9621}"/>
+              </a:ext>
+            </a:extLst>
+          </p:cNvPr>
           <p:cNvSpPr>
             <a:spLocks noGrp="1"/>
           </p:cNvSpPr>
@@ -4274,8 +4337,8 @@
         </p:nvSpPr>
         <p:spPr>
           <a:xfrm>
-            <a:off x="4380588" y="6553690"/>
-            <a:ext cx="5053698" cy="274320"/>
+            <a:off x="5153822" y="6356350"/>
+            <a:ext cx="4615820" cy="365125"/>
           </a:xfrm>
         </p:spPr>
         <p:txBody>
@@ -4290,17 +4353,15 @@
               </a:spcAft>
             </a:pPr>
             <a:r>
-              <a:rPr lang="en-US" sz="1050" kern="1200">
+              <a:rPr lang="en-US" kern="1200">
                 <a:solidFill>
-                  <a:schemeClr val="tx1">
-                    <a:tint val="75000"/>
-                  </a:schemeClr>
+                  <a:srgbClr val="595959"/>
                 </a:solidFill>
                 <a:latin typeface="+mn-lt"/>
                 <a:ea typeface="+mn-ea"/>
                 <a:cs typeface="+mn-cs"/>
               </a:rPr>
-              <a:t>Unit 1 – Section 1 - Day 1</a:t>
+              <a:t>Add a footer</a:t>
             </a:r>
           </a:p>
         </p:txBody>
@@ -4308,7 +4369,7 @@
     </p:spTree>
     <p:extLst>
       <p:ext uri="{BB962C8B-B14F-4D97-AF65-F5344CB8AC3E}">
-        <p14:creationId xmlns:p14="http://schemas.microsoft.com/office/powerpoint/2010/main" val="1645033752"/>
+        <p14:creationId xmlns:p14="http://schemas.microsoft.com/office/powerpoint/2010/main" val="553240708"/>
       </p:ext>
     </p:extLst>
   </p:cSld>
@@ -4330,7 +4391,7 @@
 </p:sld>
 </file>
 
-<file path=ppt/slides/slide3.xml><?xml version="1.0" encoding="utf-8"?>
+<file path=ppt/slides/slide11.xml><?xml version="1.0" encoding="utf-8"?>
 <p:sld xmlns:a="http://schemas.openxmlformats.org/drawingml/2006/main" xmlns:r="http://schemas.openxmlformats.org/officeDocument/2006/relationships" xmlns:p="http://schemas.openxmlformats.org/presentationml/2006/main">
   <p:cSld>
     <p:bg>
@@ -4357,10 +4418,10 @@
       </p:grpSpPr>
       <p:sp>
         <p:nvSpPr>
-          <p:cNvPr id="9" name="Rectangle 8">
+          <p:cNvPr id="2052" name="Rectangle 134">
             <a:extLst>
               <a:ext uri="{FF2B5EF4-FFF2-40B4-BE49-F238E27FC236}">
-                <a16:creationId xmlns:a16="http://schemas.microsoft.com/office/drawing/2014/main" id="{8D70B121-56F4-4848-B38B-182089D909FA}"/>
+                <a16:creationId xmlns:a16="http://schemas.microsoft.com/office/drawing/2014/main" id="{AB45A142-4255-493C-8284-5D566C121B10}"/>
               </a:ext>
               <a:ext uri="{C183D7F6-B498-43B3-948B-1728B52AA6E4}">
                 <adec:decorative xmlns:adec="http://schemas.microsoft.com/office/drawing/2017/decorative" val="1"/>
@@ -4380,19 +4441,23 @@
         </p:nvSpPr>
         <p:spPr bwMode="ltGray">
           <a:xfrm>
-            <a:off x="321564" y="320040"/>
-            <a:ext cx="11548872" cy="6217920"/>
+            <a:off x="336884" y="321177"/>
+            <a:ext cx="4332307" cy="6179552"/>
           </a:xfrm>
           <a:prstGeom prst="rect">
             <a:avLst/>
           </a:prstGeom>
           <a:solidFill>
-            <a:schemeClr val="tx1">
-              <a:alpha val="8000"/>
-            </a:schemeClr>
+            <a:srgbClr val="404040">
+              <a:alpha val="89804"/>
+            </a:srgbClr>
           </a:solidFill>
           <a:ln w="127000" cap="sq" cmpd="thinThick">
-            <a:noFill/>
+            <a:solidFill>
+              <a:srgbClr val="595959">
+                <a:alpha val="80000"/>
+              </a:srgbClr>
+            </a:solidFill>
           </a:ln>
         </p:spPr>
         <p:style>
@@ -4422,7 +4487,13 @@
       </p:sp>
       <p:sp>
         <p:nvSpPr>
-          <p:cNvPr id="2" name="Title 1"/>
+          <p:cNvPr id="4" name="Title 3">
+            <a:extLst>
+              <a:ext uri="{FF2B5EF4-FFF2-40B4-BE49-F238E27FC236}">
+                <a16:creationId xmlns:a16="http://schemas.microsoft.com/office/drawing/2014/main" id="{6E72D690-3946-41C4-B01B-C2857A0A1E69}"/>
+              </a:ext>
+            </a:extLst>
+          </p:cNvPr>
           <p:cNvSpPr>
             <a:spLocks noGrp="1"/>
           </p:cNvSpPr>
@@ -4432,34 +4503,82 @@
         </p:nvSpPr>
         <p:spPr>
           <a:xfrm>
-            <a:off x="838200" y="963877"/>
-            <a:ext cx="3494362" cy="4930246"/>
-          </a:xfrm>
-        </p:spPr>
-        <p:txBody>
-          <a:bodyPr>
+            <a:off x="674237" y="914400"/>
+            <a:ext cx="3657600" cy="2887579"/>
+          </a:xfrm>
+        </p:spPr>
+        <p:txBody>
+          <a:bodyPr vert="horz" lIns="91440" tIns="45720" rIns="91440" bIns="45720" rtlCol="0" anchor="b">
             <a:normAutofit/>
           </a:bodyPr>
           <a:lstStyle/>
           <a:p>
-            <a:pPr algn="r"/>
-            <a:r>
-              <a:rPr lang="en-US">
+            <a:pPr algn="ctr"/>
+            <a:r>
+              <a:rPr lang="en-US" sz="4800" kern="1200">
                 <a:solidFill>
-                  <a:schemeClr val="accent1"/>
+                  <a:srgbClr val="FFFFFF"/>
                 </a:solidFill>
+                <a:latin typeface="+mj-lt"/>
+                <a:ea typeface="+mj-ea"/>
+                <a:cs typeface="+mj-cs"/>
               </a:rPr>
-              <a:t>The big idea</a:t>
+              <a:t>Why technical lettering?</a:t>
+            </a:r>
+          </a:p>
+        </p:txBody>
+      </p:sp>
+      <p:sp>
+        <p:nvSpPr>
+          <p:cNvPr id="5" name="Content Placeholder 4">
+            <a:extLst>
+              <a:ext uri="{FF2B5EF4-FFF2-40B4-BE49-F238E27FC236}">
+                <a16:creationId xmlns:a16="http://schemas.microsoft.com/office/drawing/2014/main" id="{A2540170-1DBD-4347-B779-0831D3F5A786}"/>
+              </a:ext>
+            </a:extLst>
+          </p:cNvPr>
+          <p:cNvSpPr>
+            <a:spLocks noGrp="1"/>
+          </p:cNvSpPr>
+          <p:nvPr>
+            <p:ph idx="1"/>
+          </p:nvPr>
+        </p:nvSpPr>
+        <p:spPr>
+          <a:xfrm>
+            <a:off x="674237" y="4170501"/>
+            <a:ext cx="3657600" cy="1525597"/>
+          </a:xfrm>
+        </p:spPr>
+        <p:txBody>
+          <a:bodyPr vert="horz" lIns="91440" tIns="45720" rIns="91440" bIns="45720" rtlCol="0">
+            <a:normAutofit/>
+          </a:bodyPr>
+          <a:lstStyle/>
+          <a:p>
+            <a:pPr marL="0" indent="0" algn="ctr">
+              <a:buNone/>
+            </a:pPr>
+            <a:r>
+              <a:rPr lang="en-US" sz="2000" kern="1200">
+                <a:solidFill>
+                  <a:srgbClr val="FFFFFF"/>
+                </a:solidFill>
+                <a:latin typeface="+mn-lt"/>
+                <a:ea typeface="+mn-ea"/>
+                <a:cs typeface="+mn-cs"/>
+              </a:rPr>
+              <a:t>Notes to specify materials and/or processes</a:t>
             </a:r>
           </a:p>
         </p:txBody>
       </p:sp>
       <p:cxnSp>
         <p:nvCxnSpPr>
-          <p:cNvPr id="11" name="Straight Connector 10">
+          <p:cNvPr id="2053" name="Straight Connector 136">
             <a:extLst>
               <a:ext uri="{FF2B5EF4-FFF2-40B4-BE49-F238E27FC236}">
-                <a16:creationId xmlns:a16="http://schemas.microsoft.com/office/drawing/2014/main" id="{2D72A2C9-F3CA-4216-8BAD-FA4C970C3C4E}"/>
+                <a16:creationId xmlns:a16="http://schemas.microsoft.com/office/drawing/2014/main" id="{38FB9660-F42F-4313-BBC4-47C007FE484C}"/>
               </a:ext>
               <a:ext uri="{C183D7F6-B498-43B3-948B-1728B52AA6E4}">
                 <adec:decorative xmlns:adec="http://schemas.microsoft.com/office/drawing/2017/decorative" val="1"/>
@@ -4479,18 +4598,15 @@
         </p:nvCxnSpPr>
         <p:spPr>
           <a:xfrm>
-            <a:off x="4654296" y="2057400"/>
-            <a:ext cx="0" cy="2743200"/>
+            <a:off x="1191126" y="3910267"/>
+            <a:ext cx="2586790" cy="0"/>
           </a:xfrm>
           <a:prstGeom prst="line">
             <a:avLst/>
           </a:prstGeom>
-          <a:ln w="19050">
+          <a:ln w="22225">
             <a:solidFill>
-              <a:schemeClr val="tx1">
-                <a:lumMod val="85000"/>
-                <a:lumOff val="15000"/>
-              </a:schemeClr>
+              <a:srgbClr val="D9D9D9"/>
             </a:solidFill>
           </a:ln>
         </p:spPr>
@@ -4509,62 +4625,62 @@
           </a:fontRef>
         </p:style>
       </p:cxnSp>
-      <p:sp>
-        <p:nvSpPr>
-          <p:cNvPr id="3" name="Content Placeholder 2"/>
-          <p:cNvSpPr>
-            <a:spLocks noGrp="1"/>
-          </p:cNvSpPr>
-          <p:nvPr>
-            <p:ph idx="1"/>
-          </p:nvPr>
-        </p:nvSpPr>
-        <p:spPr>
-          <a:xfrm>
-            <a:off x="4976031" y="963877"/>
-            <a:ext cx="6377769" cy="4930246"/>
-          </a:xfrm>
-        </p:spPr>
-        <p:txBody>
-          <a:bodyPr anchor="ctr">
-            <a:normAutofit/>
-          </a:bodyPr>
-          <a:lstStyle/>
-          <a:p>
-            <a:r>
-              <a:rPr lang="en-US" sz="2400">
-                <a:cs typeface="Arial" pitchFamily="34" charset="0"/>
-              </a:rPr>
-              <a:t>There are different styles of lettering and industry standards</a:t>
-            </a:r>
-          </a:p>
-          <a:p>
-            <a:r>
-              <a:rPr lang="en-US" sz="2400">
-                <a:cs typeface="Arial" pitchFamily="34" charset="0"/>
-              </a:rPr>
-              <a:t>Guidelines are used for height and slope of letters</a:t>
-            </a:r>
-          </a:p>
-          <a:p>
-            <a:r>
-              <a:rPr lang="en-US" sz="2400">
-                <a:cs typeface="Arial" pitchFamily="34" charset="0"/>
-              </a:rPr>
-              <a:t>Single-stroke Gothic letters are commonly used in industry</a:t>
-            </a:r>
-          </a:p>
-        </p:txBody>
-      </p:sp>
-      <p:sp>
-        <p:nvSpPr>
-          <p:cNvPr id="4" name="Footer Placeholder 3">
+      <p:pic>
+        <p:nvPicPr>
+          <p:cNvPr id="2050" name="Picture 2" descr="Image result for technical drawing notes">
             <a:extLst>
               <a:ext uri="{FF2B5EF4-FFF2-40B4-BE49-F238E27FC236}">
-                <a16:creationId xmlns:a16="http://schemas.microsoft.com/office/drawing/2014/main" id="{EADFB87E-2A3F-4815-8F5E-3CF3521EBF24}"/>
+                <a16:creationId xmlns:a16="http://schemas.microsoft.com/office/drawing/2014/main" id="{960131F1-B49C-44A5-88EE-17DEF47A8BBD}"/>
               </a:ext>
             </a:extLst>
           </p:cNvPr>
+          <p:cNvPicPr>
+            <a:picLocks noChangeAspect="1" noChangeArrowheads="1"/>
+          </p:cNvPicPr>
+          <p:nvPr/>
+        </p:nvPicPr>
+        <p:blipFill>
+          <a:blip r:embed="rId2">
+            <a:extLst>
+              <a:ext uri="{28A0092B-C50C-407E-A947-70E740481C1C}">
+                <a14:useLocalDpi xmlns:a14="http://schemas.microsoft.com/office/drawing/2010/main" val="0"/>
+              </a:ext>
+            </a:extLst>
+          </a:blip>
+          <a:srcRect/>
+          <a:stretch>
+            <a:fillRect/>
+          </a:stretch>
+        </p:blipFill>
+        <p:spPr bwMode="auto">
+          <a:xfrm>
+            <a:off x="5153822" y="975392"/>
+            <a:ext cx="6553545" cy="4915158"/>
+          </a:xfrm>
+          <a:prstGeom prst="rect">
+            <a:avLst/>
+          </a:prstGeom>
+          <a:noFill/>
+          <a:extLst>
+            <a:ext uri="{909E8E84-426E-40DD-AFC4-6F175D3DCCD1}">
+              <a14:hiddenFill xmlns:a14="http://schemas.microsoft.com/office/drawing/2010/main">
+                <a:solidFill>
+                  <a:srgbClr val="FFFFFF"/>
+                </a:solidFill>
+              </a14:hiddenFill>
+            </a:ext>
+          </a:extLst>
+        </p:spPr>
+      </p:pic>
+      <p:sp>
+        <p:nvSpPr>
+          <p:cNvPr id="3" name="Footer Placeholder 2">
+            <a:extLst>
+              <a:ext uri="{FF2B5EF4-FFF2-40B4-BE49-F238E27FC236}">
+                <a16:creationId xmlns:a16="http://schemas.microsoft.com/office/drawing/2014/main" id="{3CC17A83-0D87-4D33-957F-E3A36E4E9621}"/>
+              </a:ext>
+            </a:extLst>
+          </p:cNvPr>
           <p:cNvSpPr>
             <a:spLocks noGrp="1"/>
           </p:cNvSpPr>
@@ -4574,30 +4690,31 @@
         </p:nvSpPr>
         <p:spPr>
           <a:xfrm>
-            <a:off x="4976031" y="6033479"/>
-            <a:ext cx="5259985" cy="365125"/>
-          </a:xfrm>
-        </p:spPr>
-        <p:txBody>
-          <a:bodyPr>
+            <a:off x="5153822" y="6356350"/>
+            <a:ext cx="4615820" cy="365125"/>
+          </a:xfrm>
+        </p:spPr>
+        <p:txBody>
+          <a:bodyPr vert="horz" lIns="91440" tIns="45720" rIns="91440" bIns="45720" rtlCol="0" anchor="ctr">
             <a:normAutofit/>
           </a:bodyPr>
           <a:lstStyle/>
           <a:p>
-            <a:pPr algn="l">
+            <a:pPr algn="l" defTabSz="914400">
               <a:spcAft>
                 <a:spcPts val="600"/>
               </a:spcAft>
             </a:pPr>
             <a:r>
-              <a:rPr lang="en-US" sz="1050">
+              <a:rPr lang="en-US" kern="1200">
                 <a:solidFill>
-                  <a:schemeClr val="tx1">
-                    <a:alpha val="80000"/>
-                  </a:schemeClr>
+                  <a:srgbClr val="595959"/>
                 </a:solidFill>
+                <a:latin typeface="+mn-lt"/>
+                <a:ea typeface="+mn-ea"/>
+                <a:cs typeface="+mn-cs"/>
               </a:rPr>
-              <a:t>Unit 1 – Section 1 - Day 1</a:t>
+              <a:t>Add a footer</a:t>
             </a:r>
           </a:p>
         </p:txBody>
@@ -4605,7 +4722,7 @@
     </p:spTree>
     <p:extLst>
       <p:ext uri="{BB962C8B-B14F-4D97-AF65-F5344CB8AC3E}">
-        <p14:creationId xmlns:p14="http://schemas.microsoft.com/office/powerpoint/2010/main" val="78530218"/>
+        <p14:creationId xmlns:p14="http://schemas.microsoft.com/office/powerpoint/2010/main" val="3583702976"/>
       </p:ext>
     </p:extLst>
   </p:cSld>
@@ -4627,1027 +4744,7 @@
 </p:sld>
 </file>
 
-<file path=ppt/slides/slide4.xml><?xml version="1.0" encoding="utf-8"?>
-<p:sld xmlns:a="http://schemas.openxmlformats.org/drawingml/2006/main" xmlns:r="http://schemas.openxmlformats.org/officeDocument/2006/relationships" xmlns:p="http://schemas.openxmlformats.org/presentationml/2006/main">
-  <p:cSld>
-    <p:bg>
-      <p:bgPr>
-        <a:solidFill>
-          <a:schemeClr val="bg1"/>
-        </a:solidFill>
-        <a:effectLst/>
-      </p:bgPr>
-    </p:bg>
-    <p:spTree>
-      <p:nvGrpSpPr>
-        <p:cNvPr id="1" name=""/>
-        <p:cNvGrpSpPr/>
-        <p:nvPr/>
-      </p:nvGrpSpPr>
-      <p:grpSpPr>
-        <a:xfrm>
-          <a:off x="0" y="0"/>
-          <a:ext cx="0" cy="0"/>
-          <a:chOff x="0" y="0"/>
-          <a:chExt cx="0" cy="0"/>
-        </a:xfrm>
-      </p:grpSpPr>
-      <p:sp>
-        <p:nvSpPr>
-          <p:cNvPr id="9" name="Rectangle 8">
-            <a:extLst>
-              <a:ext uri="{FF2B5EF4-FFF2-40B4-BE49-F238E27FC236}">
-                <a16:creationId xmlns:a16="http://schemas.microsoft.com/office/drawing/2014/main" id="{8D70B121-56F4-4848-B38B-182089D909FA}"/>
-              </a:ext>
-              <a:ext uri="{C183D7F6-B498-43B3-948B-1728B52AA6E4}">
-                <adec:decorative xmlns:adec="http://schemas.microsoft.com/office/drawing/2017/decorative" val="1"/>
-              </a:ext>
-            </a:extLst>
-          </p:cNvPr>
-          <p:cNvSpPr>
-            <a:spLocks noGrp="1" noRot="1" noChangeAspect="1" noMove="1" noResize="1" noEditPoints="1" noAdjustHandles="1" noChangeArrowheads="1" noChangeShapeType="1" noTextEdit="1"/>
-          </p:cNvSpPr>
-          <p:nvPr>
-            <p:extLst>
-              <p:ext uri="{386F3935-93C4-4BCD-93E2-E3B085C9AB24}">
-                <p16:designElem xmlns:p16="http://schemas.microsoft.com/office/powerpoint/2015/main" val="1"/>
-              </p:ext>
-            </p:extLst>
-          </p:nvPr>
-        </p:nvSpPr>
-        <p:spPr bwMode="ltGray">
-          <a:xfrm>
-            <a:off x="321564" y="320040"/>
-            <a:ext cx="11548872" cy="6217920"/>
-          </a:xfrm>
-          <a:prstGeom prst="rect">
-            <a:avLst/>
-          </a:prstGeom>
-          <a:solidFill>
-            <a:schemeClr val="tx1">
-              <a:alpha val="8000"/>
-            </a:schemeClr>
-          </a:solidFill>
-          <a:ln w="127000" cap="sq" cmpd="thinThick">
-            <a:noFill/>
-          </a:ln>
-        </p:spPr>
-        <p:style>
-          <a:lnRef idx="2">
-            <a:schemeClr val="accent1">
-              <a:shade val="50000"/>
-            </a:schemeClr>
-          </a:lnRef>
-          <a:fillRef idx="1">
-            <a:schemeClr val="accent1"/>
-          </a:fillRef>
-          <a:effectRef idx="0">
-            <a:schemeClr val="accent1"/>
-          </a:effectRef>
-          <a:fontRef idx="minor">
-            <a:schemeClr val="lt1"/>
-          </a:fontRef>
-        </p:style>
-        <p:txBody>
-          <a:bodyPr rtlCol="0" anchor="ctr"/>
-          <a:lstStyle/>
-          <a:p>
-            <a:pPr algn="ctr"/>
-            <a:endParaRPr lang="en-US"/>
-          </a:p>
-        </p:txBody>
-      </p:sp>
-      <p:sp>
-        <p:nvSpPr>
-          <p:cNvPr id="2" name="Title 1">
-            <a:extLst>
-              <a:ext uri="{FF2B5EF4-FFF2-40B4-BE49-F238E27FC236}">
-                <a16:creationId xmlns:a16="http://schemas.microsoft.com/office/drawing/2014/main" id="{716F2B93-A2BD-40E2-9FD0-F93D173411A3}"/>
-              </a:ext>
-            </a:extLst>
-          </p:cNvPr>
-          <p:cNvSpPr>
-            <a:spLocks noGrp="1"/>
-          </p:cNvSpPr>
-          <p:nvPr>
-            <p:ph type="title"/>
-          </p:nvPr>
-        </p:nvSpPr>
-        <p:spPr>
-          <a:xfrm>
-            <a:off x="838200" y="963877"/>
-            <a:ext cx="3494362" cy="4930246"/>
-          </a:xfrm>
-        </p:spPr>
-        <p:txBody>
-          <a:bodyPr>
-            <a:normAutofit/>
-          </a:bodyPr>
-          <a:lstStyle/>
-          <a:p>
-            <a:pPr algn="r"/>
-            <a:r>
-              <a:rPr lang="en-US">
-                <a:solidFill>
-                  <a:schemeClr val="accent1"/>
-                </a:solidFill>
-              </a:rPr>
-              <a:t>What is lettering</a:t>
-            </a:r>
-          </a:p>
-        </p:txBody>
-      </p:sp>
-      <p:cxnSp>
-        <p:nvCxnSpPr>
-          <p:cNvPr id="11" name="Straight Connector 10">
-            <a:extLst>
-              <a:ext uri="{FF2B5EF4-FFF2-40B4-BE49-F238E27FC236}">
-                <a16:creationId xmlns:a16="http://schemas.microsoft.com/office/drawing/2014/main" id="{2D72A2C9-F3CA-4216-8BAD-FA4C970C3C4E}"/>
-              </a:ext>
-              <a:ext uri="{C183D7F6-B498-43B3-948B-1728B52AA6E4}">
-                <adec:decorative xmlns:adec="http://schemas.microsoft.com/office/drawing/2017/decorative" val="1"/>
-              </a:ext>
-            </a:extLst>
-          </p:cNvPr>
-          <p:cNvCxnSpPr>
-            <a:cxnSpLocks noGrp="1" noRot="1" noChangeAspect="1" noMove="1" noResize="1" noEditPoints="1" noAdjustHandles="1" noChangeArrowheads="1" noChangeShapeType="1"/>
-          </p:cNvCxnSpPr>
-          <p:nvPr>
-            <p:extLst>
-              <p:ext uri="{386F3935-93C4-4BCD-93E2-E3B085C9AB24}">
-                <p16:designElem xmlns:p16="http://schemas.microsoft.com/office/powerpoint/2015/main" val="1"/>
-              </p:ext>
-            </p:extLst>
-          </p:nvPr>
-        </p:nvCxnSpPr>
-        <p:spPr>
-          <a:xfrm>
-            <a:off x="4654296" y="2057400"/>
-            <a:ext cx="0" cy="2743200"/>
-          </a:xfrm>
-          <a:prstGeom prst="line">
-            <a:avLst/>
-          </a:prstGeom>
-          <a:ln w="19050">
-            <a:solidFill>
-              <a:schemeClr val="tx1">
-                <a:lumMod val="85000"/>
-                <a:lumOff val="15000"/>
-              </a:schemeClr>
-            </a:solidFill>
-          </a:ln>
-        </p:spPr>
-        <p:style>
-          <a:lnRef idx="1">
-            <a:schemeClr val="accent1"/>
-          </a:lnRef>
-          <a:fillRef idx="0">
-            <a:schemeClr val="accent1"/>
-          </a:fillRef>
-          <a:effectRef idx="0">
-            <a:schemeClr val="accent1"/>
-          </a:effectRef>
-          <a:fontRef idx="minor">
-            <a:schemeClr val="tx1"/>
-          </a:fontRef>
-        </p:style>
-      </p:cxnSp>
-      <p:sp>
-        <p:nvSpPr>
-          <p:cNvPr id="3" name="Content Placeholder 2">
-            <a:extLst>
-              <a:ext uri="{FF2B5EF4-FFF2-40B4-BE49-F238E27FC236}">
-                <a16:creationId xmlns:a16="http://schemas.microsoft.com/office/drawing/2014/main" id="{E9311B71-3167-477F-B1AB-5C48044BC8E1}"/>
-              </a:ext>
-            </a:extLst>
-          </p:cNvPr>
-          <p:cNvSpPr>
-            <a:spLocks noGrp="1"/>
-          </p:cNvSpPr>
-          <p:nvPr>
-            <p:ph idx="1"/>
-          </p:nvPr>
-        </p:nvSpPr>
-        <p:spPr>
-          <a:xfrm>
-            <a:off x="4976031" y="963877"/>
-            <a:ext cx="6377769" cy="4930246"/>
-          </a:xfrm>
-        </p:spPr>
-        <p:txBody>
-          <a:bodyPr anchor="ctr">
-            <a:normAutofit/>
-          </a:bodyPr>
-          <a:lstStyle/>
-          <a:p>
-            <a:r>
-              <a:rPr lang="en-US" sz="2400"/>
-              <a:t>Purpose is to clarify the views or projections</a:t>
-            </a:r>
-          </a:p>
-          <a:p>
-            <a:r>
-              <a:rPr lang="en-US" sz="2400"/>
-              <a:t>Notes may specify materials and processes</a:t>
-            </a:r>
-          </a:p>
-          <a:p>
-            <a:r>
-              <a:rPr lang="en-US" sz="2400"/>
-              <a:t>Most drafters are required to letter drawings freehand</a:t>
-            </a:r>
-          </a:p>
-          <a:p>
-            <a:r>
-              <a:rPr lang="en-US" sz="2400"/>
-              <a:t>Lettering is about 20% of manual work for any drafter</a:t>
-            </a:r>
-          </a:p>
-          <a:p>
-            <a:pPr marL="411480" lvl="1" indent="0">
-              <a:buNone/>
-            </a:pPr>
-            <a:endParaRPr lang="en-US" dirty="0"/>
-          </a:p>
-          <a:p>
-            <a:endParaRPr lang="en-US" sz="2400"/>
-          </a:p>
-          <a:p>
-            <a:endParaRPr lang="en-US" sz="2400"/>
-          </a:p>
-        </p:txBody>
-      </p:sp>
-      <p:sp>
-        <p:nvSpPr>
-          <p:cNvPr id="4" name="Footer Placeholder 3">
-            <a:extLst>
-              <a:ext uri="{FF2B5EF4-FFF2-40B4-BE49-F238E27FC236}">
-                <a16:creationId xmlns:a16="http://schemas.microsoft.com/office/drawing/2014/main" id="{DA40730A-829B-4DFE-8CAE-D606FCE1126E}"/>
-              </a:ext>
-            </a:extLst>
-          </p:cNvPr>
-          <p:cNvSpPr>
-            <a:spLocks noGrp="1"/>
-          </p:cNvSpPr>
-          <p:nvPr>
-            <p:ph type="ftr" sz="quarter" idx="11"/>
-          </p:nvPr>
-        </p:nvSpPr>
-        <p:spPr>
-          <a:xfrm>
-            <a:off x="4976031" y="6033479"/>
-            <a:ext cx="5259985" cy="365125"/>
-          </a:xfrm>
-        </p:spPr>
-        <p:txBody>
-          <a:bodyPr>
-            <a:normAutofit/>
-          </a:bodyPr>
-          <a:lstStyle/>
-          <a:p>
-            <a:pPr algn="l">
-              <a:spcAft>
-                <a:spcPts val="600"/>
-              </a:spcAft>
-            </a:pPr>
-            <a:r>
-              <a:rPr lang="en-US" sz="1050">
-                <a:solidFill>
-                  <a:schemeClr val="tx1">
-                    <a:alpha val="80000"/>
-                  </a:schemeClr>
-                </a:solidFill>
-              </a:rPr>
-              <a:t>Add a footer</a:t>
-            </a:r>
-          </a:p>
-        </p:txBody>
-      </p:sp>
-    </p:spTree>
-    <p:extLst>
-      <p:ext uri="{BB962C8B-B14F-4D97-AF65-F5344CB8AC3E}">
-        <p14:creationId xmlns:p14="http://schemas.microsoft.com/office/powerpoint/2010/main" val="1269551219"/>
-      </p:ext>
-    </p:extLst>
-  </p:cSld>
-  <p:clrMapOvr>
-    <a:masterClrMapping/>
-  </p:clrMapOvr>
-  <mc:AlternateContent xmlns:mc="http://schemas.openxmlformats.org/markup-compatibility/2006" xmlns:p14="http://schemas.microsoft.com/office/powerpoint/2010/main">
-    <mc:Choice Requires="p14">
-      <p:transition spd="med" p14:dur="700">
-        <p:fade/>
-      </p:transition>
-    </mc:Choice>
-    <mc:Fallback xmlns="">
-      <p:transition spd="med">
-        <p:fade/>
-      </p:transition>
-    </mc:Fallback>
-  </mc:AlternateContent>
-</p:sld>
-</file>
-
-<file path=ppt/slides/slide5.xml><?xml version="1.0" encoding="utf-8"?>
-<p:sld xmlns:a="http://schemas.openxmlformats.org/drawingml/2006/main" xmlns:r="http://schemas.openxmlformats.org/officeDocument/2006/relationships" xmlns:p="http://schemas.openxmlformats.org/presentationml/2006/main">
-  <p:cSld>
-    <p:bg>
-      <p:bgPr>
-        <a:solidFill>
-          <a:schemeClr val="bg1"/>
-        </a:solidFill>
-        <a:effectLst/>
-      </p:bgPr>
-    </p:bg>
-    <p:spTree>
-      <p:nvGrpSpPr>
-        <p:cNvPr id="1" name=""/>
-        <p:cNvGrpSpPr/>
-        <p:nvPr/>
-      </p:nvGrpSpPr>
-      <p:grpSpPr>
-        <a:xfrm>
-          <a:off x="0" y="0"/>
-          <a:ext cx="0" cy="0"/>
-          <a:chOff x="0" y="0"/>
-          <a:chExt cx="0" cy="0"/>
-        </a:xfrm>
-      </p:grpSpPr>
-      <p:sp>
-        <p:nvSpPr>
-          <p:cNvPr id="71" name="Rectangle 70">
-            <a:extLst>
-              <a:ext uri="{FF2B5EF4-FFF2-40B4-BE49-F238E27FC236}">
-                <a16:creationId xmlns:a16="http://schemas.microsoft.com/office/drawing/2014/main" id="{4038CB10-1F5C-4D54-9DF7-12586DE5B007}"/>
-              </a:ext>
-              <a:ext uri="{C183D7F6-B498-43B3-948B-1728B52AA6E4}">
-                <adec:decorative xmlns:adec="http://schemas.microsoft.com/office/drawing/2017/decorative" val="1"/>
-              </a:ext>
-            </a:extLst>
-          </p:cNvPr>
-          <p:cNvSpPr>
-            <a:spLocks noGrp="1" noRot="1" noChangeAspect="1" noMove="1" noResize="1" noEditPoints="1" noAdjustHandles="1" noChangeArrowheads="1" noChangeShapeType="1" noTextEdit="1"/>
-          </p:cNvSpPr>
-          <p:nvPr>
-            <p:extLst>
-              <p:ext uri="{386F3935-93C4-4BCD-93E2-E3B085C9AB24}">
-                <p16:designElem xmlns:p16="http://schemas.microsoft.com/office/powerpoint/2015/main" val="1"/>
-              </p:ext>
-            </p:extLst>
-          </p:nvPr>
-        </p:nvSpPr>
-        <p:spPr>
-          <a:xfrm>
-            <a:off x="327546" y="4572000"/>
-            <a:ext cx="7058307" cy="1964266"/>
-          </a:xfrm>
-          <a:prstGeom prst="rect">
-            <a:avLst/>
-          </a:prstGeom>
-          <a:solidFill>
-            <a:schemeClr val="accent1"/>
-          </a:solidFill>
-          <a:ln>
-            <a:noFill/>
-          </a:ln>
-        </p:spPr>
-        <p:style>
-          <a:lnRef idx="2">
-            <a:schemeClr val="accent1">
-              <a:shade val="50000"/>
-            </a:schemeClr>
-          </a:lnRef>
-          <a:fillRef idx="1">
-            <a:schemeClr val="accent1"/>
-          </a:fillRef>
-          <a:effectRef idx="0">
-            <a:schemeClr val="accent1"/>
-          </a:effectRef>
-          <a:fontRef idx="minor">
-            <a:schemeClr val="lt1"/>
-          </a:fontRef>
-        </p:style>
-        <p:txBody>
-          <a:bodyPr rtlCol="0" anchor="ctr"/>
-          <a:lstStyle/>
-          <a:p>
-            <a:pPr marL="0" marR="0" lvl="0" indent="0" algn="ctr" defTabSz="914400" rtl="0" eaLnBrk="1" fontAlgn="auto" latinLnBrk="0" hangingPunct="1">
-              <a:lnSpc>
-                <a:spcPct val="100000"/>
-              </a:lnSpc>
-              <a:spcBef>
-                <a:spcPts val="0"/>
-              </a:spcBef>
-              <a:spcAft>
-                <a:spcPts val="0"/>
-              </a:spcAft>
-              <a:buClrTx/>
-              <a:buSzTx/>
-              <a:buFontTx/>
-              <a:buNone/>
-              <a:tabLst/>
-              <a:defRPr/>
-            </a:pPr>
-            <a:endParaRPr kumimoji="0" lang="en-US" sz="1800" b="0" i="0" u="none" strike="noStrike" kern="1200" cap="none" spc="0" normalizeH="0" baseline="0" noProof="0">
-              <a:ln>
-                <a:noFill/>
-              </a:ln>
-              <a:solidFill>
-                <a:prstClr val="white"/>
-              </a:solidFill>
-              <a:effectLst/>
-              <a:uLnTx/>
-              <a:uFillTx/>
-              <a:latin typeface="Calibri" panose="020F0502020204030204"/>
-              <a:ea typeface="+mn-ea"/>
-              <a:cs typeface="+mn-cs"/>
-            </a:endParaRPr>
-          </a:p>
-        </p:txBody>
-      </p:sp>
-      <p:sp>
-        <p:nvSpPr>
-          <p:cNvPr id="2" name="Title 1">
-            <a:extLst>
-              <a:ext uri="{FF2B5EF4-FFF2-40B4-BE49-F238E27FC236}">
-                <a16:creationId xmlns:a16="http://schemas.microsoft.com/office/drawing/2014/main" id="{C0CD3824-41FA-4546-AFCD-2A01FEF6F1C3}"/>
-              </a:ext>
-            </a:extLst>
-          </p:cNvPr>
-          <p:cNvSpPr>
-            <a:spLocks noGrp="1"/>
-          </p:cNvSpPr>
-          <p:nvPr>
-            <p:ph type="title"/>
-          </p:nvPr>
-        </p:nvSpPr>
-        <p:spPr>
-          <a:xfrm>
-            <a:off x="524256" y="4767072"/>
-            <a:ext cx="6594189" cy="1625210"/>
-          </a:xfrm>
-        </p:spPr>
-        <p:txBody>
-          <a:bodyPr>
-            <a:normAutofit/>
-          </a:bodyPr>
-          <a:lstStyle/>
-          <a:p>
-            <a:pPr algn="r"/>
-            <a:r>
-              <a:rPr lang="en-US">
-                <a:solidFill>
-                  <a:srgbClr val="FFFFFF"/>
-                </a:solidFill>
-              </a:rPr>
-              <a:t>Lettering technique</a:t>
-            </a:r>
-          </a:p>
-        </p:txBody>
-      </p:sp>
-      <p:pic>
-        <p:nvPicPr>
-          <p:cNvPr id="1026" name="Picture 2" descr="Image result for drafting lettering technique">
-            <a:extLst>
-              <a:ext uri="{FF2B5EF4-FFF2-40B4-BE49-F238E27FC236}">
-                <a16:creationId xmlns:a16="http://schemas.microsoft.com/office/drawing/2014/main" id="{99EDA05A-8342-458F-ABAD-41079AAAAE16}"/>
-              </a:ext>
-            </a:extLst>
-          </p:cNvPr>
-          <p:cNvPicPr>
-            <a:picLocks noChangeAspect="1" noChangeArrowheads="1"/>
-          </p:cNvPicPr>
-          <p:nvPr/>
-        </p:nvPicPr>
-        <p:blipFill rotWithShape="1">
-          <a:blip r:embed="rId2">
-            <a:extLst>
-              <a:ext uri="{28A0092B-C50C-407E-A947-70E740481C1C}">
-                <a14:useLocalDpi xmlns:a14="http://schemas.microsoft.com/office/drawing/2010/main" val="0"/>
-              </a:ext>
-            </a:extLst>
-          </a:blip>
-          <a:srcRect t="423" r="1" b="21989"/>
-          <a:stretch/>
-        </p:blipFill>
-        <p:spPr bwMode="auto">
-          <a:xfrm>
-            <a:off x="327547" y="321733"/>
-            <a:ext cx="7058306" cy="4107392"/>
-          </a:xfrm>
-          <a:prstGeom prst="rect">
-            <a:avLst/>
-          </a:prstGeom>
-          <a:noFill/>
-          <a:extLst>
-            <a:ext uri="{909E8E84-426E-40DD-AFC4-6F175D3DCCD1}">
-              <a14:hiddenFill xmlns:a14="http://schemas.microsoft.com/office/drawing/2010/main">
-                <a:solidFill>
-                  <a:srgbClr val="FFFFFF"/>
-                </a:solidFill>
-              </a14:hiddenFill>
-            </a:ext>
-          </a:extLst>
-        </p:spPr>
-      </p:pic>
-      <p:sp>
-        <p:nvSpPr>
-          <p:cNvPr id="4" name="Footer Placeholder 3">
-            <a:extLst>
-              <a:ext uri="{FF2B5EF4-FFF2-40B4-BE49-F238E27FC236}">
-                <a16:creationId xmlns:a16="http://schemas.microsoft.com/office/drawing/2014/main" id="{F2C807B6-1EF7-457A-9AA4-A8D575B1919D}"/>
-              </a:ext>
-            </a:extLst>
-          </p:cNvPr>
-          <p:cNvSpPr>
-            <a:spLocks noGrp="1"/>
-          </p:cNvSpPr>
-          <p:nvPr>
-            <p:ph type="ftr" sz="quarter" idx="11"/>
-          </p:nvPr>
-        </p:nvSpPr>
-        <p:spPr>
-          <a:xfrm>
-            <a:off x="524256" y="6535157"/>
-            <a:ext cx="6594189" cy="274320"/>
-          </a:xfrm>
-        </p:spPr>
-        <p:txBody>
-          <a:bodyPr>
-            <a:normAutofit/>
-          </a:bodyPr>
-          <a:lstStyle/>
-          <a:p>
-            <a:pPr algn="r">
-              <a:spcAft>
-                <a:spcPts val="600"/>
-              </a:spcAft>
-            </a:pPr>
-            <a:r>
-              <a:rPr lang="en-US">
-                <a:solidFill>
-                  <a:prstClr val="black">
-                    <a:tint val="75000"/>
-                  </a:prstClr>
-                </a:solidFill>
-              </a:rPr>
-              <a:t>Add a footer</a:t>
-            </a:r>
-          </a:p>
-        </p:txBody>
-      </p:sp>
-      <p:sp>
-        <p:nvSpPr>
-          <p:cNvPr id="1029" name="Rectangle 72">
-            <a:extLst>
-              <a:ext uri="{FF2B5EF4-FFF2-40B4-BE49-F238E27FC236}">
-                <a16:creationId xmlns:a16="http://schemas.microsoft.com/office/drawing/2014/main" id="{73ED6512-6858-4552-B699-9A97FE9A4EA2}"/>
-              </a:ext>
-              <a:ext uri="{C183D7F6-B498-43B3-948B-1728B52AA6E4}">
-                <adec:decorative xmlns:adec="http://schemas.microsoft.com/office/drawing/2017/decorative" val="1"/>
-              </a:ext>
-            </a:extLst>
-          </p:cNvPr>
-          <p:cNvSpPr>
-            <a:spLocks noGrp="1" noRot="1" noChangeAspect="1" noMove="1" noResize="1" noEditPoints="1" noAdjustHandles="1" noChangeArrowheads="1" noChangeShapeType="1" noTextEdit="1"/>
-          </p:cNvSpPr>
-          <p:nvPr>
-            <p:extLst>
-              <p:ext uri="{386F3935-93C4-4BCD-93E2-E3B085C9AB24}">
-                <p16:designElem xmlns:p16="http://schemas.microsoft.com/office/powerpoint/2015/main" val="1"/>
-              </p:ext>
-            </p:extLst>
-          </p:nvPr>
-        </p:nvSpPr>
-        <p:spPr>
-          <a:xfrm>
-            <a:off x="7534655" y="321732"/>
-            <a:ext cx="4335613" cy="6214534"/>
-          </a:xfrm>
-          <a:prstGeom prst="rect">
-            <a:avLst/>
-          </a:prstGeom>
-          <a:solidFill>
-            <a:srgbClr val="404040"/>
-          </a:solidFill>
-          <a:ln>
-            <a:noFill/>
-          </a:ln>
-        </p:spPr>
-        <p:style>
-          <a:lnRef idx="2">
-            <a:schemeClr val="accent1">
-              <a:shade val="50000"/>
-            </a:schemeClr>
-          </a:lnRef>
-          <a:fillRef idx="1">
-            <a:schemeClr val="accent1"/>
-          </a:fillRef>
-          <a:effectRef idx="0">
-            <a:schemeClr val="accent1"/>
-          </a:effectRef>
-          <a:fontRef idx="minor">
-            <a:schemeClr val="lt1"/>
-          </a:fontRef>
-        </p:style>
-        <p:txBody>
-          <a:bodyPr rtlCol="0" anchor="ctr"/>
-          <a:lstStyle/>
-          <a:p>
-            <a:pPr marL="0" marR="0" lvl="0" indent="0" algn="ctr" defTabSz="914400" rtl="0" eaLnBrk="1" fontAlgn="auto" latinLnBrk="0" hangingPunct="1">
-              <a:lnSpc>
-                <a:spcPct val="100000"/>
-              </a:lnSpc>
-              <a:spcBef>
-                <a:spcPts val="0"/>
-              </a:spcBef>
-              <a:spcAft>
-                <a:spcPts val="0"/>
-              </a:spcAft>
-              <a:buClrTx/>
-              <a:buSzTx/>
-              <a:buFontTx/>
-              <a:buNone/>
-              <a:tabLst/>
-              <a:defRPr/>
-            </a:pPr>
-            <a:endParaRPr kumimoji="0" lang="en-US" sz="1800" b="0" i="0" u="none" strike="noStrike" kern="1200" cap="none" spc="0" normalizeH="0" baseline="0" noProof="0">
-              <a:ln>
-                <a:noFill/>
-              </a:ln>
-              <a:solidFill>
-                <a:prstClr val="white"/>
-              </a:solidFill>
-              <a:effectLst/>
-              <a:uLnTx/>
-              <a:uFillTx/>
-              <a:latin typeface="Calibri" panose="020F0502020204030204"/>
-              <a:ea typeface="+mn-ea"/>
-              <a:cs typeface="+mn-cs"/>
-            </a:endParaRPr>
-          </a:p>
-        </p:txBody>
-      </p:sp>
-      <p:sp>
-        <p:nvSpPr>
-          <p:cNvPr id="3" name="Content Placeholder 2">
-            <a:extLst>
-              <a:ext uri="{FF2B5EF4-FFF2-40B4-BE49-F238E27FC236}">
-                <a16:creationId xmlns:a16="http://schemas.microsoft.com/office/drawing/2014/main" id="{A2EC288F-4A88-4641-9F49-11018BF8CF49}"/>
-              </a:ext>
-            </a:extLst>
-          </p:cNvPr>
-          <p:cNvSpPr>
-            <a:spLocks noGrp="1"/>
-          </p:cNvSpPr>
-          <p:nvPr>
-            <p:ph idx="1"/>
-          </p:nvPr>
-        </p:nvSpPr>
-        <p:spPr>
-          <a:xfrm>
-            <a:off x="8029319" y="917725"/>
-            <a:ext cx="3424739" cy="4852362"/>
-          </a:xfrm>
-        </p:spPr>
-        <p:txBody>
-          <a:bodyPr anchor="ctr">
-            <a:normAutofit/>
-          </a:bodyPr>
-          <a:lstStyle/>
-          <a:p>
-            <a:r>
-              <a:rPr lang="en-US" sz="2000">
-                <a:solidFill>
-                  <a:srgbClr val="FFFFFF"/>
-                </a:solidFill>
-              </a:rPr>
-              <a:t>Use less pressure on your pencil</a:t>
-            </a:r>
-          </a:p>
-          <a:p>
-            <a:r>
-              <a:rPr lang="en-US" sz="2000">
-                <a:solidFill>
-                  <a:srgbClr val="FFFFFF"/>
-                </a:solidFill>
-              </a:rPr>
-              <a:t>Having a pencil with a point will help produce high quality lettering that can be copied easily and clearly</a:t>
-            </a:r>
-          </a:p>
-          <a:p>
-            <a:r>
-              <a:rPr lang="en-US" sz="2000">
-                <a:solidFill>
-                  <a:srgbClr val="FFFFFF"/>
-                </a:solidFill>
-              </a:rPr>
-              <a:t>Have your forearm sully supported with your hand resting on its side</a:t>
-            </a:r>
-          </a:p>
-          <a:p>
-            <a:r>
-              <a:rPr lang="en-US" sz="2000">
-                <a:solidFill>
-                  <a:srgbClr val="FFFFFF"/>
-                </a:solidFill>
-              </a:rPr>
-              <a:t>Take your time and relax, pausing is most likely needed</a:t>
-            </a:r>
-          </a:p>
-          <a:p>
-            <a:r>
-              <a:rPr lang="en-US" sz="2000">
-                <a:solidFill>
-                  <a:srgbClr val="FFFFFF"/>
-                </a:solidFill>
-              </a:rPr>
-              <a:t>“Pull” the pencil across the page to not dig into the drawing</a:t>
-            </a:r>
-          </a:p>
-        </p:txBody>
-      </p:sp>
-    </p:spTree>
-    <p:extLst>
-      <p:ext uri="{BB962C8B-B14F-4D97-AF65-F5344CB8AC3E}">
-        <p14:creationId xmlns:p14="http://schemas.microsoft.com/office/powerpoint/2010/main" val="1401278197"/>
-      </p:ext>
-    </p:extLst>
-  </p:cSld>
-  <p:clrMapOvr>
-    <a:masterClrMapping/>
-  </p:clrMapOvr>
-  <mc:AlternateContent xmlns:mc="http://schemas.openxmlformats.org/markup-compatibility/2006" xmlns:p14="http://schemas.microsoft.com/office/powerpoint/2010/main">
-    <mc:Choice Requires="p14">
-      <p:transition spd="med" p14:dur="700">
-        <p:fade/>
-      </p:transition>
-    </mc:Choice>
-    <mc:Fallback xmlns="">
-      <p:transition spd="med">
-        <p:fade/>
-      </p:transition>
-    </mc:Fallback>
-  </mc:AlternateContent>
-</p:sld>
-</file>
-
-<file path=ppt/slides/slide6.xml><?xml version="1.0" encoding="utf-8"?>
-<p:sld xmlns:a="http://schemas.openxmlformats.org/drawingml/2006/main" xmlns:r="http://schemas.openxmlformats.org/officeDocument/2006/relationships" xmlns:p="http://schemas.openxmlformats.org/presentationml/2006/main">
-  <p:cSld>
-    <p:bg>
-      <p:bgPr>
-        <a:solidFill>
-          <a:schemeClr val="bg1">
-            <a:tint val="95000"/>
-            <a:satMod val="170000"/>
-          </a:schemeClr>
-        </a:solidFill>
-        <a:effectLst/>
-      </p:bgPr>
-    </p:bg>
-    <p:spTree>
-      <p:nvGrpSpPr>
-        <p:cNvPr id="1" name=""/>
-        <p:cNvGrpSpPr/>
-        <p:nvPr/>
-      </p:nvGrpSpPr>
-      <p:grpSpPr>
-        <a:xfrm>
-          <a:off x="0" y="0"/>
-          <a:ext cx="0" cy="0"/>
-          <a:chOff x="0" y="0"/>
-          <a:chExt cx="0" cy="0"/>
-        </a:xfrm>
-      </p:grpSpPr>
-      <p:sp>
-        <p:nvSpPr>
-          <p:cNvPr id="2" name="Title 1">
-            <a:extLst>
-              <a:ext uri="{FF2B5EF4-FFF2-40B4-BE49-F238E27FC236}">
-                <a16:creationId xmlns:a16="http://schemas.microsoft.com/office/drawing/2014/main" id="{26C2B765-1E7B-46EB-8F54-380E9853517C}"/>
-              </a:ext>
-            </a:extLst>
-          </p:cNvPr>
-          <p:cNvSpPr>
-            <a:spLocks noGrp="1"/>
-          </p:cNvSpPr>
-          <p:nvPr>
-            <p:ph type="title"/>
-          </p:nvPr>
-        </p:nvSpPr>
-        <p:spPr>
-          <a:xfrm>
-            <a:off x="1023257" y="965198"/>
-            <a:ext cx="6766078" cy="4927601"/>
-          </a:xfrm>
-        </p:spPr>
-        <p:txBody>
-          <a:bodyPr vert="horz" lIns="91440" tIns="45720" rIns="91440" bIns="45720" rtlCol="0" anchor="ctr">
-            <a:normAutofit/>
-          </a:bodyPr>
-          <a:lstStyle/>
-          <a:p>
-            <a:pPr algn="r"/>
-            <a:r>
-              <a:rPr lang="en-US" sz="6000" kern="1200">
-                <a:solidFill>
-                  <a:schemeClr val="tx1"/>
-                </a:solidFill>
-                <a:latin typeface="+mj-lt"/>
-                <a:ea typeface="+mj-ea"/>
-                <a:cs typeface="+mj-cs"/>
-              </a:rPr>
-              <a:t>Lettering Guide</a:t>
-            </a:r>
-          </a:p>
-        </p:txBody>
-      </p:sp>
-      <p:sp>
-        <p:nvSpPr>
-          <p:cNvPr id="16" name="Rectangle 15">
-            <a:extLst>
-              <a:ext uri="{FF2B5EF4-FFF2-40B4-BE49-F238E27FC236}">
-                <a16:creationId xmlns:a16="http://schemas.microsoft.com/office/drawing/2014/main" id="{793EF0C2-EE57-40DD-B754-BF1477FABABB}"/>
-              </a:ext>
-              <a:ext uri="{C183D7F6-B498-43B3-948B-1728B52AA6E4}">
-                <adec:decorative xmlns:adec="http://schemas.microsoft.com/office/drawing/2017/decorative" val="1"/>
-              </a:ext>
-            </a:extLst>
-          </p:cNvPr>
-          <p:cNvSpPr>
-            <a:spLocks noGrp="1" noRot="1" noChangeAspect="1" noMove="1" noResize="1" noEditPoints="1" noAdjustHandles="1" noChangeArrowheads="1" noChangeShapeType="1" noTextEdit="1"/>
-          </p:cNvSpPr>
-          <p:nvPr>
-            <p:extLst>
-              <p:ext uri="{386F3935-93C4-4BCD-93E2-E3B085C9AB24}">
-                <p16:designElem xmlns:p16="http://schemas.microsoft.com/office/powerpoint/2015/main" val="1"/>
-              </p:ext>
-            </p:extLst>
-          </p:nvPr>
-        </p:nvSpPr>
-        <p:spPr>
-          <a:xfrm>
-            <a:off x="8119870" y="0"/>
-            <a:ext cx="4072130" cy="6858000"/>
-          </a:xfrm>
-          <a:prstGeom prst="rect">
-            <a:avLst/>
-          </a:prstGeom>
-          <a:solidFill>
-            <a:schemeClr val="accent1">
-              <a:alpha val="80000"/>
-            </a:schemeClr>
-          </a:solidFill>
-          <a:ln>
-            <a:noFill/>
-          </a:ln>
-        </p:spPr>
-        <p:style>
-          <a:lnRef idx="2">
-            <a:schemeClr val="accent1">
-              <a:shade val="50000"/>
-            </a:schemeClr>
-          </a:lnRef>
-          <a:fillRef idx="1">
-            <a:schemeClr val="accent1"/>
-          </a:fillRef>
-          <a:effectRef idx="0">
-            <a:schemeClr val="accent1"/>
-          </a:effectRef>
-          <a:fontRef idx="minor">
-            <a:schemeClr val="lt1"/>
-          </a:fontRef>
-        </p:style>
-        <p:txBody>
-          <a:bodyPr rtlCol="0" anchor="ctr"/>
-          <a:lstStyle/>
-          <a:p>
-            <a:pPr algn="ctr"/>
-            <a:endParaRPr lang="en-US"/>
-          </a:p>
-        </p:txBody>
-      </p:sp>
-      <p:sp>
-        <p:nvSpPr>
-          <p:cNvPr id="3" name="Content Placeholder 2">
-            <a:extLst>
-              <a:ext uri="{FF2B5EF4-FFF2-40B4-BE49-F238E27FC236}">
-                <a16:creationId xmlns:a16="http://schemas.microsoft.com/office/drawing/2014/main" id="{3C5BBD25-9076-4AEC-B1A1-556551C0FD64}"/>
-              </a:ext>
-            </a:extLst>
-          </p:cNvPr>
-          <p:cNvSpPr>
-            <a:spLocks noGrp="1"/>
-          </p:cNvSpPr>
-          <p:nvPr>
-            <p:ph idx="1"/>
-          </p:nvPr>
-        </p:nvSpPr>
-        <p:spPr>
-          <a:xfrm>
-            <a:off x="8454570" y="965199"/>
-            <a:ext cx="3093963" cy="4927602"/>
-          </a:xfrm>
-        </p:spPr>
-        <p:txBody>
-          <a:bodyPr vert="horz" lIns="91440" tIns="45720" rIns="91440" bIns="45720" rtlCol="0" anchor="ctr">
-            <a:normAutofit/>
-          </a:bodyPr>
-          <a:lstStyle/>
-          <a:p>
-            <a:pPr marL="0" indent="0">
-              <a:buNone/>
-            </a:pPr>
-            <a:r>
-              <a:rPr lang="en-US" sz="2000" kern="1200">
-                <a:solidFill>
-                  <a:srgbClr val="FFFFFF"/>
-                </a:solidFill>
-                <a:latin typeface="+mn-lt"/>
-                <a:ea typeface="+mn-ea"/>
-                <a:cs typeface="+mn-cs"/>
-              </a:rPr>
-              <a:t>The Ames Lettering Guide can help provide guidelines for freehand technical drawing</a:t>
-            </a:r>
-          </a:p>
-        </p:txBody>
-      </p:sp>
-      <p:sp>
-        <p:nvSpPr>
-          <p:cNvPr id="4" name="Footer Placeholder 3">
-            <a:extLst>
-              <a:ext uri="{FF2B5EF4-FFF2-40B4-BE49-F238E27FC236}">
-                <a16:creationId xmlns:a16="http://schemas.microsoft.com/office/drawing/2014/main" id="{9279740F-8AF1-4320-9AD2-4BFF935C2549}"/>
-              </a:ext>
-            </a:extLst>
-          </p:cNvPr>
-          <p:cNvSpPr>
-            <a:spLocks noGrp="1"/>
-          </p:cNvSpPr>
-          <p:nvPr>
-            <p:ph type="ftr" sz="quarter" idx="11"/>
-          </p:nvPr>
-        </p:nvSpPr>
-        <p:spPr>
-          <a:xfrm>
-            <a:off x="1023257" y="6356350"/>
-            <a:ext cx="4114800" cy="365125"/>
-          </a:xfrm>
-        </p:spPr>
-        <p:txBody>
-          <a:bodyPr vert="horz" lIns="91440" tIns="45720" rIns="91440" bIns="45720" rtlCol="0" anchor="ctr">
-            <a:normAutofit/>
-          </a:bodyPr>
-          <a:lstStyle/>
-          <a:p>
-            <a:pPr algn="l" defTabSz="914400">
-              <a:spcAft>
-                <a:spcPts val="600"/>
-              </a:spcAft>
-            </a:pPr>
-            <a:r>
-              <a:rPr lang="en-US" sz="1100" kern="1200">
-                <a:solidFill>
-                  <a:schemeClr val="tx1">
-                    <a:tint val="75000"/>
-                  </a:schemeClr>
-                </a:solidFill>
-                <a:latin typeface="+mn-lt"/>
-                <a:ea typeface="+mn-ea"/>
-                <a:cs typeface="+mn-cs"/>
-              </a:rPr>
-              <a:t>Add a footer</a:t>
-            </a:r>
-          </a:p>
-        </p:txBody>
-      </p:sp>
-    </p:spTree>
-    <p:extLst>
-      <p:ext uri="{BB962C8B-B14F-4D97-AF65-F5344CB8AC3E}">
-        <p14:creationId xmlns:p14="http://schemas.microsoft.com/office/powerpoint/2010/main" val="1317013365"/>
-      </p:ext>
-    </p:extLst>
-  </p:cSld>
-  <p:clrMapOvr>
-    <a:overrideClrMapping bg1="dk1" tx1="lt1" bg2="dk2" tx2="lt2" accent1="accent1" accent2="accent2" accent3="accent3" accent4="accent4" accent5="accent5" accent6="accent6" hlink="hlink" folHlink="folHlink"/>
-  </p:clrMapOvr>
-  <mc:AlternateContent xmlns:mc="http://schemas.openxmlformats.org/markup-compatibility/2006" xmlns:p14="http://schemas.microsoft.com/office/powerpoint/2010/main">
-    <mc:Choice Requires="p14">
-      <p:transition spd="med" p14:dur="700">
-        <p:fade/>
-      </p:transition>
-    </mc:Choice>
-    <mc:Fallback xmlns="">
-      <p:transition spd="med">
-        <p:fade/>
-      </p:transition>
-    </mc:Fallback>
-  </mc:AlternateContent>
-</p:sld>
-</file>
-
-<file path=ppt/slides/slide7.xml><?xml version="1.0" encoding="utf-8"?>
+<file path=ppt/slides/slide12.xml><?xml version="1.0" encoding="utf-8"?>
 <p:sld xmlns:a="http://schemas.openxmlformats.org/drawingml/2006/main" xmlns:r="http://schemas.openxmlformats.org/officeDocument/2006/relationships" xmlns:p="http://schemas.openxmlformats.org/presentationml/2006/main">
   <p:cSld>
     <p:bg>
@@ -5773,7 +4870,7 @@
     </p:spTree>
     <p:extLst>
       <p:ext uri="{BB962C8B-B14F-4D97-AF65-F5344CB8AC3E}">
-        <p14:creationId xmlns:p14="http://schemas.microsoft.com/office/powerpoint/2010/main" val="1012076388"/>
+        <p14:creationId xmlns:p14="http://schemas.microsoft.com/office/powerpoint/2010/main" val="4081742865"/>
       </p:ext>
     </p:extLst>
   </p:cSld>
@@ -5795,7 +4892,7 @@
 </p:sld>
 </file>
 
-<file path=ppt/slides/slide8.xml><?xml version="1.0" encoding="utf-8"?>
+<file path=ppt/slides/slide13.xml><?xml version="1.0" encoding="utf-8"?>
 <p:sld xmlns:a="http://schemas.openxmlformats.org/drawingml/2006/main" xmlns:r="http://schemas.openxmlformats.org/officeDocument/2006/relationships" xmlns:p="http://schemas.openxmlformats.org/presentationml/2006/main">
   <p:cSld>
     <p:bg>
@@ -6256,6 +5353,2336 @@
           <a:lstStyle/>
           <a:p>
             <a:r>
+              <a:rPr lang="en-US" sz="1800" dirty="0"/>
+              <a:t>Using the lettering guide to create your title blocks</a:t>
+            </a:r>
+          </a:p>
+          <a:p>
+            <a:r>
+              <a:rPr lang="en-US" sz="1800" dirty="0"/>
+              <a:t>3/8” vertical capitals</a:t>
+            </a:r>
+          </a:p>
+          <a:p>
+            <a:r>
+              <a:rPr lang="en-US" sz="1800" dirty="0"/>
+              <a:t>1/8” vertical capitals</a:t>
+            </a:r>
+          </a:p>
+          <a:p>
+            <a:r>
+              <a:rPr lang="en-US" sz="1800" dirty="0"/>
+              <a:t>1/8” vertical lower case</a:t>
+            </a:r>
+          </a:p>
+          <a:p>
+            <a:endParaRPr lang="en-US" sz="1800" dirty="0"/>
+          </a:p>
+          <a:p>
+            <a:pPr marL="0" indent="0" algn="ctr">
+              <a:buNone/>
+            </a:pPr>
+            <a:r>
+              <a:rPr lang="en-US" sz="3200" b="1" dirty="0"/>
+              <a:t>DUE TUESDAY OCTOBER 9TH</a:t>
+            </a:r>
+          </a:p>
+        </p:txBody>
+      </p:sp>
+      <p:sp>
+        <p:nvSpPr>
+          <p:cNvPr id="4" name="Footer Placeholder 3">
+            <a:extLst>
+              <a:ext uri="{FF2B5EF4-FFF2-40B4-BE49-F238E27FC236}">
+                <a16:creationId xmlns:a16="http://schemas.microsoft.com/office/drawing/2014/main" id="{5F183A92-70E0-4BB3-A9A6-D12A58EBE610}"/>
+              </a:ext>
+            </a:extLst>
+          </p:cNvPr>
+          <p:cNvSpPr>
+            <a:spLocks noGrp="1"/>
+          </p:cNvSpPr>
+          <p:nvPr>
+            <p:ph type="ftr" sz="quarter" idx="11"/>
+          </p:nvPr>
+        </p:nvSpPr>
+        <p:spPr>
+          <a:xfrm>
+            <a:off x="6657173" y="6199632"/>
+            <a:ext cx="5006336" cy="365125"/>
+          </a:xfrm>
+        </p:spPr>
+        <p:txBody>
+          <a:bodyPr>
+            <a:normAutofit/>
+          </a:bodyPr>
+          <a:lstStyle/>
+          <a:p>
+            <a:pPr algn="l">
+              <a:spcAft>
+                <a:spcPts val="600"/>
+              </a:spcAft>
+            </a:pPr>
+            <a:r>
+              <a:rPr lang="en-US" sz="1100">
+                <a:solidFill>
+                  <a:schemeClr val="tx1">
+                    <a:alpha val="80000"/>
+                  </a:schemeClr>
+                </a:solidFill>
+              </a:rPr>
+              <a:t>Add a footer</a:t>
+            </a:r>
+          </a:p>
+        </p:txBody>
+      </p:sp>
+    </p:spTree>
+    <p:extLst>
+      <p:ext uri="{BB962C8B-B14F-4D97-AF65-F5344CB8AC3E}">
+        <p14:creationId xmlns:p14="http://schemas.microsoft.com/office/powerpoint/2010/main" val="2675330675"/>
+      </p:ext>
+    </p:extLst>
+  </p:cSld>
+  <p:clrMapOvr>
+    <a:overrideClrMapping bg1="dk1" tx1="lt1" bg2="dk2" tx2="lt2" accent1="accent1" accent2="accent2" accent3="accent3" accent4="accent4" accent5="accent5" accent6="accent6" hlink="hlink" folHlink="folHlink"/>
+  </p:clrMapOvr>
+  <mc:AlternateContent xmlns:mc="http://schemas.openxmlformats.org/markup-compatibility/2006" xmlns:p14="http://schemas.microsoft.com/office/powerpoint/2010/main">
+    <mc:Choice Requires="p14">
+      <p:transition spd="med" p14:dur="700">
+        <p:fade/>
+      </p:transition>
+    </mc:Choice>
+    <mc:Fallback xmlns="">
+      <p:transition spd="med">
+        <p:fade/>
+      </p:transition>
+    </mc:Fallback>
+  </mc:AlternateContent>
+</p:sld>
+</file>
+
+<file path=ppt/slides/slide2.xml><?xml version="1.0" encoding="utf-8"?>
+<p:sld xmlns:a="http://schemas.openxmlformats.org/drawingml/2006/main" xmlns:r="http://schemas.openxmlformats.org/officeDocument/2006/relationships" xmlns:p="http://schemas.openxmlformats.org/presentationml/2006/main">
+  <p:cSld>
+    <p:bg>
+      <p:bgPr>
+        <a:solidFill>
+          <a:schemeClr val="bg1"/>
+        </a:solidFill>
+        <a:effectLst/>
+      </p:bgPr>
+    </p:bg>
+    <p:spTree>
+      <p:nvGrpSpPr>
+        <p:cNvPr id="1" name=""/>
+        <p:cNvGrpSpPr/>
+        <p:nvPr/>
+      </p:nvGrpSpPr>
+      <p:grpSpPr>
+        <a:xfrm>
+          <a:off x="0" y="0"/>
+          <a:ext cx="0" cy="0"/>
+          <a:chOff x="0" y="0"/>
+          <a:chExt cx="0" cy="0"/>
+        </a:xfrm>
+      </p:grpSpPr>
+      <p:sp>
+        <p:nvSpPr>
+          <p:cNvPr id="9" name="Rectangle 8">
+            <a:extLst>
+              <a:ext uri="{FF2B5EF4-FFF2-40B4-BE49-F238E27FC236}">
+                <a16:creationId xmlns:a16="http://schemas.microsoft.com/office/drawing/2014/main" id="{6F9EB9F2-07E2-4D64-BBD8-BB5B217F1218}"/>
+              </a:ext>
+              <a:ext uri="{C183D7F6-B498-43B3-948B-1728B52AA6E4}">
+                <adec:decorative xmlns:adec="http://schemas.microsoft.com/office/drawing/2017/decorative" val="1"/>
+              </a:ext>
+            </a:extLst>
+          </p:cNvPr>
+          <p:cNvSpPr>
+            <a:spLocks noGrp="1" noRot="1" noChangeAspect="1" noMove="1" noResize="1" noEditPoints="1" noAdjustHandles="1" noChangeArrowheads="1" noChangeShapeType="1" noTextEdit="1"/>
+          </p:cNvSpPr>
+          <p:nvPr>
+            <p:extLst>
+              <p:ext uri="{386F3935-93C4-4BCD-93E2-E3B085C9AB24}">
+                <p16:designElem xmlns:p16="http://schemas.microsoft.com/office/powerpoint/2015/main" val="1"/>
+              </p:ext>
+            </p:extLst>
+          </p:nvPr>
+        </p:nvSpPr>
+        <p:spPr bwMode="ltGray">
+          <a:xfrm>
+            <a:off x="321564" y="320040"/>
+            <a:ext cx="11548872" cy="6217920"/>
+          </a:xfrm>
+          <a:prstGeom prst="rect">
+            <a:avLst/>
+          </a:prstGeom>
+          <a:solidFill>
+            <a:schemeClr val="tx1">
+              <a:alpha val="12000"/>
+            </a:schemeClr>
+          </a:solidFill>
+          <a:ln w="127000" cap="sq" cmpd="thinThick">
+            <a:noFill/>
+          </a:ln>
+        </p:spPr>
+        <p:style>
+          <a:lnRef idx="2">
+            <a:schemeClr val="accent1">
+              <a:shade val="50000"/>
+            </a:schemeClr>
+          </a:lnRef>
+          <a:fillRef idx="1">
+            <a:schemeClr val="accent1"/>
+          </a:fillRef>
+          <a:effectRef idx="0">
+            <a:schemeClr val="accent1"/>
+          </a:effectRef>
+          <a:fontRef idx="minor">
+            <a:schemeClr val="lt1"/>
+          </a:fontRef>
+        </p:style>
+        <p:txBody>
+          <a:bodyPr rtlCol="0" anchor="ctr"/>
+          <a:lstStyle/>
+          <a:p>
+            <a:pPr algn="ctr"/>
+            <a:endParaRPr lang="en-US"/>
+          </a:p>
+        </p:txBody>
+      </p:sp>
+      <p:sp>
+        <p:nvSpPr>
+          <p:cNvPr id="2" name="Title 1"/>
+          <p:cNvSpPr>
+            <a:spLocks noGrp="1"/>
+          </p:cNvSpPr>
+          <p:nvPr>
+            <p:ph type="title"/>
+          </p:nvPr>
+        </p:nvSpPr>
+        <p:spPr>
+          <a:xfrm>
+            <a:off x="4380588" y="965199"/>
+            <a:ext cx="6766078" cy="4927601"/>
+          </a:xfrm>
+        </p:spPr>
+        <p:txBody>
+          <a:bodyPr vert="horz" lIns="91440" tIns="45720" rIns="91440" bIns="45720" rtlCol="0" anchor="ctr">
+            <a:normAutofit/>
+          </a:bodyPr>
+          <a:lstStyle/>
+          <a:p>
+            <a:r>
+              <a:rPr lang="en-US" sz="5400" kern="1200">
+                <a:solidFill>
+                  <a:schemeClr val="tx1">
+                    <a:lumMod val="85000"/>
+                    <a:lumOff val="15000"/>
+                  </a:schemeClr>
+                </a:solidFill>
+                <a:latin typeface="+mj-lt"/>
+                <a:ea typeface="+mj-ea"/>
+                <a:cs typeface="+mj-cs"/>
+              </a:rPr>
+              <a:t>Google classroom code</a:t>
+            </a:r>
+          </a:p>
+        </p:txBody>
+      </p:sp>
+      <p:sp>
+        <p:nvSpPr>
+          <p:cNvPr id="3" name="Content Placeholder 2"/>
+          <p:cNvSpPr>
+            <a:spLocks noGrp="1"/>
+          </p:cNvSpPr>
+          <p:nvPr>
+            <p:ph idx="1"/>
+          </p:nvPr>
+        </p:nvSpPr>
+        <p:spPr>
+          <a:xfrm>
+            <a:off x="1023257" y="965198"/>
+            <a:ext cx="2707937" cy="4927602"/>
+          </a:xfrm>
+        </p:spPr>
+        <p:txBody>
+          <a:bodyPr vert="horz" lIns="91440" tIns="45720" rIns="91440" bIns="45720" rtlCol="0" anchor="ctr">
+            <a:normAutofit/>
+          </a:bodyPr>
+          <a:lstStyle/>
+          <a:p>
+            <a:pPr marL="0" indent="0" algn="r">
+              <a:buNone/>
+            </a:pPr>
+            <a:r>
+              <a:rPr lang="en-US" sz="2000" b="1" kern="1200">
+                <a:solidFill>
+                  <a:schemeClr val="accent1"/>
+                </a:solidFill>
+                <a:latin typeface="+mn-lt"/>
+                <a:ea typeface="+mn-ea"/>
+                <a:cs typeface="+mn-cs"/>
+              </a:rPr>
+              <a:t>okia9n</a:t>
+            </a:r>
+          </a:p>
+        </p:txBody>
+      </p:sp>
+      <p:cxnSp>
+        <p:nvCxnSpPr>
+          <p:cNvPr id="11" name="Straight Connector 10">
+            <a:extLst>
+              <a:ext uri="{FF2B5EF4-FFF2-40B4-BE49-F238E27FC236}">
+                <a16:creationId xmlns:a16="http://schemas.microsoft.com/office/drawing/2014/main" id="{F0C57C7C-DFE9-4A1E-B7A9-DF40E63366BB}"/>
+              </a:ext>
+              <a:ext uri="{C183D7F6-B498-43B3-948B-1728B52AA6E4}">
+                <adec:decorative xmlns:adec="http://schemas.microsoft.com/office/drawing/2017/decorative" val="1"/>
+              </a:ext>
+            </a:extLst>
+          </p:cNvPr>
+          <p:cNvCxnSpPr>
+            <a:cxnSpLocks noGrp="1" noRot="1" noChangeAspect="1" noMove="1" noResize="1" noEditPoints="1" noAdjustHandles="1" noChangeArrowheads="1" noChangeShapeType="1"/>
+          </p:cNvCxnSpPr>
+          <p:nvPr>
+            <p:extLst>
+              <p:ext uri="{386F3935-93C4-4BCD-93E2-E3B085C9AB24}">
+                <p16:designElem xmlns:p16="http://schemas.microsoft.com/office/powerpoint/2015/main" val="1"/>
+              </p:ext>
+            </p:extLst>
+          </p:nvPr>
+        </p:nvCxnSpPr>
+        <p:spPr>
+          <a:xfrm>
+            <a:off x="4055891" y="2057399"/>
+            <a:ext cx="0" cy="2743200"/>
+          </a:xfrm>
+          <a:prstGeom prst="line">
+            <a:avLst/>
+          </a:prstGeom>
+          <a:ln w="19050">
+            <a:solidFill>
+              <a:schemeClr val="tx1">
+                <a:lumMod val="85000"/>
+                <a:lumOff val="15000"/>
+              </a:schemeClr>
+            </a:solidFill>
+          </a:ln>
+        </p:spPr>
+        <p:style>
+          <a:lnRef idx="1">
+            <a:schemeClr val="accent1"/>
+          </a:lnRef>
+          <a:fillRef idx="0">
+            <a:schemeClr val="accent1"/>
+          </a:fillRef>
+          <a:effectRef idx="0">
+            <a:schemeClr val="accent1"/>
+          </a:effectRef>
+          <a:fontRef idx="minor">
+            <a:schemeClr val="tx1"/>
+          </a:fontRef>
+        </p:style>
+      </p:cxnSp>
+      <p:sp>
+        <p:nvSpPr>
+          <p:cNvPr id="4" name="Footer Placeholder 3">
+            <a:extLst>
+              <a:ext uri="{FF2B5EF4-FFF2-40B4-BE49-F238E27FC236}">
+                <a16:creationId xmlns:a16="http://schemas.microsoft.com/office/drawing/2014/main" id="{EADFB87E-2A3F-4815-8F5E-3CF3521EBF24}"/>
+              </a:ext>
+            </a:extLst>
+          </p:cNvPr>
+          <p:cNvSpPr>
+            <a:spLocks noGrp="1"/>
+          </p:cNvSpPr>
+          <p:nvPr>
+            <p:ph type="ftr" sz="quarter" idx="11"/>
+          </p:nvPr>
+        </p:nvSpPr>
+        <p:spPr>
+          <a:xfrm>
+            <a:off x="4380588" y="6553690"/>
+            <a:ext cx="5053698" cy="274320"/>
+          </a:xfrm>
+        </p:spPr>
+        <p:txBody>
+          <a:bodyPr vert="horz" lIns="91440" tIns="45720" rIns="91440" bIns="45720" rtlCol="0" anchor="ctr">
+            <a:normAutofit/>
+          </a:bodyPr>
+          <a:lstStyle/>
+          <a:p>
+            <a:pPr algn="l" defTabSz="914400">
+              <a:spcAft>
+                <a:spcPts val="600"/>
+              </a:spcAft>
+            </a:pPr>
+            <a:r>
+              <a:rPr lang="en-US" sz="1050" kern="1200">
+                <a:solidFill>
+                  <a:schemeClr val="tx1">
+                    <a:tint val="75000"/>
+                  </a:schemeClr>
+                </a:solidFill>
+                <a:latin typeface="+mn-lt"/>
+                <a:ea typeface="+mn-ea"/>
+                <a:cs typeface="+mn-cs"/>
+              </a:rPr>
+              <a:t>Unit 1 – Section 1 - Day 1</a:t>
+            </a:r>
+          </a:p>
+        </p:txBody>
+      </p:sp>
+    </p:spTree>
+    <p:extLst>
+      <p:ext uri="{BB962C8B-B14F-4D97-AF65-F5344CB8AC3E}">
+        <p14:creationId xmlns:p14="http://schemas.microsoft.com/office/powerpoint/2010/main" val="1645033752"/>
+      </p:ext>
+    </p:extLst>
+  </p:cSld>
+  <p:clrMapOvr>
+    <a:masterClrMapping/>
+  </p:clrMapOvr>
+  <mc:AlternateContent xmlns:mc="http://schemas.openxmlformats.org/markup-compatibility/2006" xmlns:p14="http://schemas.microsoft.com/office/powerpoint/2010/main">
+    <mc:Choice Requires="p14">
+      <p:transition spd="med" p14:dur="700">
+        <p:fade/>
+      </p:transition>
+    </mc:Choice>
+    <mc:Fallback xmlns="">
+      <p:transition spd="med">
+        <p:fade/>
+      </p:transition>
+    </mc:Fallback>
+  </mc:AlternateContent>
+</p:sld>
+</file>
+
+<file path=ppt/slides/slide3.xml><?xml version="1.0" encoding="utf-8"?>
+<p:sld xmlns:a="http://schemas.openxmlformats.org/drawingml/2006/main" xmlns:r="http://schemas.openxmlformats.org/officeDocument/2006/relationships" xmlns:p="http://schemas.openxmlformats.org/presentationml/2006/main">
+  <p:cSld>
+    <p:bg>
+      <p:bgPr>
+        <a:solidFill>
+          <a:schemeClr val="bg1"/>
+        </a:solidFill>
+        <a:effectLst/>
+      </p:bgPr>
+    </p:bg>
+    <p:spTree>
+      <p:nvGrpSpPr>
+        <p:cNvPr id="1" name=""/>
+        <p:cNvGrpSpPr/>
+        <p:nvPr/>
+      </p:nvGrpSpPr>
+      <p:grpSpPr>
+        <a:xfrm>
+          <a:off x="0" y="0"/>
+          <a:ext cx="0" cy="0"/>
+          <a:chOff x="0" y="0"/>
+          <a:chExt cx="0" cy="0"/>
+        </a:xfrm>
+      </p:grpSpPr>
+      <p:sp>
+        <p:nvSpPr>
+          <p:cNvPr id="9" name="Rectangle 8">
+            <a:extLst>
+              <a:ext uri="{FF2B5EF4-FFF2-40B4-BE49-F238E27FC236}">
+                <a16:creationId xmlns:a16="http://schemas.microsoft.com/office/drawing/2014/main" id="{8D70B121-56F4-4848-B38B-182089D909FA}"/>
+              </a:ext>
+              <a:ext uri="{C183D7F6-B498-43B3-948B-1728B52AA6E4}">
+                <adec:decorative xmlns:adec="http://schemas.microsoft.com/office/drawing/2017/decorative" val="1"/>
+              </a:ext>
+            </a:extLst>
+          </p:cNvPr>
+          <p:cNvSpPr>
+            <a:spLocks noGrp="1" noRot="1" noChangeAspect="1" noMove="1" noResize="1" noEditPoints="1" noAdjustHandles="1" noChangeArrowheads="1" noChangeShapeType="1" noTextEdit="1"/>
+          </p:cNvSpPr>
+          <p:nvPr>
+            <p:extLst>
+              <p:ext uri="{386F3935-93C4-4BCD-93E2-E3B085C9AB24}">
+                <p16:designElem xmlns:p16="http://schemas.microsoft.com/office/powerpoint/2015/main" val="1"/>
+              </p:ext>
+            </p:extLst>
+          </p:nvPr>
+        </p:nvSpPr>
+        <p:spPr bwMode="ltGray">
+          <a:xfrm>
+            <a:off x="321564" y="320040"/>
+            <a:ext cx="11548872" cy="6217920"/>
+          </a:xfrm>
+          <a:prstGeom prst="rect">
+            <a:avLst/>
+          </a:prstGeom>
+          <a:solidFill>
+            <a:schemeClr val="tx1">
+              <a:alpha val="8000"/>
+            </a:schemeClr>
+          </a:solidFill>
+          <a:ln w="127000" cap="sq" cmpd="thinThick">
+            <a:noFill/>
+          </a:ln>
+        </p:spPr>
+        <p:style>
+          <a:lnRef idx="2">
+            <a:schemeClr val="accent1">
+              <a:shade val="50000"/>
+            </a:schemeClr>
+          </a:lnRef>
+          <a:fillRef idx="1">
+            <a:schemeClr val="accent1"/>
+          </a:fillRef>
+          <a:effectRef idx="0">
+            <a:schemeClr val="accent1"/>
+          </a:effectRef>
+          <a:fontRef idx="minor">
+            <a:schemeClr val="lt1"/>
+          </a:fontRef>
+        </p:style>
+        <p:txBody>
+          <a:bodyPr rtlCol="0" anchor="ctr"/>
+          <a:lstStyle/>
+          <a:p>
+            <a:pPr algn="ctr"/>
+            <a:endParaRPr lang="en-US"/>
+          </a:p>
+        </p:txBody>
+      </p:sp>
+      <p:sp>
+        <p:nvSpPr>
+          <p:cNvPr id="2" name="Title 1"/>
+          <p:cNvSpPr>
+            <a:spLocks noGrp="1"/>
+          </p:cNvSpPr>
+          <p:nvPr>
+            <p:ph type="title"/>
+          </p:nvPr>
+        </p:nvSpPr>
+        <p:spPr>
+          <a:xfrm>
+            <a:off x="838200" y="963877"/>
+            <a:ext cx="3494362" cy="4930246"/>
+          </a:xfrm>
+        </p:spPr>
+        <p:txBody>
+          <a:bodyPr>
+            <a:normAutofit/>
+          </a:bodyPr>
+          <a:lstStyle/>
+          <a:p>
+            <a:pPr algn="r"/>
+            <a:r>
+              <a:rPr lang="en-US">
+                <a:solidFill>
+                  <a:schemeClr val="accent1"/>
+                </a:solidFill>
+              </a:rPr>
+              <a:t>The big idea</a:t>
+            </a:r>
+          </a:p>
+        </p:txBody>
+      </p:sp>
+      <p:cxnSp>
+        <p:nvCxnSpPr>
+          <p:cNvPr id="11" name="Straight Connector 10">
+            <a:extLst>
+              <a:ext uri="{FF2B5EF4-FFF2-40B4-BE49-F238E27FC236}">
+                <a16:creationId xmlns:a16="http://schemas.microsoft.com/office/drawing/2014/main" id="{2D72A2C9-F3CA-4216-8BAD-FA4C970C3C4E}"/>
+              </a:ext>
+              <a:ext uri="{C183D7F6-B498-43B3-948B-1728B52AA6E4}">
+                <adec:decorative xmlns:adec="http://schemas.microsoft.com/office/drawing/2017/decorative" val="1"/>
+              </a:ext>
+            </a:extLst>
+          </p:cNvPr>
+          <p:cNvCxnSpPr>
+            <a:cxnSpLocks noGrp="1" noRot="1" noChangeAspect="1" noMove="1" noResize="1" noEditPoints="1" noAdjustHandles="1" noChangeArrowheads="1" noChangeShapeType="1"/>
+          </p:cNvCxnSpPr>
+          <p:nvPr>
+            <p:extLst>
+              <p:ext uri="{386F3935-93C4-4BCD-93E2-E3B085C9AB24}">
+                <p16:designElem xmlns:p16="http://schemas.microsoft.com/office/powerpoint/2015/main" val="1"/>
+              </p:ext>
+            </p:extLst>
+          </p:nvPr>
+        </p:nvCxnSpPr>
+        <p:spPr>
+          <a:xfrm>
+            <a:off x="4654296" y="2057400"/>
+            <a:ext cx="0" cy="2743200"/>
+          </a:xfrm>
+          <a:prstGeom prst="line">
+            <a:avLst/>
+          </a:prstGeom>
+          <a:ln w="19050">
+            <a:solidFill>
+              <a:schemeClr val="tx1">
+                <a:lumMod val="85000"/>
+                <a:lumOff val="15000"/>
+              </a:schemeClr>
+            </a:solidFill>
+          </a:ln>
+        </p:spPr>
+        <p:style>
+          <a:lnRef idx="1">
+            <a:schemeClr val="accent1"/>
+          </a:lnRef>
+          <a:fillRef idx="0">
+            <a:schemeClr val="accent1"/>
+          </a:fillRef>
+          <a:effectRef idx="0">
+            <a:schemeClr val="accent1"/>
+          </a:effectRef>
+          <a:fontRef idx="minor">
+            <a:schemeClr val="tx1"/>
+          </a:fontRef>
+        </p:style>
+      </p:cxnSp>
+      <p:sp>
+        <p:nvSpPr>
+          <p:cNvPr id="3" name="Content Placeholder 2"/>
+          <p:cNvSpPr>
+            <a:spLocks noGrp="1"/>
+          </p:cNvSpPr>
+          <p:nvPr>
+            <p:ph idx="1"/>
+          </p:nvPr>
+        </p:nvSpPr>
+        <p:spPr>
+          <a:xfrm>
+            <a:off x="4976031" y="963877"/>
+            <a:ext cx="6377769" cy="4930246"/>
+          </a:xfrm>
+        </p:spPr>
+        <p:txBody>
+          <a:bodyPr anchor="ctr">
+            <a:normAutofit/>
+          </a:bodyPr>
+          <a:lstStyle/>
+          <a:p>
+            <a:r>
+              <a:rPr lang="en-US" sz="2400">
+                <a:cs typeface="Arial" pitchFamily="34" charset="0"/>
+              </a:rPr>
+              <a:t>There are different styles of lettering and industry standards</a:t>
+            </a:r>
+          </a:p>
+          <a:p>
+            <a:r>
+              <a:rPr lang="en-US" sz="2400">
+                <a:cs typeface="Arial" pitchFamily="34" charset="0"/>
+              </a:rPr>
+              <a:t>Guidelines are used for height and slope of letters</a:t>
+            </a:r>
+          </a:p>
+          <a:p>
+            <a:r>
+              <a:rPr lang="en-US" sz="2400">
+                <a:cs typeface="Arial" pitchFamily="34" charset="0"/>
+              </a:rPr>
+              <a:t>Single-stroke Gothic letters are commonly used in industry</a:t>
+            </a:r>
+          </a:p>
+        </p:txBody>
+      </p:sp>
+      <p:sp>
+        <p:nvSpPr>
+          <p:cNvPr id="4" name="Footer Placeholder 3">
+            <a:extLst>
+              <a:ext uri="{FF2B5EF4-FFF2-40B4-BE49-F238E27FC236}">
+                <a16:creationId xmlns:a16="http://schemas.microsoft.com/office/drawing/2014/main" id="{EADFB87E-2A3F-4815-8F5E-3CF3521EBF24}"/>
+              </a:ext>
+            </a:extLst>
+          </p:cNvPr>
+          <p:cNvSpPr>
+            <a:spLocks noGrp="1"/>
+          </p:cNvSpPr>
+          <p:nvPr>
+            <p:ph type="ftr" sz="quarter" idx="11"/>
+          </p:nvPr>
+        </p:nvSpPr>
+        <p:spPr>
+          <a:xfrm>
+            <a:off x="4976031" y="6033479"/>
+            <a:ext cx="5259985" cy="365125"/>
+          </a:xfrm>
+        </p:spPr>
+        <p:txBody>
+          <a:bodyPr>
+            <a:normAutofit/>
+          </a:bodyPr>
+          <a:lstStyle/>
+          <a:p>
+            <a:pPr algn="l">
+              <a:spcAft>
+                <a:spcPts val="600"/>
+              </a:spcAft>
+            </a:pPr>
+            <a:r>
+              <a:rPr lang="en-US" sz="1050">
+                <a:solidFill>
+                  <a:schemeClr val="tx1">
+                    <a:alpha val="80000"/>
+                  </a:schemeClr>
+                </a:solidFill>
+              </a:rPr>
+              <a:t>Unit 1 – Section 1 - Day 1</a:t>
+            </a:r>
+          </a:p>
+        </p:txBody>
+      </p:sp>
+    </p:spTree>
+    <p:extLst>
+      <p:ext uri="{BB962C8B-B14F-4D97-AF65-F5344CB8AC3E}">
+        <p14:creationId xmlns:p14="http://schemas.microsoft.com/office/powerpoint/2010/main" val="78530218"/>
+      </p:ext>
+    </p:extLst>
+  </p:cSld>
+  <p:clrMapOvr>
+    <a:masterClrMapping/>
+  </p:clrMapOvr>
+  <mc:AlternateContent xmlns:mc="http://schemas.openxmlformats.org/markup-compatibility/2006" xmlns:p14="http://schemas.microsoft.com/office/powerpoint/2010/main">
+    <mc:Choice Requires="p14">
+      <p:transition spd="med" p14:dur="700">
+        <p:fade/>
+      </p:transition>
+    </mc:Choice>
+    <mc:Fallback xmlns="">
+      <p:transition spd="med">
+        <p:fade/>
+      </p:transition>
+    </mc:Fallback>
+  </mc:AlternateContent>
+</p:sld>
+</file>
+
+<file path=ppt/slides/slide4.xml><?xml version="1.0" encoding="utf-8"?>
+<p:sld xmlns:a="http://schemas.openxmlformats.org/drawingml/2006/main" xmlns:r="http://schemas.openxmlformats.org/officeDocument/2006/relationships" xmlns:p="http://schemas.openxmlformats.org/presentationml/2006/main">
+  <p:cSld>
+    <p:bg>
+      <p:bgPr>
+        <a:solidFill>
+          <a:schemeClr val="bg1"/>
+        </a:solidFill>
+        <a:effectLst/>
+      </p:bgPr>
+    </p:bg>
+    <p:spTree>
+      <p:nvGrpSpPr>
+        <p:cNvPr id="1" name=""/>
+        <p:cNvGrpSpPr/>
+        <p:nvPr/>
+      </p:nvGrpSpPr>
+      <p:grpSpPr>
+        <a:xfrm>
+          <a:off x="0" y="0"/>
+          <a:ext cx="0" cy="0"/>
+          <a:chOff x="0" y="0"/>
+          <a:chExt cx="0" cy="0"/>
+        </a:xfrm>
+      </p:grpSpPr>
+      <p:sp>
+        <p:nvSpPr>
+          <p:cNvPr id="9" name="Rectangle 8">
+            <a:extLst>
+              <a:ext uri="{FF2B5EF4-FFF2-40B4-BE49-F238E27FC236}">
+                <a16:creationId xmlns:a16="http://schemas.microsoft.com/office/drawing/2014/main" id="{8D70B121-56F4-4848-B38B-182089D909FA}"/>
+              </a:ext>
+              <a:ext uri="{C183D7F6-B498-43B3-948B-1728B52AA6E4}">
+                <adec:decorative xmlns:adec="http://schemas.microsoft.com/office/drawing/2017/decorative" val="1"/>
+              </a:ext>
+            </a:extLst>
+          </p:cNvPr>
+          <p:cNvSpPr>
+            <a:spLocks noGrp="1" noRot="1" noChangeAspect="1" noMove="1" noResize="1" noEditPoints="1" noAdjustHandles="1" noChangeArrowheads="1" noChangeShapeType="1" noTextEdit="1"/>
+          </p:cNvSpPr>
+          <p:nvPr>
+            <p:extLst>
+              <p:ext uri="{386F3935-93C4-4BCD-93E2-E3B085C9AB24}">
+                <p16:designElem xmlns:p16="http://schemas.microsoft.com/office/powerpoint/2015/main" val="1"/>
+              </p:ext>
+            </p:extLst>
+          </p:nvPr>
+        </p:nvSpPr>
+        <p:spPr bwMode="ltGray">
+          <a:xfrm>
+            <a:off x="321564" y="320040"/>
+            <a:ext cx="11548872" cy="6217920"/>
+          </a:xfrm>
+          <a:prstGeom prst="rect">
+            <a:avLst/>
+          </a:prstGeom>
+          <a:solidFill>
+            <a:schemeClr val="tx1">
+              <a:alpha val="8000"/>
+            </a:schemeClr>
+          </a:solidFill>
+          <a:ln w="127000" cap="sq" cmpd="thinThick">
+            <a:noFill/>
+          </a:ln>
+        </p:spPr>
+        <p:style>
+          <a:lnRef idx="2">
+            <a:schemeClr val="accent1">
+              <a:shade val="50000"/>
+            </a:schemeClr>
+          </a:lnRef>
+          <a:fillRef idx="1">
+            <a:schemeClr val="accent1"/>
+          </a:fillRef>
+          <a:effectRef idx="0">
+            <a:schemeClr val="accent1"/>
+          </a:effectRef>
+          <a:fontRef idx="minor">
+            <a:schemeClr val="lt1"/>
+          </a:fontRef>
+        </p:style>
+        <p:txBody>
+          <a:bodyPr rtlCol="0" anchor="ctr"/>
+          <a:lstStyle/>
+          <a:p>
+            <a:pPr algn="ctr"/>
+            <a:endParaRPr lang="en-US"/>
+          </a:p>
+        </p:txBody>
+      </p:sp>
+      <p:sp>
+        <p:nvSpPr>
+          <p:cNvPr id="2" name="Title 1">
+            <a:extLst>
+              <a:ext uri="{FF2B5EF4-FFF2-40B4-BE49-F238E27FC236}">
+                <a16:creationId xmlns:a16="http://schemas.microsoft.com/office/drawing/2014/main" id="{716F2B93-A2BD-40E2-9FD0-F93D173411A3}"/>
+              </a:ext>
+            </a:extLst>
+          </p:cNvPr>
+          <p:cNvSpPr>
+            <a:spLocks noGrp="1"/>
+          </p:cNvSpPr>
+          <p:nvPr>
+            <p:ph type="title"/>
+          </p:nvPr>
+        </p:nvSpPr>
+        <p:spPr>
+          <a:xfrm>
+            <a:off x="838200" y="963877"/>
+            <a:ext cx="3494362" cy="4930246"/>
+          </a:xfrm>
+        </p:spPr>
+        <p:txBody>
+          <a:bodyPr>
+            <a:normAutofit/>
+          </a:bodyPr>
+          <a:lstStyle/>
+          <a:p>
+            <a:pPr algn="r"/>
+            <a:r>
+              <a:rPr lang="en-US">
+                <a:solidFill>
+                  <a:schemeClr val="accent1"/>
+                </a:solidFill>
+              </a:rPr>
+              <a:t>What is lettering</a:t>
+            </a:r>
+          </a:p>
+        </p:txBody>
+      </p:sp>
+      <p:cxnSp>
+        <p:nvCxnSpPr>
+          <p:cNvPr id="11" name="Straight Connector 10">
+            <a:extLst>
+              <a:ext uri="{FF2B5EF4-FFF2-40B4-BE49-F238E27FC236}">
+                <a16:creationId xmlns:a16="http://schemas.microsoft.com/office/drawing/2014/main" id="{2D72A2C9-F3CA-4216-8BAD-FA4C970C3C4E}"/>
+              </a:ext>
+              <a:ext uri="{C183D7F6-B498-43B3-948B-1728B52AA6E4}">
+                <adec:decorative xmlns:adec="http://schemas.microsoft.com/office/drawing/2017/decorative" val="1"/>
+              </a:ext>
+            </a:extLst>
+          </p:cNvPr>
+          <p:cNvCxnSpPr>
+            <a:cxnSpLocks noGrp="1" noRot="1" noChangeAspect="1" noMove="1" noResize="1" noEditPoints="1" noAdjustHandles="1" noChangeArrowheads="1" noChangeShapeType="1"/>
+          </p:cNvCxnSpPr>
+          <p:nvPr>
+            <p:extLst>
+              <p:ext uri="{386F3935-93C4-4BCD-93E2-E3B085C9AB24}">
+                <p16:designElem xmlns:p16="http://schemas.microsoft.com/office/powerpoint/2015/main" val="1"/>
+              </p:ext>
+            </p:extLst>
+          </p:nvPr>
+        </p:nvCxnSpPr>
+        <p:spPr>
+          <a:xfrm>
+            <a:off x="4654296" y="2057400"/>
+            <a:ext cx="0" cy="2743200"/>
+          </a:xfrm>
+          <a:prstGeom prst="line">
+            <a:avLst/>
+          </a:prstGeom>
+          <a:ln w="19050">
+            <a:solidFill>
+              <a:schemeClr val="tx1">
+                <a:lumMod val="85000"/>
+                <a:lumOff val="15000"/>
+              </a:schemeClr>
+            </a:solidFill>
+          </a:ln>
+        </p:spPr>
+        <p:style>
+          <a:lnRef idx="1">
+            <a:schemeClr val="accent1"/>
+          </a:lnRef>
+          <a:fillRef idx="0">
+            <a:schemeClr val="accent1"/>
+          </a:fillRef>
+          <a:effectRef idx="0">
+            <a:schemeClr val="accent1"/>
+          </a:effectRef>
+          <a:fontRef idx="minor">
+            <a:schemeClr val="tx1"/>
+          </a:fontRef>
+        </p:style>
+      </p:cxnSp>
+      <p:sp>
+        <p:nvSpPr>
+          <p:cNvPr id="3" name="Content Placeholder 2">
+            <a:extLst>
+              <a:ext uri="{FF2B5EF4-FFF2-40B4-BE49-F238E27FC236}">
+                <a16:creationId xmlns:a16="http://schemas.microsoft.com/office/drawing/2014/main" id="{E9311B71-3167-477F-B1AB-5C48044BC8E1}"/>
+              </a:ext>
+            </a:extLst>
+          </p:cNvPr>
+          <p:cNvSpPr>
+            <a:spLocks noGrp="1"/>
+          </p:cNvSpPr>
+          <p:nvPr>
+            <p:ph idx="1"/>
+          </p:nvPr>
+        </p:nvSpPr>
+        <p:spPr>
+          <a:xfrm>
+            <a:off x="4976031" y="963877"/>
+            <a:ext cx="6377769" cy="4930246"/>
+          </a:xfrm>
+        </p:spPr>
+        <p:txBody>
+          <a:bodyPr anchor="ctr">
+            <a:normAutofit/>
+          </a:bodyPr>
+          <a:lstStyle/>
+          <a:p>
+            <a:r>
+              <a:rPr lang="en-US" sz="2400"/>
+              <a:t>Purpose is to clarify the views or projections</a:t>
+            </a:r>
+          </a:p>
+          <a:p>
+            <a:r>
+              <a:rPr lang="en-US" sz="2400"/>
+              <a:t>Notes may specify materials and processes</a:t>
+            </a:r>
+          </a:p>
+          <a:p>
+            <a:r>
+              <a:rPr lang="en-US" sz="2400"/>
+              <a:t>Most drafters are required to letter drawings freehand</a:t>
+            </a:r>
+          </a:p>
+          <a:p>
+            <a:r>
+              <a:rPr lang="en-US" sz="2400"/>
+              <a:t>Lettering is about 20% of manual work for any drafter</a:t>
+            </a:r>
+          </a:p>
+          <a:p>
+            <a:pPr marL="411480" lvl="1" indent="0">
+              <a:buNone/>
+            </a:pPr>
+            <a:endParaRPr lang="en-US" dirty="0"/>
+          </a:p>
+          <a:p>
+            <a:endParaRPr lang="en-US" sz="2400"/>
+          </a:p>
+          <a:p>
+            <a:endParaRPr lang="en-US" sz="2400"/>
+          </a:p>
+        </p:txBody>
+      </p:sp>
+      <p:sp>
+        <p:nvSpPr>
+          <p:cNvPr id="4" name="Footer Placeholder 3">
+            <a:extLst>
+              <a:ext uri="{FF2B5EF4-FFF2-40B4-BE49-F238E27FC236}">
+                <a16:creationId xmlns:a16="http://schemas.microsoft.com/office/drawing/2014/main" id="{DA40730A-829B-4DFE-8CAE-D606FCE1126E}"/>
+              </a:ext>
+            </a:extLst>
+          </p:cNvPr>
+          <p:cNvSpPr>
+            <a:spLocks noGrp="1"/>
+          </p:cNvSpPr>
+          <p:nvPr>
+            <p:ph type="ftr" sz="quarter" idx="11"/>
+          </p:nvPr>
+        </p:nvSpPr>
+        <p:spPr>
+          <a:xfrm>
+            <a:off x="4976031" y="6033479"/>
+            <a:ext cx="5259985" cy="365125"/>
+          </a:xfrm>
+        </p:spPr>
+        <p:txBody>
+          <a:bodyPr>
+            <a:normAutofit/>
+          </a:bodyPr>
+          <a:lstStyle/>
+          <a:p>
+            <a:pPr algn="l">
+              <a:spcAft>
+                <a:spcPts val="600"/>
+              </a:spcAft>
+            </a:pPr>
+            <a:r>
+              <a:rPr lang="en-US" sz="1050">
+                <a:solidFill>
+                  <a:schemeClr val="tx1">
+                    <a:alpha val="80000"/>
+                  </a:schemeClr>
+                </a:solidFill>
+              </a:rPr>
+              <a:t>Add a footer</a:t>
+            </a:r>
+          </a:p>
+        </p:txBody>
+      </p:sp>
+    </p:spTree>
+    <p:extLst>
+      <p:ext uri="{BB962C8B-B14F-4D97-AF65-F5344CB8AC3E}">
+        <p14:creationId xmlns:p14="http://schemas.microsoft.com/office/powerpoint/2010/main" val="1269551219"/>
+      </p:ext>
+    </p:extLst>
+  </p:cSld>
+  <p:clrMapOvr>
+    <a:masterClrMapping/>
+  </p:clrMapOvr>
+  <mc:AlternateContent xmlns:mc="http://schemas.openxmlformats.org/markup-compatibility/2006" xmlns:p14="http://schemas.microsoft.com/office/powerpoint/2010/main">
+    <mc:Choice Requires="p14">
+      <p:transition spd="med" p14:dur="700">
+        <p:fade/>
+      </p:transition>
+    </mc:Choice>
+    <mc:Fallback xmlns="">
+      <p:transition spd="med">
+        <p:fade/>
+      </p:transition>
+    </mc:Fallback>
+  </mc:AlternateContent>
+</p:sld>
+</file>
+
+<file path=ppt/slides/slide5.xml><?xml version="1.0" encoding="utf-8"?>
+<p:sld xmlns:a="http://schemas.openxmlformats.org/drawingml/2006/main" xmlns:r="http://schemas.openxmlformats.org/officeDocument/2006/relationships" xmlns:p="http://schemas.openxmlformats.org/presentationml/2006/main">
+  <p:cSld>
+    <p:bg>
+      <p:bgPr>
+        <a:solidFill>
+          <a:schemeClr val="bg1"/>
+        </a:solidFill>
+        <a:effectLst/>
+      </p:bgPr>
+    </p:bg>
+    <p:spTree>
+      <p:nvGrpSpPr>
+        <p:cNvPr id="1" name=""/>
+        <p:cNvGrpSpPr/>
+        <p:nvPr/>
+      </p:nvGrpSpPr>
+      <p:grpSpPr>
+        <a:xfrm>
+          <a:off x="0" y="0"/>
+          <a:ext cx="0" cy="0"/>
+          <a:chOff x="0" y="0"/>
+          <a:chExt cx="0" cy="0"/>
+        </a:xfrm>
+      </p:grpSpPr>
+      <p:sp>
+        <p:nvSpPr>
+          <p:cNvPr id="71" name="Rectangle 70">
+            <a:extLst>
+              <a:ext uri="{FF2B5EF4-FFF2-40B4-BE49-F238E27FC236}">
+                <a16:creationId xmlns:a16="http://schemas.microsoft.com/office/drawing/2014/main" id="{4038CB10-1F5C-4D54-9DF7-12586DE5B007}"/>
+              </a:ext>
+              <a:ext uri="{C183D7F6-B498-43B3-948B-1728B52AA6E4}">
+                <adec:decorative xmlns:adec="http://schemas.microsoft.com/office/drawing/2017/decorative" val="1"/>
+              </a:ext>
+            </a:extLst>
+          </p:cNvPr>
+          <p:cNvSpPr>
+            <a:spLocks noGrp="1" noRot="1" noChangeAspect="1" noMove="1" noResize="1" noEditPoints="1" noAdjustHandles="1" noChangeArrowheads="1" noChangeShapeType="1" noTextEdit="1"/>
+          </p:cNvSpPr>
+          <p:nvPr>
+            <p:extLst>
+              <p:ext uri="{386F3935-93C4-4BCD-93E2-E3B085C9AB24}">
+                <p16:designElem xmlns:p16="http://schemas.microsoft.com/office/powerpoint/2015/main" val="1"/>
+              </p:ext>
+            </p:extLst>
+          </p:nvPr>
+        </p:nvSpPr>
+        <p:spPr>
+          <a:xfrm>
+            <a:off x="327546" y="4572000"/>
+            <a:ext cx="7058307" cy="1964266"/>
+          </a:xfrm>
+          <a:prstGeom prst="rect">
+            <a:avLst/>
+          </a:prstGeom>
+          <a:solidFill>
+            <a:schemeClr val="accent1"/>
+          </a:solidFill>
+          <a:ln>
+            <a:noFill/>
+          </a:ln>
+        </p:spPr>
+        <p:style>
+          <a:lnRef idx="2">
+            <a:schemeClr val="accent1">
+              <a:shade val="50000"/>
+            </a:schemeClr>
+          </a:lnRef>
+          <a:fillRef idx="1">
+            <a:schemeClr val="accent1"/>
+          </a:fillRef>
+          <a:effectRef idx="0">
+            <a:schemeClr val="accent1"/>
+          </a:effectRef>
+          <a:fontRef idx="minor">
+            <a:schemeClr val="lt1"/>
+          </a:fontRef>
+        </p:style>
+        <p:txBody>
+          <a:bodyPr rtlCol="0" anchor="ctr"/>
+          <a:lstStyle/>
+          <a:p>
+            <a:pPr marL="0" marR="0" lvl="0" indent="0" algn="ctr" defTabSz="914400" rtl="0" eaLnBrk="1" fontAlgn="auto" latinLnBrk="0" hangingPunct="1">
+              <a:lnSpc>
+                <a:spcPct val="100000"/>
+              </a:lnSpc>
+              <a:spcBef>
+                <a:spcPts val="0"/>
+              </a:spcBef>
+              <a:spcAft>
+                <a:spcPts val="0"/>
+              </a:spcAft>
+              <a:buClrTx/>
+              <a:buSzTx/>
+              <a:buFontTx/>
+              <a:buNone/>
+              <a:tabLst/>
+              <a:defRPr/>
+            </a:pPr>
+            <a:endParaRPr kumimoji="0" lang="en-US" sz="1800" b="0" i="0" u="none" strike="noStrike" kern="1200" cap="none" spc="0" normalizeH="0" baseline="0" noProof="0">
+              <a:ln>
+                <a:noFill/>
+              </a:ln>
+              <a:solidFill>
+                <a:prstClr val="white"/>
+              </a:solidFill>
+              <a:effectLst/>
+              <a:uLnTx/>
+              <a:uFillTx/>
+              <a:latin typeface="Calibri" panose="020F0502020204030204"/>
+              <a:ea typeface="+mn-ea"/>
+              <a:cs typeface="+mn-cs"/>
+            </a:endParaRPr>
+          </a:p>
+        </p:txBody>
+      </p:sp>
+      <p:sp>
+        <p:nvSpPr>
+          <p:cNvPr id="2" name="Title 1">
+            <a:extLst>
+              <a:ext uri="{FF2B5EF4-FFF2-40B4-BE49-F238E27FC236}">
+                <a16:creationId xmlns:a16="http://schemas.microsoft.com/office/drawing/2014/main" id="{C0CD3824-41FA-4546-AFCD-2A01FEF6F1C3}"/>
+              </a:ext>
+            </a:extLst>
+          </p:cNvPr>
+          <p:cNvSpPr>
+            <a:spLocks noGrp="1"/>
+          </p:cNvSpPr>
+          <p:nvPr>
+            <p:ph type="title"/>
+          </p:nvPr>
+        </p:nvSpPr>
+        <p:spPr>
+          <a:xfrm>
+            <a:off x="524256" y="4767072"/>
+            <a:ext cx="6594189" cy="1625210"/>
+          </a:xfrm>
+        </p:spPr>
+        <p:txBody>
+          <a:bodyPr>
+            <a:normAutofit/>
+          </a:bodyPr>
+          <a:lstStyle/>
+          <a:p>
+            <a:pPr algn="r"/>
+            <a:r>
+              <a:rPr lang="en-US">
+                <a:solidFill>
+                  <a:srgbClr val="FFFFFF"/>
+                </a:solidFill>
+              </a:rPr>
+              <a:t>Lettering technique</a:t>
+            </a:r>
+          </a:p>
+        </p:txBody>
+      </p:sp>
+      <p:pic>
+        <p:nvPicPr>
+          <p:cNvPr id="1026" name="Picture 2" descr="Image result for drafting lettering technique">
+            <a:extLst>
+              <a:ext uri="{FF2B5EF4-FFF2-40B4-BE49-F238E27FC236}">
+                <a16:creationId xmlns:a16="http://schemas.microsoft.com/office/drawing/2014/main" id="{99EDA05A-8342-458F-ABAD-41079AAAAE16}"/>
+              </a:ext>
+            </a:extLst>
+          </p:cNvPr>
+          <p:cNvPicPr>
+            <a:picLocks noChangeAspect="1" noChangeArrowheads="1"/>
+          </p:cNvPicPr>
+          <p:nvPr/>
+        </p:nvPicPr>
+        <p:blipFill rotWithShape="1">
+          <a:blip r:embed="rId2">
+            <a:extLst>
+              <a:ext uri="{28A0092B-C50C-407E-A947-70E740481C1C}">
+                <a14:useLocalDpi xmlns:a14="http://schemas.microsoft.com/office/drawing/2010/main" val="0"/>
+              </a:ext>
+            </a:extLst>
+          </a:blip>
+          <a:srcRect t="423" r="1" b="21989"/>
+          <a:stretch/>
+        </p:blipFill>
+        <p:spPr bwMode="auto">
+          <a:xfrm>
+            <a:off x="327547" y="321733"/>
+            <a:ext cx="7058306" cy="4107392"/>
+          </a:xfrm>
+          <a:prstGeom prst="rect">
+            <a:avLst/>
+          </a:prstGeom>
+          <a:noFill/>
+          <a:extLst>
+            <a:ext uri="{909E8E84-426E-40DD-AFC4-6F175D3DCCD1}">
+              <a14:hiddenFill xmlns:a14="http://schemas.microsoft.com/office/drawing/2010/main">
+                <a:solidFill>
+                  <a:srgbClr val="FFFFFF"/>
+                </a:solidFill>
+              </a14:hiddenFill>
+            </a:ext>
+          </a:extLst>
+        </p:spPr>
+      </p:pic>
+      <p:sp>
+        <p:nvSpPr>
+          <p:cNvPr id="4" name="Footer Placeholder 3">
+            <a:extLst>
+              <a:ext uri="{FF2B5EF4-FFF2-40B4-BE49-F238E27FC236}">
+                <a16:creationId xmlns:a16="http://schemas.microsoft.com/office/drawing/2014/main" id="{F2C807B6-1EF7-457A-9AA4-A8D575B1919D}"/>
+              </a:ext>
+            </a:extLst>
+          </p:cNvPr>
+          <p:cNvSpPr>
+            <a:spLocks noGrp="1"/>
+          </p:cNvSpPr>
+          <p:nvPr>
+            <p:ph type="ftr" sz="quarter" idx="11"/>
+          </p:nvPr>
+        </p:nvSpPr>
+        <p:spPr>
+          <a:xfrm>
+            <a:off x="524256" y="6535157"/>
+            <a:ext cx="6594189" cy="274320"/>
+          </a:xfrm>
+        </p:spPr>
+        <p:txBody>
+          <a:bodyPr>
+            <a:normAutofit/>
+          </a:bodyPr>
+          <a:lstStyle/>
+          <a:p>
+            <a:pPr algn="r">
+              <a:spcAft>
+                <a:spcPts val="600"/>
+              </a:spcAft>
+            </a:pPr>
+            <a:r>
+              <a:rPr lang="en-US">
+                <a:solidFill>
+                  <a:prstClr val="black">
+                    <a:tint val="75000"/>
+                  </a:prstClr>
+                </a:solidFill>
+              </a:rPr>
+              <a:t>Add a footer</a:t>
+            </a:r>
+          </a:p>
+        </p:txBody>
+      </p:sp>
+      <p:sp>
+        <p:nvSpPr>
+          <p:cNvPr id="1029" name="Rectangle 72">
+            <a:extLst>
+              <a:ext uri="{FF2B5EF4-FFF2-40B4-BE49-F238E27FC236}">
+                <a16:creationId xmlns:a16="http://schemas.microsoft.com/office/drawing/2014/main" id="{73ED6512-6858-4552-B699-9A97FE9A4EA2}"/>
+              </a:ext>
+              <a:ext uri="{C183D7F6-B498-43B3-948B-1728B52AA6E4}">
+                <adec:decorative xmlns:adec="http://schemas.microsoft.com/office/drawing/2017/decorative" val="1"/>
+              </a:ext>
+            </a:extLst>
+          </p:cNvPr>
+          <p:cNvSpPr>
+            <a:spLocks noGrp="1" noRot="1" noChangeAspect="1" noMove="1" noResize="1" noEditPoints="1" noAdjustHandles="1" noChangeArrowheads="1" noChangeShapeType="1" noTextEdit="1"/>
+          </p:cNvSpPr>
+          <p:nvPr>
+            <p:extLst>
+              <p:ext uri="{386F3935-93C4-4BCD-93E2-E3B085C9AB24}">
+                <p16:designElem xmlns:p16="http://schemas.microsoft.com/office/powerpoint/2015/main" val="1"/>
+              </p:ext>
+            </p:extLst>
+          </p:nvPr>
+        </p:nvSpPr>
+        <p:spPr>
+          <a:xfrm>
+            <a:off x="7534655" y="321732"/>
+            <a:ext cx="4335613" cy="6214534"/>
+          </a:xfrm>
+          <a:prstGeom prst="rect">
+            <a:avLst/>
+          </a:prstGeom>
+          <a:solidFill>
+            <a:srgbClr val="404040"/>
+          </a:solidFill>
+          <a:ln>
+            <a:noFill/>
+          </a:ln>
+        </p:spPr>
+        <p:style>
+          <a:lnRef idx="2">
+            <a:schemeClr val="accent1">
+              <a:shade val="50000"/>
+            </a:schemeClr>
+          </a:lnRef>
+          <a:fillRef idx="1">
+            <a:schemeClr val="accent1"/>
+          </a:fillRef>
+          <a:effectRef idx="0">
+            <a:schemeClr val="accent1"/>
+          </a:effectRef>
+          <a:fontRef idx="minor">
+            <a:schemeClr val="lt1"/>
+          </a:fontRef>
+        </p:style>
+        <p:txBody>
+          <a:bodyPr rtlCol="0" anchor="ctr"/>
+          <a:lstStyle/>
+          <a:p>
+            <a:pPr marL="0" marR="0" lvl="0" indent="0" algn="ctr" defTabSz="914400" rtl="0" eaLnBrk="1" fontAlgn="auto" latinLnBrk="0" hangingPunct="1">
+              <a:lnSpc>
+                <a:spcPct val="100000"/>
+              </a:lnSpc>
+              <a:spcBef>
+                <a:spcPts val="0"/>
+              </a:spcBef>
+              <a:spcAft>
+                <a:spcPts val="0"/>
+              </a:spcAft>
+              <a:buClrTx/>
+              <a:buSzTx/>
+              <a:buFontTx/>
+              <a:buNone/>
+              <a:tabLst/>
+              <a:defRPr/>
+            </a:pPr>
+            <a:endParaRPr kumimoji="0" lang="en-US" sz="1800" b="0" i="0" u="none" strike="noStrike" kern="1200" cap="none" spc="0" normalizeH="0" baseline="0" noProof="0">
+              <a:ln>
+                <a:noFill/>
+              </a:ln>
+              <a:solidFill>
+                <a:prstClr val="white"/>
+              </a:solidFill>
+              <a:effectLst/>
+              <a:uLnTx/>
+              <a:uFillTx/>
+              <a:latin typeface="Calibri" panose="020F0502020204030204"/>
+              <a:ea typeface="+mn-ea"/>
+              <a:cs typeface="+mn-cs"/>
+            </a:endParaRPr>
+          </a:p>
+        </p:txBody>
+      </p:sp>
+      <p:sp>
+        <p:nvSpPr>
+          <p:cNvPr id="3" name="Content Placeholder 2">
+            <a:extLst>
+              <a:ext uri="{FF2B5EF4-FFF2-40B4-BE49-F238E27FC236}">
+                <a16:creationId xmlns:a16="http://schemas.microsoft.com/office/drawing/2014/main" id="{A2EC288F-4A88-4641-9F49-11018BF8CF49}"/>
+              </a:ext>
+            </a:extLst>
+          </p:cNvPr>
+          <p:cNvSpPr>
+            <a:spLocks noGrp="1"/>
+          </p:cNvSpPr>
+          <p:nvPr>
+            <p:ph idx="1"/>
+          </p:nvPr>
+        </p:nvSpPr>
+        <p:spPr>
+          <a:xfrm>
+            <a:off x="8029319" y="917725"/>
+            <a:ext cx="3424739" cy="4852362"/>
+          </a:xfrm>
+        </p:spPr>
+        <p:txBody>
+          <a:bodyPr anchor="ctr">
+            <a:normAutofit/>
+          </a:bodyPr>
+          <a:lstStyle/>
+          <a:p>
+            <a:r>
+              <a:rPr lang="en-US" sz="2000">
+                <a:solidFill>
+                  <a:srgbClr val="FFFFFF"/>
+                </a:solidFill>
+              </a:rPr>
+              <a:t>Use less pressure on your pencil</a:t>
+            </a:r>
+          </a:p>
+          <a:p>
+            <a:r>
+              <a:rPr lang="en-US" sz="2000">
+                <a:solidFill>
+                  <a:srgbClr val="FFFFFF"/>
+                </a:solidFill>
+              </a:rPr>
+              <a:t>Having a pencil with a point will help produce high quality lettering that can be copied easily and clearly</a:t>
+            </a:r>
+          </a:p>
+          <a:p>
+            <a:r>
+              <a:rPr lang="en-US" sz="2000">
+                <a:solidFill>
+                  <a:srgbClr val="FFFFFF"/>
+                </a:solidFill>
+              </a:rPr>
+              <a:t>Have your forearm sully supported with your hand resting on its side</a:t>
+            </a:r>
+          </a:p>
+          <a:p>
+            <a:r>
+              <a:rPr lang="en-US" sz="2000">
+                <a:solidFill>
+                  <a:srgbClr val="FFFFFF"/>
+                </a:solidFill>
+              </a:rPr>
+              <a:t>Take your time and relax, pausing is most likely needed</a:t>
+            </a:r>
+          </a:p>
+          <a:p>
+            <a:r>
+              <a:rPr lang="en-US" sz="2000">
+                <a:solidFill>
+                  <a:srgbClr val="FFFFFF"/>
+                </a:solidFill>
+              </a:rPr>
+              <a:t>“Pull” the pencil across the page to not dig into the drawing</a:t>
+            </a:r>
+          </a:p>
+        </p:txBody>
+      </p:sp>
+    </p:spTree>
+    <p:extLst>
+      <p:ext uri="{BB962C8B-B14F-4D97-AF65-F5344CB8AC3E}">
+        <p14:creationId xmlns:p14="http://schemas.microsoft.com/office/powerpoint/2010/main" val="1401278197"/>
+      </p:ext>
+    </p:extLst>
+  </p:cSld>
+  <p:clrMapOvr>
+    <a:masterClrMapping/>
+  </p:clrMapOvr>
+  <mc:AlternateContent xmlns:mc="http://schemas.openxmlformats.org/markup-compatibility/2006" xmlns:p14="http://schemas.microsoft.com/office/powerpoint/2010/main">
+    <mc:Choice Requires="p14">
+      <p:transition spd="med" p14:dur="700">
+        <p:fade/>
+      </p:transition>
+    </mc:Choice>
+    <mc:Fallback xmlns="">
+      <p:transition spd="med">
+        <p:fade/>
+      </p:transition>
+    </mc:Fallback>
+  </mc:AlternateContent>
+</p:sld>
+</file>
+
+<file path=ppt/slides/slide6.xml><?xml version="1.0" encoding="utf-8"?>
+<p:sld xmlns:a="http://schemas.openxmlformats.org/drawingml/2006/main" xmlns:r="http://schemas.openxmlformats.org/officeDocument/2006/relationships" xmlns:p="http://schemas.openxmlformats.org/presentationml/2006/main">
+  <p:cSld>
+    <p:bg>
+      <p:bgPr>
+        <a:solidFill>
+          <a:schemeClr val="bg1">
+            <a:tint val="95000"/>
+            <a:satMod val="170000"/>
+          </a:schemeClr>
+        </a:solidFill>
+        <a:effectLst/>
+      </p:bgPr>
+    </p:bg>
+    <p:spTree>
+      <p:nvGrpSpPr>
+        <p:cNvPr id="1" name=""/>
+        <p:cNvGrpSpPr/>
+        <p:nvPr/>
+      </p:nvGrpSpPr>
+      <p:grpSpPr>
+        <a:xfrm>
+          <a:off x="0" y="0"/>
+          <a:ext cx="0" cy="0"/>
+          <a:chOff x="0" y="0"/>
+          <a:chExt cx="0" cy="0"/>
+        </a:xfrm>
+      </p:grpSpPr>
+      <p:sp>
+        <p:nvSpPr>
+          <p:cNvPr id="2" name="Title 1">
+            <a:extLst>
+              <a:ext uri="{FF2B5EF4-FFF2-40B4-BE49-F238E27FC236}">
+                <a16:creationId xmlns:a16="http://schemas.microsoft.com/office/drawing/2014/main" id="{26C2B765-1E7B-46EB-8F54-380E9853517C}"/>
+              </a:ext>
+            </a:extLst>
+          </p:cNvPr>
+          <p:cNvSpPr>
+            <a:spLocks noGrp="1"/>
+          </p:cNvSpPr>
+          <p:nvPr>
+            <p:ph type="title"/>
+          </p:nvPr>
+        </p:nvSpPr>
+        <p:spPr>
+          <a:xfrm>
+            <a:off x="1023257" y="965198"/>
+            <a:ext cx="6766078" cy="4927601"/>
+          </a:xfrm>
+        </p:spPr>
+        <p:txBody>
+          <a:bodyPr vert="horz" lIns="91440" tIns="45720" rIns="91440" bIns="45720" rtlCol="0" anchor="ctr">
+            <a:normAutofit/>
+          </a:bodyPr>
+          <a:lstStyle/>
+          <a:p>
+            <a:pPr algn="r"/>
+            <a:r>
+              <a:rPr lang="en-US" sz="6000" kern="1200">
+                <a:solidFill>
+                  <a:schemeClr val="tx1"/>
+                </a:solidFill>
+                <a:latin typeface="+mj-lt"/>
+                <a:ea typeface="+mj-ea"/>
+                <a:cs typeface="+mj-cs"/>
+              </a:rPr>
+              <a:t>Lettering Guide</a:t>
+            </a:r>
+          </a:p>
+        </p:txBody>
+      </p:sp>
+      <p:sp>
+        <p:nvSpPr>
+          <p:cNvPr id="16" name="Rectangle 15">
+            <a:extLst>
+              <a:ext uri="{FF2B5EF4-FFF2-40B4-BE49-F238E27FC236}">
+                <a16:creationId xmlns:a16="http://schemas.microsoft.com/office/drawing/2014/main" id="{793EF0C2-EE57-40DD-B754-BF1477FABABB}"/>
+              </a:ext>
+              <a:ext uri="{C183D7F6-B498-43B3-948B-1728B52AA6E4}">
+                <adec:decorative xmlns:adec="http://schemas.microsoft.com/office/drawing/2017/decorative" val="1"/>
+              </a:ext>
+            </a:extLst>
+          </p:cNvPr>
+          <p:cNvSpPr>
+            <a:spLocks noGrp="1" noRot="1" noChangeAspect="1" noMove="1" noResize="1" noEditPoints="1" noAdjustHandles="1" noChangeArrowheads="1" noChangeShapeType="1" noTextEdit="1"/>
+          </p:cNvSpPr>
+          <p:nvPr>
+            <p:extLst>
+              <p:ext uri="{386F3935-93C4-4BCD-93E2-E3B085C9AB24}">
+                <p16:designElem xmlns:p16="http://schemas.microsoft.com/office/powerpoint/2015/main" val="1"/>
+              </p:ext>
+            </p:extLst>
+          </p:nvPr>
+        </p:nvSpPr>
+        <p:spPr>
+          <a:xfrm>
+            <a:off x="8119870" y="0"/>
+            <a:ext cx="4072130" cy="6858000"/>
+          </a:xfrm>
+          <a:prstGeom prst="rect">
+            <a:avLst/>
+          </a:prstGeom>
+          <a:solidFill>
+            <a:schemeClr val="accent1">
+              <a:alpha val="80000"/>
+            </a:schemeClr>
+          </a:solidFill>
+          <a:ln>
+            <a:noFill/>
+          </a:ln>
+        </p:spPr>
+        <p:style>
+          <a:lnRef idx="2">
+            <a:schemeClr val="accent1">
+              <a:shade val="50000"/>
+            </a:schemeClr>
+          </a:lnRef>
+          <a:fillRef idx="1">
+            <a:schemeClr val="accent1"/>
+          </a:fillRef>
+          <a:effectRef idx="0">
+            <a:schemeClr val="accent1"/>
+          </a:effectRef>
+          <a:fontRef idx="minor">
+            <a:schemeClr val="lt1"/>
+          </a:fontRef>
+        </p:style>
+        <p:txBody>
+          <a:bodyPr rtlCol="0" anchor="ctr"/>
+          <a:lstStyle/>
+          <a:p>
+            <a:pPr algn="ctr"/>
+            <a:endParaRPr lang="en-US"/>
+          </a:p>
+        </p:txBody>
+      </p:sp>
+      <p:sp>
+        <p:nvSpPr>
+          <p:cNvPr id="3" name="Content Placeholder 2">
+            <a:extLst>
+              <a:ext uri="{FF2B5EF4-FFF2-40B4-BE49-F238E27FC236}">
+                <a16:creationId xmlns:a16="http://schemas.microsoft.com/office/drawing/2014/main" id="{3C5BBD25-9076-4AEC-B1A1-556551C0FD64}"/>
+              </a:ext>
+            </a:extLst>
+          </p:cNvPr>
+          <p:cNvSpPr>
+            <a:spLocks noGrp="1"/>
+          </p:cNvSpPr>
+          <p:nvPr>
+            <p:ph idx="1"/>
+          </p:nvPr>
+        </p:nvSpPr>
+        <p:spPr>
+          <a:xfrm>
+            <a:off x="8454570" y="965199"/>
+            <a:ext cx="3093963" cy="4927602"/>
+          </a:xfrm>
+        </p:spPr>
+        <p:txBody>
+          <a:bodyPr vert="horz" lIns="91440" tIns="45720" rIns="91440" bIns="45720" rtlCol="0" anchor="ctr">
+            <a:normAutofit/>
+          </a:bodyPr>
+          <a:lstStyle/>
+          <a:p>
+            <a:pPr marL="0" indent="0">
+              <a:buNone/>
+            </a:pPr>
+            <a:r>
+              <a:rPr lang="en-US" sz="2000" kern="1200">
+                <a:solidFill>
+                  <a:srgbClr val="FFFFFF"/>
+                </a:solidFill>
+                <a:latin typeface="+mn-lt"/>
+                <a:ea typeface="+mn-ea"/>
+                <a:cs typeface="+mn-cs"/>
+              </a:rPr>
+              <a:t>The Ames Lettering Guide can help provide guidelines for freehand technical drawing</a:t>
+            </a:r>
+          </a:p>
+        </p:txBody>
+      </p:sp>
+      <p:sp>
+        <p:nvSpPr>
+          <p:cNvPr id="4" name="Footer Placeholder 3">
+            <a:extLst>
+              <a:ext uri="{FF2B5EF4-FFF2-40B4-BE49-F238E27FC236}">
+                <a16:creationId xmlns:a16="http://schemas.microsoft.com/office/drawing/2014/main" id="{9279740F-8AF1-4320-9AD2-4BFF935C2549}"/>
+              </a:ext>
+            </a:extLst>
+          </p:cNvPr>
+          <p:cNvSpPr>
+            <a:spLocks noGrp="1"/>
+          </p:cNvSpPr>
+          <p:nvPr>
+            <p:ph type="ftr" sz="quarter" idx="11"/>
+          </p:nvPr>
+        </p:nvSpPr>
+        <p:spPr>
+          <a:xfrm>
+            <a:off x="1023257" y="6356350"/>
+            <a:ext cx="4114800" cy="365125"/>
+          </a:xfrm>
+        </p:spPr>
+        <p:txBody>
+          <a:bodyPr vert="horz" lIns="91440" tIns="45720" rIns="91440" bIns="45720" rtlCol="0" anchor="ctr">
+            <a:normAutofit/>
+          </a:bodyPr>
+          <a:lstStyle/>
+          <a:p>
+            <a:pPr algn="l" defTabSz="914400">
+              <a:spcAft>
+                <a:spcPts val="600"/>
+              </a:spcAft>
+            </a:pPr>
+            <a:r>
+              <a:rPr lang="en-US" sz="1100" kern="1200">
+                <a:solidFill>
+                  <a:schemeClr val="tx1">
+                    <a:tint val="75000"/>
+                  </a:schemeClr>
+                </a:solidFill>
+                <a:latin typeface="+mn-lt"/>
+                <a:ea typeface="+mn-ea"/>
+                <a:cs typeface="+mn-cs"/>
+              </a:rPr>
+              <a:t>Add a footer</a:t>
+            </a:r>
+          </a:p>
+        </p:txBody>
+      </p:sp>
+    </p:spTree>
+    <p:extLst>
+      <p:ext uri="{BB962C8B-B14F-4D97-AF65-F5344CB8AC3E}">
+        <p14:creationId xmlns:p14="http://schemas.microsoft.com/office/powerpoint/2010/main" val="1317013365"/>
+      </p:ext>
+    </p:extLst>
+  </p:cSld>
+  <p:clrMapOvr>
+    <a:overrideClrMapping bg1="dk1" tx1="lt1" bg2="dk2" tx2="lt2" accent1="accent1" accent2="accent2" accent3="accent3" accent4="accent4" accent5="accent5" accent6="accent6" hlink="hlink" folHlink="folHlink"/>
+  </p:clrMapOvr>
+  <mc:AlternateContent xmlns:mc="http://schemas.openxmlformats.org/markup-compatibility/2006" xmlns:p14="http://schemas.microsoft.com/office/powerpoint/2010/main">
+    <mc:Choice Requires="p14">
+      <p:transition spd="med" p14:dur="700">
+        <p:fade/>
+      </p:transition>
+    </mc:Choice>
+    <mc:Fallback xmlns="">
+      <p:transition spd="med">
+        <p:fade/>
+      </p:transition>
+    </mc:Fallback>
+  </mc:AlternateContent>
+</p:sld>
+</file>
+
+<file path=ppt/slides/slide7.xml><?xml version="1.0" encoding="utf-8"?>
+<p:sld xmlns:a="http://schemas.openxmlformats.org/drawingml/2006/main" xmlns:r="http://schemas.openxmlformats.org/officeDocument/2006/relationships" xmlns:p="http://schemas.openxmlformats.org/presentationml/2006/main">
+  <p:cSld>
+    <p:bg>
+      <p:bgPr>
+        <a:solidFill>
+          <a:schemeClr val="bg1"/>
+        </a:solidFill>
+        <a:effectLst/>
+      </p:bgPr>
+    </p:bg>
+    <p:spTree>
+      <p:nvGrpSpPr>
+        <p:cNvPr id="1" name=""/>
+        <p:cNvGrpSpPr/>
+        <p:nvPr/>
+      </p:nvGrpSpPr>
+      <p:grpSpPr>
+        <a:xfrm>
+          <a:off x="0" y="0"/>
+          <a:ext cx="0" cy="0"/>
+          <a:chOff x="0" y="0"/>
+          <a:chExt cx="0" cy="0"/>
+        </a:xfrm>
+      </p:grpSpPr>
+      <p:pic>
+        <p:nvPicPr>
+          <p:cNvPr id="2053" name="Picture 2" descr="Image result for ames lettering guide">
+            <a:extLst>
+              <a:ext uri="{FF2B5EF4-FFF2-40B4-BE49-F238E27FC236}">
+                <a16:creationId xmlns:a16="http://schemas.microsoft.com/office/drawing/2014/main" id="{97FCC4BA-F7A9-4FB7-BCFF-48040CA0638E}"/>
+              </a:ext>
+            </a:extLst>
+          </p:cNvPr>
+          <p:cNvPicPr>
+            <a:picLocks noGrp="1" noChangeAspect="1" noChangeArrowheads="1"/>
+          </p:cNvPicPr>
+          <p:nvPr>
+            <p:ph idx="1"/>
+          </p:nvPr>
+        </p:nvPicPr>
+        <p:blipFill>
+          <a:blip r:embed="rId2">
+            <a:extLst>
+              <a:ext uri="{28A0092B-C50C-407E-A947-70E740481C1C}">
+                <a14:useLocalDpi xmlns:a14="http://schemas.microsoft.com/office/drawing/2010/main" val="0"/>
+              </a:ext>
+            </a:extLst>
+          </a:blip>
+          <a:srcRect/>
+          <a:stretch>
+            <a:fillRect/>
+          </a:stretch>
+        </p:blipFill>
+        <p:spPr bwMode="auto">
+          <a:xfrm>
+            <a:off x="836671" y="643466"/>
+            <a:ext cx="10518657" cy="5571067"/>
+          </a:xfrm>
+          <a:prstGeom prst="rect">
+            <a:avLst/>
+          </a:prstGeom>
+          <a:noFill/>
+          <a:extLst>
+            <a:ext uri="{909E8E84-426E-40DD-AFC4-6F175D3DCCD1}">
+              <a14:hiddenFill xmlns:a14="http://schemas.microsoft.com/office/drawing/2010/main">
+                <a:solidFill>
+                  <a:srgbClr val="FFFFFF"/>
+                </a:solidFill>
+              </a14:hiddenFill>
+            </a:ext>
+          </a:extLst>
+        </p:spPr>
+      </p:pic>
+      <p:sp>
+        <p:nvSpPr>
+          <p:cNvPr id="4" name="Footer Placeholder 3">
+            <a:extLst>
+              <a:ext uri="{FF2B5EF4-FFF2-40B4-BE49-F238E27FC236}">
+                <a16:creationId xmlns:a16="http://schemas.microsoft.com/office/drawing/2014/main" id="{844DAA07-2536-479A-859B-17688176C549}"/>
+              </a:ext>
+            </a:extLst>
+          </p:cNvPr>
+          <p:cNvSpPr>
+            <a:spLocks noGrp="1"/>
+          </p:cNvSpPr>
+          <p:nvPr>
+            <p:ph type="ftr" sz="quarter" idx="11"/>
+          </p:nvPr>
+        </p:nvSpPr>
+        <p:spPr>
+          <a:xfrm>
+            <a:off x="4038600" y="6356350"/>
+            <a:ext cx="4114800" cy="365125"/>
+          </a:xfrm>
+        </p:spPr>
+        <p:txBody>
+          <a:bodyPr vert="horz" lIns="91440" tIns="45720" rIns="91440" bIns="45720" rtlCol="0" anchor="ctr">
+            <a:normAutofit/>
+          </a:bodyPr>
+          <a:lstStyle/>
+          <a:p>
+            <a:pPr defTabSz="914400">
+              <a:spcAft>
+                <a:spcPts val="600"/>
+              </a:spcAft>
+            </a:pPr>
+            <a:r>
+              <a:rPr lang="en-US" kern="1200">
+                <a:solidFill>
+                  <a:schemeClr val="tx1">
+                    <a:tint val="75000"/>
+                  </a:schemeClr>
+                </a:solidFill>
+                <a:latin typeface="+mn-lt"/>
+                <a:ea typeface="+mn-ea"/>
+                <a:cs typeface="+mn-cs"/>
+              </a:rPr>
+              <a:t>Add a footer</a:t>
+            </a:r>
+          </a:p>
+        </p:txBody>
+      </p:sp>
+    </p:spTree>
+    <p:extLst>
+      <p:ext uri="{BB962C8B-B14F-4D97-AF65-F5344CB8AC3E}">
+        <p14:creationId xmlns:p14="http://schemas.microsoft.com/office/powerpoint/2010/main" val="1012076388"/>
+      </p:ext>
+    </p:extLst>
+  </p:cSld>
+  <p:clrMapOvr>
+    <a:masterClrMapping/>
+  </p:clrMapOvr>
+  <mc:AlternateContent xmlns:mc="http://schemas.openxmlformats.org/markup-compatibility/2006" xmlns:p14="http://schemas.microsoft.com/office/powerpoint/2010/main">
+    <mc:Choice Requires="p14">
+      <p:transition spd="med" p14:dur="700">
+        <p:fade/>
+      </p:transition>
+    </mc:Choice>
+    <mc:Fallback xmlns="">
+      <p:transition spd="med">
+        <p:fade/>
+      </p:transition>
+    </mc:Fallback>
+  </mc:AlternateContent>
+</p:sld>
+</file>
+
+<file path=ppt/slides/slide8.xml><?xml version="1.0" encoding="utf-8"?>
+<p:sld xmlns:a="http://schemas.openxmlformats.org/drawingml/2006/main" xmlns:r="http://schemas.openxmlformats.org/officeDocument/2006/relationships" xmlns:p="http://schemas.openxmlformats.org/presentationml/2006/main">
+  <p:cSld>
+    <p:bg>
+      <p:bgPr>
+        <a:solidFill>
+          <a:schemeClr val="bg1">
+            <a:tint val="95000"/>
+            <a:satMod val="170000"/>
+          </a:schemeClr>
+        </a:solidFill>
+        <a:effectLst/>
+      </p:bgPr>
+    </p:bg>
+    <p:spTree>
+      <p:nvGrpSpPr>
+        <p:cNvPr id="1" name=""/>
+        <p:cNvGrpSpPr/>
+        <p:nvPr/>
+      </p:nvGrpSpPr>
+      <p:grpSpPr>
+        <a:xfrm>
+          <a:off x="0" y="0"/>
+          <a:ext cx="0" cy="0"/>
+          <a:chOff x="0" y="0"/>
+          <a:chExt cx="0" cy="0"/>
+        </a:xfrm>
+      </p:grpSpPr>
+      <p:sp>
+        <p:nvSpPr>
+          <p:cNvPr id="2" name="Title 1">
+            <a:extLst>
+              <a:ext uri="{FF2B5EF4-FFF2-40B4-BE49-F238E27FC236}">
+                <a16:creationId xmlns:a16="http://schemas.microsoft.com/office/drawing/2014/main" id="{566A6327-5314-45CB-9F00-BC875423FB8B}"/>
+              </a:ext>
+            </a:extLst>
+          </p:cNvPr>
+          <p:cNvSpPr>
+            <a:spLocks noGrp="1"/>
+          </p:cNvSpPr>
+          <p:nvPr>
+            <p:ph type="title"/>
+          </p:nvPr>
+        </p:nvSpPr>
+        <p:spPr>
+          <a:xfrm>
+            <a:off x="6653600" y="1396289"/>
+            <a:ext cx="5006336" cy="1325563"/>
+          </a:xfrm>
+        </p:spPr>
+        <p:txBody>
+          <a:bodyPr>
+            <a:normAutofit/>
+          </a:bodyPr>
+          <a:lstStyle/>
+          <a:p>
+            <a:r>
+              <a:rPr lang="en-US" dirty="0"/>
+              <a:t>Drawing #5</a:t>
+            </a:r>
+          </a:p>
+        </p:txBody>
+      </p:sp>
+      <p:sp>
+        <p:nvSpPr>
+          <p:cNvPr id="18" name="Freeform: Shape 17">
+            <a:extLst>
+              <a:ext uri="{FF2B5EF4-FFF2-40B4-BE49-F238E27FC236}">
+                <a16:creationId xmlns:a16="http://schemas.microsoft.com/office/drawing/2014/main" id="{4F74D28C-3268-4E35-8EE1-D92CB4A85A7D}"/>
+              </a:ext>
+              <a:ext uri="{C183D7F6-B498-43B3-948B-1728B52AA6E4}">
+                <adec:decorative xmlns:adec="http://schemas.microsoft.com/office/drawing/2017/decorative" val="1"/>
+              </a:ext>
+            </a:extLst>
+          </p:cNvPr>
+          <p:cNvSpPr>
+            <a:spLocks noGrp="1" noRot="1" noChangeAspect="1" noMove="1" noResize="1" noEditPoints="1" noAdjustHandles="1" noChangeArrowheads="1" noChangeShapeType="1" noTextEdit="1"/>
+          </p:cNvSpPr>
+          <p:nvPr>
+            <p:extLst>
+              <p:ext uri="{386F3935-93C4-4BCD-93E2-E3B085C9AB24}">
+                <p16:designElem xmlns:p16="http://schemas.microsoft.com/office/powerpoint/2015/main" val="1"/>
+              </p:ext>
+            </p:extLst>
+          </p:nvPr>
+        </p:nvSpPr>
+        <p:spPr>
+          <a:xfrm flipH="1">
+            <a:off x="0" y="0"/>
+            <a:ext cx="6172782" cy="6858000"/>
+          </a:xfrm>
+          <a:custGeom>
+            <a:avLst/>
+            <a:gdLst>
+              <a:gd name="connsiteX0" fmla="*/ 6172782 w 6172782"/>
+              <a:gd name="connsiteY0" fmla="*/ 0 h 6858000"/>
+              <a:gd name="connsiteX1" fmla="*/ 69075 w 6172782"/>
+              <a:gd name="connsiteY1" fmla="*/ 0 h 6858000"/>
+              <a:gd name="connsiteX2" fmla="*/ 35131 w 6172782"/>
+              <a:gd name="connsiteY2" fmla="*/ 267128 h 6858000"/>
+              <a:gd name="connsiteX3" fmla="*/ 0 w 6172782"/>
+              <a:gd name="connsiteY3" fmla="*/ 962845 h 6858000"/>
+              <a:gd name="connsiteX4" fmla="*/ 3276103 w 6172782"/>
+              <a:gd name="connsiteY4" fmla="*/ 6782205 h 6858000"/>
+              <a:gd name="connsiteX5" fmla="*/ 3407923 w 6172782"/>
+              <a:gd name="connsiteY5" fmla="*/ 6858000 h 6858000"/>
+              <a:gd name="connsiteX6" fmla="*/ 6172782 w 6172782"/>
+              <a:gd name="connsiteY6" fmla="*/ 6858000 h 6858000"/>
+            </a:gdLst>
+            <a:ahLst/>
+            <a:cxnLst>
+              <a:cxn ang="0">
+                <a:pos x="connsiteX0" y="connsiteY0"/>
+              </a:cxn>
+              <a:cxn ang="0">
+                <a:pos x="connsiteX1" y="connsiteY1"/>
+              </a:cxn>
+              <a:cxn ang="0">
+                <a:pos x="connsiteX2" y="connsiteY2"/>
+              </a:cxn>
+              <a:cxn ang="0">
+                <a:pos x="connsiteX3" y="connsiteY3"/>
+              </a:cxn>
+              <a:cxn ang="0">
+                <a:pos x="connsiteX4" y="connsiteY4"/>
+              </a:cxn>
+              <a:cxn ang="0">
+                <a:pos x="connsiteX5" y="connsiteY5"/>
+              </a:cxn>
+              <a:cxn ang="0">
+                <a:pos x="connsiteX6" y="connsiteY6"/>
+              </a:cxn>
+            </a:cxnLst>
+            <a:rect l="l" t="t" r="r" b="b"/>
+            <a:pathLst>
+              <a:path w="6172782" h="6858000">
+                <a:moveTo>
+                  <a:pt x="6172782" y="0"/>
+                </a:moveTo>
+                <a:lnTo>
+                  <a:pt x="69075" y="0"/>
+                </a:lnTo>
+                <a:lnTo>
+                  <a:pt x="35131" y="267128"/>
+                </a:lnTo>
+                <a:cubicBezTo>
+                  <a:pt x="11901" y="495874"/>
+                  <a:pt x="0" y="727970"/>
+                  <a:pt x="0" y="962845"/>
+                </a:cubicBezTo>
+                <a:cubicBezTo>
+                  <a:pt x="0" y="3429034"/>
+                  <a:pt x="1312002" y="5588789"/>
+                  <a:pt x="3276103" y="6782205"/>
+                </a:cubicBezTo>
+                <a:lnTo>
+                  <a:pt x="3407923" y="6858000"/>
+                </a:lnTo>
+                <a:lnTo>
+                  <a:pt x="6172782" y="6858000"/>
+                </a:lnTo>
+                <a:close/>
+              </a:path>
+            </a:pathLst>
+          </a:custGeom>
+          <a:solidFill>
+            <a:srgbClr val="FFFFFF">
+              <a:alpha val="80000"/>
+            </a:srgbClr>
+          </a:solidFill>
+          <a:ln>
+            <a:noFill/>
+          </a:ln>
+        </p:spPr>
+        <p:style>
+          <a:lnRef idx="2">
+            <a:schemeClr val="accent1">
+              <a:shade val="50000"/>
+            </a:schemeClr>
+          </a:lnRef>
+          <a:fillRef idx="1">
+            <a:schemeClr val="accent1"/>
+          </a:fillRef>
+          <a:effectRef idx="0">
+            <a:schemeClr val="accent1"/>
+          </a:effectRef>
+          <a:fontRef idx="minor">
+            <a:schemeClr val="lt1"/>
+          </a:fontRef>
+        </p:style>
+        <p:txBody>
+          <a:bodyPr wrap="square" rtlCol="0" anchor="ctr">
+            <a:noAutofit/>
+          </a:bodyPr>
+          <a:lstStyle/>
+          <a:p>
+            <a:pPr marL="0" marR="0" lvl="0" indent="0" algn="ctr" defTabSz="914400" rtl="0" eaLnBrk="1" fontAlgn="auto" latinLnBrk="0" hangingPunct="1">
+              <a:lnSpc>
+                <a:spcPct val="100000"/>
+              </a:lnSpc>
+              <a:spcBef>
+                <a:spcPts val="0"/>
+              </a:spcBef>
+              <a:spcAft>
+                <a:spcPts val="0"/>
+              </a:spcAft>
+              <a:buClrTx/>
+              <a:buSzTx/>
+              <a:buFontTx/>
+              <a:buNone/>
+              <a:tabLst/>
+              <a:defRPr/>
+            </a:pPr>
+            <a:endParaRPr kumimoji="0" lang="en-US" sz="1800" b="0" i="0" u="none" strike="noStrike" kern="1200" cap="none" spc="0" normalizeH="0" baseline="0" noProof="0">
+              <a:ln>
+                <a:noFill/>
+              </a:ln>
+              <a:solidFill>
+                <a:prstClr val="white"/>
+              </a:solidFill>
+              <a:effectLst/>
+              <a:uLnTx/>
+              <a:uFillTx/>
+              <a:latin typeface="Calibri" panose="020F0502020204030204"/>
+              <a:ea typeface="+mn-ea"/>
+              <a:cs typeface="+mn-cs"/>
+            </a:endParaRPr>
+          </a:p>
+        </p:txBody>
+      </p:sp>
+      <p:sp>
+        <p:nvSpPr>
+          <p:cNvPr id="20" name="Freeform: Shape 19">
+            <a:extLst>
+              <a:ext uri="{FF2B5EF4-FFF2-40B4-BE49-F238E27FC236}">
+                <a16:creationId xmlns:a16="http://schemas.microsoft.com/office/drawing/2014/main" id="{58D44E42-C462-4105-BC86-FE75B4E3C4AF}"/>
+              </a:ext>
+              <a:ext uri="{C183D7F6-B498-43B3-948B-1728B52AA6E4}">
+                <adec:decorative xmlns:adec="http://schemas.microsoft.com/office/drawing/2017/decorative" val="1"/>
+              </a:ext>
+            </a:extLst>
+          </p:cNvPr>
+          <p:cNvSpPr>
+            <a:spLocks noGrp="1" noRot="1" noChangeAspect="1" noMove="1" noResize="1" noEditPoints="1" noAdjustHandles="1" noChangeArrowheads="1" noChangeShapeType="1" noTextEdit="1"/>
+          </p:cNvSpPr>
+          <p:nvPr>
+            <p:extLst>
+              <p:ext uri="{386F3935-93C4-4BCD-93E2-E3B085C9AB24}">
+                <p16:designElem xmlns:p16="http://schemas.microsoft.com/office/powerpoint/2015/main" val="1"/>
+              </p:ext>
+            </p:extLst>
+          </p:nvPr>
+        </p:nvSpPr>
+        <p:spPr>
+          <a:xfrm flipH="1">
+            <a:off x="0" y="0"/>
+            <a:ext cx="6024154" cy="6858000"/>
+          </a:xfrm>
+          <a:custGeom>
+            <a:avLst/>
+            <a:gdLst>
+              <a:gd name="connsiteX0" fmla="*/ 70374 w 6024154"/>
+              <a:gd name="connsiteY0" fmla="*/ 0 h 6858000"/>
+              <a:gd name="connsiteX1" fmla="*/ 6024154 w 6024154"/>
+              <a:gd name="connsiteY1" fmla="*/ 0 h 6858000"/>
+              <a:gd name="connsiteX2" fmla="*/ 6024154 w 6024154"/>
+              <a:gd name="connsiteY2" fmla="*/ 6858000 h 6858000"/>
+              <a:gd name="connsiteX3" fmla="*/ 3587167 w 6024154"/>
+              <a:gd name="connsiteY3" fmla="*/ 6858000 h 6858000"/>
+              <a:gd name="connsiteX4" fmla="*/ 3474220 w 6024154"/>
+              <a:gd name="connsiteY4" fmla="*/ 6800152 h 6858000"/>
+              <a:gd name="connsiteX5" fmla="*/ 0 w 6024154"/>
+              <a:gd name="connsiteY5" fmla="*/ 962844 h 6858000"/>
+              <a:gd name="connsiteX6" fmla="*/ 34274 w 6024154"/>
+              <a:gd name="connsiteY6" fmla="*/ 284091 h 6858000"/>
+            </a:gdLst>
+            <a:ahLst/>
+            <a:cxnLst>
+              <a:cxn ang="0">
+                <a:pos x="connsiteX0" y="connsiteY0"/>
+              </a:cxn>
+              <a:cxn ang="0">
+                <a:pos x="connsiteX1" y="connsiteY1"/>
+              </a:cxn>
+              <a:cxn ang="0">
+                <a:pos x="connsiteX2" y="connsiteY2"/>
+              </a:cxn>
+              <a:cxn ang="0">
+                <a:pos x="connsiteX3" y="connsiteY3"/>
+              </a:cxn>
+              <a:cxn ang="0">
+                <a:pos x="connsiteX4" y="connsiteY4"/>
+              </a:cxn>
+              <a:cxn ang="0">
+                <a:pos x="connsiteX5" y="connsiteY5"/>
+              </a:cxn>
+              <a:cxn ang="0">
+                <a:pos x="connsiteX6" y="connsiteY6"/>
+              </a:cxn>
+            </a:cxnLst>
+            <a:rect l="l" t="t" r="r" b="b"/>
+            <a:pathLst>
+              <a:path w="6024154" h="6858000">
+                <a:moveTo>
+                  <a:pt x="70374" y="0"/>
+                </a:moveTo>
+                <a:lnTo>
+                  <a:pt x="6024154" y="0"/>
+                </a:lnTo>
+                <a:lnTo>
+                  <a:pt x="6024154" y="6858000"/>
+                </a:lnTo>
+                <a:lnTo>
+                  <a:pt x="3587167" y="6858000"/>
+                </a:lnTo>
+                <a:lnTo>
+                  <a:pt x="3474220" y="6800152"/>
+                </a:lnTo>
+                <a:cubicBezTo>
+                  <a:pt x="1404818" y="5675986"/>
+                  <a:pt x="0" y="3483472"/>
+                  <a:pt x="0" y="962844"/>
+                </a:cubicBezTo>
+                <a:cubicBezTo>
+                  <a:pt x="0" y="733696"/>
+                  <a:pt x="11610" y="507260"/>
+                  <a:pt x="34274" y="284091"/>
+                </a:cubicBezTo>
+                <a:close/>
+              </a:path>
+            </a:pathLst>
+          </a:custGeom>
+          <a:solidFill>
+            <a:schemeClr val="tx1"/>
+          </a:solidFill>
+          <a:ln>
+            <a:noFill/>
+          </a:ln>
+        </p:spPr>
+        <p:style>
+          <a:lnRef idx="2">
+            <a:schemeClr val="accent1">
+              <a:shade val="50000"/>
+            </a:schemeClr>
+          </a:lnRef>
+          <a:fillRef idx="1">
+            <a:schemeClr val="accent1"/>
+          </a:fillRef>
+          <a:effectRef idx="0">
+            <a:schemeClr val="accent1"/>
+          </a:effectRef>
+          <a:fontRef idx="minor">
+            <a:schemeClr val="lt1"/>
+          </a:fontRef>
+        </p:style>
+        <p:txBody>
+          <a:bodyPr rtlCol="0" anchor="ctr"/>
+          <a:lstStyle/>
+          <a:p>
+            <a:pPr marL="0" marR="0" lvl="0" indent="0" algn="ctr" defTabSz="914400" rtl="0" eaLnBrk="1" fontAlgn="auto" latinLnBrk="0" hangingPunct="1">
+              <a:lnSpc>
+                <a:spcPct val="100000"/>
+              </a:lnSpc>
+              <a:spcBef>
+                <a:spcPts val="0"/>
+              </a:spcBef>
+              <a:spcAft>
+                <a:spcPts val="0"/>
+              </a:spcAft>
+              <a:buClrTx/>
+              <a:buSzTx/>
+              <a:buFontTx/>
+              <a:buNone/>
+              <a:tabLst/>
+              <a:defRPr/>
+            </a:pPr>
+            <a:endParaRPr kumimoji="0" lang="en-US" sz="1800" b="0" i="0" u="none" strike="noStrike" kern="1200" cap="none" spc="0" normalizeH="0" baseline="0" noProof="0">
+              <a:ln>
+                <a:noFill/>
+              </a:ln>
+              <a:solidFill>
+                <a:prstClr val="white"/>
+              </a:solidFill>
+              <a:effectLst/>
+              <a:uLnTx/>
+              <a:uFillTx/>
+              <a:latin typeface="Calibri" panose="020F0502020204030204"/>
+              <a:ea typeface="+mn-ea"/>
+              <a:cs typeface="+mn-cs"/>
+            </a:endParaRPr>
+          </a:p>
+        </p:txBody>
+      </p:sp>
+      <p:pic>
+        <p:nvPicPr>
+          <p:cNvPr id="8" name="Graphic 7" descr="Presentation with Checklist">
+            <a:extLst>
+              <a:ext uri="{FF2B5EF4-FFF2-40B4-BE49-F238E27FC236}">
+                <a16:creationId xmlns:a16="http://schemas.microsoft.com/office/drawing/2014/main" id="{77E2C276-8CC5-4881-84C7-C315A63D0505}"/>
+              </a:ext>
+            </a:extLst>
+          </p:cNvPr>
+          <p:cNvPicPr>
+            <a:picLocks noChangeAspect="1"/>
+          </p:cNvPicPr>
+          <p:nvPr/>
+        </p:nvPicPr>
+        <p:blipFill>
+          <a:blip r:embed="rId2">
+            <a:extLst>
+              <a:ext uri="{28A0092B-C50C-407E-A947-70E740481C1C}">
+                <a14:useLocalDpi xmlns:a14="http://schemas.microsoft.com/office/drawing/2010/main" val="0"/>
+              </a:ext>
+              <a:ext uri="{96DAC541-7B7A-43D3-8B79-37D633B846F1}">
+                <asvg:svgBlip xmlns:asvg="http://schemas.microsoft.com/office/drawing/2016/SVG/main" r:embed="rId3"/>
+              </a:ext>
+            </a:extLst>
+          </a:blip>
+          <a:stretch>
+            <a:fillRect/>
+          </a:stretch>
+        </p:blipFill>
+        <p:spPr>
+          <a:xfrm>
+            <a:off x="364241" y="643466"/>
+            <a:ext cx="4105275" cy="4105275"/>
+          </a:xfrm>
+          <a:prstGeom prst="rect">
+            <a:avLst/>
+          </a:prstGeom>
+        </p:spPr>
+      </p:pic>
+      <p:sp>
+        <p:nvSpPr>
+          <p:cNvPr id="3" name="Content Placeholder 2">
+            <a:extLst>
+              <a:ext uri="{FF2B5EF4-FFF2-40B4-BE49-F238E27FC236}">
+                <a16:creationId xmlns:a16="http://schemas.microsoft.com/office/drawing/2014/main" id="{243F4135-D972-4007-ADC9-8172C07FD54E}"/>
+              </a:ext>
+            </a:extLst>
+          </p:cNvPr>
+          <p:cNvSpPr>
+            <a:spLocks noGrp="1"/>
+          </p:cNvSpPr>
+          <p:nvPr>
+            <p:ph idx="1"/>
+          </p:nvPr>
+        </p:nvSpPr>
+        <p:spPr>
+          <a:xfrm>
+            <a:off x="6658044" y="2871982"/>
+            <a:ext cx="5006336" cy="3181684"/>
+          </a:xfrm>
+        </p:spPr>
+        <p:txBody>
+          <a:bodyPr anchor="t">
+            <a:normAutofit/>
+          </a:bodyPr>
+          <a:lstStyle/>
+          <a:p>
+            <a:r>
               <a:rPr lang="en-US" sz="1800"/>
               <a:t>Using the lettering guide to create your title blocks</a:t>
             </a:r>
@@ -6335,6 +7762,105 @@
   </p:cSld>
   <p:clrMapOvr>
     <a:overrideClrMapping bg1="dk1" tx1="lt1" bg2="dk2" tx2="lt2" accent1="accent1" accent2="accent2" accent3="accent3" accent4="accent4" accent5="accent5" accent6="accent6" hlink="hlink" folHlink="folHlink"/>
+  </p:clrMapOvr>
+  <mc:AlternateContent xmlns:mc="http://schemas.openxmlformats.org/markup-compatibility/2006" xmlns:p14="http://schemas.microsoft.com/office/powerpoint/2010/main">
+    <mc:Choice Requires="p14">
+      <p:transition spd="med" p14:dur="700">
+        <p:fade/>
+      </p:transition>
+    </mc:Choice>
+    <mc:Fallback xmlns="">
+      <p:transition spd="med">
+        <p:fade/>
+      </p:transition>
+    </mc:Fallback>
+  </mc:AlternateContent>
+</p:sld>
+</file>
+
+<file path=ppt/slides/slide9.xml><?xml version="1.0" encoding="utf-8"?>
+<p:sld xmlns:a="http://schemas.openxmlformats.org/drawingml/2006/main" xmlns:r="http://schemas.openxmlformats.org/officeDocument/2006/relationships" xmlns:p="http://schemas.openxmlformats.org/presentationml/2006/main">
+  <p:cSld>
+    <p:spTree>
+      <p:nvGrpSpPr>
+        <p:cNvPr id="1" name=""/>
+        <p:cNvGrpSpPr/>
+        <p:nvPr/>
+      </p:nvGrpSpPr>
+      <p:grpSpPr>
+        <a:xfrm>
+          <a:off x="0" y="0"/>
+          <a:ext cx="0" cy="0"/>
+          <a:chOff x="0" y="0"/>
+          <a:chExt cx="0" cy="0"/>
+        </a:xfrm>
+      </p:grpSpPr>
+      <p:sp>
+        <p:nvSpPr>
+          <p:cNvPr id="2" name="Title 1">
+            <a:extLst>
+              <a:ext uri="{FF2B5EF4-FFF2-40B4-BE49-F238E27FC236}">
+                <a16:creationId xmlns:a16="http://schemas.microsoft.com/office/drawing/2014/main" id="{5FFFF665-DBFE-4139-ACF5-B7D92BBE8CD9}"/>
+              </a:ext>
+            </a:extLst>
+          </p:cNvPr>
+          <p:cNvSpPr>
+            <a:spLocks noGrp="1"/>
+          </p:cNvSpPr>
+          <p:nvPr>
+            <p:ph type="title"/>
+          </p:nvPr>
+        </p:nvSpPr>
+        <p:spPr/>
+        <p:txBody>
+          <a:bodyPr/>
+          <a:lstStyle/>
+          <a:p>
+            <a:r>
+              <a:rPr lang="en-US" dirty="0"/>
+              <a:t>Lesson Plan 4</a:t>
+            </a:r>
+          </a:p>
+        </p:txBody>
+      </p:sp>
+      <p:sp>
+        <p:nvSpPr>
+          <p:cNvPr id="4" name="Footer Placeholder 3">
+            <a:extLst>
+              <a:ext uri="{FF2B5EF4-FFF2-40B4-BE49-F238E27FC236}">
+                <a16:creationId xmlns:a16="http://schemas.microsoft.com/office/drawing/2014/main" id="{D0F8768D-96E5-431F-BE40-E106E81AE634}"/>
+              </a:ext>
+            </a:extLst>
+          </p:cNvPr>
+          <p:cNvSpPr>
+            <a:spLocks noGrp="1"/>
+          </p:cNvSpPr>
+          <p:nvPr>
+            <p:ph type="ftr" sz="quarter" idx="11"/>
+          </p:nvPr>
+        </p:nvSpPr>
+        <p:spPr/>
+        <p:txBody>
+          <a:bodyPr/>
+          <a:lstStyle/>
+          <a:p>
+            <a:r>
+              <a:rPr lang="en-US"/>
+              <a:t>Add a footer</a:t>
+            </a:r>
+            <a:endParaRPr lang="en-US" dirty="0"/>
+          </a:p>
+        </p:txBody>
+      </p:sp>
+    </p:spTree>
+    <p:extLst>
+      <p:ext uri="{BB962C8B-B14F-4D97-AF65-F5344CB8AC3E}">
+        <p14:creationId xmlns:p14="http://schemas.microsoft.com/office/powerpoint/2010/main" val="1823108940"/>
+      </p:ext>
+    </p:extLst>
+  </p:cSld>
+  <p:clrMapOvr>
+    <a:masterClrMapping/>
   </p:clrMapOvr>
   <mc:AlternateContent xmlns:mc="http://schemas.openxmlformats.org/markup-compatibility/2006" xmlns:p14="http://schemas.microsoft.com/office/powerpoint/2010/main">
     <mc:Choice Requires="p14">

--- a/High School/Design and Drawing for Production/Unit 3 - Introduction to Lettering/Section 1 - What is Lettering/Assets/Unit 3 - Section 1 - What is Lettering.pptx
+++ b/High School/Design and Drawing for Production/Unit 3 - Introduction to Lettering/Section 1 - What is Lettering/Assets/Unit 3 - Section 1 - What is Lettering.pptx
@@ -5,10 +5,10 @@
     <p:sldMasterId id="2147483705" r:id="rId1"/>
   </p:sldMasterIdLst>
   <p:notesMasterIdLst>
-    <p:notesMasterId r:id="rId15"/>
+    <p:notesMasterId r:id="rId17"/>
   </p:notesMasterIdLst>
   <p:handoutMasterIdLst>
-    <p:handoutMasterId r:id="rId16"/>
+    <p:handoutMasterId r:id="rId18"/>
   </p:handoutMasterIdLst>
   <p:sldIdLst>
     <p:sldId id="268" r:id="rId2"/>
@@ -24,6 +24,8 @@
     <p:sldId id="285" r:id="rId12"/>
     <p:sldId id="286" r:id="rId13"/>
     <p:sldId id="287" r:id="rId14"/>
+    <p:sldId id="288" r:id="rId15"/>
+    <p:sldId id="289" r:id="rId16"/>
   </p:sldIdLst>
   <p:sldSz cx="12192000" cy="6858000"/>
   <p:notesSz cx="6858000" cy="9144000"/>
@@ -226,7 +228,7 @@
           <a:p>
             <a:fld id="{6AC4FB8F-ED15-48AB-97BD-17129D4E699D}" type="datetimeFigureOut">
               <a:rPr lang="en-US" smtClean="0"/>
-              <a:t>10/4/2018</a:t>
+              <a:t>10/5/2018</a:t>
             </a:fld>
             <a:endParaRPr lang="en-US" dirty="0"/>
           </a:p>
@@ -391,7 +393,7 @@
           <a:p>
             <a:fld id="{BBC9D437-CD83-4825-AD0D-5E7B341BC79B}" type="datetimeFigureOut">
               <a:rPr lang="en-US" smtClean="0"/>
-              <a:t>10/4/2018</a:t>
+              <a:t>10/5/2018</a:t>
             </a:fld>
             <a:endParaRPr lang="en-US" dirty="0"/>
           </a:p>
@@ -789,7 +791,7 @@
           <a:p>
             <a:fld id="{85AB7CBB-843F-464A-A764-71D6ADC27CFA}" type="datetime1">
               <a:rPr lang="en-US" smtClean="0"/>
-              <a:t>10/4/2018</a:t>
+              <a:t>10/5/2018</a:t>
             </a:fld>
             <a:endParaRPr lang="en-US" dirty="0"/>
           </a:p>
@@ -976,7 +978,7 @@
           <a:p>
             <a:fld id="{CBEFC03D-3A1F-4813-9337-02411FCC3A9A}" type="datetime1">
               <a:rPr lang="en-US" smtClean="0"/>
-              <a:t>10/4/2018</a:t>
+              <a:t>10/5/2018</a:t>
             </a:fld>
             <a:endParaRPr lang="en-US" dirty="0"/>
           </a:p>
@@ -1172,7 +1174,7 @@
           <a:p>
             <a:fld id="{3D638F79-DFA0-4C26-9553-23A017B69AB6}" type="datetime1">
               <a:rPr lang="en-US" smtClean="0"/>
-              <a:t>10/4/2018</a:t>
+              <a:t>10/5/2018</a:t>
             </a:fld>
             <a:endParaRPr lang="en-US" dirty="0"/>
           </a:p>
@@ -1283,7 +1285,7 @@
           <a:p>
             <a:fld id="{AA615CA6-EC4D-4728-8AA6-534BE7E9B67C}" type="datetime1">
               <a:rPr lang="en-US" smtClean="0"/>
-              <a:t>10/4/2018</a:t>
+              <a:t>10/5/2018</a:t>
             </a:fld>
             <a:endParaRPr lang="en-US" dirty="0"/>
           </a:p>
@@ -1468,7 +1470,7 @@
           <a:p>
             <a:fld id="{A70B34E7-E1D9-4FBF-A1A0-4009669A00BF}" type="datetime1">
               <a:rPr lang="en-US" smtClean="0"/>
-              <a:t>10/4/2018</a:t>
+              <a:t>10/5/2018</a:t>
             </a:fld>
             <a:endParaRPr lang="en-US" dirty="0"/>
           </a:p>
@@ -1731,7 +1733,7 @@
           <a:p>
             <a:fld id="{C50FD434-5945-4FAF-A8C0-DAE9905532CE}" type="datetimeFigureOut">
               <a:rPr lang="en-US" smtClean="0"/>
-              <a:t>10/4/2018</a:t>
+              <a:t>10/5/2018</a:t>
             </a:fld>
             <a:endParaRPr lang="en-US"/>
           </a:p>
@@ -1975,7 +1977,7 @@
           <a:p>
             <a:fld id="{7579E8B6-2F47-420B-83EA-EB2285D13EC9}" type="datetime1">
               <a:rPr lang="en-US" smtClean="0"/>
-              <a:t>10/4/2018</a:t>
+              <a:t>10/5/2018</a:t>
             </a:fld>
             <a:endParaRPr lang="en-US" dirty="0"/>
           </a:p>
@@ -2358,7 +2360,7 @@
           <a:p>
             <a:fld id="{2304803D-B10E-4B90-8456-A0E05393E233}" type="datetime1">
               <a:rPr lang="en-US" smtClean="0"/>
-              <a:t>10/4/2018</a:t>
+              <a:t>10/5/2018</a:t>
             </a:fld>
             <a:endParaRPr lang="en-US" dirty="0"/>
           </a:p>
@@ -2492,7 +2494,7 @@
           <a:p>
             <a:fld id="{CCE1E62F-6CCE-4064-96C2-2084AF883904}" type="datetime1">
               <a:rPr lang="en-US" smtClean="0"/>
-              <a:t>10/4/2018</a:t>
+              <a:t>10/5/2018</a:t>
             </a:fld>
             <a:endParaRPr lang="en-US" dirty="0"/>
           </a:p>
@@ -2603,7 +2605,7 @@
           <a:p>
             <a:fld id="{AA615CA6-EC4D-4728-8AA6-534BE7E9B67C}" type="datetime1">
               <a:rPr lang="en-US" smtClean="0"/>
-              <a:t>10/4/2018</a:t>
+              <a:t>10/5/2018</a:t>
             </a:fld>
             <a:endParaRPr lang="en-US" dirty="0"/>
           </a:p>
@@ -2896,7 +2898,7 @@
           <a:p>
             <a:fld id="{A6139942-0A2E-443A-842F-D6DE74360370}" type="datetime1">
               <a:rPr lang="en-US" smtClean="0"/>
-              <a:t>10/4/2018</a:t>
+              <a:t>10/5/2018</a:t>
             </a:fld>
             <a:endParaRPr lang="en-US" dirty="0"/>
           </a:p>
@@ -3169,7 +3171,7 @@
           <a:p>
             <a:fld id="{C50FD434-5945-4FAF-A8C0-DAE9905532CE}" type="datetimeFigureOut">
               <a:rPr lang="en-US" smtClean="0"/>
-              <a:t>10/4/2018</a:t>
+              <a:t>10/5/2018</a:t>
             </a:fld>
             <a:endParaRPr lang="en-US"/>
           </a:p>
@@ -3446,7 +3448,7 @@
           <a:p>
             <a:fld id="{3F138946-C5C1-4A11-BA69-F12F43F8A94B}" type="datetime1">
               <a:rPr lang="en-US" smtClean="0"/>
-              <a:t>10/4/2018</a:t>
+              <a:t>10/5/2018</a:t>
             </a:fld>
             <a:endParaRPr lang="en-US" dirty="0"/>
           </a:p>
@@ -5444,6 +5446,2038 @@
   </p:cSld>
   <p:clrMapOvr>
     <a:overrideClrMapping bg1="dk1" tx1="lt1" bg2="dk2" tx2="lt2" accent1="accent1" accent2="accent2" accent3="accent3" accent4="accent4" accent5="accent5" accent6="accent6" hlink="hlink" folHlink="folHlink"/>
+  </p:clrMapOvr>
+  <mc:AlternateContent xmlns:mc="http://schemas.openxmlformats.org/markup-compatibility/2006" xmlns:p14="http://schemas.microsoft.com/office/powerpoint/2010/main">
+    <mc:Choice Requires="p14">
+      <p:transition spd="med" p14:dur="700">
+        <p:fade/>
+      </p:transition>
+    </mc:Choice>
+    <mc:Fallback xmlns="">
+      <p:transition spd="med">
+        <p:fade/>
+      </p:transition>
+    </mc:Fallback>
+  </mc:AlternateContent>
+</p:sld>
+</file>
+
+<file path=ppt/slides/slide14.xml><?xml version="1.0" encoding="utf-8"?>
+<p:sld xmlns:a="http://schemas.openxmlformats.org/drawingml/2006/main" xmlns:r="http://schemas.openxmlformats.org/officeDocument/2006/relationships" xmlns:p="http://schemas.openxmlformats.org/presentationml/2006/main">
+  <p:cSld>
+    <p:spTree>
+      <p:nvGrpSpPr>
+        <p:cNvPr id="1" name=""/>
+        <p:cNvGrpSpPr/>
+        <p:nvPr/>
+      </p:nvGrpSpPr>
+      <p:grpSpPr>
+        <a:xfrm>
+          <a:off x="0" y="0"/>
+          <a:ext cx="0" cy="0"/>
+          <a:chOff x="0" y="0"/>
+          <a:chExt cx="0" cy="0"/>
+        </a:xfrm>
+      </p:grpSpPr>
+      <p:sp>
+        <p:nvSpPr>
+          <p:cNvPr id="2" name="Title 1">
+            <a:extLst>
+              <a:ext uri="{FF2B5EF4-FFF2-40B4-BE49-F238E27FC236}">
+                <a16:creationId xmlns:a16="http://schemas.microsoft.com/office/drawing/2014/main" id="{5FFFF665-DBFE-4139-ACF5-B7D92BBE8CD9}"/>
+              </a:ext>
+            </a:extLst>
+          </p:cNvPr>
+          <p:cNvSpPr>
+            <a:spLocks noGrp="1"/>
+          </p:cNvSpPr>
+          <p:nvPr>
+            <p:ph type="title"/>
+          </p:nvPr>
+        </p:nvSpPr>
+        <p:spPr/>
+        <p:txBody>
+          <a:bodyPr/>
+          <a:lstStyle/>
+          <a:p>
+            <a:r>
+              <a:rPr lang="en-US" dirty="0"/>
+              <a:t>Lesson Plan 5</a:t>
+            </a:r>
+          </a:p>
+        </p:txBody>
+      </p:sp>
+      <p:sp>
+        <p:nvSpPr>
+          <p:cNvPr id="4" name="Footer Placeholder 3">
+            <a:extLst>
+              <a:ext uri="{FF2B5EF4-FFF2-40B4-BE49-F238E27FC236}">
+                <a16:creationId xmlns:a16="http://schemas.microsoft.com/office/drawing/2014/main" id="{D0F8768D-96E5-431F-BE40-E106E81AE634}"/>
+              </a:ext>
+            </a:extLst>
+          </p:cNvPr>
+          <p:cNvSpPr>
+            <a:spLocks noGrp="1"/>
+          </p:cNvSpPr>
+          <p:nvPr>
+            <p:ph type="ftr" sz="quarter" idx="11"/>
+          </p:nvPr>
+        </p:nvSpPr>
+        <p:spPr/>
+        <p:txBody>
+          <a:bodyPr/>
+          <a:lstStyle/>
+          <a:p>
+            <a:r>
+              <a:rPr lang="en-US"/>
+              <a:t>Add a footer</a:t>
+            </a:r>
+            <a:endParaRPr lang="en-US" dirty="0"/>
+          </a:p>
+        </p:txBody>
+      </p:sp>
+    </p:spTree>
+    <p:extLst>
+      <p:ext uri="{BB962C8B-B14F-4D97-AF65-F5344CB8AC3E}">
+        <p14:creationId xmlns:p14="http://schemas.microsoft.com/office/powerpoint/2010/main" val="174469157"/>
+      </p:ext>
+    </p:extLst>
+  </p:cSld>
+  <p:clrMapOvr>
+    <a:masterClrMapping/>
+  </p:clrMapOvr>
+  <mc:AlternateContent xmlns:mc="http://schemas.openxmlformats.org/markup-compatibility/2006" xmlns:p14="http://schemas.microsoft.com/office/powerpoint/2010/main">
+    <mc:Choice Requires="p14">
+      <p:transition spd="med" p14:dur="700">
+        <p:fade/>
+      </p:transition>
+    </mc:Choice>
+    <mc:Fallback xmlns="">
+      <p:transition spd="med">
+        <p:fade/>
+      </p:transition>
+    </mc:Fallback>
+  </mc:AlternateContent>
+</p:sld>
+</file>
+
+<file path=ppt/slides/slide15.xml><?xml version="1.0" encoding="utf-8"?>
+<p:sld xmlns:a="http://schemas.openxmlformats.org/drawingml/2006/main" xmlns:r="http://schemas.openxmlformats.org/officeDocument/2006/relationships" xmlns:p="http://schemas.openxmlformats.org/presentationml/2006/main">
+  <p:cSld>
+    <p:bg>
+      <p:bgPr>
+        <a:solidFill>
+          <a:schemeClr val="bg1"/>
+        </a:solidFill>
+        <a:effectLst/>
+      </p:bgPr>
+    </p:bg>
+    <p:spTree>
+      <p:nvGrpSpPr>
+        <p:cNvPr id="1" name=""/>
+        <p:cNvGrpSpPr/>
+        <p:nvPr/>
+      </p:nvGrpSpPr>
+      <p:grpSpPr>
+        <a:xfrm>
+          <a:off x="0" y="0"/>
+          <a:ext cx="0" cy="0"/>
+          <a:chOff x="0" y="0"/>
+          <a:chExt cx="0" cy="0"/>
+        </a:xfrm>
+      </p:grpSpPr>
+      <p:sp useBgFill="1">
+        <p:nvSpPr>
+          <p:cNvPr id="10" name="Rectangle 9">
+            <a:extLst>
+              <a:ext uri="{FF2B5EF4-FFF2-40B4-BE49-F238E27FC236}">
+                <a16:creationId xmlns:a16="http://schemas.microsoft.com/office/drawing/2014/main" id="{15911E3A-C35B-4EF7-A355-B84E9A14AF4D}"/>
+              </a:ext>
+              <a:ext uri="{C183D7F6-B498-43B3-948B-1728B52AA6E4}">
+                <adec:decorative xmlns:adec="http://schemas.microsoft.com/office/drawing/2017/decorative" val="1"/>
+              </a:ext>
+            </a:extLst>
+          </p:cNvPr>
+          <p:cNvSpPr>
+            <a:spLocks noGrp="1" noRot="1" noChangeAspect="1" noMove="1" noResize="1" noEditPoints="1" noAdjustHandles="1" noChangeArrowheads="1" noChangeShapeType="1" noTextEdit="1"/>
+          </p:cNvSpPr>
+          <p:nvPr>
+            <p:extLst>
+              <p:ext uri="{386F3935-93C4-4BCD-93E2-E3B085C9AB24}">
+                <p16:designElem xmlns:p16="http://schemas.microsoft.com/office/powerpoint/2015/main" val="1"/>
+              </p:ext>
+            </p:extLst>
+          </p:nvPr>
+        </p:nvSpPr>
+        <p:spPr>
+          <a:xfrm>
+            <a:off x="0" y="-1"/>
+            <a:ext cx="12192000" cy="6858001"/>
+          </a:xfrm>
+          <a:prstGeom prst="rect">
+            <a:avLst/>
+          </a:prstGeom>
+          <a:ln>
+            <a:noFill/>
+          </a:ln>
+        </p:spPr>
+        <p:style>
+          <a:lnRef idx="2">
+            <a:schemeClr val="accent1">
+              <a:shade val="50000"/>
+            </a:schemeClr>
+          </a:lnRef>
+          <a:fillRef idx="1">
+            <a:schemeClr val="accent1"/>
+          </a:fillRef>
+          <a:effectRef idx="0">
+            <a:schemeClr val="accent1"/>
+          </a:effectRef>
+          <a:fontRef idx="minor">
+            <a:schemeClr val="lt1"/>
+          </a:fontRef>
+        </p:style>
+        <p:txBody>
+          <a:bodyPr rtlCol="0" anchor="ctr"/>
+          <a:lstStyle/>
+          <a:p>
+            <a:pPr marL="0" marR="0" lvl="0" indent="0" algn="ctr" defTabSz="914400" rtl="0" eaLnBrk="1" fontAlgn="auto" latinLnBrk="0" hangingPunct="1">
+              <a:lnSpc>
+                <a:spcPct val="100000"/>
+              </a:lnSpc>
+              <a:spcBef>
+                <a:spcPts val="0"/>
+              </a:spcBef>
+              <a:spcAft>
+                <a:spcPts val="0"/>
+              </a:spcAft>
+              <a:buClrTx/>
+              <a:buSzTx/>
+              <a:buFontTx/>
+              <a:buNone/>
+              <a:tabLst/>
+              <a:defRPr/>
+            </a:pPr>
+            <a:endParaRPr kumimoji="0" lang="en-US" sz="1800" b="0" i="0" u="none" strike="noStrike" kern="1200" cap="none" spc="0" normalizeH="0" baseline="0" noProof="0">
+              <a:ln>
+                <a:noFill/>
+              </a:ln>
+              <a:solidFill>
+                <a:prstClr val="white"/>
+              </a:solidFill>
+              <a:effectLst/>
+              <a:uLnTx/>
+              <a:uFillTx/>
+              <a:latin typeface="Calibri" panose="020F0502020204030204"/>
+              <a:ea typeface="+mn-ea"/>
+              <a:cs typeface="+mn-cs"/>
+            </a:endParaRPr>
+          </a:p>
+        </p:txBody>
+      </p:sp>
+      <p:grpSp>
+        <p:nvGrpSpPr>
+          <p:cNvPr id="12" name="Group 11">
+            <a:extLst>
+              <a:ext uri="{FF2B5EF4-FFF2-40B4-BE49-F238E27FC236}">
+                <a16:creationId xmlns:a16="http://schemas.microsoft.com/office/drawing/2014/main" id="{E21ADB3D-AD65-44B4-847D-5E90E90A5D16}"/>
+              </a:ext>
+              <a:ext uri="{C183D7F6-B498-43B3-948B-1728B52AA6E4}">
+                <adec:decorative xmlns:adec="http://schemas.microsoft.com/office/drawing/2017/decorative" val="1"/>
+              </a:ext>
+            </a:extLst>
+          </p:cNvPr>
+          <p:cNvGrpSpPr>
+            <a:grpSpLocks noGrp="1" noUngrp="1" noRot="1" noChangeAspect="1" noMove="1" noResize="1"/>
+          </p:cNvGrpSpPr>
+          <p:nvPr>
+            <p:extLst>
+              <p:ext uri="{386F3935-93C4-4BCD-93E2-E3B085C9AB24}">
+                <p16:designElem xmlns:p16="http://schemas.microsoft.com/office/powerpoint/2015/main" val="1"/>
+              </p:ext>
+            </p:extLst>
+          </p:nvPr>
+        </p:nvGrpSpPr>
+        <p:grpSpPr>
+          <a:xfrm>
+            <a:off x="-417513" y="0"/>
+            <a:ext cx="12584114" cy="6853238"/>
+            <a:chOff x="-417513" y="0"/>
+            <a:chExt cx="12584114" cy="6853238"/>
+          </a:xfrm>
+        </p:grpSpPr>
+        <p:sp>
+          <p:nvSpPr>
+            <p:cNvPr id="13" name="Freeform 5">
+              <a:extLst>
+                <a:ext uri="{FF2B5EF4-FFF2-40B4-BE49-F238E27FC236}">
+                  <a16:creationId xmlns:a16="http://schemas.microsoft.com/office/drawing/2014/main" id="{CF580C70-814C-4845-B645-919BFFBD16BA}"/>
+                </a:ext>
+                <a:ext uri="{C183D7F6-B498-43B3-948B-1728B52AA6E4}">
+                  <adec:decorative xmlns:adec="http://schemas.microsoft.com/office/drawing/2017/decorative" val="1"/>
+                </a:ext>
+              </a:extLst>
+            </p:cNvPr>
+            <p:cNvSpPr/>
+            <p:nvPr>
+              <p:extLst>
+                <p:ext uri="{386F3935-93C4-4BCD-93E2-E3B085C9AB24}">
+                  <p16:designElem xmlns:p16="http://schemas.microsoft.com/office/powerpoint/2015/main" val="1"/>
+                </p:ext>
+              </p:extLst>
+            </p:nvPr>
+          </p:nvSpPr>
+          <p:spPr bwMode="auto">
+            <a:xfrm>
+              <a:off x="1306513" y="0"/>
+              <a:ext cx="3862388" cy="6843713"/>
+            </a:xfrm>
+            <a:custGeom>
+              <a:avLst/>
+              <a:gdLst/>
+              <a:ahLst/>
+              <a:cxnLst/>
+              <a:rect l="0" t="0" r="r" b="b"/>
+              <a:pathLst>
+                <a:path w="813" h="1440">
+                  <a:moveTo>
+                    <a:pt x="813" y="0"/>
+                  </a:moveTo>
+                  <a:cubicBezTo>
+                    <a:pt x="331" y="221"/>
+                    <a:pt x="0" y="1039"/>
+                    <a:pt x="435" y="1440"/>
+                  </a:cubicBezTo>
+                </a:path>
+              </a:pathLst>
+            </a:custGeom>
+            <a:noFill/>
+            <a:ln w="9525" cap="flat">
+              <a:solidFill>
+                <a:schemeClr val="tx1">
+                  <a:alpha val="20000"/>
+                </a:schemeClr>
+              </a:solidFill>
+              <a:prstDash val="solid"/>
+              <a:miter lim="800000"/>
+              <a:headEnd/>
+              <a:tailEnd/>
+            </a:ln>
+            <a:extLst>
+              <a:ext uri="{909E8E84-426E-40DD-AFC4-6F175D3DCCD1}">
+                <a14:hiddenFill xmlns:a14="http://schemas.microsoft.com/office/drawing/2010/main">
+                  <a:solidFill>
+                    <a:srgbClr val="FFFFFF"/>
+                  </a:solidFill>
+                </a14:hiddenFill>
+              </a:ext>
+            </a:extLst>
+          </p:spPr>
+        </p:sp>
+        <p:sp>
+          <p:nvSpPr>
+            <p:cNvPr id="14" name="Freeform 6">
+              <a:extLst>
+                <a:ext uri="{FF2B5EF4-FFF2-40B4-BE49-F238E27FC236}">
+                  <a16:creationId xmlns:a16="http://schemas.microsoft.com/office/drawing/2014/main" id="{34D7BF57-4CAA-45B2-9EF0-0AA1FCF70B16}"/>
+                </a:ext>
+                <a:ext uri="{C183D7F6-B498-43B3-948B-1728B52AA6E4}">
+                  <adec:decorative xmlns:adec="http://schemas.microsoft.com/office/drawing/2017/decorative" val="1"/>
+                </a:ext>
+              </a:extLst>
+            </p:cNvPr>
+            <p:cNvSpPr/>
+            <p:nvPr>
+              <p:extLst>
+                <p:ext uri="{386F3935-93C4-4BCD-93E2-E3B085C9AB24}">
+                  <p16:designElem xmlns:p16="http://schemas.microsoft.com/office/powerpoint/2015/main" val="1"/>
+                </p:ext>
+              </p:extLst>
+            </p:nvPr>
+          </p:nvSpPr>
+          <p:spPr bwMode="auto">
+            <a:xfrm>
+              <a:off x="10626725" y="9525"/>
+              <a:ext cx="1539875" cy="555625"/>
+            </a:xfrm>
+            <a:custGeom>
+              <a:avLst/>
+              <a:gdLst/>
+              <a:ahLst/>
+              <a:cxnLst/>
+              <a:rect l="0" t="0" r="r" b="b"/>
+              <a:pathLst>
+                <a:path w="324" h="117">
+                  <a:moveTo>
+                    <a:pt x="324" y="117"/>
+                  </a:moveTo>
+                  <a:cubicBezTo>
+                    <a:pt x="223" y="64"/>
+                    <a:pt x="107" y="28"/>
+                    <a:pt x="0" y="0"/>
+                  </a:cubicBezTo>
+                </a:path>
+              </a:pathLst>
+            </a:custGeom>
+            <a:noFill/>
+            <a:ln w="9525" cap="flat">
+              <a:solidFill>
+                <a:schemeClr val="tx1">
+                  <a:alpha val="20000"/>
+                </a:schemeClr>
+              </a:solidFill>
+              <a:prstDash val="solid"/>
+              <a:miter lim="800000"/>
+              <a:headEnd/>
+              <a:tailEnd/>
+            </a:ln>
+            <a:extLst>
+              <a:ext uri="{909E8E84-426E-40DD-AFC4-6F175D3DCCD1}">
+                <a14:hiddenFill xmlns:a14="http://schemas.microsoft.com/office/drawing/2010/main">
+                  <a:solidFill>
+                    <a:srgbClr val="FFFFFF"/>
+                  </a:solidFill>
+                </a14:hiddenFill>
+              </a:ext>
+            </a:extLst>
+          </p:spPr>
+        </p:sp>
+        <p:sp>
+          <p:nvSpPr>
+            <p:cNvPr id="15" name="Freeform 7">
+              <a:extLst>
+                <a:ext uri="{FF2B5EF4-FFF2-40B4-BE49-F238E27FC236}">
+                  <a16:creationId xmlns:a16="http://schemas.microsoft.com/office/drawing/2014/main" id="{7886F306-C03A-40C6-8FD5-DCE3D4595D6D}"/>
+                </a:ext>
+                <a:ext uri="{C183D7F6-B498-43B3-948B-1728B52AA6E4}">
+                  <adec:decorative xmlns:adec="http://schemas.microsoft.com/office/drawing/2017/decorative" val="1"/>
+                </a:ext>
+              </a:extLst>
+            </p:cNvPr>
+            <p:cNvSpPr/>
+            <p:nvPr>
+              <p:extLst>
+                <p:ext uri="{386F3935-93C4-4BCD-93E2-E3B085C9AB24}">
+                  <p16:designElem xmlns:p16="http://schemas.microsoft.com/office/powerpoint/2015/main" val="1"/>
+                </p:ext>
+              </p:extLst>
+            </p:nvPr>
+          </p:nvSpPr>
+          <p:spPr bwMode="auto">
+            <a:xfrm>
+              <a:off x="10247313" y="5013325"/>
+              <a:ext cx="1919288" cy="1830388"/>
+            </a:xfrm>
+            <a:custGeom>
+              <a:avLst/>
+              <a:gdLst/>
+              <a:ahLst/>
+              <a:cxnLst/>
+              <a:rect l="0" t="0" r="r" b="b"/>
+              <a:pathLst>
+                <a:path w="404" h="385">
+                  <a:moveTo>
+                    <a:pt x="0" y="385"/>
+                  </a:moveTo>
+                  <a:cubicBezTo>
+                    <a:pt x="146" y="272"/>
+                    <a:pt x="285" y="142"/>
+                    <a:pt x="404" y="0"/>
+                  </a:cubicBezTo>
+                </a:path>
+              </a:pathLst>
+            </a:custGeom>
+            <a:noFill/>
+            <a:ln w="9525" cap="flat">
+              <a:solidFill>
+                <a:schemeClr val="tx1">
+                  <a:alpha val="20000"/>
+                </a:schemeClr>
+              </a:solidFill>
+              <a:prstDash val="solid"/>
+              <a:miter lim="800000"/>
+              <a:headEnd/>
+              <a:tailEnd/>
+            </a:ln>
+            <a:extLst>
+              <a:ext uri="{909E8E84-426E-40DD-AFC4-6F175D3DCCD1}">
+                <a14:hiddenFill xmlns:a14="http://schemas.microsoft.com/office/drawing/2010/main">
+                  <a:solidFill>
+                    <a:srgbClr val="FFFFFF"/>
+                  </a:solidFill>
+                </a14:hiddenFill>
+              </a:ext>
+            </a:extLst>
+          </p:spPr>
+        </p:sp>
+        <p:sp>
+          <p:nvSpPr>
+            <p:cNvPr id="16" name="Freeform 8">
+              <a:extLst>
+                <a:ext uri="{FF2B5EF4-FFF2-40B4-BE49-F238E27FC236}">
+                  <a16:creationId xmlns:a16="http://schemas.microsoft.com/office/drawing/2014/main" id="{2FDC9A36-C7C3-47D7-A64E-ED25C47EC704}"/>
+                </a:ext>
+                <a:ext uri="{C183D7F6-B498-43B3-948B-1728B52AA6E4}">
+                  <adec:decorative xmlns:adec="http://schemas.microsoft.com/office/drawing/2017/decorative" val="1"/>
+                </a:ext>
+              </a:extLst>
+            </p:cNvPr>
+            <p:cNvSpPr/>
+            <p:nvPr>
+              <p:extLst>
+                <p:ext uri="{386F3935-93C4-4BCD-93E2-E3B085C9AB24}">
+                  <p16:designElem xmlns:p16="http://schemas.microsoft.com/office/powerpoint/2015/main" val="1"/>
+                </p:ext>
+              </p:extLst>
+            </p:nvPr>
+          </p:nvSpPr>
+          <p:spPr bwMode="auto">
+            <a:xfrm>
+              <a:off x="1120775" y="0"/>
+              <a:ext cx="3676650" cy="6843713"/>
+            </a:xfrm>
+            <a:custGeom>
+              <a:avLst/>
+              <a:gdLst/>
+              <a:ahLst/>
+              <a:cxnLst/>
+              <a:rect l="0" t="0" r="r" b="b"/>
+              <a:pathLst>
+                <a:path w="774" h="1440">
+                  <a:moveTo>
+                    <a:pt x="774" y="0"/>
+                  </a:moveTo>
+                  <a:cubicBezTo>
+                    <a:pt x="312" y="240"/>
+                    <a:pt x="0" y="1034"/>
+                    <a:pt x="411" y="1440"/>
+                  </a:cubicBezTo>
+                </a:path>
+              </a:pathLst>
+            </a:custGeom>
+            <a:noFill/>
+            <a:ln w="9525" cap="flat">
+              <a:solidFill>
+                <a:schemeClr val="tx1">
+                  <a:alpha val="20000"/>
+                </a:schemeClr>
+              </a:solidFill>
+              <a:prstDash val="dash"/>
+              <a:miter lim="800000"/>
+              <a:headEnd/>
+              <a:tailEnd/>
+            </a:ln>
+            <a:extLst>
+              <a:ext uri="{909E8E84-426E-40DD-AFC4-6F175D3DCCD1}">
+                <a14:hiddenFill xmlns:a14="http://schemas.microsoft.com/office/drawing/2010/main">
+                  <a:solidFill>
+                    <a:srgbClr val="FFFFFF"/>
+                  </a:solidFill>
+                </a14:hiddenFill>
+              </a:ext>
+            </a:extLst>
+          </p:spPr>
+        </p:sp>
+        <p:sp>
+          <p:nvSpPr>
+            <p:cNvPr id="17" name="Freeform 9">
+              <a:extLst>
+                <a:ext uri="{FF2B5EF4-FFF2-40B4-BE49-F238E27FC236}">
+                  <a16:creationId xmlns:a16="http://schemas.microsoft.com/office/drawing/2014/main" id="{BB19BC37-158A-43DC-9A9E-E45CC71954DC}"/>
+                </a:ext>
+                <a:ext uri="{C183D7F6-B498-43B3-948B-1728B52AA6E4}">
+                  <adec:decorative xmlns:adec="http://schemas.microsoft.com/office/drawing/2017/decorative" val="1"/>
+                </a:ext>
+              </a:extLst>
+            </p:cNvPr>
+            <p:cNvSpPr/>
+            <p:nvPr>
+              <p:extLst>
+                <p:ext uri="{386F3935-93C4-4BCD-93E2-E3B085C9AB24}">
+                  <p16:designElem xmlns:p16="http://schemas.microsoft.com/office/powerpoint/2015/main" val="1"/>
+                </p:ext>
+              </p:extLst>
+            </p:nvPr>
+          </p:nvSpPr>
+          <p:spPr bwMode="auto">
+            <a:xfrm>
+              <a:off x="11202988" y="9525"/>
+              <a:ext cx="963613" cy="366713"/>
+            </a:xfrm>
+            <a:custGeom>
+              <a:avLst/>
+              <a:gdLst/>
+              <a:ahLst/>
+              <a:cxnLst/>
+              <a:rect l="0" t="0" r="r" b="b"/>
+              <a:pathLst>
+                <a:path w="203" h="77">
+                  <a:moveTo>
+                    <a:pt x="203" y="77"/>
+                  </a:moveTo>
+                  <a:cubicBezTo>
+                    <a:pt x="138" y="46"/>
+                    <a:pt x="68" y="21"/>
+                    <a:pt x="0" y="0"/>
+                  </a:cubicBezTo>
+                </a:path>
+              </a:pathLst>
+            </a:custGeom>
+            <a:noFill/>
+            <a:ln w="9525" cap="flat">
+              <a:solidFill>
+                <a:schemeClr val="tx1">
+                  <a:alpha val="20000"/>
+                </a:schemeClr>
+              </a:solidFill>
+              <a:prstDash val="dash"/>
+              <a:miter lim="800000"/>
+              <a:headEnd/>
+              <a:tailEnd/>
+            </a:ln>
+            <a:extLst>
+              <a:ext uri="{909E8E84-426E-40DD-AFC4-6F175D3DCCD1}">
+                <a14:hiddenFill xmlns:a14="http://schemas.microsoft.com/office/drawing/2010/main">
+                  <a:solidFill>
+                    <a:srgbClr val="FFFFFF"/>
+                  </a:solidFill>
+                </a14:hiddenFill>
+              </a:ext>
+            </a:extLst>
+          </p:spPr>
+        </p:sp>
+        <p:sp>
+          <p:nvSpPr>
+            <p:cNvPr id="18" name="Freeform 10">
+              <a:extLst>
+                <a:ext uri="{FF2B5EF4-FFF2-40B4-BE49-F238E27FC236}">
+                  <a16:creationId xmlns:a16="http://schemas.microsoft.com/office/drawing/2014/main" id="{077654CC-108F-48D5-B5E9-437F164F52A5}"/>
+                </a:ext>
+                <a:ext uri="{C183D7F6-B498-43B3-948B-1728B52AA6E4}">
+                  <adec:decorative xmlns:adec="http://schemas.microsoft.com/office/drawing/2017/decorative" val="1"/>
+                </a:ext>
+              </a:extLst>
+            </p:cNvPr>
+            <p:cNvSpPr/>
+            <p:nvPr>
+              <p:extLst>
+                <p:ext uri="{386F3935-93C4-4BCD-93E2-E3B085C9AB24}">
+                  <p16:designElem xmlns:p16="http://schemas.microsoft.com/office/powerpoint/2015/main" val="1"/>
+                </p:ext>
+              </p:extLst>
+            </p:nvPr>
+          </p:nvSpPr>
+          <p:spPr bwMode="auto">
+            <a:xfrm>
+              <a:off x="10494963" y="5275263"/>
+              <a:ext cx="1666875" cy="1577975"/>
+            </a:xfrm>
+            <a:custGeom>
+              <a:avLst/>
+              <a:gdLst/>
+              <a:ahLst/>
+              <a:cxnLst/>
+              <a:rect l="0" t="0" r="r" b="b"/>
+              <a:pathLst>
+                <a:path w="351" h="332">
+                  <a:moveTo>
+                    <a:pt x="0" y="332"/>
+                  </a:moveTo>
+                  <a:cubicBezTo>
+                    <a:pt x="125" y="232"/>
+                    <a:pt x="245" y="121"/>
+                    <a:pt x="351" y="0"/>
+                  </a:cubicBezTo>
+                </a:path>
+              </a:pathLst>
+            </a:custGeom>
+            <a:noFill/>
+            <a:ln w="9525" cap="flat">
+              <a:solidFill>
+                <a:schemeClr val="tx1">
+                  <a:alpha val="20000"/>
+                </a:schemeClr>
+              </a:solidFill>
+              <a:prstDash val="dash"/>
+              <a:miter lim="800000"/>
+              <a:headEnd/>
+              <a:tailEnd/>
+            </a:ln>
+            <a:extLst>
+              <a:ext uri="{909E8E84-426E-40DD-AFC4-6F175D3DCCD1}">
+                <a14:hiddenFill xmlns:a14="http://schemas.microsoft.com/office/drawing/2010/main">
+                  <a:solidFill>
+                    <a:srgbClr val="FFFFFF"/>
+                  </a:solidFill>
+                </a14:hiddenFill>
+              </a:ext>
+            </a:extLst>
+          </p:spPr>
+        </p:sp>
+        <p:sp>
+          <p:nvSpPr>
+            <p:cNvPr id="19" name="Freeform 11">
+              <a:extLst>
+                <a:ext uri="{FF2B5EF4-FFF2-40B4-BE49-F238E27FC236}">
+                  <a16:creationId xmlns:a16="http://schemas.microsoft.com/office/drawing/2014/main" id="{A3CF3A63-1C1E-4E85-A78A-FDC16431E3A0}"/>
+                </a:ext>
+                <a:ext uri="{C183D7F6-B498-43B3-948B-1728B52AA6E4}">
+                  <adec:decorative xmlns:adec="http://schemas.microsoft.com/office/drawing/2017/decorative" val="1"/>
+                </a:ext>
+              </a:extLst>
+            </p:cNvPr>
+            <p:cNvSpPr/>
+            <p:nvPr>
+              <p:extLst>
+                <p:ext uri="{386F3935-93C4-4BCD-93E2-E3B085C9AB24}">
+                  <p16:designElem xmlns:p16="http://schemas.microsoft.com/office/powerpoint/2015/main" val="1"/>
+                </p:ext>
+              </p:extLst>
+            </p:nvPr>
+          </p:nvSpPr>
+          <p:spPr bwMode="auto">
+            <a:xfrm>
+              <a:off x="1001713" y="0"/>
+              <a:ext cx="3621088" cy="6843713"/>
+            </a:xfrm>
+            <a:custGeom>
+              <a:avLst/>
+              <a:gdLst/>
+              <a:ahLst/>
+              <a:cxnLst/>
+              <a:rect l="0" t="0" r="r" b="b"/>
+              <a:pathLst>
+                <a:path w="762" h="1440">
+                  <a:moveTo>
+                    <a:pt x="762" y="0"/>
+                  </a:moveTo>
+                  <a:cubicBezTo>
+                    <a:pt x="308" y="245"/>
+                    <a:pt x="0" y="1033"/>
+                    <a:pt x="403" y="1440"/>
+                  </a:cubicBezTo>
+                </a:path>
+              </a:pathLst>
+            </a:custGeom>
+            <a:noFill/>
+            <a:ln w="9525" cap="flat">
+              <a:solidFill>
+                <a:schemeClr val="tx1">
+                  <a:alpha val="20000"/>
+                </a:schemeClr>
+              </a:solidFill>
+              <a:prstDash val="solid"/>
+              <a:miter lim="800000"/>
+              <a:headEnd/>
+              <a:tailEnd/>
+            </a:ln>
+            <a:extLst>
+              <a:ext uri="{909E8E84-426E-40DD-AFC4-6F175D3DCCD1}">
+                <a14:hiddenFill xmlns:a14="http://schemas.microsoft.com/office/drawing/2010/main">
+                  <a:solidFill>
+                    <a:srgbClr val="FFFFFF"/>
+                  </a:solidFill>
+                </a14:hiddenFill>
+              </a:ext>
+            </a:extLst>
+          </p:spPr>
+        </p:sp>
+        <p:sp>
+          <p:nvSpPr>
+            <p:cNvPr id="20" name="Freeform 12">
+              <a:extLst>
+                <a:ext uri="{FF2B5EF4-FFF2-40B4-BE49-F238E27FC236}">
+                  <a16:creationId xmlns:a16="http://schemas.microsoft.com/office/drawing/2014/main" id="{8740FC9A-72DD-4D9B-BA25-1CCED1352408}"/>
+                </a:ext>
+                <a:ext uri="{C183D7F6-B498-43B3-948B-1728B52AA6E4}">
+                  <adec:decorative xmlns:adec="http://schemas.microsoft.com/office/drawing/2017/decorative" val="1"/>
+                </a:ext>
+              </a:extLst>
+            </p:cNvPr>
+            <p:cNvSpPr/>
+            <p:nvPr>
+              <p:extLst>
+                <p:ext uri="{386F3935-93C4-4BCD-93E2-E3B085C9AB24}">
+                  <p16:designElem xmlns:p16="http://schemas.microsoft.com/office/powerpoint/2015/main" val="1"/>
+                </p:ext>
+              </p:extLst>
+            </p:nvPr>
+          </p:nvSpPr>
+          <p:spPr bwMode="auto">
+            <a:xfrm>
+              <a:off x="11501438" y="9525"/>
+              <a:ext cx="665163" cy="257175"/>
+            </a:xfrm>
+            <a:custGeom>
+              <a:avLst/>
+              <a:gdLst/>
+              <a:ahLst/>
+              <a:cxnLst/>
+              <a:rect l="0" t="0" r="r" b="b"/>
+              <a:pathLst>
+                <a:path w="140" h="54">
+                  <a:moveTo>
+                    <a:pt x="140" y="54"/>
+                  </a:moveTo>
+                  <a:cubicBezTo>
+                    <a:pt x="95" y="34"/>
+                    <a:pt x="48" y="16"/>
+                    <a:pt x="0" y="0"/>
+                  </a:cubicBezTo>
+                </a:path>
+              </a:pathLst>
+            </a:custGeom>
+            <a:noFill/>
+            <a:ln w="9525" cap="flat">
+              <a:solidFill>
+                <a:schemeClr val="tx1">
+                  <a:alpha val="20000"/>
+                </a:schemeClr>
+              </a:solidFill>
+              <a:prstDash val="solid"/>
+              <a:miter lim="800000"/>
+              <a:headEnd/>
+              <a:tailEnd/>
+            </a:ln>
+            <a:extLst>
+              <a:ext uri="{909E8E84-426E-40DD-AFC4-6F175D3DCCD1}">
+                <a14:hiddenFill xmlns:a14="http://schemas.microsoft.com/office/drawing/2010/main">
+                  <a:solidFill>
+                    <a:srgbClr val="FFFFFF"/>
+                  </a:solidFill>
+                </a14:hiddenFill>
+              </a:ext>
+            </a:extLst>
+          </p:spPr>
+        </p:sp>
+        <p:sp>
+          <p:nvSpPr>
+            <p:cNvPr id="21" name="Freeform 13">
+              <a:extLst>
+                <a:ext uri="{FF2B5EF4-FFF2-40B4-BE49-F238E27FC236}">
+                  <a16:creationId xmlns:a16="http://schemas.microsoft.com/office/drawing/2014/main" id="{7FBF5743-F2AE-4D0D-BCD1-01F7686D012A}"/>
+                </a:ext>
+                <a:ext uri="{C183D7F6-B498-43B3-948B-1728B52AA6E4}">
+                  <adec:decorative xmlns:adec="http://schemas.microsoft.com/office/drawing/2017/decorative" val="1"/>
+                </a:ext>
+              </a:extLst>
+            </p:cNvPr>
+            <p:cNvSpPr/>
+            <p:nvPr>
+              <p:extLst>
+                <p:ext uri="{386F3935-93C4-4BCD-93E2-E3B085C9AB24}">
+                  <p16:designElem xmlns:p16="http://schemas.microsoft.com/office/powerpoint/2015/main" val="1"/>
+                </p:ext>
+              </p:extLst>
+            </p:nvPr>
+          </p:nvSpPr>
+          <p:spPr bwMode="auto">
+            <a:xfrm>
+              <a:off x="10641013" y="5408613"/>
+              <a:ext cx="1525588" cy="1435100"/>
+            </a:xfrm>
+            <a:custGeom>
+              <a:avLst/>
+              <a:gdLst/>
+              <a:ahLst/>
+              <a:cxnLst/>
+              <a:rect l="0" t="0" r="r" b="b"/>
+              <a:pathLst>
+                <a:path w="321" h="302">
+                  <a:moveTo>
+                    <a:pt x="0" y="302"/>
+                  </a:moveTo>
+                  <a:cubicBezTo>
+                    <a:pt x="114" y="210"/>
+                    <a:pt x="223" y="109"/>
+                    <a:pt x="321" y="0"/>
+                  </a:cubicBezTo>
+                </a:path>
+              </a:pathLst>
+            </a:custGeom>
+            <a:noFill/>
+            <a:ln w="9525" cap="flat">
+              <a:solidFill>
+                <a:schemeClr val="tx1">
+                  <a:alpha val="20000"/>
+                </a:schemeClr>
+              </a:solidFill>
+              <a:prstDash val="solid"/>
+              <a:miter lim="800000"/>
+              <a:headEnd/>
+              <a:tailEnd/>
+            </a:ln>
+            <a:extLst>
+              <a:ext uri="{909E8E84-426E-40DD-AFC4-6F175D3DCCD1}">
+                <a14:hiddenFill xmlns:a14="http://schemas.microsoft.com/office/drawing/2010/main">
+                  <a:solidFill>
+                    <a:srgbClr val="FFFFFF"/>
+                  </a:solidFill>
+                </a14:hiddenFill>
+              </a:ext>
+            </a:extLst>
+          </p:spPr>
+        </p:sp>
+        <p:sp>
+          <p:nvSpPr>
+            <p:cNvPr id="22" name="Freeform 14">
+              <a:extLst>
+                <a:ext uri="{FF2B5EF4-FFF2-40B4-BE49-F238E27FC236}">
+                  <a16:creationId xmlns:a16="http://schemas.microsoft.com/office/drawing/2014/main" id="{CED32316-D4F7-4795-BBE0-DEBB60E27CE3}"/>
+                </a:ext>
+                <a:ext uri="{C183D7F6-B498-43B3-948B-1728B52AA6E4}">
+                  <adec:decorative xmlns:adec="http://schemas.microsoft.com/office/drawing/2017/decorative" val="1"/>
+                </a:ext>
+              </a:extLst>
+            </p:cNvPr>
+            <p:cNvSpPr/>
+            <p:nvPr>
+              <p:extLst>
+                <p:ext uri="{386F3935-93C4-4BCD-93E2-E3B085C9AB24}">
+                  <p16:designElem xmlns:p16="http://schemas.microsoft.com/office/powerpoint/2015/main" val="1"/>
+                </p:ext>
+              </p:extLst>
+            </p:nvPr>
+          </p:nvSpPr>
+          <p:spPr bwMode="auto">
+            <a:xfrm>
+              <a:off x="1001713" y="0"/>
+              <a:ext cx="3244850" cy="6843713"/>
+            </a:xfrm>
+            <a:custGeom>
+              <a:avLst/>
+              <a:gdLst/>
+              <a:ahLst/>
+              <a:cxnLst/>
+              <a:rect l="0" t="0" r="r" b="b"/>
+              <a:pathLst>
+                <a:path w="683" h="1440">
+                  <a:moveTo>
+                    <a:pt x="683" y="0"/>
+                  </a:moveTo>
+                  <a:cubicBezTo>
+                    <a:pt x="258" y="256"/>
+                    <a:pt x="0" y="1041"/>
+                    <a:pt x="355" y="1440"/>
+                  </a:cubicBezTo>
+                </a:path>
+              </a:pathLst>
+            </a:custGeom>
+            <a:noFill/>
+            <a:ln w="9525" cap="flat">
+              <a:solidFill>
+                <a:schemeClr val="tx1">
+                  <a:alpha val="20000"/>
+                </a:schemeClr>
+              </a:solidFill>
+              <a:prstDash val="solid"/>
+              <a:miter lim="800000"/>
+              <a:headEnd/>
+              <a:tailEnd/>
+            </a:ln>
+            <a:extLst>
+              <a:ext uri="{909E8E84-426E-40DD-AFC4-6F175D3DCCD1}">
+                <a14:hiddenFill xmlns:a14="http://schemas.microsoft.com/office/drawing/2010/main">
+                  <a:solidFill>
+                    <a:srgbClr val="FFFFFF"/>
+                  </a:solidFill>
+                </a14:hiddenFill>
+              </a:ext>
+            </a:extLst>
+          </p:spPr>
+        </p:sp>
+        <p:sp>
+          <p:nvSpPr>
+            <p:cNvPr id="23" name="Freeform 15">
+              <a:extLst>
+                <a:ext uri="{FF2B5EF4-FFF2-40B4-BE49-F238E27FC236}">
+                  <a16:creationId xmlns:a16="http://schemas.microsoft.com/office/drawing/2014/main" id="{583B23C9-B9B7-4E93-9538-CBE316F83FDD}"/>
+                </a:ext>
+                <a:ext uri="{C183D7F6-B498-43B3-948B-1728B52AA6E4}">
+                  <adec:decorative xmlns:adec="http://schemas.microsoft.com/office/drawing/2017/decorative" val="1"/>
+                </a:ext>
+              </a:extLst>
+            </p:cNvPr>
+            <p:cNvSpPr/>
+            <p:nvPr>
+              <p:extLst>
+                <p:ext uri="{386F3935-93C4-4BCD-93E2-E3B085C9AB24}">
+                  <p16:designElem xmlns:p16="http://schemas.microsoft.com/office/powerpoint/2015/main" val="1"/>
+                </p:ext>
+              </p:extLst>
+            </p:nvPr>
+          </p:nvSpPr>
+          <p:spPr bwMode="auto">
+            <a:xfrm>
+              <a:off x="10802938" y="5518150"/>
+              <a:ext cx="1363663" cy="1325563"/>
+            </a:xfrm>
+            <a:custGeom>
+              <a:avLst/>
+              <a:gdLst/>
+              <a:ahLst/>
+              <a:cxnLst/>
+              <a:rect l="0" t="0" r="r" b="b"/>
+              <a:pathLst>
+                <a:path w="287" h="279">
+                  <a:moveTo>
+                    <a:pt x="0" y="279"/>
+                  </a:moveTo>
+                  <a:cubicBezTo>
+                    <a:pt x="101" y="193"/>
+                    <a:pt x="198" y="100"/>
+                    <a:pt x="287" y="0"/>
+                  </a:cubicBezTo>
+                </a:path>
+              </a:pathLst>
+            </a:custGeom>
+            <a:noFill/>
+            <a:ln w="9525" cap="flat">
+              <a:solidFill>
+                <a:schemeClr val="tx1">
+                  <a:alpha val="20000"/>
+                </a:schemeClr>
+              </a:solidFill>
+              <a:prstDash val="solid"/>
+              <a:miter lim="800000"/>
+              <a:headEnd/>
+              <a:tailEnd/>
+            </a:ln>
+            <a:extLst>
+              <a:ext uri="{909E8E84-426E-40DD-AFC4-6F175D3DCCD1}">
+                <a14:hiddenFill xmlns:a14="http://schemas.microsoft.com/office/drawing/2010/main">
+                  <a:solidFill>
+                    <a:srgbClr val="FFFFFF"/>
+                  </a:solidFill>
+                </a14:hiddenFill>
+              </a:ext>
+            </a:extLst>
+          </p:spPr>
+        </p:sp>
+        <p:sp>
+          <p:nvSpPr>
+            <p:cNvPr id="24" name="Freeform 16">
+              <a:extLst>
+                <a:ext uri="{FF2B5EF4-FFF2-40B4-BE49-F238E27FC236}">
+                  <a16:creationId xmlns:a16="http://schemas.microsoft.com/office/drawing/2014/main" id="{5B144260-9F2C-4ADB-A37C-1CFB4B428B1B}"/>
+                </a:ext>
+                <a:ext uri="{C183D7F6-B498-43B3-948B-1728B52AA6E4}">
+                  <adec:decorative xmlns:adec="http://schemas.microsoft.com/office/drawing/2017/decorative" val="1"/>
+                </a:ext>
+              </a:extLst>
+            </p:cNvPr>
+            <p:cNvSpPr/>
+            <p:nvPr>
+              <p:extLst>
+                <p:ext uri="{386F3935-93C4-4BCD-93E2-E3B085C9AB24}">
+                  <p16:designElem xmlns:p16="http://schemas.microsoft.com/office/powerpoint/2015/main" val="1"/>
+                </p:ext>
+              </p:extLst>
+            </p:nvPr>
+          </p:nvSpPr>
+          <p:spPr bwMode="auto">
+            <a:xfrm>
+              <a:off x="889000" y="0"/>
+              <a:ext cx="3230563" cy="6843713"/>
+            </a:xfrm>
+            <a:custGeom>
+              <a:avLst/>
+              <a:gdLst/>
+              <a:ahLst/>
+              <a:cxnLst/>
+              <a:rect l="0" t="0" r="r" b="b"/>
+              <a:pathLst>
+                <a:path w="680" h="1440">
+                  <a:moveTo>
+                    <a:pt x="680" y="0"/>
+                  </a:moveTo>
+                  <a:cubicBezTo>
+                    <a:pt x="257" y="265"/>
+                    <a:pt x="0" y="1026"/>
+                    <a:pt x="337" y="1440"/>
+                  </a:cubicBezTo>
+                </a:path>
+              </a:pathLst>
+            </a:custGeom>
+            <a:noFill/>
+            <a:ln w="9525" cap="flat">
+              <a:solidFill>
+                <a:schemeClr val="tx1">
+                  <a:alpha val="20000"/>
+                </a:schemeClr>
+              </a:solidFill>
+              <a:prstDash val="solid"/>
+              <a:miter lim="800000"/>
+              <a:headEnd/>
+              <a:tailEnd/>
+            </a:ln>
+            <a:extLst>
+              <a:ext uri="{909E8E84-426E-40DD-AFC4-6F175D3DCCD1}">
+                <a14:hiddenFill xmlns:a14="http://schemas.microsoft.com/office/drawing/2010/main">
+                  <a:solidFill>
+                    <a:srgbClr val="FFFFFF"/>
+                  </a:solidFill>
+                </a14:hiddenFill>
+              </a:ext>
+            </a:extLst>
+          </p:spPr>
+        </p:sp>
+        <p:sp>
+          <p:nvSpPr>
+            <p:cNvPr id="25" name="Freeform 17">
+              <a:extLst>
+                <a:ext uri="{FF2B5EF4-FFF2-40B4-BE49-F238E27FC236}">
+                  <a16:creationId xmlns:a16="http://schemas.microsoft.com/office/drawing/2014/main" id="{53FF918D-79D3-4F55-A68C-0DD5880DABDF}"/>
+                </a:ext>
+                <a:ext uri="{C183D7F6-B498-43B3-948B-1728B52AA6E4}">
+                  <adec:decorative xmlns:adec="http://schemas.microsoft.com/office/drawing/2017/decorative" val="1"/>
+                </a:ext>
+              </a:extLst>
+            </p:cNvPr>
+            <p:cNvSpPr/>
+            <p:nvPr>
+              <p:extLst>
+                <p:ext uri="{386F3935-93C4-4BCD-93E2-E3B085C9AB24}">
+                  <p16:designElem xmlns:p16="http://schemas.microsoft.com/office/powerpoint/2015/main" val="1"/>
+                </p:ext>
+              </p:extLst>
+            </p:nvPr>
+          </p:nvSpPr>
+          <p:spPr bwMode="auto">
+            <a:xfrm>
+              <a:off x="10979150" y="5694363"/>
+              <a:ext cx="1187450" cy="1149350"/>
+            </a:xfrm>
+            <a:custGeom>
+              <a:avLst/>
+              <a:gdLst/>
+              <a:ahLst/>
+              <a:cxnLst/>
+              <a:rect l="0" t="0" r="r" b="b"/>
+              <a:pathLst>
+                <a:path w="250" h="242">
+                  <a:moveTo>
+                    <a:pt x="0" y="242"/>
+                  </a:moveTo>
+                  <a:cubicBezTo>
+                    <a:pt x="88" y="166"/>
+                    <a:pt x="172" y="85"/>
+                    <a:pt x="250" y="0"/>
+                  </a:cubicBezTo>
+                </a:path>
+              </a:pathLst>
+            </a:custGeom>
+            <a:noFill/>
+            <a:ln w="9525" cap="flat">
+              <a:solidFill>
+                <a:schemeClr val="tx1">
+                  <a:alpha val="20000"/>
+                </a:schemeClr>
+              </a:solidFill>
+              <a:prstDash val="solid"/>
+              <a:miter lim="800000"/>
+              <a:headEnd/>
+              <a:tailEnd/>
+            </a:ln>
+            <a:extLst>
+              <a:ext uri="{909E8E84-426E-40DD-AFC4-6F175D3DCCD1}">
+                <a14:hiddenFill xmlns:a14="http://schemas.microsoft.com/office/drawing/2010/main">
+                  <a:solidFill>
+                    <a:srgbClr val="FFFFFF"/>
+                  </a:solidFill>
+                </a14:hiddenFill>
+              </a:ext>
+            </a:extLst>
+          </p:spPr>
+        </p:sp>
+        <p:sp>
+          <p:nvSpPr>
+            <p:cNvPr id="26" name="Freeform 18">
+              <a:extLst>
+                <a:ext uri="{FF2B5EF4-FFF2-40B4-BE49-F238E27FC236}">
+                  <a16:creationId xmlns:a16="http://schemas.microsoft.com/office/drawing/2014/main" id="{B9FC1440-933F-44FE-8D77-4827DD0F99A5}"/>
+                </a:ext>
+                <a:ext uri="{C183D7F6-B498-43B3-948B-1728B52AA6E4}">
+                  <adec:decorative xmlns:adec="http://schemas.microsoft.com/office/drawing/2017/decorative" val="1"/>
+                </a:ext>
+              </a:extLst>
+            </p:cNvPr>
+            <p:cNvSpPr/>
+            <p:nvPr>
+              <p:extLst>
+                <p:ext uri="{386F3935-93C4-4BCD-93E2-E3B085C9AB24}">
+                  <p16:designElem xmlns:p16="http://schemas.microsoft.com/office/powerpoint/2015/main" val="1"/>
+                </p:ext>
+              </p:extLst>
+            </p:nvPr>
+          </p:nvSpPr>
+          <p:spPr bwMode="auto">
+            <a:xfrm>
+              <a:off x="484188" y="0"/>
+              <a:ext cx="3421063" cy="6843713"/>
+            </a:xfrm>
+            <a:custGeom>
+              <a:avLst/>
+              <a:gdLst/>
+              <a:ahLst/>
+              <a:cxnLst/>
+              <a:rect l="0" t="0" r="r" b="b"/>
+              <a:pathLst>
+                <a:path w="720" h="1440">
+                  <a:moveTo>
+                    <a:pt x="720" y="0"/>
+                  </a:moveTo>
+                  <a:cubicBezTo>
+                    <a:pt x="316" y="282"/>
+                    <a:pt x="0" y="1018"/>
+                    <a:pt x="362" y="1440"/>
+                  </a:cubicBezTo>
+                </a:path>
+              </a:pathLst>
+            </a:custGeom>
+            <a:noFill/>
+            <a:ln w="9525" cap="flat">
+              <a:solidFill>
+                <a:schemeClr val="tx1">
+                  <a:alpha val="20000"/>
+                </a:schemeClr>
+              </a:solidFill>
+              <a:prstDash val="solid"/>
+              <a:miter lim="800000"/>
+              <a:headEnd/>
+              <a:tailEnd/>
+            </a:ln>
+            <a:extLst>
+              <a:ext uri="{909E8E84-426E-40DD-AFC4-6F175D3DCCD1}">
+                <a14:hiddenFill xmlns:a14="http://schemas.microsoft.com/office/drawing/2010/main">
+                  <a:solidFill>
+                    <a:srgbClr val="FFFFFF"/>
+                  </a:solidFill>
+                </a14:hiddenFill>
+              </a:ext>
+            </a:extLst>
+          </p:spPr>
+        </p:sp>
+        <p:sp>
+          <p:nvSpPr>
+            <p:cNvPr id="27" name="Freeform 19">
+              <a:extLst>
+                <a:ext uri="{FF2B5EF4-FFF2-40B4-BE49-F238E27FC236}">
+                  <a16:creationId xmlns:a16="http://schemas.microsoft.com/office/drawing/2014/main" id="{0F67F308-A67C-4D2E-B081-59BB31D8EC50}"/>
+                </a:ext>
+                <a:ext uri="{C183D7F6-B498-43B3-948B-1728B52AA6E4}">
+                  <adec:decorative xmlns:adec="http://schemas.microsoft.com/office/drawing/2017/decorative" val="1"/>
+                </a:ext>
+              </a:extLst>
+            </p:cNvPr>
+            <p:cNvSpPr/>
+            <p:nvPr>
+              <p:extLst>
+                <p:ext uri="{386F3935-93C4-4BCD-93E2-E3B085C9AB24}">
+                  <p16:designElem xmlns:p16="http://schemas.microsoft.com/office/powerpoint/2015/main" val="1"/>
+                </p:ext>
+              </p:extLst>
+            </p:nvPr>
+          </p:nvSpPr>
+          <p:spPr bwMode="auto">
+            <a:xfrm>
+              <a:off x="11287125" y="6049963"/>
+              <a:ext cx="879475" cy="793750"/>
+            </a:xfrm>
+            <a:custGeom>
+              <a:avLst/>
+              <a:gdLst/>
+              <a:ahLst/>
+              <a:cxnLst/>
+              <a:rect l="0" t="0" r="r" b="b"/>
+              <a:pathLst>
+                <a:path w="185" h="167">
+                  <a:moveTo>
+                    <a:pt x="0" y="167"/>
+                  </a:moveTo>
+                  <a:cubicBezTo>
+                    <a:pt x="63" y="114"/>
+                    <a:pt x="125" y="58"/>
+                    <a:pt x="185" y="0"/>
+                  </a:cubicBezTo>
+                </a:path>
+              </a:pathLst>
+            </a:custGeom>
+            <a:noFill/>
+            <a:ln w="9525" cap="flat">
+              <a:solidFill>
+                <a:schemeClr val="tx1">
+                  <a:alpha val="20000"/>
+                </a:schemeClr>
+              </a:solidFill>
+              <a:prstDash val="solid"/>
+              <a:miter lim="800000"/>
+              <a:headEnd/>
+              <a:tailEnd/>
+            </a:ln>
+            <a:extLst>
+              <a:ext uri="{909E8E84-426E-40DD-AFC4-6F175D3DCCD1}">
+                <a14:hiddenFill xmlns:a14="http://schemas.microsoft.com/office/drawing/2010/main">
+                  <a:solidFill>
+                    <a:srgbClr val="FFFFFF"/>
+                  </a:solidFill>
+                </a14:hiddenFill>
+              </a:ext>
+            </a:extLst>
+          </p:spPr>
+        </p:sp>
+        <p:sp>
+          <p:nvSpPr>
+            <p:cNvPr id="28" name="Freeform 20">
+              <a:extLst>
+                <a:ext uri="{FF2B5EF4-FFF2-40B4-BE49-F238E27FC236}">
+                  <a16:creationId xmlns:a16="http://schemas.microsoft.com/office/drawing/2014/main" id="{80112F01-90EB-4AEC-A39C-5C6875FFB99B}"/>
+                </a:ext>
+                <a:ext uri="{C183D7F6-B498-43B3-948B-1728B52AA6E4}">
+                  <adec:decorative xmlns:adec="http://schemas.microsoft.com/office/drawing/2017/decorative" val="1"/>
+                </a:ext>
+              </a:extLst>
+            </p:cNvPr>
+            <p:cNvSpPr/>
+            <p:nvPr>
+              <p:extLst>
+                <p:ext uri="{386F3935-93C4-4BCD-93E2-E3B085C9AB24}">
+                  <p16:designElem xmlns:p16="http://schemas.microsoft.com/office/powerpoint/2015/main" val="1"/>
+                </p:ext>
+              </p:extLst>
+            </p:nvPr>
+          </p:nvSpPr>
+          <p:spPr bwMode="auto">
+            <a:xfrm>
+              <a:off x="598488" y="0"/>
+              <a:ext cx="2717800" cy="6843713"/>
+            </a:xfrm>
+            <a:custGeom>
+              <a:avLst/>
+              <a:gdLst/>
+              <a:ahLst/>
+              <a:cxnLst/>
+              <a:rect l="0" t="0" r="r" b="b"/>
+              <a:pathLst>
+                <a:path w="572" h="1440">
+                  <a:moveTo>
+                    <a:pt x="572" y="0"/>
+                  </a:moveTo>
+                  <a:cubicBezTo>
+                    <a:pt x="213" y="320"/>
+                    <a:pt x="0" y="979"/>
+                    <a:pt x="164" y="1440"/>
+                  </a:cubicBezTo>
+                </a:path>
+              </a:pathLst>
+            </a:custGeom>
+            <a:noFill/>
+            <a:ln w="12700" cap="flat">
+              <a:solidFill>
+                <a:schemeClr val="tx1">
+                  <a:alpha val="20000"/>
+                </a:schemeClr>
+              </a:solidFill>
+              <a:prstDash val="dashDot"/>
+              <a:miter lim="800000"/>
+              <a:headEnd/>
+              <a:tailEnd/>
+            </a:ln>
+            <a:extLst>
+              <a:ext uri="{909E8E84-426E-40DD-AFC4-6F175D3DCCD1}">
+                <a14:hiddenFill xmlns:a14="http://schemas.microsoft.com/office/drawing/2010/main">
+                  <a:solidFill>
+                    <a:srgbClr val="FFFFFF"/>
+                  </a:solidFill>
+                </a14:hiddenFill>
+              </a:ext>
+            </a:extLst>
+          </p:spPr>
+        </p:sp>
+        <p:sp>
+          <p:nvSpPr>
+            <p:cNvPr id="29" name="Freeform 21">
+              <a:extLst>
+                <a:ext uri="{FF2B5EF4-FFF2-40B4-BE49-F238E27FC236}">
+                  <a16:creationId xmlns:a16="http://schemas.microsoft.com/office/drawing/2014/main" id="{893F6B05-90EB-4C75-A0F0-C7247553BD81}"/>
+                </a:ext>
+                <a:ext uri="{C183D7F6-B498-43B3-948B-1728B52AA6E4}">
+                  <adec:decorative xmlns:adec="http://schemas.microsoft.com/office/drawing/2017/decorative" val="1"/>
+                </a:ext>
+              </a:extLst>
+            </p:cNvPr>
+            <p:cNvSpPr/>
+            <p:nvPr>
+              <p:extLst>
+                <p:ext uri="{386F3935-93C4-4BCD-93E2-E3B085C9AB24}">
+                  <p16:designElem xmlns:p16="http://schemas.microsoft.com/office/powerpoint/2015/main" val="1"/>
+                </p:ext>
+              </p:extLst>
+            </p:nvPr>
+          </p:nvSpPr>
+          <p:spPr bwMode="auto">
+            <a:xfrm>
+              <a:off x="261938" y="0"/>
+              <a:ext cx="2944813" cy="6843713"/>
+            </a:xfrm>
+            <a:custGeom>
+              <a:avLst/>
+              <a:gdLst/>
+              <a:ahLst/>
+              <a:cxnLst/>
+              <a:rect l="0" t="0" r="r" b="b"/>
+              <a:pathLst>
+                <a:path w="620" h="1440">
+                  <a:moveTo>
+                    <a:pt x="620" y="0"/>
+                  </a:moveTo>
+                  <a:cubicBezTo>
+                    <a:pt x="248" y="325"/>
+                    <a:pt x="0" y="960"/>
+                    <a:pt x="186" y="1440"/>
+                  </a:cubicBezTo>
+                </a:path>
+              </a:pathLst>
+            </a:custGeom>
+            <a:noFill/>
+            <a:ln w="9525" cap="flat">
+              <a:solidFill>
+                <a:schemeClr val="tx1">
+                  <a:alpha val="20000"/>
+                </a:schemeClr>
+              </a:solidFill>
+              <a:prstDash val="lgDash"/>
+              <a:miter lim="800000"/>
+              <a:headEnd/>
+              <a:tailEnd/>
+            </a:ln>
+            <a:extLst>
+              <a:ext uri="{909E8E84-426E-40DD-AFC4-6F175D3DCCD1}">
+                <a14:hiddenFill xmlns:a14="http://schemas.microsoft.com/office/drawing/2010/main">
+                  <a:solidFill>
+                    <a:srgbClr val="FFFFFF"/>
+                  </a:solidFill>
+                </a14:hiddenFill>
+              </a:ext>
+            </a:extLst>
+          </p:spPr>
+        </p:sp>
+        <p:sp>
+          <p:nvSpPr>
+            <p:cNvPr id="30" name="Freeform 22">
+              <a:extLst>
+                <a:ext uri="{FF2B5EF4-FFF2-40B4-BE49-F238E27FC236}">
+                  <a16:creationId xmlns:a16="http://schemas.microsoft.com/office/drawing/2014/main" id="{227B563B-E0C0-4D81-966D-B5E2DBAAE8B5}"/>
+                </a:ext>
+                <a:ext uri="{C183D7F6-B498-43B3-948B-1728B52AA6E4}">
+                  <adec:decorative xmlns:adec="http://schemas.microsoft.com/office/drawing/2017/decorative" val="1"/>
+                </a:ext>
+              </a:extLst>
+            </p:cNvPr>
+            <p:cNvSpPr/>
+            <p:nvPr>
+              <p:extLst>
+                <p:ext uri="{386F3935-93C4-4BCD-93E2-E3B085C9AB24}">
+                  <p16:designElem xmlns:p16="http://schemas.microsoft.com/office/powerpoint/2015/main" val="1"/>
+                </p:ext>
+              </p:extLst>
+            </p:nvPr>
+          </p:nvSpPr>
+          <p:spPr bwMode="auto">
+            <a:xfrm>
+              <a:off x="-417513" y="0"/>
+              <a:ext cx="2403475" cy="6843713"/>
+            </a:xfrm>
+            <a:custGeom>
+              <a:avLst/>
+              <a:gdLst/>
+              <a:ahLst/>
+              <a:cxnLst/>
+              <a:rect l="0" t="0" r="r" b="b"/>
+              <a:pathLst>
+                <a:path w="506" h="1440">
+                  <a:moveTo>
+                    <a:pt x="506" y="0"/>
+                  </a:moveTo>
+                  <a:cubicBezTo>
+                    <a:pt x="109" y="356"/>
+                    <a:pt x="0" y="943"/>
+                    <a:pt x="171" y="1440"/>
+                  </a:cubicBezTo>
+                </a:path>
+              </a:pathLst>
+            </a:custGeom>
+            <a:noFill/>
+            <a:ln w="9525" cap="flat">
+              <a:solidFill>
+                <a:schemeClr val="tx1">
+                  <a:alpha val="20000"/>
+                </a:schemeClr>
+              </a:solidFill>
+              <a:prstDash val="solid"/>
+              <a:miter lim="800000"/>
+              <a:headEnd/>
+              <a:tailEnd/>
+            </a:ln>
+            <a:extLst>
+              <a:ext uri="{909E8E84-426E-40DD-AFC4-6F175D3DCCD1}">
+                <a14:hiddenFill xmlns:a14="http://schemas.microsoft.com/office/drawing/2010/main">
+                  <a:solidFill>
+                    <a:srgbClr val="FFFFFF"/>
+                  </a:solidFill>
+                </a14:hiddenFill>
+              </a:ext>
+            </a:extLst>
+          </p:spPr>
+        </p:sp>
+        <p:sp>
+          <p:nvSpPr>
+            <p:cNvPr id="31" name="Freeform 23">
+              <a:extLst>
+                <a:ext uri="{FF2B5EF4-FFF2-40B4-BE49-F238E27FC236}">
+                  <a16:creationId xmlns:a16="http://schemas.microsoft.com/office/drawing/2014/main" id="{130DF93D-D1FF-477A-BDCE-C8B01C3B476C}"/>
+                </a:ext>
+                <a:ext uri="{C183D7F6-B498-43B3-948B-1728B52AA6E4}">
+                  <adec:decorative xmlns:adec="http://schemas.microsoft.com/office/drawing/2017/decorative" val="1"/>
+                </a:ext>
+              </a:extLst>
+            </p:cNvPr>
+            <p:cNvSpPr/>
+            <p:nvPr>
+              <p:extLst>
+                <p:ext uri="{386F3935-93C4-4BCD-93E2-E3B085C9AB24}">
+                  <p16:designElem xmlns:p16="http://schemas.microsoft.com/office/powerpoint/2015/main" val="1"/>
+                </p:ext>
+              </p:extLst>
+            </p:nvPr>
+          </p:nvSpPr>
+          <p:spPr bwMode="auto">
+            <a:xfrm>
+              <a:off x="14288" y="9525"/>
+              <a:ext cx="1771650" cy="3198813"/>
+            </a:xfrm>
+            <a:custGeom>
+              <a:avLst/>
+              <a:gdLst/>
+              <a:ahLst/>
+              <a:cxnLst/>
+              <a:rect l="0" t="0" r="r" b="b"/>
+              <a:pathLst>
+                <a:path w="373" h="673">
+                  <a:moveTo>
+                    <a:pt x="373" y="0"/>
+                  </a:moveTo>
+                  <a:cubicBezTo>
+                    <a:pt x="175" y="183"/>
+                    <a:pt x="51" y="409"/>
+                    <a:pt x="0" y="673"/>
+                  </a:cubicBezTo>
+                </a:path>
+              </a:pathLst>
+            </a:custGeom>
+            <a:noFill/>
+            <a:ln w="9525" cap="flat">
+              <a:solidFill>
+                <a:schemeClr val="tx1">
+                  <a:alpha val="20000"/>
+                </a:schemeClr>
+              </a:solidFill>
+              <a:prstDash val="solid"/>
+              <a:miter lim="800000"/>
+              <a:headEnd/>
+              <a:tailEnd/>
+            </a:ln>
+            <a:extLst>
+              <a:ext uri="{909E8E84-426E-40DD-AFC4-6F175D3DCCD1}">
+                <a14:hiddenFill xmlns:a14="http://schemas.microsoft.com/office/drawing/2010/main">
+                  <a:solidFill>
+                    <a:srgbClr val="FFFFFF"/>
+                  </a:solidFill>
+                </a14:hiddenFill>
+              </a:ext>
+            </a:extLst>
+          </p:spPr>
+        </p:sp>
+        <p:sp>
+          <p:nvSpPr>
+            <p:cNvPr id="32" name="Freeform 24">
+              <a:extLst>
+                <a:ext uri="{FF2B5EF4-FFF2-40B4-BE49-F238E27FC236}">
+                  <a16:creationId xmlns:a16="http://schemas.microsoft.com/office/drawing/2014/main" id="{44ED67A1-C6FE-4AC8-8473-11DAC03DCD33}"/>
+                </a:ext>
+                <a:ext uri="{C183D7F6-B498-43B3-948B-1728B52AA6E4}">
+                  <adec:decorative xmlns:adec="http://schemas.microsoft.com/office/drawing/2017/decorative" val="1"/>
+                </a:ext>
+              </a:extLst>
+            </p:cNvPr>
+            <p:cNvSpPr/>
+            <p:nvPr>
+              <p:extLst>
+                <p:ext uri="{386F3935-93C4-4BCD-93E2-E3B085C9AB24}">
+                  <p16:designElem xmlns:p16="http://schemas.microsoft.com/office/powerpoint/2015/main" val="1"/>
+                </p:ext>
+              </p:extLst>
+            </p:nvPr>
+          </p:nvSpPr>
+          <p:spPr bwMode="auto">
+            <a:xfrm>
+              <a:off x="4763" y="6016625"/>
+              <a:ext cx="214313" cy="827088"/>
+            </a:xfrm>
+            <a:custGeom>
+              <a:avLst/>
+              <a:gdLst/>
+              <a:ahLst/>
+              <a:cxnLst/>
+              <a:rect l="0" t="0" r="r" b="b"/>
+              <a:pathLst>
+                <a:path w="45" h="174">
+                  <a:moveTo>
+                    <a:pt x="0" y="0"/>
+                  </a:moveTo>
+                  <a:cubicBezTo>
+                    <a:pt x="11" y="59"/>
+                    <a:pt x="26" y="118"/>
+                    <a:pt x="45" y="174"/>
+                  </a:cubicBezTo>
+                </a:path>
+              </a:pathLst>
+            </a:custGeom>
+            <a:noFill/>
+            <a:ln w="9525" cap="flat">
+              <a:solidFill>
+                <a:schemeClr val="tx1">
+                  <a:alpha val="20000"/>
+                </a:schemeClr>
+              </a:solidFill>
+              <a:prstDash val="solid"/>
+              <a:miter lim="800000"/>
+              <a:headEnd/>
+              <a:tailEnd/>
+            </a:ln>
+            <a:extLst>
+              <a:ext uri="{909E8E84-426E-40DD-AFC4-6F175D3DCCD1}">
+                <a14:hiddenFill xmlns:a14="http://schemas.microsoft.com/office/drawing/2010/main">
+                  <a:solidFill>
+                    <a:srgbClr val="FFFFFF"/>
+                  </a:solidFill>
+                </a14:hiddenFill>
+              </a:ext>
+            </a:extLst>
+          </p:spPr>
+        </p:sp>
+        <p:sp>
+          <p:nvSpPr>
+            <p:cNvPr id="33" name="Freeform 25">
+              <a:extLst>
+                <a:ext uri="{FF2B5EF4-FFF2-40B4-BE49-F238E27FC236}">
+                  <a16:creationId xmlns:a16="http://schemas.microsoft.com/office/drawing/2014/main" id="{213A54F3-15FA-4C8F-8ABF-CE77E7219658}"/>
+                </a:ext>
+                <a:ext uri="{C183D7F6-B498-43B3-948B-1728B52AA6E4}">
+                  <adec:decorative xmlns:adec="http://schemas.microsoft.com/office/drawing/2017/decorative" val="1"/>
+                </a:ext>
+              </a:extLst>
+            </p:cNvPr>
+            <p:cNvSpPr/>
+            <p:nvPr>
+              <p:extLst>
+                <p:ext uri="{386F3935-93C4-4BCD-93E2-E3B085C9AB24}">
+                  <p16:designElem xmlns:p16="http://schemas.microsoft.com/office/powerpoint/2015/main" val="1"/>
+                </p:ext>
+              </p:extLst>
+            </p:nvPr>
+          </p:nvSpPr>
+          <p:spPr bwMode="auto">
+            <a:xfrm>
+              <a:off x="14288" y="0"/>
+              <a:ext cx="1562100" cy="2228850"/>
+            </a:xfrm>
+            <a:custGeom>
+              <a:avLst/>
+              <a:gdLst/>
+              <a:ahLst/>
+              <a:cxnLst/>
+              <a:rect l="0" t="0" r="r" b="b"/>
+              <a:pathLst>
+                <a:path w="329" h="469">
+                  <a:moveTo>
+                    <a:pt x="329" y="0"/>
+                  </a:moveTo>
+                  <a:cubicBezTo>
+                    <a:pt x="189" y="133"/>
+                    <a:pt x="69" y="288"/>
+                    <a:pt x="0" y="469"/>
+                  </a:cubicBezTo>
+                </a:path>
+              </a:pathLst>
+            </a:custGeom>
+            <a:noFill/>
+            <a:ln w="9525" cap="flat">
+              <a:solidFill>
+                <a:schemeClr val="tx1">
+                  <a:alpha val="20000"/>
+                </a:schemeClr>
+              </a:solidFill>
+              <a:prstDash val="solid"/>
+              <a:miter lim="800000"/>
+              <a:headEnd/>
+              <a:tailEnd/>
+            </a:ln>
+            <a:extLst>
+              <a:ext uri="{909E8E84-426E-40DD-AFC4-6F175D3DCCD1}">
+                <a14:hiddenFill xmlns:a14="http://schemas.microsoft.com/office/drawing/2010/main">
+                  <a:solidFill>
+                    <a:srgbClr val="FFFFFF"/>
+                  </a:solidFill>
+                </a14:hiddenFill>
+              </a:ext>
+            </a:extLst>
+          </p:spPr>
+        </p:sp>
+      </p:grpSp>
+      <p:grpSp>
+        <p:nvGrpSpPr>
+          <p:cNvPr id="35" name="Group 34">
+            <a:extLst>
+              <a:ext uri="{FF2B5EF4-FFF2-40B4-BE49-F238E27FC236}">
+                <a16:creationId xmlns:a16="http://schemas.microsoft.com/office/drawing/2014/main" id="{5F8A7F7F-DD1A-4F41-98AC-B9CE2A620CDC}"/>
+              </a:ext>
+              <a:ext uri="{C183D7F6-B498-43B3-948B-1728B52AA6E4}">
+                <adec:decorative xmlns:adec="http://schemas.microsoft.com/office/drawing/2017/decorative" val="1"/>
+              </a:ext>
+            </a:extLst>
+          </p:cNvPr>
+          <p:cNvGrpSpPr>
+            <a:grpSpLocks noGrp="1" noUngrp="1" noRot="1" noChangeAspect="1" noMove="1" noResize="1"/>
+          </p:cNvGrpSpPr>
+          <p:nvPr>
+            <p:extLst>
+              <p:ext uri="{386F3935-93C4-4BCD-93E2-E3B085C9AB24}">
+                <p16:designElem xmlns:p16="http://schemas.microsoft.com/office/powerpoint/2015/main" val="1"/>
+              </p:ext>
+            </p:extLst>
+          </p:nvPr>
+        </p:nvGrpSpPr>
+        <p:grpSpPr>
+          <a:xfrm>
+            <a:off x="800144" y="1699589"/>
+            <a:ext cx="3674476" cy="3470421"/>
+            <a:chOff x="697883" y="1816768"/>
+            <a:chExt cx="3674476" cy="3470421"/>
+          </a:xfrm>
+        </p:grpSpPr>
+        <p:sp>
+          <p:nvSpPr>
+            <p:cNvPr id="36" name="Rectangle 35">
+              <a:extLst>
+                <a:ext uri="{FF2B5EF4-FFF2-40B4-BE49-F238E27FC236}">
+                  <a16:creationId xmlns:a16="http://schemas.microsoft.com/office/drawing/2014/main" id="{CEF47228-EB7C-4EBA-BE01-DA6CB2410289}"/>
+                </a:ext>
+                <a:ext uri="{C183D7F6-B498-43B3-948B-1728B52AA6E4}">
+                  <adec:decorative xmlns:adec="http://schemas.microsoft.com/office/drawing/2017/decorative" val="1"/>
+                </a:ext>
+              </a:extLst>
+            </p:cNvPr>
+            <p:cNvSpPr/>
+            <p:nvPr>
+              <p:extLst>
+                <p:ext uri="{386F3935-93C4-4BCD-93E2-E3B085C9AB24}">
+                  <p16:designElem xmlns:p16="http://schemas.microsoft.com/office/powerpoint/2015/main" val="1"/>
+                </p:ext>
+              </p:extLst>
+            </p:nvPr>
+          </p:nvSpPr>
+          <p:spPr>
+            <a:xfrm>
+              <a:off x="697883" y="1816768"/>
+              <a:ext cx="3674476" cy="502920"/>
+            </a:xfrm>
+            <a:prstGeom prst="rect">
+              <a:avLst/>
+            </a:prstGeom>
+            <a:solidFill>
+              <a:schemeClr val="accent1"/>
+            </a:solidFill>
+            <a:ln>
+              <a:noFill/>
+            </a:ln>
+          </p:spPr>
+          <p:style>
+            <a:lnRef idx="2">
+              <a:schemeClr val="accent1">
+                <a:shade val="50000"/>
+              </a:schemeClr>
+            </a:lnRef>
+            <a:fillRef idx="1">
+              <a:schemeClr val="accent1"/>
+            </a:fillRef>
+            <a:effectRef idx="0">
+              <a:schemeClr val="accent1"/>
+            </a:effectRef>
+            <a:fontRef idx="minor">
+              <a:schemeClr val="lt1"/>
+            </a:fontRef>
+          </p:style>
+        </p:sp>
+        <p:sp>
+          <p:nvSpPr>
+            <p:cNvPr id="37" name="Isosceles Triangle 22">
+              <a:extLst>
+                <a:ext uri="{FF2B5EF4-FFF2-40B4-BE49-F238E27FC236}">
+                  <a16:creationId xmlns:a16="http://schemas.microsoft.com/office/drawing/2014/main" id="{3D2FD25A-EFFD-4F5C-9258-981F5907DE21}"/>
+                </a:ext>
+                <a:ext uri="{C183D7F6-B498-43B3-948B-1728B52AA6E4}">
+                  <adec:decorative xmlns:adec="http://schemas.microsoft.com/office/drawing/2017/decorative" val="1"/>
+                </a:ext>
+              </a:extLst>
+            </p:cNvPr>
+            <p:cNvSpPr/>
+            <p:nvPr>
+              <p:extLst>
+                <p:ext uri="{386F3935-93C4-4BCD-93E2-E3B085C9AB24}">
+                  <p16:designElem xmlns:p16="http://schemas.microsoft.com/office/powerpoint/2015/main" val="1"/>
+                </p:ext>
+              </p:extLst>
+            </p:nvPr>
+          </p:nvSpPr>
+          <p:spPr>
+            <a:xfrm rot="10800000">
+              <a:off x="2380224" y="5014786"/>
+              <a:ext cx="315988" cy="272403"/>
+            </a:xfrm>
+            <a:prstGeom prst="triangle">
+              <a:avLst/>
+            </a:prstGeom>
+            <a:solidFill>
+              <a:schemeClr val="accent1"/>
+            </a:solidFill>
+            <a:ln>
+              <a:noFill/>
+            </a:ln>
+          </p:spPr>
+          <p:style>
+            <a:lnRef idx="2">
+              <a:schemeClr val="accent1">
+                <a:shade val="50000"/>
+              </a:schemeClr>
+            </a:lnRef>
+            <a:fillRef idx="1">
+              <a:schemeClr val="accent1"/>
+            </a:fillRef>
+            <a:effectRef idx="0">
+              <a:schemeClr val="accent1"/>
+            </a:effectRef>
+            <a:fontRef idx="minor">
+              <a:schemeClr val="lt1"/>
+            </a:fontRef>
+          </p:style>
+        </p:sp>
+        <p:sp>
+          <p:nvSpPr>
+            <p:cNvPr id="38" name="Rectangle 37">
+              <a:extLst>
+                <a:ext uri="{FF2B5EF4-FFF2-40B4-BE49-F238E27FC236}">
+                  <a16:creationId xmlns:a16="http://schemas.microsoft.com/office/drawing/2014/main" id="{DCF573BC-A06F-4036-A3A8-9D07DDE62253}"/>
+                </a:ext>
+                <a:ext uri="{C183D7F6-B498-43B3-948B-1728B52AA6E4}">
+                  <adec:decorative xmlns:adec="http://schemas.microsoft.com/office/drawing/2017/decorative" val="1"/>
+                </a:ext>
+              </a:extLst>
+            </p:cNvPr>
+            <p:cNvSpPr/>
+            <p:nvPr>
+              <p:extLst>
+                <p:ext uri="{386F3935-93C4-4BCD-93E2-E3B085C9AB24}">
+                  <p16:designElem xmlns:p16="http://schemas.microsoft.com/office/powerpoint/2015/main" val="1"/>
+                </p:ext>
+              </p:extLst>
+            </p:nvPr>
+          </p:nvSpPr>
+          <p:spPr>
+            <a:xfrm>
+              <a:off x="704075" y="2392840"/>
+              <a:ext cx="3668284" cy="2624327"/>
+            </a:xfrm>
+            <a:prstGeom prst="rect">
+              <a:avLst/>
+            </a:prstGeom>
+            <a:solidFill>
+              <a:schemeClr val="accent1"/>
+            </a:solidFill>
+            <a:ln>
+              <a:noFill/>
+            </a:ln>
+          </p:spPr>
+          <p:style>
+            <a:lnRef idx="2">
+              <a:schemeClr val="accent1">
+                <a:shade val="50000"/>
+              </a:schemeClr>
+            </a:lnRef>
+            <a:fillRef idx="1">
+              <a:schemeClr val="accent1"/>
+            </a:fillRef>
+            <a:effectRef idx="0">
+              <a:schemeClr val="accent1"/>
+            </a:effectRef>
+            <a:fontRef idx="minor">
+              <a:schemeClr val="lt1"/>
+            </a:fontRef>
+          </p:style>
+        </p:sp>
+      </p:grpSp>
+      <p:sp>
+        <p:nvSpPr>
+          <p:cNvPr id="4" name="Title 3">
+            <a:extLst>
+              <a:ext uri="{FF2B5EF4-FFF2-40B4-BE49-F238E27FC236}">
+                <a16:creationId xmlns:a16="http://schemas.microsoft.com/office/drawing/2014/main" id="{D97D1FA4-7DA2-46D5-90BC-D3596A908836}"/>
+              </a:ext>
+            </a:extLst>
+          </p:cNvPr>
+          <p:cNvSpPr>
+            <a:spLocks noGrp="1"/>
+          </p:cNvSpPr>
+          <p:nvPr>
+            <p:ph type="title"/>
+          </p:nvPr>
+        </p:nvSpPr>
+        <p:spPr>
+          <a:xfrm>
+            <a:off x="904877" y="2415322"/>
+            <a:ext cx="3451730" cy="2399869"/>
+          </a:xfrm>
+        </p:spPr>
+        <p:txBody>
+          <a:bodyPr>
+            <a:normAutofit/>
+          </a:bodyPr>
+          <a:lstStyle/>
+          <a:p>
+            <a:pPr algn="ctr"/>
+            <a:r>
+              <a:rPr lang="en-US" sz="4000">
+                <a:solidFill>
+                  <a:srgbClr val="FFFFFF"/>
+                </a:solidFill>
+              </a:rPr>
+              <a:t>Do Now</a:t>
+            </a:r>
+          </a:p>
+        </p:txBody>
+      </p:sp>
+      <p:sp>
+        <p:nvSpPr>
+          <p:cNvPr id="5" name="Content Placeholder 4">
+            <a:extLst>
+              <a:ext uri="{FF2B5EF4-FFF2-40B4-BE49-F238E27FC236}">
+                <a16:creationId xmlns:a16="http://schemas.microsoft.com/office/drawing/2014/main" id="{954FCF4C-A640-42CC-9C3B-2AEC0028E6A9}"/>
+              </a:ext>
+            </a:extLst>
+          </p:cNvPr>
+          <p:cNvSpPr>
+            <a:spLocks noGrp="1"/>
+          </p:cNvSpPr>
+          <p:nvPr>
+            <p:ph idx="1"/>
+          </p:nvPr>
+        </p:nvSpPr>
+        <p:spPr>
+          <a:xfrm>
+            <a:off x="5120640" y="804672"/>
+            <a:ext cx="6281928" cy="5248656"/>
+          </a:xfrm>
+        </p:spPr>
+        <p:txBody>
+          <a:bodyPr anchor="ctr">
+            <a:normAutofit/>
+          </a:bodyPr>
+          <a:lstStyle/>
+          <a:p>
+            <a:r>
+              <a:rPr lang="en-US" sz="4800" dirty="0"/>
+              <a:t>What is the importance of lettering?</a:t>
+            </a:r>
+          </a:p>
+          <a:p>
+            <a:pPr lvl="1"/>
+            <a:r>
+              <a:rPr lang="en-US" sz="2000" dirty="0"/>
+              <a:t>Be sure to answer the question within Google Classroom</a:t>
+            </a:r>
+          </a:p>
+          <a:p>
+            <a:pPr lvl="1"/>
+            <a:r>
+              <a:rPr lang="en-US" sz="2000" dirty="0"/>
+              <a:t>Answer within the allotted time in class to receive full credit</a:t>
+            </a:r>
+          </a:p>
+          <a:p>
+            <a:pPr lvl="1"/>
+            <a:r>
+              <a:rPr lang="en-US" sz="2000" dirty="0"/>
+              <a:t>Answer on the same day to receive half-credit</a:t>
+            </a:r>
+          </a:p>
+        </p:txBody>
+      </p:sp>
+      <p:sp>
+        <p:nvSpPr>
+          <p:cNvPr id="3" name="Footer Placeholder 2">
+            <a:extLst>
+              <a:ext uri="{FF2B5EF4-FFF2-40B4-BE49-F238E27FC236}">
+                <a16:creationId xmlns:a16="http://schemas.microsoft.com/office/drawing/2014/main" id="{F05069F2-C868-4ABA-AA9D-6C7B78FF6CE5}"/>
+              </a:ext>
+            </a:extLst>
+          </p:cNvPr>
+          <p:cNvSpPr>
+            <a:spLocks noGrp="1"/>
+          </p:cNvSpPr>
+          <p:nvPr>
+            <p:ph type="ftr" sz="quarter" idx="11"/>
+          </p:nvPr>
+        </p:nvSpPr>
+        <p:spPr>
+          <a:xfrm>
+            <a:off x="804672" y="6227064"/>
+            <a:ext cx="10588752" cy="320040"/>
+          </a:xfrm>
+        </p:spPr>
+        <p:txBody>
+          <a:bodyPr>
+            <a:normAutofit/>
+          </a:bodyPr>
+          <a:lstStyle/>
+          <a:p>
+            <a:pPr algn="r">
+              <a:spcAft>
+                <a:spcPts val="600"/>
+              </a:spcAft>
+            </a:pPr>
+            <a:r>
+              <a:rPr lang="en-US">
+                <a:solidFill>
+                  <a:schemeClr val="tx1">
+                    <a:lumMod val="50000"/>
+                    <a:lumOff val="50000"/>
+                  </a:schemeClr>
+                </a:solidFill>
+              </a:rPr>
+              <a:t>Add a footer</a:t>
+            </a:r>
+          </a:p>
+        </p:txBody>
+      </p:sp>
+    </p:spTree>
+    <p:extLst>
+      <p:ext uri="{BB962C8B-B14F-4D97-AF65-F5344CB8AC3E}">
+        <p14:creationId xmlns:p14="http://schemas.microsoft.com/office/powerpoint/2010/main" val="2979367133"/>
+      </p:ext>
+    </p:extLst>
+  </p:cSld>
+  <p:clrMapOvr>
+    <a:masterClrMapping/>
   </p:clrMapOvr>
   <mc:AlternateContent xmlns:mc="http://schemas.openxmlformats.org/markup-compatibility/2006" xmlns:p14="http://schemas.microsoft.com/office/powerpoint/2010/main">
     <mc:Choice Requires="p14">

--- a/High School/Design and Drawing for Production/Unit 3 - Introduction to Lettering/Section 1 - What is Lettering/Assets/Unit 3 - Section 1 - What is Lettering.pptx
+++ b/High School/Design and Drawing for Production/Unit 3 - Introduction to Lettering/Section 1 - What is Lettering/Assets/Unit 3 - Section 1 - What is Lettering.pptx
@@ -5,10 +5,10 @@
     <p:sldMasterId id="2147483705" r:id="rId1"/>
   </p:sldMasterIdLst>
   <p:notesMasterIdLst>
-    <p:notesMasterId r:id="rId17"/>
+    <p:notesMasterId r:id="rId20"/>
   </p:notesMasterIdLst>
   <p:handoutMasterIdLst>
-    <p:handoutMasterId r:id="rId18"/>
+    <p:handoutMasterId r:id="rId21"/>
   </p:handoutMasterIdLst>
   <p:sldIdLst>
     <p:sldId id="268" r:id="rId2"/>
@@ -26,6 +26,9 @@
     <p:sldId id="287" r:id="rId14"/>
     <p:sldId id="288" r:id="rId15"/>
     <p:sldId id="289" r:id="rId16"/>
+    <p:sldId id="290" r:id="rId17"/>
+    <p:sldId id="292" r:id="rId18"/>
+    <p:sldId id="291" r:id="rId19"/>
   </p:sldIdLst>
   <p:sldSz cx="12192000" cy="6858000"/>
   <p:notesSz cx="6858000" cy="9144000"/>
@@ -228,7 +231,7 @@
           <a:p>
             <a:fld id="{6AC4FB8F-ED15-48AB-97BD-17129D4E699D}" type="datetimeFigureOut">
               <a:rPr lang="en-US" smtClean="0"/>
-              <a:t>10/5/2018</a:t>
+              <a:t>10/9/2018</a:t>
             </a:fld>
             <a:endParaRPr lang="en-US" dirty="0"/>
           </a:p>
@@ -393,7 +396,7 @@
           <a:p>
             <a:fld id="{BBC9D437-CD83-4825-AD0D-5E7B341BC79B}" type="datetimeFigureOut">
               <a:rPr lang="en-US" smtClean="0"/>
-              <a:t>10/5/2018</a:t>
+              <a:t>10/9/2018</a:t>
             </a:fld>
             <a:endParaRPr lang="en-US" dirty="0"/>
           </a:p>
@@ -791,7 +794,7 @@
           <a:p>
             <a:fld id="{85AB7CBB-843F-464A-A764-71D6ADC27CFA}" type="datetime1">
               <a:rPr lang="en-US" smtClean="0"/>
-              <a:t>10/5/2018</a:t>
+              <a:t>10/9/2018</a:t>
             </a:fld>
             <a:endParaRPr lang="en-US" dirty="0"/>
           </a:p>
@@ -978,7 +981,7 @@
           <a:p>
             <a:fld id="{CBEFC03D-3A1F-4813-9337-02411FCC3A9A}" type="datetime1">
               <a:rPr lang="en-US" smtClean="0"/>
-              <a:t>10/5/2018</a:t>
+              <a:t>10/9/2018</a:t>
             </a:fld>
             <a:endParaRPr lang="en-US" dirty="0"/>
           </a:p>
@@ -1174,7 +1177,7 @@
           <a:p>
             <a:fld id="{3D638F79-DFA0-4C26-9553-23A017B69AB6}" type="datetime1">
               <a:rPr lang="en-US" smtClean="0"/>
-              <a:t>10/5/2018</a:t>
+              <a:t>10/9/2018</a:t>
             </a:fld>
             <a:endParaRPr lang="en-US" dirty="0"/>
           </a:p>
@@ -1285,7 +1288,7 @@
           <a:p>
             <a:fld id="{AA615CA6-EC4D-4728-8AA6-534BE7E9B67C}" type="datetime1">
               <a:rPr lang="en-US" smtClean="0"/>
-              <a:t>10/5/2018</a:t>
+              <a:t>10/9/2018</a:t>
             </a:fld>
             <a:endParaRPr lang="en-US" dirty="0"/>
           </a:p>
@@ -1470,7 +1473,7 @@
           <a:p>
             <a:fld id="{A70B34E7-E1D9-4FBF-A1A0-4009669A00BF}" type="datetime1">
               <a:rPr lang="en-US" smtClean="0"/>
-              <a:t>10/5/2018</a:t>
+              <a:t>10/9/2018</a:t>
             </a:fld>
             <a:endParaRPr lang="en-US" dirty="0"/>
           </a:p>
@@ -1733,7 +1736,7 @@
           <a:p>
             <a:fld id="{C50FD434-5945-4FAF-A8C0-DAE9905532CE}" type="datetimeFigureOut">
               <a:rPr lang="en-US" smtClean="0"/>
-              <a:t>10/5/2018</a:t>
+              <a:t>10/9/2018</a:t>
             </a:fld>
             <a:endParaRPr lang="en-US"/>
           </a:p>
@@ -1977,7 +1980,7 @@
           <a:p>
             <a:fld id="{7579E8B6-2F47-420B-83EA-EB2285D13EC9}" type="datetime1">
               <a:rPr lang="en-US" smtClean="0"/>
-              <a:t>10/5/2018</a:t>
+              <a:t>10/9/2018</a:t>
             </a:fld>
             <a:endParaRPr lang="en-US" dirty="0"/>
           </a:p>
@@ -2360,7 +2363,7 @@
           <a:p>
             <a:fld id="{2304803D-B10E-4B90-8456-A0E05393E233}" type="datetime1">
               <a:rPr lang="en-US" smtClean="0"/>
-              <a:t>10/5/2018</a:t>
+              <a:t>10/9/2018</a:t>
             </a:fld>
             <a:endParaRPr lang="en-US" dirty="0"/>
           </a:p>
@@ -2494,7 +2497,7 @@
           <a:p>
             <a:fld id="{CCE1E62F-6CCE-4064-96C2-2084AF883904}" type="datetime1">
               <a:rPr lang="en-US" smtClean="0"/>
-              <a:t>10/5/2018</a:t>
+              <a:t>10/9/2018</a:t>
             </a:fld>
             <a:endParaRPr lang="en-US" dirty="0"/>
           </a:p>
@@ -2605,7 +2608,7 @@
           <a:p>
             <a:fld id="{AA615CA6-EC4D-4728-8AA6-534BE7E9B67C}" type="datetime1">
               <a:rPr lang="en-US" smtClean="0"/>
-              <a:t>10/5/2018</a:t>
+              <a:t>10/9/2018</a:t>
             </a:fld>
             <a:endParaRPr lang="en-US" dirty="0"/>
           </a:p>
@@ -2898,7 +2901,7 @@
           <a:p>
             <a:fld id="{A6139942-0A2E-443A-842F-D6DE74360370}" type="datetime1">
               <a:rPr lang="en-US" smtClean="0"/>
-              <a:t>10/5/2018</a:t>
+              <a:t>10/9/2018</a:t>
             </a:fld>
             <a:endParaRPr lang="en-US" dirty="0"/>
           </a:p>
@@ -3171,7 +3174,7 @@
           <a:p>
             <a:fld id="{C50FD434-5945-4FAF-A8C0-DAE9905532CE}" type="datetimeFigureOut">
               <a:rPr lang="en-US" smtClean="0"/>
-              <a:t>10/5/2018</a:t>
+              <a:t>10/9/2018</a:t>
             </a:fld>
             <a:endParaRPr lang="en-US"/>
           </a:p>
@@ -3448,7 +3451,7 @@
           <a:p>
             <a:fld id="{3F138946-C5C1-4A11-BA69-F12F43F8A94B}" type="datetime1">
               <a:rPr lang="en-US" smtClean="0"/>
-              <a:t>10/5/2018</a:t>
+              <a:t>10/9/2018</a:t>
             </a:fld>
             <a:endParaRPr lang="en-US" dirty="0"/>
           </a:p>
@@ -7494,6 +7497,994 @@
 </p:sld>
 </file>
 
+<file path=ppt/slides/slide16.xml><?xml version="1.0" encoding="utf-8"?>
+<p:sld xmlns:a="http://schemas.openxmlformats.org/drawingml/2006/main" xmlns:r="http://schemas.openxmlformats.org/officeDocument/2006/relationships" xmlns:p="http://schemas.openxmlformats.org/presentationml/2006/main">
+  <p:cSld>
+    <p:spTree>
+      <p:nvGrpSpPr>
+        <p:cNvPr id="1" name=""/>
+        <p:cNvGrpSpPr/>
+        <p:nvPr/>
+      </p:nvGrpSpPr>
+      <p:grpSpPr>
+        <a:xfrm>
+          <a:off x="0" y="0"/>
+          <a:ext cx="0" cy="0"/>
+          <a:chOff x="0" y="0"/>
+          <a:chExt cx="0" cy="0"/>
+        </a:xfrm>
+      </p:grpSpPr>
+      <p:sp>
+        <p:nvSpPr>
+          <p:cNvPr id="2" name="Title 1">
+            <a:extLst>
+              <a:ext uri="{FF2B5EF4-FFF2-40B4-BE49-F238E27FC236}">
+                <a16:creationId xmlns:a16="http://schemas.microsoft.com/office/drawing/2014/main" id="{5FFFF665-DBFE-4139-ACF5-B7D92BBE8CD9}"/>
+              </a:ext>
+            </a:extLst>
+          </p:cNvPr>
+          <p:cNvSpPr>
+            <a:spLocks noGrp="1"/>
+          </p:cNvSpPr>
+          <p:nvPr>
+            <p:ph type="title"/>
+          </p:nvPr>
+        </p:nvSpPr>
+        <p:spPr/>
+        <p:txBody>
+          <a:bodyPr/>
+          <a:lstStyle/>
+          <a:p>
+            <a:r>
+              <a:rPr lang="en-US" dirty="0"/>
+              <a:t>Lesson Plan 6</a:t>
+            </a:r>
+          </a:p>
+        </p:txBody>
+      </p:sp>
+      <p:sp>
+        <p:nvSpPr>
+          <p:cNvPr id="4" name="Footer Placeholder 3">
+            <a:extLst>
+              <a:ext uri="{FF2B5EF4-FFF2-40B4-BE49-F238E27FC236}">
+                <a16:creationId xmlns:a16="http://schemas.microsoft.com/office/drawing/2014/main" id="{D0F8768D-96E5-431F-BE40-E106E81AE634}"/>
+              </a:ext>
+            </a:extLst>
+          </p:cNvPr>
+          <p:cNvSpPr>
+            <a:spLocks noGrp="1"/>
+          </p:cNvSpPr>
+          <p:nvPr>
+            <p:ph type="ftr" sz="quarter" idx="11"/>
+          </p:nvPr>
+        </p:nvSpPr>
+        <p:spPr/>
+        <p:txBody>
+          <a:bodyPr/>
+          <a:lstStyle/>
+          <a:p>
+            <a:r>
+              <a:rPr lang="en-US"/>
+              <a:t>Add a footer</a:t>
+            </a:r>
+            <a:endParaRPr lang="en-US" dirty="0"/>
+          </a:p>
+        </p:txBody>
+      </p:sp>
+    </p:spTree>
+    <p:extLst>
+      <p:ext uri="{BB962C8B-B14F-4D97-AF65-F5344CB8AC3E}">
+        <p14:creationId xmlns:p14="http://schemas.microsoft.com/office/powerpoint/2010/main" val="959058610"/>
+      </p:ext>
+    </p:extLst>
+  </p:cSld>
+  <p:clrMapOvr>
+    <a:masterClrMapping/>
+  </p:clrMapOvr>
+  <mc:AlternateContent xmlns:mc="http://schemas.openxmlformats.org/markup-compatibility/2006" xmlns:p14="http://schemas.microsoft.com/office/powerpoint/2010/main">
+    <mc:Choice Requires="p14">
+      <p:transition spd="med" p14:dur="700">
+        <p:fade/>
+      </p:transition>
+    </mc:Choice>
+    <mc:Fallback xmlns="">
+      <p:transition spd="med">
+        <p:fade/>
+      </p:transition>
+    </mc:Fallback>
+  </mc:AlternateContent>
+</p:sld>
+</file>
+
+<file path=ppt/slides/slide17.xml><?xml version="1.0" encoding="utf-8"?>
+<p:sld xmlns:a="http://schemas.openxmlformats.org/drawingml/2006/main" xmlns:r="http://schemas.openxmlformats.org/officeDocument/2006/relationships" xmlns:p="http://schemas.openxmlformats.org/presentationml/2006/main">
+  <p:cSld>
+    <p:bg>
+      <p:bgPr>
+        <a:solidFill>
+          <a:schemeClr val="bg1">
+            <a:tint val="95000"/>
+            <a:satMod val="170000"/>
+          </a:schemeClr>
+        </a:solidFill>
+        <a:effectLst/>
+      </p:bgPr>
+    </p:bg>
+    <p:spTree>
+      <p:nvGrpSpPr>
+        <p:cNvPr id="1" name=""/>
+        <p:cNvGrpSpPr/>
+        <p:nvPr/>
+      </p:nvGrpSpPr>
+      <p:grpSpPr>
+        <a:xfrm>
+          <a:off x="0" y="0"/>
+          <a:ext cx="0" cy="0"/>
+          <a:chOff x="0" y="0"/>
+          <a:chExt cx="0" cy="0"/>
+        </a:xfrm>
+      </p:grpSpPr>
+      <p:sp>
+        <p:nvSpPr>
+          <p:cNvPr id="10" name="Freeform: Shape 9">
+            <a:extLst>
+              <a:ext uri="{FF2B5EF4-FFF2-40B4-BE49-F238E27FC236}">
+                <a16:creationId xmlns:a16="http://schemas.microsoft.com/office/drawing/2014/main" id="{48A740BC-A0AA-45E0-B899-2AE9C6FE11CA}"/>
+              </a:ext>
+              <a:ext uri="{C183D7F6-B498-43B3-948B-1728B52AA6E4}">
+                <adec:decorative xmlns:adec="http://schemas.microsoft.com/office/drawing/2017/decorative" val="1"/>
+              </a:ext>
+            </a:extLst>
+          </p:cNvPr>
+          <p:cNvSpPr>
+            <a:spLocks noGrp="1" noRot="1" noChangeAspect="1" noMove="1" noResize="1" noEditPoints="1" noAdjustHandles="1" noChangeArrowheads="1" noChangeShapeType="1" noTextEdit="1"/>
+          </p:cNvSpPr>
+          <p:nvPr>
+            <p:extLst>
+              <p:ext uri="{386F3935-93C4-4BCD-93E2-E3B085C9AB24}">
+                <p16:designElem xmlns:p16="http://schemas.microsoft.com/office/powerpoint/2015/main" val="1"/>
+              </p:ext>
+            </p:extLst>
+          </p:nvPr>
+        </p:nvSpPr>
+        <p:spPr>
+          <a:xfrm>
+            <a:off x="5913121" y="-2"/>
+            <a:ext cx="6278879" cy="6858002"/>
+          </a:xfrm>
+          <a:custGeom>
+            <a:avLst/>
+            <a:gdLst>
+              <a:gd name="connsiteX0" fmla="*/ 45572 w 6278879"/>
+              <a:gd name="connsiteY0" fmla="*/ 0 h 6858002"/>
+              <a:gd name="connsiteX1" fmla="*/ 6278879 w 6278879"/>
+              <a:gd name="connsiteY1" fmla="*/ 0 h 6858002"/>
+              <a:gd name="connsiteX2" fmla="*/ 6278879 w 6278879"/>
+              <a:gd name="connsiteY2" fmla="*/ 6858002 h 6858002"/>
+              <a:gd name="connsiteX3" fmla="*/ 3292308 w 6278879"/>
+              <a:gd name="connsiteY3" fmla="*/ 6858002 h 6858002"/>
+              <a:gd name="connsiteX4" fmla="*/ 3181526 w 6278879"/>
+              <a:gd name="connsiteY4" fmla="*/ 6786982 h 6858002"/>
+              <a:gd name="connsiteX5" fmla="*/ 0 w 6278879"/>
+              <a:gd name="connsiteY5" fmla="*/ 803254 h 6858002"/>
+              <a:gd name="connsiteX6" fmla="*/ 37255 w 6278879"/>
+              <a:gd name="connsiteY6" fmla="*/ 65447 h 6858002"/>
+            </a:gdLst>
+            <a:ahLst/>
+            <a:cxnLst>
+              <a:cxn ang="0">
+                <a:pos x="connsiteX0" y="connsiteY0"/>
+              </a:cxn>
+              <a:cxn ang="0">
+                <a:pos x="connsiteX1" y="connsiteY1"/>
+              </a:cxn>
+              <a:cxn ang="0">
+                <a:pos x="connsiteX2" y="connsiteY2"/>
+              </a:cxn>
+              <a:cxn ang="0">
+                <a:pos x="connsiteX3" y="connsiteY3"/>
+              </a:cxn>
+              <a:cxn ang="0">
+                <a:pos x="connsiteX4" y="connsiteY4"/>
+              </a:cxn>
+              <a:cxn ang="0">
+                <a:pos x="connsiteX5" y="connsiteY5"/>
+              </a:cxn>
+              <a:cxn ang="0">
+                <a:pos x="connsiteX6" y="connsiteY6"/>
+              </a:cxn>
+            </a:cxnLst>
+            <a:rect l="l" t="t" r="r" b="b"/>
+            <a:pathLst>
+              <a:path w="6278879" h="6858002">
+                <a:moveTo>
+                  <a:pt x="45572" y="0"/>
+                </a:moveTo>
+                <a:lnTo>
+                  <a:pt x="6278879" y="0"/>
+                </a:lnTo>
+                <a:lnTo>
+                  <a:pt x="6278879" y="6858002"/>
+                </a:lnTo>
+                <a:lnTo>
+                  <a:pt x="3292308" y="6858002"/>
+                </a:lnTo>
+                <a:lnTo>
+                  <a:pt x="3181526" y="6786982"/>
+                </a:lnTo>
+                <a:cubicBezTo>
+                  <a:pt x="1262021" y="5490191"/>
+                  <a:pt x="0" y="3294103"/>
+                  <a:pt x="0" y="803254"/>
+                </a:cubicBezTo>
+                <a:cubicBezTo>
+                  <a:pt x="0" y="554169"/>
+                  <a:pt x="12620" y="308032"/>
+                  <a:pt x="37255" y="65447"/>
+                </a:cubicBezTo>
+                <a:close/>
+              </a:path>
+            </a:pathLst>
+          </a:custGeom>
+          <a:solidFill>
+            <a:schemeClr val="bg1">
+              <a:lumMod val="85000"/>
+              <a:lumOff val="15000"/>
+              <a:alpha val="70000"/>
+            </a:schemeClr>
+          </a:solidFill>
+          <a:ln>
+            <a:noFill/>
+          </a:ln>
+        </p:spPr>
+        <p:style>
+          <a:lnRef idx="2">
+            <a:schemeClr val="accent1">
+              <a:shade val="50000"/>
+            </a:schemeClr>
+          </a:lnRef>
+          <a:fillRef idx="1">
+            <a:schemeClr val="accent1"/>
+          </a:fillRef>
+          <a:effectRef idx="0">
+            <a:schemeClr val="accent1"/>
+          </a:effectRef>
+          <a:fontRef idx="minor">
+            <a:schemeClr val="lt1"/>
+          </a:fontRef>
+        </p:style>
+        <p:txBody>
+          <a:bodyPr rtlCol="0" anchor="ctr"/>
+          <a:lstStyle/>
+          <a:p>
+            <a:pPr marL="0" marR="0" lvl="0" indent="0" algn="ctr" defTabSz="914400" rtl="0" eaLnBrk="1" fontAlgn="auto" latinLnBrk="0" hangingPunct="1">
+              <a:lnSpc>
+                <a:spcPct val="100000"/>
+              </a:lnSpc>
+              <a:spcBef>
+                <a:spcPts val="0"/>
+              </a:spcBef>
+              <a:spcAft>
+                <a:spcPts val="0"/>
+              </a:spcAft>
+              <a:buClrTx/>
+              <a:buSzTx/>
+              <a:buFontTx/>
+              <a:buNone/>
+              <a:tabLst/>
+              <a:defRPr/>
+            </a:pPr>
+            <a:endParaRPr kumimoji="0" lang="en-US" sz="1800" b="0" i="0" u="none" strike="noStrike" kern="1200" cap="none" spc="0" normalizeH="0" baseline="0" noProof="0">
+              <a:ln>
+                <a:noFill/>
+              </a:ln>
+              <a:solidFill>
+                <a:prstClr val="white"/>
+              </a:solidFill>
+              <a:effectLst/>
+              <a:uLnTx/>
+              <a:uFillTx/>
+              <a:latin typeface="Calibri" panose="020F0502020204030204"/>
+              <a:ea typeface="+mn-ea"/>
+              <a:cs typeface="+mn-cs"/>
+            </a:endParaRPr>
+          </a:p>
+        </p:txBody>
+      </p:sp>
+      <p:sp>
+        <p:nvSpPr>
+          <p:cNvPr id="4" name="Title 3">
+            <a:extLst>
+              <a:ext uri="{FF2B5EF4-FFF2-40B4-BE49-F238E27FC236}">
+                <a16:creationId xmlns:a16="http://schemas.microsoft.com/office/drawing/2014/main" id="{D97D1FA4-7DA2-46D5-90BC-D3596A908836}"/>
+              </a:ext>
+            </a:extLst>
+          </p:cNvPr>
+          <p:cNvSpPr>
+            <a:spLocks noGrp="1"/>
+          </p:cNvSpPr>
+          <p:nvPr>
+            <p:ph type="title"/>
+          </p:nvPr>
+        </p:nvSpPr>
+        <p:spPr>
+          <a:xfrm>
+            <a:off x="655320" y="365125"/>
+            <a:ext cx="9013052" cy="1623312"/>
+          </a:xfrm>
+        </p:spPr>
+        <p:txBody>
+          <a:bodyPr anchor="b">
+            <a:normAutofit/>
+          </a:bodyPr>
+          <a:lstStyle/>
+          <a:p>
+            <a:r>
+              <a:rPr lang="en-US" sz="4000" dirty="0"/>
+              <a:t>This Week in DDP</a:t>
+            </a:r>
+          </a:p>
+        </p:txBody>
+      </p:sp>
+      <p:cxnSp>
+        <p:nvCxnSpPr>
+          <p:cNvPr id="12" name="Straight Arrow Connector 11">
+            <a:extLst>
+              <a:ext uri="{FF2B5EF4-FFF2-40B4-BE49-F238E27FC236}">
+                <a16:creationId xmlns:a16="http://schemas.microsoft.com/office/drawing/2014/main" id="{B874EF51-C858-4BB9-97C3-D17755787127}"/>
+              </a:ext>
+              <a:ext uri="{C183D7F6-B498-43B3-948B-1728B52AA6E4}">
+                <adec:decorative xmlns:adec="http://schemas.microsoft.com/office/drawing/2017/decorative" val="1"/>
+              </a:ext>
+            </a:extLst>
+          </p:cNvPr>
+          <p:cNvCxnSpPr>
+            <a:cxnSpLocks noGrp="1" noRot="1" noChangeAspect="1" noMove="1" noResize="1" noEditPoints="1" noAdjustHandles="1" noChangeArrowheads="1" noChangeShapeType="1"/>
+          </p:cNvCxnSpPr>
+          <p:nvPr>
+            <p:extLst>
+              <p:ext uri="{386F3935-93C4-4BCD-93E2-E3B085C9AB24}">
+                <p16:designElem xmlns:p16="http://schemas.microsoft.com/office/powerpoint/2015/main" val="1"/>
+              </p:ext>
+            </p:extLst>
+          </p:nvPr>
+        </p:nvCxnSpPr>
+        <p:spPr>
+          <a:xfrm>
+            <a:off x="763661" y="2316480"/>
+            <a:ext cx="8229600" cy="0"/>
+          </a:xfrm>
+          <a:prstGeom prst="straightConnector1">
+            <a:avLst/>
+          </a:prstGeom>
+          <a:ln w="19050" cap="sq">
+            <a:solidFill>
+              <a:schemeClr val="tx1"/>
+            </a:solidFill>
+            <a:tailEnd type="none"/>
+          </a:ln>
+        </p:spPr>
+        <p:style>
+          <a:lnRef idx="1">
+            <a:schemeClr val="accent1"/>
+          </a:lnRef>
+          <a:fillRef idx="0">
+            <a:schemeClr val="accent1"/>
+          </a:fillRef>
+          <a:effectRef idx="0">
+            <a:schemeClr val="accent1"/>
+          </a:effectRef>
+          <a:fontRef idx="minor">
+            <a:schemeClr val="tx1"/>
+          </a:fontRef>
+        </p:style>
+      </p:cxnSp>
+      <p:sp>
+        <p:nvSpPr>
+          <p:cNvPr id="5" name="Content Placeholder 4">
+            <a:extLst>
+              <a:ext uri="{FF2B5EF4-FFF2-40B4-BE49-F238E27FC236}">
+                <a16:creationId xmlns:a16="http://schemas.microsoft.com/office/drawing/2014/main" id="{954FCF4C-A640-42CC-9C3B-2AEC0028E6A9}"/>
+              </a:ext>
+            </a:extLst>
+          </p:cNvPr>
+          <p:cNvSpPr>
+            <a:spLocks noGrp="1"/>
+          </p:cNvSpPr>
+          <p:nvPr>
+            <p:ph idx="1"/>
+          </p:nvPr>
+        </p:nvSpPr>
+        <p:spPr>
+          <a:xfrm>
+            <a:off x="655320" y="2644518"/>
+            <a:ext cx="9013052" cy="3327251"/>
+          </a:xfrm>
+        </p:spPr>
+        <p:txBody>
+          <a:bodyPr>
+            <a:normAutofit fontScale="77500" lnSpcReduction="20000"/>
+          </a:bodyPr>
+          <a:lstStyle/>
+          <a:p>
+            <a:r>
+              <a:rPr lang="en-US" sz="3600" dirty="0"/>
+              <a:t>Drawing #5 </a:t>
+            </a:r>
+          </a:p>
+          <a:p>
+            <a:pPr lvl="1"/>
+            <a:r>
+              <a:rPr lang="en-US" sz="3200" b="1" dirty="0"/>
+              <a:t>DUE</a:t>
+            </a:r>
+            <a:r>
+              <a:rPr lang="en-US" sz="3200" dirty="0"/>
+              <a:t> </a:t>
+            </a:r>
+            <a:r>
+              <a:rPr lang="en-US" sz="3200" b="1" dirty="0"/>
+              <a:t>TODAY, 10/9 by end of class</a:t>
+            </a:r>
+          </a:p>
+          <a:p>
+            <a:r>
+              <a:rPr lang="en-US" sz="3600" dirty="0"/>
+              <a:t>2 Lettering practice handouts </a:t>
+            </a:r>
+          </a:p>
+          <a:p>
+            <a:pPr lvl="1"/>
+            <a:r>
+              <a:rPr lang="en-US" sz="3200" b="1" dirty="0"/>
+              <a:t>DUE FRIDAY 10/12</a:t>
+            </a:r>
+          </a:p>
+          <a:p>
+            <a:pPr lvl="1"/>
+            <a:r>
+              <a:rPr lang="en-US" sz="3200" dirty="0"/>
+              <a:t>1 on Wednesday</a:t>
+            </a:r>
+          </a:p>
+          <a:p>
+            <a:pPr lvl="1"/>
+            <a:r>
+              <a:rPr lang="en-US" sz="3200" dirty="0"/>
+              <a:t>1 on Thursday</a:t>
+            </a:r>
+          </a:p>
+          <a:p>
+            <a:r>
+              <a:rPr lang="en-US" sz="3600" dirty="0"/>
+              <a:t>Google Classroom QUIZ </a:t>
+            </a:r>
+          </a:p>
+          <a:p>
+            <a:pPr lvl="1"/>
+            <a:r>
+              <a:rPr lang="en-US" sz="3200" b="1" dirty="0"/>
+              <a:t>DUE SUNDAY 10/14</a:t>
+            </a:r>
+          </a:p>
+          <a:p>
+            <a:pPr lvl="1"/>
+            <a:r>
+              <a:rPr lang="en-US" sz="3200" dirty="0"/>
+              <a:t>To be posted Friday morning</a:t>
+            </a:r>
+          </a:p>
+        </p:txBody>
+      </p:sp>
+      <p:sp>
+        <p:nvSpPr>
+          <p:cNvPr id="3" name="Footer Placeholder 2">
+            <a:extLst>
+              <a:ext uri="{FF2B5EF4-FFF2-40B4-BE49-F238E27FC236}">
+                <a16:creationId xmlns:a16="http://schemas.microsoft.com/office/drawing/2014/main" id="{F05069F2-C868-4ABA-AA9D-6C7B78FF6CE5}"/>
+              </a:ext>
+            </a:extLst>
+          </p:cNvPr>
+          <p:cNvSpPr>
+            <a:spLocks noGrp="1"/>
+          </p:cNvSpPr>
+          <p:nvPr>
+            <p:ph type="ftr" sz="quarter" idx="11"/>
+          </p:nvPr>
+        </p:nvSpPr>
+        <p:spPr>
+          <a:xfrm>
+            <a:off x="655320" y="6356350"/>
+            <a:ext cx="4114800" cy="365125"/>
+          </a:xfrm>
+        </p:spPr>
+        <p:txBody>
+          <a:bodyPr>
+            <a:normAutofit/>
+          </a:bodyPr>
+          <a:lstStyle/>
+          <a:p>
+            <a:pPr algn="l">
+              <a:spcAft>
+                <a:spcPts val="600"/>
+              </a:spcAft>
+            </a:pPr>
+            <a:r>
+              <a:rPr lang="en-US">
+                <a:solidFill>
+                  <a:schemeClr val="tx1"/>
+                </a:solidFill>
+              </a:rPr>
+              <a:t>Add a footer</a:t>
+            </a:r>
+          </a:p>
+        </p:txBody>
+      </p:sp>
+    </p:spTree>
+    <p:extLst>
+      <p:ext uri="{BB962C8B-B14F-4D97-AF65-F5344CB8AC3E}">
+        <p14:creationId xmlns:p14="http://schemas.microsoft.com/office/powerpoint/2010/main" val="913651898"/>
+      </p:ext>
+    </p:extLst>
+  </p:cSld>
+  <p:clrMapOvr>
+    <a:overrideClrMapping bg1="dk1" tx1="lt1" bg2="dk2" tx2="lt2" accent1="accent1" accent2="accent2" accent3="accent3" accent4="accent4" accent5="accent5" accent6="accent6" hlink="hlink" folHlink="folHlink"/>
+  </p:clrMapOvr>
+  <mc:AlternateContent xmlns:mc="http://schemas.openxmlformats.org/markup-compatibility/2006" xmlns:p14="http://schemas.microsoft.com/office/powerpoint/2010/main">
+    <mc:Choice Requires="p14">
+      <p:transition spd="med" p14:dur="700">
+        <p:fade/>
+      </p:transition>
+    </mc:Choice>
+    <mc:Fallback xmlns="">
+      <p:transition spd="med">
+        <p:fade/>
+      </p:transition>
+    </mc:Fallback>
+  </mc:AlternateContent>
+</p:sld>
+</file>
+
+<file path=ppt/slides/slide18.xml><?xml version="1.0" encoding="utf-8"?>
+<p:sld xmlns:a="http://schemas.openxmlformats.org/drawingml/2006/main" xmlns:r="http://schemas.openxmlformats.org/officeDocument/2006/relationships" xmlns:p="http://schemas.openxmlformats.org/presentationml/2006/main">
+  <p:cSld>
+    <p:bg>
+      <p:bgPr>
+        <a:solidFill>
+          <a:schemeClr val="bg1">
+            <a:tint val="95000"/>
+            <a:satMod val="170000"/>
+          </a:schemeClr>
+        </a:solidFill>
+        <a:effectLst/>
+      </p:bgPr>
+    </p:bg>
+    <p:spTree>
+      <p:nvGrpSpPr>
+        <p:cNvPr id="1" name=""/>
+        <p:cNvGrpSpPr/>
+        <p:nvPr/>
+      </p:nvGrpSpPr>
+      <p:grpSpPr>
+        <a:xfrm>
+          <a:off x="0" y="0"/>
+          <a:ext cx="0" cy="0"/>
+          <a:chOff x="0" y="0"/>
+          <a:chExt cx="0" cy="0"/>
+        </a:xfrm>
+      </p:grpSpPr>
+      <p:sp>
+        <p:nvSpPr>
+          <p:cNvPr id="10" name="Freeform: Shape 9">
+            <a:extLst>
+              <a:ext uri="{FF2B5EF4-FFF2-40B4-BE49-F238E27FC236}">
+                <a16:creationId xmlns:a16="http://schemas.microsoft.com/office/drawing/2014/main" id="{48A740BC-A0AA-45E0-B899-2AE9C6FE11CA}"/>
+              </a:ext>
+              <a:ext uri="{C183D7F6-B498-43B3-948B-1728B52AA6E4}">
+                <adec:decorative xmlns:adec="http://schemas.microsoft.com/office/drawing/2017/decorative" val="1"/>
+              </a:ext>
+            </a:extLst>
+          </p:cNvPr>
+          <p:cNvSpPr>
+            <a:spLocks noGrp="1" noRot="1" noChangeAspect="1" noMove="1" noResize="1" noEditPoints="1" noAdjustHandles="1" noChangeArrowheads="1" noChangeShapeType="1" noTextEdit="1"/>
+          </p:cNvSpPr>
+          <p:nvPr>
+            <p:extLst>
+              <p:ext uri="{386F3935-93C4-4BCD-93E2-E3B085C9AB24}">
+                <p16:designElem xmlns:p16="http://schemas.microsoft.com/office/powerpoint/2015/main" val="1"/>
+              </p:ext>
+            </p:extLst>
+          </p:nvPr>
+        </p:nvSpPr>
+        <p:spPr>
+          <a:xfrm>
+            <a:off x="5913121" y="-2"/>
+            <a:ext cx="6278879" cy="6858002"/>
+          </a:xfrm>
+          <a:custGeom>
+            <a:avLst/>
+            <a:gdLst>
+              <a:gd name="connsiteX0" fmla="*/ 45572 w 6278879"/>
+              <a:gd name="connsiteY0" fmla="*/ 0 h 6858002"/>
+              <a:gd name="connsiteX1" fmla="*/ 6278879 w 6278879"/>
+              <a:gd name="connsiteY1" fmla="*/ 0 h 6858002"/>
+              <a:gd name="connsiteX2" fmla="*/ 6278879 w 6278879"/>
+              <a:gd name="connsiteY2" fmla="*/ 6858002 h 6858002"/>
+              <a:gd name="connsiteX3" fmla="*/ 3292308 w 6278879"/>
+              <a:gd name="connsiteY3" fmla="*/ 6858002 h 6858002"/>
+              <a:gd name="connsiteX4" fmla="*/ 3181526 w 6278879"/>
+              <a:gd name="connsiteY4" fmla="*/ 6786982 h 6858002"/>
+              <a:gd name="connsiteX5" fmla="*/ 0 w 6278879"/>
+              <a:gd name="connsiteY5" fmla="*/ 803254 h 6858002"/>
+              <a:gd name="connsiteX6" fmla="*/ 37255 w 6278879"/>
+              <a:gd name="connsiteY6" fmla="*/ 65447 h 6858002"/>
+            </a:gdLst>
+            <a:ahLst/>
+            <a:cxnLst>
+              <a:cxn ang="0">
+                <a:pos x="connsiteX0" y="connsiteY0"/>
+              </a:cxn>
+              <a:cxn ang="0">
+                <a:pos x="connsiteX1" y="connsiteY1"/>
+              </a:cxn>
+              <a:cxn ang="0">
+                <a:pos x="connsiteX2" y="connsiteY2"/>
+              </a:cxn>
+              <a:cxn ang="0">
+                <a:pos x="connsiteX3" y="connsiteY3"/>
+              </a:cxn>
+              <a:cxn ang="0">
+                <a:pos x="connsiteX4" y="connsiteY4"/>
+              </a:cxn>
+              <a:cxn ang="0">
+                <a:pos x="connsiteX5" y="connsiteY5"/>
+              </a:cxn>
+              <a:cxn ang="0">
+                <a:pos x="connsiteX6" y="connsiteY6"/>
+              </a:cxn>
+            </a:cxnLst>
+            <a:rect l="l" t="t" r="r" b="b"/>
+            <a:pathLst>
+              <a:path w="6278879" h="6858002">
+                <a:moveTo>
+                  <a:pt x="45572" y="0"/>
+                </a:moveTo>
+                <a:lnTo>
+                  <a:pt x="6278879" y="0"/>
+                </a:lnTo>
+                <a:lnTo>
+                  <a:pt x="6278879" y="6858002"/>
+                </a:lnTo>
+                <a:lnTo>
+                  <a:pt x="3292308" y="6858002"/>
+                </a:lnTo>
+                <a:lnTo>
+                  <a:pt x="3181526" y="6786982"/>
+                </a:lnTo>
+                <a:cubicBezTo>
+                  <a:pt x="1262021" y="5490191"/>
+                  <a:pt x="0" y="3294103"/>
+                  <a:pt x="0" y="803254"/>
+                </a:cubicBezTo>
+                <a:cubicBezTo>
+                  <a:pt x="0" y="554169"/>
+                  <a:pt x="12620" y="308032"/>
+                  <a:pt x="37255" y="65447"/>
+                </a:cubicBezTo>
+                <a:close/>
+              </a:path>
+            </a:pathLst>
+          </a:custGeom>
+          <a:solidFill>
+            <a:schemeClr val="bg1">
+              <a:lumMod val="85000"/>
+              <a:lumOff val="15000"/>
+              <a:alpha val="70000"/>
+            </a:schemeClr>
+          </a:solidFill>
+          <a:ln>
+            <a:noFill/>
+          </a:ln>
+        </p:spPr>
+        <p:style>
+          <a:lnRef idx="2">
+            <a:schemeClr val="accent1">
+              <a:shade val="50000"/>
+            </a:schemeClr>
+          </a:lnRef>
+          <a:fillRef idx="1">
+            <a:schemeClr val="accent1"/>
+          </a:fillRef>
+          <a:effectRef idx="0">
+            <a:schemeClr val="accent1"/>
+          </a:effectRef>
+          <a:fontRef idx="minor">
+            <a:schemeClr val="lt1"/>
+          </a:fontRef>
+        </p:style>
+        <p:txBody>
+          <a:bodyPr rtlCol="0" anchor="ctr"/>
+          <a:lstStyle/>
+          <a:p>
+            <a:pPr marL="0" marR="0" lvl="0" indent="0" algn="ctr" defTabSz="914400" rtl="0" eaLnBrk="1" fontAlgn="auto" latinLnBrk="0" hangingPunct="1">
+              <a:lnSpc>
+                <a:spcPct val="100000"/>
+              </a:lnSpc>
+              <a:spcBef>
+                <a:spcPts val="0"/>
+              </a:spcBef>
+              <a:spcAft>
+                <a:spcPts val="0"/>
+              </a:spcAft>
+              <a:buClrTx/>
+              <a:buSzTx/>
+              <a:buFontTx/>
+              <a:buNone/>
+              <a:tabLst/>
+              <a:defRPr/>
+            </a:pPr>
+            <a:endParaRPr kumimoji="0" lang="en-US" sz="1800" b="0" i="0" u="none" strike="noStrike" kern="1200" cap="none" spc="0" normalizeH="0" baseline="0" noProof="0">
+              <a:ln>
+                <a:noFill/>
+              </a:ln>
+              <a:solidFill>
+                <a:prstClr val="white"/>
+              </a:solidFill>
+              <a:effectLst/>
+              <a:uLnTx/>
+              <a:uFillTx/>
+              <a:latin typeface="Calibri" panose="020F0502020204030204"/>
+              <a:ea typeface="+mn-ea"/>
+              <a:cs typeface="+mn-cs"/>
+            </a:endParaRPr>
+          </a:p>
+        </p:txBody>
+      </p:sp>
+      <p:sp>
+        <p:nvSpPr>
+          <p:cNvPr id="4" name="Title 3">
+            <a:extLst>
+              <a:ext uri="{FF2B5EF4-FFF2-40B4-BE49-F238E27FC236}">
+                <a16:creationId xmlns:a16="http://schemas.microsoft.com/office/drawing/2014/main" id="{D97D1FA4-7DA2-46D5-90BC-D3596A908836}"/>
+              </a:ext>
+            </a:extLst>
+          </p:cNvPr>
+          <p:cNvSpPr>
+            <a:spLocks noGrp="1"/>
+          </p:cNvSpPr>
+          <p:nvPr>
+            <p:ph type="title"/>
+          </p:nvPr>
+        </p:nvSpPr>
+        <p:spPr>
+          <a:xfrm>
+            <a:off x="655320" y="365125"/>
+            <a:ext cx="9013052" cy="1623312"/>
+          </a:xfrm>
+        </p:spPr>
+        <p:txBody>
+          <a:bodyPr anchor="b">
+            <a:normAutofit/>
+          </a:bodyPr>
+          <a:lstStyle/>
+          <a:p>
+            <a:r>
+              <a:rPr lang="en-US" sz="4000" dirty="0"/>
+              <a:t>Drawing #5 - Lettering</a:t>
+            </a:r>
+          </a:p>
+        </p:txBody>
+      </p:sp>
+      <p:cxnSp>
+        <p:nvCxnSpPr>
+          <p:cNvPr id="12" name="Straight Arrow Connector 11">
+            <a:extLst>
+              <a:ext uri="{FF2B5EF4-FFF2-40B4-BE49-F238E27FC236}">
+                <a16:creationId xmlns:a16="http://schemas.microsoft.com/office/drawing/2014/main" id="{B874EF51-C858-4BB9-97C3-D17755787127}"/>
+              </a:ext>
+              <a:ext uri="{C183D7F6-B498-43B3-948B-1728B52AA6E4}">
+                <adec:decorative xmlns:adec="http://schemas.microsoft.com/office/drawing/2017/decorative" val="1"/>
+              </a:ext>
+            </a:extLst>
+          </p:cNvPr>
+          <p:cNvCxnSpPr>
+            <a:cxnSpLocks noGrp="1" noRot="1" noChangeAspect="1" noMove="1" noResize="1" noEditPoints="1" noAdjustHandles="1" noChangeArrowheads="1" noChangeShapeType="1"/>
+          </p:cNvCxnSpPr>
+          <p:nvPr>
+            <p:extLst>
+              <p:ext uri="{386F3935-93C4-4BCD-93E2-E3B085C9AB24}">
+                <p16:designElem xmlns:p16="http://schemas.microsoft.com/office/powerpoint/2015/main" val="1"/>
+              </p:ext>
+            </p:extLst>
+          </p:nvPr>
+        </p:nvCxnSpPr>
+        <p:spPr>
+          <a:xfrm>
+            <a:off x="763661" y="2316480"/>
+            <a:ext cx="8229600" cy="0"/>
+          </a:xfrm>
+          <a:prstGeom prst="straightConnector1">
+            <a:avLst/>
+          </a:prstGeom>
+          <a:ln w="19050" cap="sq">
+            <a:solidFill>
+              <a:schemeClr val="tx1"/>
+            </a:solidFill>
+            <a:tailEnd type="none"/>
+          </a:ln>
+        </p:spPr>
+        <p:style>
+          <a:lnRef idx="1">
+            <a:schemeClr val="accent1"/>
+          </a:lnRef>
+          <a:fillRef idx="0">
+            <a:schemeClr val="accent1"/>
+          </a:fillRef>
+          <a:effectRef idx="0">
+            <a:schemeClr val="accent1"/>
+          </a:effectRef>
+          <a:fontRef idx="minor">
+            <a:schemeClr val="tx1"/>
+          </a:fontRef>
+        </p:style>
+      </p:cxnSp>
+      <p:sp>
+        <p:nvSpPr>
+          <p:cNvPr id="5" name="Content Placeholder 4">
+            <a:extLst>
+              <a:ext uri="{FF2B5EF4-FFF2-40B4-BE49-F238E27FC236}">
+                <a16:creationId xmlns:a16="http://schemas.microsoft.com/office/drawing/2014/main" id="{954FCF4C-A640-42CC-9C3B-2AEC0028E6A9}"/>
+              </a:ext>
+            </a:extLst>
+          </p:cNvPr>
+          <p:cNvSpPr>
+            <a:spLocks noGrp="1"/>
+          </p:cNvSpPr>
+          <p:nvPr>
+            <p:ph idx="1"/>
+          </p:nvPr>
+        </p:nvSpPr>
+        <p:spPr>
+          <a:xfrm>
+            <a:off x="655320" y="2644518"/>
+            <a:ext cx="9013052" cy="3327251"/>
+          </a:xfrm>
+        </p:spPr>
+        <p:txBody>
+          <a:bodyPr>
+            <a:normAutofit/>
+          </a:bodyPr>
+          <a:lstStyle/>
+          <a:p>
+            <a:r>
+              <a:rPr lang="en-US" sz="3600" dirty="0"/>
+              <a:t>DUE DATE: </a:t>
+            </a:r>
+            <a:r>
+              <a:rPr lang="en-US" sz="3600" b="1" dirty="0"/>
+              <a:t>TODAY, 10/9 by end of class</a:t>
+            </a:r>
+          </a:p>
+          <a:p>
+            <a:endParaRPr lang="en-US" sz="3600" b="1" dirty="0"/>
+          </a:p>
+          <a:p>
+            <a:pPr marL="0" indent="0">
+              <a:buNone/>
+            </a:pPr>
+            <a:r>
+              <a:rPr lang="en-US" b="1" dirty="0"/>
+              <a:t>TIPS</a:t>
+            </a:r>
+          </a:p>
+          <a:p>
+            <a:pPr>
+              <a:buFontTx/>
+              <a:buChar char="-"/>
+            </a:pPr>
+            <a:r>
+              <a:rPr lang="en-US" b="1" dirty="0"/>
+              <a:t>Good spacing between letters</a:t>
+            </a:r>
+          </a:p>
+          <a:p>
+            <a:pPr>
+              <a:buFontTx/>
+              <a:buChar char="-"/>
+            </a:pPr>
+            <a:r>
+              <a:rPr lang="en-US" b="1" dirty="0"/>
+              <a:t>Watch smudges</a:t>
+            </a:r>
+          </a:p>
+          <a:p>
+            <a:pPr>
+              <a:buFontTx/>
+              <a:buChar char="-"/>
+            </a:pPr>
+            <a:r>
+              <a:rPr lang="en-US" b="1" dirty="0"/>
+              <a:t>Use tools properly</a:t>
+            </a:r>
+          </a:p>
+          <a:p>
+            <a:pPr>
+              <a:buFontTx/>
+              <a:buChar char="-"/>
+            </a:pPr>
+            <a:endParaRPr lang="en-US" sz="3600" b="1" dirty="0"/>
+          </a:p>
+        </p:txBody>
+      </p:sp>
+      <p:sp>
+        <p:nvSpPr>
+          <p:cNvPr id="3" name="Footer Placeholder 2">
+            <a:extLst>
+              <a:ext uri="{FF2B5EF4-FFF2-40B4-BE49-F238E27FC236}">
+                <a16:creationId xmlns:a16="http://schemas.microsoft.com/office/drawing/2014/main" id="{F05069F2-C868-4ABA-AA9D-6C7B78FF6CE5}"/>
+              </a:ext>
+            </a:extLst>
+          </p:cNvPr>
+          <p:cNvSpPr>
+            <a:spLocks noGrp="1"/>
+          </p:cNvSpPr>
+          <p:nvPr>
+            <p:ph type="ftr" sz="quarter" idx="11"/>
+          </p:nvPr>
+        </p:nvSpPr>
+        <p:spPr>
+          <a:xfrm>
+            <a:off x="655320" y="6356350"/>
+            <a:ext cx="4114800" cy="365125"/>
+          </a:xfrm>
+        </p:spPr>
+        <p:txBody>
+          <a:bodyPr>
+            <a:normAutofit/>
+          </a:bodyPr>
+          <a:lstStyle/>
+          <a:p>
+            <a:pPr algn="l">
+              <a:spcAft>
+                <a:spcPts val="600"/>
+              </a:spcAft>
+            </a:pPr>
+            <a:r>
+              <a:rPr lang="en-US">
+                <a:solidFill>
+                  <a:schemeClr val="tx1"/>
+                </a:solidFill>
+              </a:rPr>
+              <a:t>Add a footer</a:t>
+            </a:r>
+          </a:p>
+        </p:txBody>
+      </p:sp>
+    </p:spTree>
+    <p:extLst>
+      <p:ext uri="{BB962C8B-B14F-4D97-AF65-F5344CB8AC3E}">
+        <p14:creationId xmlns:p14="http://schemas.microsoft.com/office/powerpoint/2010/main" val="2888953345"/>
+      </p:ext>
+    </p:extLst>
+  </p:cSld>
+  <p:clrMapOvr>
+    <a:overrideClrMapping bg1="dk1" tx1="lt1" bg2="dk2" tx2="lt2" accent1="accent1" accent2="accent2" accent3="accent3" accent4="accent4" accent5="accent5" accent6="accent6" hlink="hlink" folHlink="folHlink"/>
+  </p:clrMapOvr>
+  <mc:AlternateContent xmlns:mc="http://schemas.openxmlformats.org/markup-compatibility/2006" xmlns:p14="http://schemas.microsoft.com/office/powerpoint/2010/main">
+    <mc:Choice Requires="p14">
+      <p:transition spd="med" p14:dur="700">
+        <p:fade/>
+      </p:transition>
+    </mc:Choice>
+    <mc:Fallback xmlns="">
+      <p:transition spd="med">
+        <p:fade/>
+      </p:transition>
+    </mc:Fallback>
+  </mc:AlternateContent>
+</p:sld>
+</file>
+
 <file path=ppt/slides/slide2.xml><?xml version="1.0" encoding="utf-8"?>
 <p:sld xmlns:a="http://schemas.openxmlformats.org/drawingml/2006/main" xmlns:r="http://schemas.openxmlformats.org/officeDocument/2006/relationships" xmlns:p="http://schemas.openxmlformats.org/presentationml/2006/main">
   <p:cSld>
@@ -8778,7 +9769,7 @@
           <a:lstStyle/>
           <a:p>
             <a:r>
-              <a:rPr lang="en-US" sz="2000">
+              <a:rPr lang="en-US" sz="2000" dirty="0">
                 <a:solidFill>
                   <a:srgbClr val="FFFFFF"/>
                 </a:solidFill>
@@ -8788,7 +9779,7 @@
           </a:p>
           <a:p>
             <a:r>
-              <a:rPr lang="en-US" sz="2000">
+              <a:rPr lang="en-US" sz="2000" dirty="0">
                 <a:solidFill>
                   <a:srgbClr val="FFFFFF"/>
                 </a:solidFill>
@@ -8798,17 +9789,17 @@
           </a:p>
           <a:p>
             <a:r>
-              <a:rPr lang="en-US" sz="2000">
+              <a:rPr lang="en-US" sz="2000" dirty="0">
                 <a:solidFill>
                   <a:srgbClr val="FFFFFF"/>
                 </a:solidFill>
               </a:rPr>
-              <a:t>Have your forearm sully supported with your hand resting on its side</a:t>
-            </a:r>
-          </a:p>
-          <a:p>
-            <a:r>
-              <a:rPr lang="en-US" sz="2000">
+              <a:t>Have your forearm fully supported with your hand resting on its side</a:t>
+            </a:r>
+          </a:p>
+          <a:p>
+            <a:r>
+              <a:rPr lang="en-US" sz="2000" dirty="0">
                 <a:solidFill>
                   <a:srgbClr val="FFFFFF"/>
                 </a:solidFill>
@@ -8818,7 +9809,7 @@
           </a:p>
           <a:p>
             <a:r>
-              <a:rPr lang="en-US" sz="2000">
+              <a:rPr lang="en-US" sz="2000" dirty="0">
                 <a:solidFill>
                   <a:srgbClr val="FFFFFF"/>
                 </a:solidFill>

--- a/High School/Design and Drawing for Production/Unit 3 - Introduction to Lettering/Section 1 - What is Lettering/Assets/Unit 3 - Section 1 - What is Lettering.pptx
+++ b/High School/Design and Drawing for Production/Unit 3 - Introduction to Lettering/Section 1 - What is Lettering/Assets/Unit 3 - Section 1 - What is Lettering.pptx
@@ -5,10 +5,10 @@
     <p:sldMasterId id="2147483705" r:id="rId1"/>
   </p:sldMasterIdLst>
   <p:notesMasterIdLst>
-    <p:notesMasterId r:id="rId20"/>
+    <p:notesMasterId r:id="rId23"/>
   </p:notesMasterIdLst>
   <p:handoutMasterIdLst>
-    <p:handoutMasterId r:id="rId21"/>
+    <p:handoutMasterId r:id="rId24"/>
   </p:handoutMasterIdLst>
   <p:sldIdLst>
     <p:sldId id="268" r:id="rId2"/>
@@ -29,6 +29,9 @@
     <p:sldId id="290" r:id="rId17"/>
     <p:sldId id="292" r:id="rId18"/>
     <p:sldId id="291" r:id="rId19"/>
+    <p:sldId id="293" r:id="rId20"/>
+    <p:sldId id="295" r:id="rId21"/>
+    <p:sldId id="294" r:id="rId22"/>
   </p:sldIdLst>
   <p:sldSz cx="12192000" cy="6858000"/>
   <p:notesSz cx="6858000" cy="9144000"/>
@@ -149,6 +152,3655 @@
 </p:presentation>
 </file>
 
+<file path=ppt/diagrams/colors1.xml><?xml version="1.0" encoding="utf-8"?>
+<dgm:colorsDef xmlns:dgm="http://schemas.openxmlformats.org/drawingml/2006/diagram" xmlns:a="http://schemas.openxmlformats.org/drawingml/2006/main" uniqueId="urn:microsoft.com/office/officeart/2018/5/colors/Iconchunking_neutralicontext_accent3_2">
+  <dgm:title val=""/>
+  <dgm:desc val=""/>
+  <dgm:catLst>
+    <dgm:cat type="accent3" pri="13200"/>
+  </dgm:catLst>
+  <dgm:styleLbl name="node0">
+    <dgm:fillClrLst meth="repeat">
+      <a:schemeClr val="accent3"/>
+    </dgm:fillClrLst>
+    <dgm:linClrLst meth="repeat">
+      <a:schemeClr val="lt1"/>
+    </dgm:linClrLst>
+    <dgm:effectClrLst/>
+    <dgm:txLinClrLst/>
+    <dgm:txFillClrLst/>
+    <dgm:txEffectClrLst/>
+  </dgm:styleLbl>
+  <dgm:styleLbl name="node1">
+    <dgm:fillClrLst meth="repeat">
+      <a:schemeClr val="bg1"/>
+    </dgm:fillClrLst>
+    <dgm:linClrLst meth="repeat">
+      <a:schemeClr val="lt1">
+        <a:alpha val="0"/>
+      </a:schemeClr>
+    </dgm:linClrLst>
+    <dgm:effectClrLst/>
+    <dgm:txLinClrLst/>
+    <dgm:txFillClrLst meth="repeat">
+      <a:schemeClr val="dk1"/>
+    </dgm:txFillClrLst>
+    <dgm:txEffectClrLst/>
+  </dgm:styleLbl>
+  <dgm:styleLbl name="alignNode1">
+    <dgm:fillClrLst meth="repeat">
+      <a:schemeClr val="accent3"/>
+    </dgm:fillClrLst>
+    <dgm:linClrLst meth="repeat">
+      <a:schemeClr val="accent3"/>
+    </dgm:linClrLst>
+    <dgm:effectClrLst/>
+    <dgm:txLinClrLst/>
+    <dgm:txFillClrLst/>
+    <dgm:txEffectClrLst/>
+  </dgm:styleLbl>
+  <dgm:styleLbl name="lnNode1">
+    <dgm:fillClrLst meth="repeat">
+      <a:schemeClr val="accent3"/>
+    </dgm:fillClrLst>
+    <dgm:linClrLst meth="repeat">
+      <a:schemeClr val="lt1"/>
+    </dgm:linClrLst>
+    <dgm:effectClrLst/>
+    <dgm:txLinClrLst/>
+    <dgm:txFillClrLst/>
+    <dgm:txEffectClrLst/>
+  </dgm:styleLbl>
+  <dgm:styleLbl name="vennNode1">
+    <dgm:fillClrLst meth="repeat">
+      <a:schemeClr val="accent3">
+        <a:alpha val="50000"/>
+      </a:schemeClr>
+    </dgm:fillClrLst>
+    <dgm:linClrLst meth="repeat">
+      <a:schemeClr val="lt1"/>
+    </dgm:linClrLst>
+    <dgm:effectClrLst/>
+    <dgm:txLinClrLst/>
+    <dgm:txFillClrLst/>
+    <dgm:txEffectClrLst/>
+  </dgm:styleLbl>
+  <dgm:styleLbl name="node2">
+    <dgm:fillClrLst meth="repeat">
+      <a:schemeClr val="accent3"/>
+    </dgm:fillClrLst>
+    <dgm:linClrLst meth="repeat">
+      <a:schemeClr val="lt1"/>
+    </dgm:linClrLst>
+    <dgm:effectClrLst/>
+    <dgm:txLinClrLst/>
+    <dgm:txFillClrLst/>
+    <dgm:txEffectClrLst/>
+  </dgm:styleLbl>
+  <dgm:styleLbl name="node3">
+    <dgm:fillClrLst meth="repeat">
+      <a:schemeClr val="accent3"/>
+    </dgm:fillClrLst>
+    <dgm:linClrLst meth="repeat">
+      <a:schemeClr val="lt1"/>
+    </dgm:linClrLst>
+    <dgm:effectClrLst/>
+    <dgm:txLinClrLst/>
+    <dgm:txFillClrLst/>
+    <dgm:txEffectClrLst/>
+  </dgm:styleLbl>
+  <dgm:styleLbl name="node4">
+    <dgm:fillClrLst meth="repeat">
+      <a:schemeClr val="accent3"/>
+    </dgm:fillClrLst>
+    <dgm:linClrLst meth="repeat">
+      <a:schemeClr val="lt1"/>
+    </dgm:linClrLst>
+    <dgm:effectClrLst/>
+    <dgm:txLinClrLst/>
+    <dgm:txFillClrLst/>
+    <dgm:txEffectClrLst/>
+  </dgm:styleLbl>
+  <dgm:styleLbl name="fgImgPlace1">
+    <dgm:fillClrLst meth="repeat">
+      <a:schemeClr val="accent3">
+        <a:tint val="50000"/>
+      </a:schemeClr>
+    </dgm:fillClrLst>
+    <dgm:linClrLst meth="repeat">
+      <a:schemeClr val="lt1"/>
+    </dgm:linClrLst>
+    <dgm:effectClrLst/>
+    <dgm:txLinClrLst/>
+    <dgm:txFillClrLst meth="repeat">
+      <a:schemeClr val="lt1"/>
+    </dgm:txFillClrLst>
+    <dgm:txEffectClrLst/>
+  </dgm:styleLbl>
+  <dgm:styleLbl name="alignImgPlace1">
+    <dgm:fillClrLst meth="repeat">
+      <a:schemeClr val="accent3">
+        <a:tint val="50000"/>
+      </a:schemeClr>
+    </dgm:fillClrLst>
+    <dgm:linClrLst meth="repeat">
+      <a:schemeClr val="lt1"/>
+    </dgm:linClrLst>
+    <dgm:effectClrLst/>
+    <dgm:txLinClrLst/>
+    <dgm:txFillClrLst meth="repeat">
+      <a:schemeClr val="lt1"/>
+    </dgm:txFillClrLst>
+    <dgm:txEffectClrLst/>
+  </dgm:styleLbl>
+  <dgm:styleLbl name="bgImgPlace1">
+    <dgm:fillClrLst meth="repeat">
+      <a:schemeClr val="accent3">
+        <a:tint val="50000"/>
+      </a:schemeClr>
+    </dgm:fillClrLst>
+    <dgm:linClrLst meth="repeat">
+      <a:schemeClr val="lt1"/>
+    </dgm:linClrLst>
+    <dgm:effectClrLst/>
+    <dgm:txLinClrLst/>
+    <dgm:txFillClrLst meth="repeat">
+      <a:schemeClr val="lt1"/>
+    </dgm:txFillClrLst>
+    <dgm:txEffectClrLst/>
+  </dgm:styleLbl>
+  <dgm:styleLbl name="sibTrans2D1">
+    <dgm:fillClrLst meth="repeat">
+      <a:schemeClr val="accent3">
+        <a:tint val="60000"/>
+      </a:schemeClr>
+    </dgm:fillClrLst>
+    <dgm:linClrLst meth="repeat">
+      <a:schemeClr val="accent3">
+        <a:tint val="60000"/>
+      </a:schemeClr>
+    </dgm:linClrLst>
+    <dgm:effectClrLst/>
+    <dgm:txLinClrLst/>
+    <dgm:txFillClrLst/>
+    <dgm:txEffectClrLst/>
+  </dgm:styleLbl>
+  <dgm:styleLbl name="fgSibTrans2D1">
+    <dgm:fillClrLst meth="repeat">
+      <a:schemeClr val="accent3">
+        <a:tint val="60000"/>
+      </a:schemeClr>
+    </dgm:fillClrLst>
+    <dgm:linClrLst meth="repeat">
+      <a:schemeClr val="accent3">
+        <a:tint val="60000"/>
+      </a:schemeClr>
+    </dgm:linClrLst>
+    <dgm:effectClrLst/>
+    <dgm:txLinClrLst/>
+    <dgm:txFillClrLst/>
+    <dgm:txEffectClrLst/>
+  </dgm:styleLbl>
+  <dgm:styleLbl name="bgSibTrans2D1">
+    <dgm:fillClrLst meth="repeat">
+      <a:schemeClr val="accent3">
+        <a:tint val="60000"/>
+      </a:schemeClr>
+    </dgm:fillClrLst>
+    <dgm:linClrLst meth="repeat">
+      <a:schemeClr val="accent3">
+        <a:tint val="60000"/>
+      </a:schemeClr>
+    </dgm:linClrLst>
+    <dgm:effectClrLst/>
+    <dgm:txLinClrLst/>
+    <dgm:txFillClrLst/>
+    <dgm:txEffectClrLst/>
+  </dgm:styleLbl>
+  <dgm:styleLbl name="sibTrans1D1">
+    <dgm:fillClrLst meth="repeat">
+      <a:schemeClr val="accent3"/>
+    </dgm:fillClrLst>
+    <dgm:linClrLst meth="repeat">
+      <a:schemeClr val="accent3"/>
+    </dgm:linClrLst>
+    <dgm:effectClrLst/>
+    <dgm:txLinClrLst/>
+    <dgm:txFillClrLst meth="repeat">
+      <a:schemeClr val="tx1"/>
+    </dgm:txFillClrLst>
+    <dgm:txEffectClrLst/>
+  </dgm:styleLbl>
+  <dgm:styleLbl name="callout">
+    <dgm:fillClrLst meth="repeat">
+      <a:schemeClr val="accent3"/>
+    </dgm:fillClrLst>
+    <dgm:linClrLst meth="repeat">
+      <a:schemeClr val="accent3">
+        <a:tint val="50000"/>
+      </a:schemeClr>
+    </dgm:linClrLst>
+    <dgm:effectClrLst/>
+    <dgm:txLinClrLst/>
+    <dgm:txFillClrLst meth="repeat">
+      <a:schemeClr val="tx1"/>
+    </dgm:txFillClrLst>
+    <dgm:txEffectClrLst/>
+  </dgm:styleLbl>
+  <dgm:styleLbl name="asst0">
+    <dgm:fillClrLst meth="repeat">
+      <a:schemeClr val="accent3"/>
+    </dgm:fillClrLst>
+    <dgm:linClrLst meth="repeat">
+      <a:schemeClr val="lt1"/>
+    </dgm:linClrLst>
+    <dgm:effectClrLst/>
+    <dgm:txLinClrLst/>
+    <dgm:txFillClrLst/>
+    <dgm:txEffectClrLst/>
+  </dgm:styleLbl>
+  <dgm:styleLbl name="asst1">
+    <dgm:fillClrLst meth="repeat">
+      <a:schemeClr val="accent3"/>
+    </dgm:fillClrLst>
+    <dgm:linClrLst meth="repeat">
+      <a:schemeClr val="lt1"/>
+    </dgm:linClrLst>
+    <dgm:effectClrLst/>
+    <dgm:txLinClrLst/>
+    <dgm:txFillClrLst/>
+    <dgm:txEffectClrLst/>
+  </dgm:styleLbl>
+  <dgm:styleLbl name="asst2">
+    <dgm:fillClrLst meth="repeat">
+      <a:schemeClr val="accent3"/>
+    </dgm:fillClrLst>
+    <dgm:linClrLst meth="repeat">
+      <a:schemeClr val="lt1"/>
+    </dgm:linClrLst>
+    <dgm:effectClrLst/>
+    <dgm:txLinClrLst/>
+    <dgm:txFillClrLst/>
+    <dgm:txEffectClrLst/>
+  </dgm:styleLbl>
+  <dgm:styleLbl name="asst3">
+    <dgm:fillClrLst meth="repeat">
+      <a:schemeClr val="accent3"/>
+    </dgm:fillClrLst>
+    <dgm:linClrLst meth="repeat">
+      <a:schemeClr val="lt1"/>
+    </dgm:linClrLst>
+    <dgm:effectClrLst/>
+    <dgm:txLinClrLst/>
+    <dgm:txFillClrLst/>
+    <dgm:txEffectClrLst/>
+  </dgm:styleLbl>
+  <dgm:styleLbl name="asst4">
+    <dgm:fillClrLst meth="repeat">
+      <a:schemeClr val="accent3"/>
+    </dgm:fillClrLst>
+    <dgm:linClrLst meth="repeat">
+      <a:schemeClr val="lt1"/>
+    </dgm:linClrLst>
+    <dgm:effectClrLst/>
+    <dgm:txLinClrLst/>
+    <dgm:txFillClrLst/>
+    <dgm:txEffectClrLst/>
+  </dgm:styleLbl>
+  <dgm:styleLbl name="parChTrans2D1">
+    <dgm:fillClrLst meth="repeat">
+      <a:schemeClr val="accent3">
+        <a:tint val="60000"/>
+      </a:schemeClr>
+    </dgm:fillClrLst>
+    <dgm:linClrLst meth="repeat">
+      <a:schemeClr val="accent3">
+        <a:tint val="60000"/>
+      </a:schemeClr>
+    </dgm:linClrLst>
+    <dgm:effectClrLst/>
+    <dgm:txLinClrLst/>
+    <dgm:txFillClrLst meth="repeat">
+      <a:schemeClr val="lt1"/>
+    </dgm:txFillClrLst>
+    <dgm:txEffectClrLst/>
+  </dgm:styleLbl>
+  <dgm:styleLbl name="parChTrans2D2">
+    <dgm:fillClrLst meth="repeat">
+      <a:schemeClr val="accent3"/>
+    </dgm:fillClrLst>
+    <dgm:linClrLst meth="repeat">
+      <a:schemeClr val="accent3"/>
+    </dgm:linClrLst>
+    <dgm:effectClrLst/>
+    <dgm:txLinClrLst/>
+    <dgm:txFillClrLst meth="repeat">
+      <a:schemeClr val="lt1"/>
+    </dgm:txFillClrLst>
+    <dgm:txEffectClrLst/>
+  </dgm:styleLbl>
+  <dgm:styleLbl name="parChTrans2D3">
+    <dgm:fillClrLst meth="repeat">
+      <a:schemeClr val="accent3"/>
+    </dgm:fillClrLst>
+    <dgm:linClrLst meth="repeat">
+      <a:schemeClr val="accent3"/>
+    </dgm:linClrLst>
+    <dgm:effectClrLst/>
+    <dgm:txLinClrLst/>
+    <dgm:txFillClrLst meth="repeat">
+      <a:schemeClr val="lt1"/>
+    </dgm:txFillClrLst>
+    <dgm:txEffectClrLst/>
+  </dgm:styleLbl>
+  <dgm:styleLbl name="parChTrans2D4">
+    <dgm:fillClrLst meth="repeat">
+      <a:schemeClr val="accent3"/>
+    </dgm:fillClrLst>
+    <dgm:linClrLst meth="repeat">
+      <a:schemeClr val="accent3"/>
+    </dgm:linClrLst>
+    <dgm:effectClrLst/>
+    <dgm:txLinClrLst/>
+    <dgm:txFillClrLst meth="repeat">
+      <a:schemeClr val="lt1"/>
+    </dgm:txFillClrLst>
+    <dgm:txEffectClrLst/>
+  </dgm:styleLbl>
+  <dgm:styleLbl name="parChTrans1D1">
+    <dgm:fillClrLst meth="repeat">
+      <a:schemeClr val="accent3"/>
+    </dgm:fillClrLst>
+    <dgm:linClrLst meth="repeat">
+      <a:schemeClr val="accent3">
+        <a:shade val="60000"/>
+      </a:schemeClr>
+    </dgm:linClrLst>
+    <dgm:effectClrLst/>
+    <dgm:txLinClrLst/>
+    <dgm:txFillClrLst meth="repeat">
+      <a:schemeClr val="tx1"/>
+    </dgm:txFillClrLst>
+    <dgm:txEffectClrLst/>
+  </dgm:styleLbl>
+  <dgm:styleLbl name="parChTrans1D2">
+    <dgm:fillClrLst meth="repeat">
+      <a:schemeClr val="accent3"/>
+    </dgm:fillClrLst>
+    <dgm:linClrLst meth="repeat">
+      <a:schemeClr val="accent3">
+        <a:shade val="60000"/>
+      </a:schemeClr>
+    </dgm:linClrLst>
+    <dgm:effectClrLst/>
+    <dgm:txLinClrLst/>
+    <dgm:txFillClrLst meth="repeat">
+      <a:schemeClr val="tx1"/>
+    </dgm:txFillClrLst>
+    <dgm:txEffectClrLst/>
+  </dgm:styleLbl>
+  <dgm:styleLbl name="parChTrans1D3">
+    <dgm:fillClrLst meth="repeat">
+      <a:schemeClr val="accent3"/>
+    </dgm:fillClrLst>
+    <dgm:linClrLst meth="repeat">
+      <a:schemeClr val="accent3">
+        <a:shade val="80000"/>
+      </a:schemeClr>
+    </dgm:linClrLst>
+    <dgm:effectClrLst/>
+    <dgm:txLinClrLst/>
+    <dgm:txFillClrLst meth="repeat">
+      <a:schemeClr val="tx1"/>
+    </dgm:txFillClrLst>
+    <dgm:txEffectClrLst/>
+  </dgm:styleLbl>
+  <dgm:styleLbl name="parChTrans1D4">
+    <dgm:fillClrLst meth="repeat">
+      <a:schemeClr val="accent3"/>
+    </dgm:fillClrLst>
+    <dgm:linClrLst meth="repeat">
+      <a:schemeClr val="accent3">
+        <a:shade val="80000"/>
+      </a:schemeClr>
+    </dgm:linClrLst>
+    <dgm:effectClrLst/>
+    <dgm:txLinClrLst/>
+    <dgm:txFillClrLst meth="repeat">
+      <a:schemeClr val="tx1"/>
+    </dgm:txFillClrLst>
+    <dgm:txEffectClrLst/>
+  </dgm:styleLbl>
+  <dgm:styleLbl name="fgAcc1">
+    <dgm:fillClrLst meth="repeat">
+      <a:schemeClr val="lt1">
+        <a:alpha val="90000"/>
+      </a:schemeClr>
+    </dgm:fillClrLst>
+    <dgm:linClrLst meth="repeat">
+      <a:schemeClr val="accent3"/>
+    </dgm:linClrLst>
+    <dgm:effectClrLst/>
+    <dgm:txLinClrLst/>
+    <dgm:txFillClrLst meth="repeat">
+      <a:schemeClr val="dk1"/>
+    </dgm:txFillClrLst>
+    <dgm:txEffectClrLst/>
+  </dgm:styleLbl>
+  <dgm:styleLbl name="conFgAcc1">
+    <dgm:fillClrLst meth="repeat">
+      <a:schemeClr val="lt1">
+        <a:alpha val="90000"/>
+      </a:schemeClr>
+    </dgm:fillClrLst>
+    <dgm:linClrLst meth="repeat">
+      <a:schemeClr val="accent3"/>
+    </dgm:linClrLst>
+    <dgm:effectClrLst/>
+    <dgm:txLinClrLst/>
+    <dgm:txFillClrLst meth="repeat">
+      <a:schemeClr val="dk1"/>
+    </dgm:txFillClrLst>
+    <dgm:txEffectClrLst/>
+  </dgm:styleLbl>
+  <dgm:styleLbl name="alignAcc1">
+    <dgm:fillClrLst meth="repeat">
+      <a:schemeClr val="lt1">
+        <a:alpha val="90000"/>
+      </a:schemeClr>
+    </dgm:fillClrLst>
+    <dgm:linClrLst meth="repeat">
+      <a:schemeClr val="accent3"/>
+    </dgm:linClrLst>
+    <dgm:effectClrLst/>
+    <dgm:txLinClrLst/>
+    <dgm:txFillClrLst meth="repeat">
+      <a:schemeClr val="dk1"/>
+    </dgm:txFillClrLst>
+    <dgm:txEffectClrLst/>
+  </dgm:styleLbl>
+  <dgm:styleLbl name="trAlignAcc1">
+    <dgm:fillClrLst meth="repeat">
+      <a:schemeClr val="lt1">
+        <a:alpha val="40000"/>
+      </a:schemeClr>
+    </dgm:fillClrLst>
+    <dgm:linClrLst meth="repeat">
+      <a:schemeClr val="accent3"/>
+    </dgm:linClrLst>
+    <dgm:effectClrLst/>
+    <dgm:txLinClrLst/>
+    <dgm:txFillClrLst meth="repeat">
+      <a:schemeClr val="dk1"/>
+    </dgm:txFillClrLst>
+    <dgm:txEffectClrLst/>
+  </dgm:styleLbl>
+  <dgm:styleLbl name="bgAcc1">
+    <dgm:fillClrLst meth="repeat">
+      <a:schemeClr val="lt1">
+        <a:alpha val="90000"/>
+      </a:schemeClr>
+    </dgm:fillClrLst>
+    <dgm:linClrLst meth="repeat">
+      <a:schemeClr val="accent3"/>
+    </dgm:linClrLst>
+    <dgm:effectClrLst/>
+    <dgm:txLinClrLst/>
+    <dgm:txFillClrLst meth="repeat">
+      <a:schemeClr val="dk1"/>
+    </dgm:txFillClrLst>
+    <dgm:txEffectClrLst/>
+  </dgm:styleLbl>
+  <dgm:styleLbl name="solidFgAcc1">
+    <dgm:fillClrLst meth="repeat">
+      <a:schemeClr val="lt1"/>
+    </dgm:fillClrLst>
+    <dgm:linClrLst meth="repeat">
+      <a:schemeClr val="accent3"/>
+    </dgm:linClrLst>
+    <dgm:effectClrLst/>
+    <dgm:txLinClrLst/>
+    <dgm:txFillClrLst meth="repeat">
+      <a:schemeClr val="dk1"/>
+    </dgm:txFillClrLst>
+    <dgm:txEffectClrLst/>
+  </dgm:styleLbl>
+  <dgm:styleLbl name="solidAlignAcc1">
+    <dgm:fillClrLst meth="repeat">
+      <a:schemeClr val="lt1"/>
+    </dgm:fillClrLst>
+    <dgm:linClrLst meth="repeat">
+      <a:schemeClr val="accent3"/>
+    </dgm:linClrLst>
+    <dgm:effectClrLst/>
+    <dgm:txLinClrLst/>
+    <dgm:txFillClrLst meth="repeat">
+      <a:schemeClr val="dk1"/>
+    </dgm:txFillClrLst>
+    <dgm:txEffectClrLst/>
+  </dgm:styleLbl>
+  <dgm:styleLbl name="solidBgAcc1">
+    <dgm:fillClrLst meth="repeat">
+      <a:schemeClr val="lt1"/>
+    </dgm:fillClrLst>
+    <dgm:linClrLst meth="repeat">
+      <a:schemeClr val="accent3"/>
+    </dgm:linClrLst>
+    <dgm:effectClrLst/>
+    <dgm:txLinClrLst/>
+    <dgm:txFillClrLst meth="repeat">
+      <a:schemeClr val="dk1"/>
+    </dgm:txFillClrLst>
+    <dgm:txEffectClrLst/>
+  </dgm:styleLbl>
+  <dgm:styleLbl name="fgAccFollowNode1">
+    <dgm:fillClrLst meth="repeat">
+      <a:schemeClr val="accent3">
+        <a:alpha val="90000"/>
+        <a:tint val="40000"/>
+      </a:schemeClr>
+    </dgm:fillClrLst>
+    <dgm:linClrLst meth="repeat">
+      <a:schemeClr val="accent3">
+        <a:alpha val="90000"/>
+        <a:tint val="40000"/>
+      </a:schemeClr>
+    </dgm:linClrLst>
+    <dgm:effectClrLst/>
+    <dgm:txLinClrLst/>
+    <dgm:txFillClrLst meth="repeat">
+      <a:schemeClr val="dk1"/>
+    </dgm:txFillClrLst>
+    <dgm:txEffectClrLst/>
+  </dgm:styleLbl>
+  <dgm:styleLbl name="alignAccFollowNode1">
+    <dgm:fillClrLst meth="repeat">
+      <a:schemeClr val="accent3">
+        <a:alpha val="90000"/>
+        <a:tint val="40000"/>
+      </a:schemeClr>
+    </dgm:fillClrLst>
+    <dgm:linClrLst meth="repeat">
+      <a:schemeClr val="accent3">
+        <a:alpha val="90000"/>
+        <a:tint val="40000"/>
+      </a:schemeClr>
+    </dgm:linClrLst>
+    <dgm:effectClrLst/>
+    <dgm:txLinClrLst/>
+    <dgm:txFillClrLst meth="repeat">
+      <a:schemeClr val="dk1"/>
+    </dgm:txFillClrLst>
+    <dgm:txEffectClrLst/>
+  </dgm:styleLbl>
+  <dgm:styleLbl name="bgAccFollowNode1">
+    <dgm:fillClrLst meth="repeat">
+      <a:schemeClr val="accent3">
+        <a:alpha val="90000"/>
+        <a:tint val="40000"/>
+      </a:schemeClr>
+    </dgm:fillClrLst>
+    <dgm:linClrLst meth="repeat">
+      <a:schemeClr val="accent3">
+        <a:alpha val="90000"/>
+        <a:tint val="40000"/>
+      </a:schemeClr>
+    </dgm:linClrLst>
+    <dgm:effectClrLst/>
+    <dgm:txLinClrLst/>
+    <dgm:txFillClrLst meth="repeat">
+      <a:schemeClr val="dk1"/>
+    </dgm:txFillClrLst>
+    <dgm:txEffectClrLst/>
+  </dgm:styleLbl>
+  <dgm:styleLbl name="fgAcc0">
+    <dgm:fillClrLst meth="repeat">
+      <a:schemeClr val="lt1">
+        <a:alpha val="90000"/>
+      </a:schemeClr>
+    </dgm:fillClrLst>
+    <dgm:linClrLst meth="repeat">
+      <a:schemeClr val="accent3"/>
+    </dgm:linClrLst>
+    <dgm:effectClrLst/>
+    <dgm:txLinClrLst/>
+    <dgm:txFillClrLst meth="repeat">
+      <a:schemeClr val="dk1"/>
+    </dgm:txFillClrLst>
+    <dgm:txEffectClrLst/>
+  </dgm:styleLbl>
+  <dgm:styleLbl name="fgAcc2">
+    <dgm:fillClrLst meth="repeat">
+      <a:schemeClr val="lt1">
+        <a:alpha val="90000"/>
+      </a:schemeClr>
+    </dgm:fillClrLst>
+    <dgm:linClrLst meth="repeat">
+      <a:schemeClr val="accent3"/>
+    </dgm:linClrLst>
+    <dgm:effectClrLst/>
+    <dgm:txLinClrLst/>
+    <dgm:txFillClrLst meth="repeat">
+      <a:schemeClr val="dk1"/>
+    </dgm:txFillClrLst>
+    <dgm:txEffectClrLst/>
+  </dgm:styleLbl>
+  <dgm:styleLbl name="fgAcc3">
+    <dgm:fillClrLst meth="repeat">
+      <a:schemeClr val="lt1">
+        <a:alpha val="90000"/>
+      </a:schemeClr>
+    </dgm:fillClrLst>
+    <dgm:linClrLst meth="repeat">
+      <a:schemeClr val="accent3"/>
+    </dgm:linClrLst>
+    <dgm:effectClrLst/>
+    <dgm:txLinClrLst/>
+    <dgm:txFillClrLst meth="repeat">
+      <a:schemeClr val="dk1"/>
+    </dgm:txFillClrLst>
+    <dgm:txEffectClrLst/>
+  </dgm:styleLbl>
+  <dgm:styleLbl name="fgAcc4">
+    <dgm:fillClrLst meth="repeat">
+      <a:schemeClr val="lt1">
+        <a:alpha val="90000"/>
+      </a:schemeClr>
+    </dgm:fillClrLst>
+    <dgm:linClrLst meth="repeat">
+      <a:schemeClr val="accent3"/>
+    </dgm:linClrLst>
+    <dgm:effectClrLst/>
+    <dgm:txLinClrLst/>
+    <dgm:txFillClrLst meth="repeat">
+      <a:schemeClr val="dk1"/>
+    </dgm:txFillClrLst>
+    <dgm:txEffectClrLst/>
+  </dgm:styleLbl>
+  <dgm:styleLbl name="bgShp">
+    <dgm:fillClrLst meth="repeat">
+      <a:schemeClr val="accent3"/>
+    </dgm:fillClrLst>
+    <dgm:linClrLst meth="repeat">
+      <a:schemeClr val="lt1">
+        <a:alpha val="0"/>
+      </a:schemeClr>
+    </dgm:linClrLst>
+    <dgm:effectClrLst/>
+    <dgm:txLinClrLst/>
+    <dgm:txFillClrLst/>
+    <dgm:txEffectClrLst/>
+  </dgm:styleLbl>
+  <dgm:styleLbl name="dkBgShp">
+    <dgm:fillClrLst meth="repeat">
+      <a:schemeClr val="accent3">
+        <a:shade val="80000"/>
+      </a:schemeClr>
+    </dgm:fillClrLst>
+    <dgm:linClrLst meth="repeat">
+      <a:schemeClr val="accent3"/>
+    </dgm:linClrLst>
+    <dgm:effectClrLst/>
+    <dgm:txLinClrLst/>
+    <dgm:txFillClrLst meth="repeat">
+      <a:schemeClr val="lt1"/>
+    </dgm:txFillClrLst>
+    <dgm:txEffectClrLst/>
+  </dgm:styleLbl>
+  <dgm:styleLbl name="trBgShp">
+    <dgm:fillClrLst meth="repeat">
+      <a:schemeClr val="accent3">
+        <a:tint val="50000"/>
+        <a:alpha val="40000"/>
+      </a:schemeClr>
+    </dgm:fillClrLst>
+    <dgm:linClrLst meth="repeat">
+      <a:schemeClr val="accent3"/>
+    </dgm:linClrLst>
+    <dgm:effectClrLst/>
+    <dgm:txLinClrLst/>
+    <dgm:txFillClrLst meth="repeat">
+      <a:schemeClr val="lt1"/>
+    </dgm:txFillClrLst>
+    <dgm:txEffectClrLst/>
+  </dgm:styleLbl>
+  <dgm:styleLbl name="fgShp">
+    <dgm:fillClrLst meth="repeat">
+      <a:schemeClr val="accent3">
+        <a:tint val="60000"/>
+      </a:schemeClr>
+    </dgm:fillClrLst>
+    <dgm:linClrLst meth="repeat">
+      <a:schemeClr val="lt1"/>
+    </dgm:linClrLst>
+    <dgm:effectClrLst/>
+    <dgm:txLinClrLst/>
+    <dgm:txFillClrLst meth="repeat">
+      <a:schemeClr val="dk1"/>
+    </dgm:txFillClrLst>
+    <dgm:txEffectClrLst/>
+  </dgm:styleLbl>
+  <dgm:styleLbl name="revTx">
+    <dgm:fillClrLst meth="repeat">
+      <a:schemeClr val="lt1">
+        <a:alpha val="0"/>
+      </a:schemeClr>
+    </dgm:fillClrLst>
+    <dgm:linClrLst meth="repeat">
+      <a:schemeClr val="dk1">
+        <a:alpha val="0"/>
+      </a:schemeClr>
+    </dgm:linClrLst>
+    <dgm:effectClrLst/>
+    <dgm:txLinClrLst/>
+    <dgm:txFillClrLst meth="repeat">
+      <a:schemeClr val="bg1"/>
+    </dgm:txFillClrLst>
+    <dgm:txEffectClrLst/>
+  </dgm:styleLbl>
+</dgm:colorsDef>
+</file>
+
+<file path=ppt/diagrams/data1.xml><?xml version="1.0" encoding="utf-8"?>
+<dgm:dataModel xmlns:dgm="http://schemas.openxmlformats.org/drawingml/2006/diagram" xmlns:a="http://schemas.openxmlformats.org/drawingml/2006/main">
+  <dgm:ptLst>
+    <dgm:pt modelId="{58A86A4D-8AA9-40B2-B945-B0DD059791AD}" type="doc">
+      <dgm:prSet loTypeId="urn:microsoft.com/office/officeart/2018/2/layout/IconVerticalSolidList" loCatId="icon" qsTypeId="urn:microsoft.com/office/officeart/2005/8/quickstyle/simple4" qsCatId="simple" csTypeId="urn:microsoft.com/office/officeart/2018/5/colors/Iconchunking_neutralicontext_accent3_2" csCatId="accent3" phldr="1"/>
+      <dgm:spPr/>
+      <dgm:t>
+        <a:bodyPr/>
+        <a:lstStyle/>
+        <a:p>
+          <a:endParaRPr lang="en-US"/>
+        </a:p>
+      </dgm:t>
+    </dgm:pt>
+    <dgm:pt modelId="{4AFD3319-7FF3-44BF-9843-EE10E0E6A6AC}">
+      <dgm:prSet/>
+      <dgm:spPr/>
+      <dgm:t>
+        <a:bodyPr/>
+        <a:lstStyle/>
+        <a:p>
+          <a:r>
+            <a:rPr lang="en-US" b="1"/>
+            <a:t>Drawing #5</a:t>
+          </a:r>
+          <a:endParaRPr lang="en-US"/>
+        </a:p>
+      </dgm:t>
+    </dgm:pt>
+    <dgm:pt modelId="{716438A7-F031-46CC-BEE6-D9A4C0AF4DF9}" type="parTrans" cxnId="{2465885E-333C-419B-83D7-320F08B36382}">
+      <dgm:prSet/>
+      <dgm:spPr/>
+      <dgm:t>
+        <a:bodyPr/>
+        <a:lstStyle/>
+        <a:p>
+          <a:endParaRPr lang="en-US"/>
+        </a:p>
+      </dgm:t>
+    </dgm:pt>
+    <dgm:pt modelId="{48EA5ECE-017A-4922-9157-EBB4A3E0CFFB}" type="sibTrans" cxnId="{2465885E-333C-419B-83D7-320F08B36382}">
+      <dgm:prSet/>
+      <dgm:spPr/>
+      <dgm:t>
+        <a:bodyPr/>
+        <a:lstStyle/>
+        <a:p>
+          <a:endParaRPr lang="en-US"/>
+        </a:p>
+      </dgm:t>
+    </dgm:pt>
+    <dgm:pt modelId="{7E2BCB3B-EBD8-4D21-81B9-F7E6090C21DF}">
+      <dgm:prSet/>
+      <dgm:spPr/>
+      <dgm:t>
+        <a:bodyPr/>
+        <a:lstStyle/>
+        <a:p>
+          <a:r>
+            <a:rPr lang="en-US"/>
+            <a:t>Was due yesterday, Tuesday, 10/9</a:t>
+          </a:r>
+        </a:p>
+      </dgm:t>
+    </dgm:pt>
+    <dgm:pt modelId="{83D8123C-1549-4CF6-9CDD-5AA855FFA0ED}" type="parTrans" cxnId="{EC5799DF-140F-4ED3-81F6-B29988A579C8}">
+      <dgm:prSet/>
+      <dgm:spPr/>
+      <dgm:t>
+        <a:bodyPr/>
+        <a:lstStyle/>
+        <a:p>
+          <a:endParaRPr lang="en-US"/>
+        </a:p>
+      </dgm:t>
+    </dgm:pt>
+    <dgm:pt modelId="{2EB44D9C-1C2E-4A56-958A-938B5F5F8CAE}" type="sibTrans" cxnId="{EC5799DF-140F-4ED3-81F6-B29988A579C8}">
+      <dgm:prSet/>
+      <dgm:spPr/>
+      <dgm:t>
+        <a:bodyPr/>
+        <a:lstStyle/>
+        <a:p>
+          <a:endParaRPr lang="en-US"/>
+        </a:p>
+      </dgm:t>
+    </dgm:pt>
+    <dgm:pt modelId="{CB0ECAA9-110C-4981-917E-07995E2F1CD5}">
+      <dgm:prSet/>
+      <dgm:spPr/>
+      <dgm:t>
+        <a:bodyPr/>
+        <a:lstStyle/>
+        <a:p>
+          <a:r>
+            <a:rPr lang="en-US"/>
+            <a:t>Each missed day -10 points</a:t>
+          </a:r>
+        </a:p>
+      </dgm:t>
+    </dgm:pt>
+    <dgm:pt modelId="{3E82EAD0-F43B-4FAF-8F4F-5B145A7FC601}" type="parTrans" cxnId="{5CBEDFF9-0818-4954-9E26-BF380D7E902C}">
+      <dgm:prSet/>
+      <dgm:spPr/>
+      <dgm:t>
+        <a:bodyPr/>
+        <a:lstStyle/>
+        <a:p>
+          <a:endParaRPr lang="en-US"/>
+        </a:p>
+      </dgm:t>
+    </dgm:pt>
+    <dgm:pt modelId="{258A98B8-C7EA-4D95-A27B-DE5EFF7746AF}" type="sibTrans" cxnId="{5CBEDFF9-0818-4954-9E26-BF380D7E902C}">
+      <dgm:prSet/>
+      <dgm:spPr/>
+      <dgm:t>
+        <a:bodyPr/>
+        <a:lstStyle/>
+        <a:p>
+          <a:endParaRPr lang="en-US"/>
+        </a:p>
+      </dgm:t>
+    </dgm:pt>
+    <dgm:pt modelId="{D8404086-47CF-4BA2-A62B-096D8556C598}">
+      <dgm:prSet/>
+      <dgm:spPr/>
+      <dgm:t>
+        <a:bodyPr/>
+        <a:lstStyle/>
+        <a:p>
+          <a:r>
+            <a:rPr lang="en-US" b="1"/>
+            <a:t>Drawing #6 Handout 4-1</a:t>
+          </a:r>
+          <a:endParaRPr lang="en-US"/>
+        </a:p>
+      </dgm:t>
+    </dgm:pt>
+    <dgm:pt modelId="{C6B37330-A6D4-4A44-B541-BDEC32FBE959}" type="parTrans" cxnId="{4BD4C3CE-5FA5-4DBC-9975-DF88A18891AB}">
+      <dgm:prSet/>
+      <dgm:spPr/>
+      <dgm:t>
+        <a:bodyPr/>
+        <a:lstStyle/>
+        <a:p>
+          <a:endParaRPr lang="en-US"/>
+        </a:p>
+      </dgm:t>
+    </dgm:pt>
+    <dgm:pt modelId="{5F9E0280-FC20-44DB-B5E1-B5DE726EEAFA}" type="sibTrans" cxnId="{4BD4C3CE-5FA5-4DBC-9975-DF88A18891AB}">
+      <dgm:prSet/>
+      <dgm:spPr/>
+      <dgm:t>
+        <a:bodyPr/>
+        <a:lstStyle/>
+        <a:p>
+          <a:endParaRPr lang="en-US"/>
+        </a:p>
+      </dgm:t>
+    </dgm:pt>
+    <dgm:pt modelId="{96C040BC-39D5-48B5-BCCF-03D1773A0F1F}">
+      <dgm:prSet/>
+      <dgm:spPr/>
+      <dgm:t>
+        <a:bodyPr/>
+        <a:lstStyle/>
+        <a:p>
+          <a:r>
+            <a:rPr lang="en-US"/>
+            <a:t>Due tomorrow, Thursday, 10/11</a:t>
+          </a:r>
+        </a:p>
+      </dgm:t>
+    </dgm:pt>
+    <dgm:pt modelId="{5765F0F7-58B3-4CDC-97AB-EED10DBF9AEF}" type="parTrans" cxnId="{B416ECD5-2C70-41C7-A142-FA0A5C568442}">
+      <dgm:prSet/>
+      <dgm:spPr/>
+      <dgm:t>
+        <a:bodyPr/>
+        <a:lstStyle/>
+        <a:p>
+          <a:endParaRPr lang="en-US"/>
+        </a:p>
+      </dgm:t>
+    </dgm:pt>
+    <dgm:pt modelId="{19D483A1-D796-4945-A73B-C9B81F1B4592}" type="sibTrans" cxnId="{B416ECD5-2C70-41C7-A142-FA0A5C568442}">
+      <dgm:prSet/>
+      <dgm:spPr/>
+      <dgm:t>
+        <a:bodyPr/>
+        <a:lstStyle/>
+        <a:p>
+          <a:endParaRPr lang="en-US"/>
+        </a:p>
+      </dgm:t>
+    </dgm:pt>
+    <dgm:pt modelId="{3811ABC6-0EBE-4514-9B2A-F7DF91867000}">
+      <dgm:prSet/>
+      <dgm:spPr/>
+      <dgm:t>
+        <a:bodyPr/>
+        <a:lstStyle/>
+        <a:p>
+          <a:r>
+            <a:rPr lang="en-US" b="1"/>
+            <a:t>Drawing #7 Handout 4-2</a:t>
+          </a:r>
+          <a:endParaRPr lang="en-US"/>
+        </a:p>
+      </dgm:t>
+    </dgm:pt>
+    <dgm:pt modelId="{78CDE0C2-8A27-49DA-869B-1A7FEFA1FA27}" type="parTrans" cxnId="{0674414E-ACCE-4A68-B079-EA338D7DF4B3}">
+      <dgm:prSet/>
+      <dgm:spPr/>
+      <dgm:t>
+        <a:bodyPr/>
+        <a:lstStyle/>
+        <a:p>
+          <a:endParaRPr lang="en-US"/>
+        </a:p>
+      </dgm:t>
+    </dgm:pt>
+    <dgm:pt modelId="{2DE5209A-1AA8-47FD-91FD-8BFFE18FF10A}" type="sibTrans" cxnId="{0674414E-ACCE-4A68-B079-EA338D7DF4B3}">
+      <dgm:prSet/>
+      <dgm:spPr/>
+      <dgm:t>
+        <a:bodyPr/>
+        <a:lstStyle/>
+        <a:p>
+          <a:endParaRPr lang="en-US"/>
+        </a:p>
+      </dgm:t>
+    </dgm:pt>
+    <dgm:pt modelId="{2C20D319-F5F5-4A16-8973-19D4B4503445}">
+      <dgm:prSet/>
+      <dgm:spPr/>
+      <dgm:t>
+        <a:bodyPr/>
+        <a:lstStyle/>
+        <a:p>
+          <a:r>
+            <a:rPr lang="en-US"/>
+            <a:t>Due Friday, 10/12</a:t>
+          </a:r>
+        </a:p>
+      </dgm:t>
+    </dgm:pt>
+    <dgm:pt modelId="{667DDDBE-9316-457D-B5EA-C2E2FCFA4DEF}" type="parTrans" cxnId="{2A536332-A4D2-42C6-B74D-5B794649E9A5}">
+      <dgm:prSet/>
+      <dgm:spPr/>
+      <dgm:t>
+        <a:bodyPr/>
+        <a:lstStyle/>
+        <a:p>
+          <a:endParaRPr lang="en-US"/>
+        </a:p>
+      </dgm:t>
+    </dgm:pt>
+    <dgm:pt modelId="{51ADB56D-824E-4DCF-8974-878D358396C6}" type="sibTrans" cxnId="{2A536332-A4D2-42C6-B74D-5B794649E9A5}">
+      <dgm:prSet/>
+      <dgm:spPr/>
+      <dgm:t>
+        <a:bodyPr/>
+        <a:lstStyle/>
+        <a:p>
+          <a:endParaRPr lang="en-US"/>
+        </a:p>
+      </dgm:t>
+    </dgm:pt>
+    <dgm:pt modelId="{62DB206D-E298-44AB-9A7D-E270ED106012}">
+      <dgm:prSet/>
+      <dgm:spPr/>
+      <dgm:t>
+        <a:bodyPr/>
+        <a:lstStyle/>
+        <a:p>
+          <a:r>
+            <a:rPr lang="en-US" b="1" dirty="0"/>
+            <a:t>Unit 3 Lettering Quiz</a:t>
+          </a:r>
+          <a:endParaRPr lang="en-US" dirty="0"/>
+        </a:p>
+      </dgm:t>
+    </dgm:pt>
+    <dgm:pt modelId="{165B1E4C-9F4F-4E4E-86AD-A0B4A600E458}" type="parTrans" cxnId="{A4DCD365-A1C0-4F5B-BC23-967CF17AC5A8}">
+      <dgm:prSet/>
+      <dgm:spPr/>
+      <dgm:t>
+        <a:bodyPr/>
+        <a:lstStyle/>
+        <a:p>
+          <a:endParaRPr lang="en-US"/>
+        </a:p>
+      </dgm:t>
+    </dgm:pt>
+    <dgm:pt modelId="{9AA4862B-3484-4627-9BFE-C5776D53E4CC}" type="sibTrans" cxnId="{A4DCD365-A1C0-4F5B-BC23-967CF17AC5A8}">
+      <dgm:prSet/>
+      <dgm:spPr/>
+      <dgm:t>
+        <a:bodyPr/>
+        <a:lstStyle/>
+        <a:p>
+          <a:endParaRPr lang="en-US"/>
+        </a:p>
+      </dgm:t>
+    </dgm:pt>
+    <dgm:pt modelId="{CE651174-97B3-4AD0-881F-5F90947CD3CE}">
+      <dgm:prSet/>
+      <dgm:spPr/>
+      <dgm:t>
+        <a:bodyPr/>
+        <a:lstStyle/>
+        <a:p>
+          <a:r>
+            <a:rPr lang="en-US"/>
+            <a:t>Due Sunday</a:t>
+          </a:r>
+        </a:p>
+      </dgm:t>
+    </dgm:pt>
+    <dgm:pt modelId="{A44A253A-AB1E-4048-AA1A-ADA00F44AB63}" type="parTrans" cxnId="{13C5D3C1-EFFD-4359-93E4-2F6A9E8C815F}">
+      <dgm:prSet/>
+      <dgm:spPr/>
+      <dgm:t>
+        <a:bodyPr/>
+        <a:lstStyle/>
+        <a:p>
+          <a:endParaRPr lang="en-US"/>
+        </a:p>
+      </dgm:t>
+    </dgm:pt>
+    <dgm:pt modelId="{0B448668-5D1D-413E-A841-45597EF9ECEC}" type="sibTrans" cxnId="{13C5D3C1-EFFD-4359-93E4-2F6A9E8C815F}">
+      <dgm:prSet/>
+      <dgm:spPr/>
+      <dgm:t>
+        <a:bodyPr/>
+        <a:lstStyle/>
+        <a:p>
+          <a:endParaRPr lang="en-US"/>
+        </a:p>
+      </dgm:t>
+    </dgm:pt>
+    <dgm:pt modelId="{267DE6DF-05B0-475B-A031-688BD2CE5AE6}">
+      <dgm:prSet/>
+      <dgm:spPr/>
+      <dgm:t>
+        <a:bodyPr/>
+        <a:lstStyle/>
+        <a:p>
+          <a:r>
+            <a:rPr lang="en-US"/>
+            <a:t>Is to be completed via Google Classroom</a:t>
+          </a:r>
+        </a:p>
+      </dgm:t>
+    </dgm:pt>
+    <dgm:pt modelId="{B60D317F-EF41-415F-A703-8607D68B8E86}" type="parTrans" cxnId="{C11D2A03-05D2-42C4-985E-E0AB83B35E50}">
+      <dgm:prSet/>
+      <dgm:spPr/>
+      <dgm:t>
+        <a:bodyPr/>
+        <a:lstStyle/>
+        <a:p>
+          <a:endParaRPr lang="en-US"/>
+        </a:p>
+      </dgm:t>
+    </dgm:pt>
+    <dgm:pt modelId="{818CA3E8-34F0-493A-907C-BE2A59381F18}" type="sibTrans" cxnId="{C11D2A03-05D2-42C4-985E-E0AB83B35E50}">
+      <dgm:prSet/>
+      <dgm:spPr/>
+      <dgm:t>
+        <a:bodyPr/>
+        <a:lstStyle/>
+        <a:p>
+          <a:endParaRPr lang="en-US"/>
+        </a:p>
+      </dgm:t>
+    </dgm:pt>
+    <dgm:pt modelId="{FDAB30FF-1498-491E-A23B-E5B478D84F4F}" type="pres">
+      <dgm:prSet presAssocID="{58A86A4D-8AA9-40B2-B945-B0DD059791AD}" presName="root" presStyleCnt="0">
+        <dgm:presLayoutVars>
+          <dgm:dir/>
+          <dgm:resizeHandles val="exact"/>
+        </dgm:presLayoutVars>
+      </dgm:prSet>
+      <dgm:spPr/>
+    </dgm:pt>
+    <dgm:pt modelId="{B5699179-9423-4340-BFFE-1E853739892C}" type="pres">
+      <dgm:prSet presAssocID="{4AFD3319-7FF3-44BF-9843-EE10E0E6A6AC}" presName="compNode" presStyleCnt="0"/>
+      <dgm:spPr/>
+    </dgm:pt>
+    <dgm:pt modelId="{26E782E4-90FA-47EB-AFEA-FB3662B03E64}" type="pres">
+      <dgm:prSet presAssocID="{4AFD3319-7FF3-44BF-9843-EE10E0E6A6AC}" presName="bgRect" presStyleLbl="bgShp" presStyleIdx="0" presStyleCnt="4"/>
+      <dgm:spPr/>
+    </dgm:pt>
+    <dgm:pt modelId="{15474855-99AF-4AC8-8FD8-2CBE29170E77}" type="pres">
+      <dgm:prSet presAssocID="{4AFD3319-7FF3-44BF-9843-EE10E0E6A6AC}" presName="iconRect" presStyleLbl="node1" presStyleIdx="0" presStyleCnt="4"/>
+      <dgm:spPr>
+        <a:blipFill>
+          <a:blip xmlns:r="http://schemas.openxmlformats.org/officeDocument/2006/relationships" r:embed="rId1">
+            <a:extLst>
+              <a:ext uri="{28A0092B-C50C-407E-A947-70E740481C1C}">
+                <a14:useLocalDpi xmlns:a14="http://schemas.microsoft.com/office/drawing/2010/main" val="0"/>
+              </a:ext>
+              <a:ext uri="{96DAC541-7B7A-43D3-8B79-37D633B846F1}">
+                <asvg:svgBlip xmlns:asvg="http://schemas.microsoft.com/office/drawing/2016/SVG/main" r:embed="rId2"/>
+              </a:ext>
+            </a:extLst>
+          </a:blip>
+          <a:stretch>
+            <a:fillRect/>
+          </a:stretch>
+        </a:blipFill>
+        <a:ln>
+          <a:noFill/>
+        </a:ln>
+      </dgm:spPr>
+      <dgm:extLst>
+        <a:ext uri="{E40237B7-FDA0-4F09-8148-C483321AD2D9}">
+          <dgm14:cNvPr xmlns:dgm14="http://schemas.microsoft.com/office/drawing/2010/diagram" id="0" name="" descr="Pencil"/>
+        </a:ext>
+      </dgm:extLst>
+    </dgm:pt>
+    <dgm:pt modelId="{CA1E14FC-D260-42A9-805E-039453AE8239}" type="pres">
+      <dgm:prSet presAssocID="{4AFD3319-7FF3-44BF-9843-EE10E0E6A6AC}" presName="spaceRect" presStyleCnt="0"/>
+      <dgm:spPr/>
+    </dgm:pt>
+    <dgm:pt modelId="{B8AEA655-3B25-4D45-B9F0-7AA805775ED8}" type="pres">
+      <dgm:prSet presAssocID="{4AFD3319-7FF3-44BF-9843-EE10E0E6A6AC}" presName="parTx" presStyleLbl="revTx" presStyleIdx="0" presStyleCnt="8">
+        <dgm:presLayoutVars>
+          <dgm:chMax val="0"/>
+          <dgm:chPref val="0"/>
+        </dgm:presLayoutVars>
+      </dgm:prSet>
+      <dgm:spPr/>
+    </dgm:pt>
+    <dgm:pt modelId="{CA28843F-806E-4710-A671-F49DA3D8B09E}" type="pres">
+      <dgm:prSet presAssocID="{4AFD3319-7FF3-44BF-9843-EE10E0E6A6AC}" presName="desTx" presStyleLbl="revTx" presStyleIdx="1" presStyleCnt="8">
+        <dgm:presLayoutVars/>
+      </dgm:prSet>
+      <dgm:spPr/>
+    </dgm:pt>
+    <dgm:pt modelId="{D27DAB47-A38B-441E-8E52-13BD19D5E1C1}" type="pres">
+      <dgm:prSet presAssocID="{48EA5ECE-017A-4922-9157-EBB4A3E0CFFB}" presName="sibTrans" presStyleCnt="0"/>
+      <dgm:spPr/>
+    </dgm:pt>
+    <dgm:pt modelId="{78BA5942-C5D3-42C4-8F33-D3AC8C92C4F8}" type="pres">
+      <dgm:prSet presAssocID="{D8404086-47CF-4BA2-A62B-096D8556C598}" presName="compNode" presStyleCnt="0"/>
+      <dgm:spPr/>
+    </dgm:pt>
+    <dgm:pt modelId="{0F58F092-1E09-4C5D-A66A-3109B2FAA427}" type="pres">
+      <dgm:prSet presAssocID="{D8404086-47CF-4BA2-A62B-096D8556C598}" presName="bgRect" presStyleLbl="bgShp" presStyleIdx="1" presStyleCnt="4"/>
+      <dgm:spPr/>
+    </dgm:pt>
+    <dgm:pt modelId="{39772D22-6B17-4842-AC56-59C388F88DC3}" type="pres">
+      <dgm:prSet presAssocID="{D8404086-47CF-4BA2-A62B-096D8556C598}" presName="iconRect" presStyleLbl="node1" presStyleIdx="1" presStyleCnt="4"/>
+      <dgm:spPr>
+        <a:blipFill rotWithShape="1">
+          <a:blip xmlns:r="http://schemas.openxmlformats.org/officeDocument/2006/relationships" r:embed="rId1">
+            <a:extLst>
+              <a:ext uri="{28A0092B-C50C-407E-A947-70E740481C1C}">
+                <a14:useLocalDpi xmlns:a14="http://schemas.microsoft.com/office/drawing/2010/main" val="0"/>
+              </a:ext>
+              <a:ext uri="{96DAC541-7B7A-43D3-8B79-37D633B846F1}">
+                <asvg:svgBlip xmlns:asvg="http://schemas.microsoft.com/office/drawing/2016/SVG/main" r:embed="rId2"/>
+              </a:ext>
+            </a:extLst>
+          </a:blip>
+          <a:srcRect/>
+          <a:stretch>
+            <a:fillRect/>
+          </a:stretch>
+        </a:blipFill>
+        <a:ln>
+          <a:noFill/>
+        </a:ln>
+      </dgm:spPr>
+      <dgm:extLst>
+        <a:ext uri="{E40237B7-FDA0-4F09-8148-C483321AD2D9}">
+          <dgm14:cNvPr xmlns:dgm14="http://schemas.microsoft.com/office/drawing/2010/diagram" id="0" name="" descr="Hourglass"/>
+        </a:ext>
+      </dgm:extLst>
+    </dgm:pt>
+    <dgm:pt modelId="{55BB4E46-716E-498E-8072-55573B20E34E}" type="pres">
+      <dgm:prSet presAssocID="{D8404086-47CF-4BA2-A62B-096D8556C598}" presName="spaceRect" presStyleCnt="0"/>
+      <dgm:spPr/>
+    </dgm:pt>
+    <dgm:pt modelId="{C9CE7F85-E815-4FA6-BD4E-12F903C4536A}" type="pres">
+      <dgm:prSet presAssocID="{D8404086-47CF-4BA2-A62B-096D8556C598}" presName="parTx" presStyleLbl="revTx" presStyleIdx="2" presStyleCnt="8">
+        <dgm:presLayoutVars>
+          <dgm:chMax val="0"/>
+          <dgm:chPref val="0"/>
+        </dgm:presLayoutVars>
+      </dgm:prSet>
+      <dgm:spPr/>
+    </dgm:pt>
+    <dgm:pt modelId="{516460C4-9364-4A75-B8C0-AA805BAB68D3}" type="pres">
+      <dgm:prSet presAssocID="{D8404086-47CF-4BA2-A62B-096D8556C598}" presName="desTx" presStyleLbl="revTx" presStyleIdx="3" presStyleCnt="8">
+        <dgm:presLayoutVars/>
+      </dgm:prSet>
+      <dgm:spPr/>
+    </dgm:pt>
+    <dgm:pt modelId="{4F1B8822-7B8C-4531-8093-7F9D7B0520A7}" type="pres">
+      <dgm:prSet presAssocID="{5F9E0280-FC20-44DB-B5E1-B5DE726EEAFA}" presName="sibTrans" presStyleCnt="0"/>
+      <dgm:spPr/>
+    </dgm:pt>
+    <dgm:pt modelId="{89408B1E-A387-4C19-90E7-E2A34C5A7A48}" type="pres">
+      <dgm:prSet presAssocID="{3811ABC6-0EBE-4514-9B2A-F7DF91867000}" presName="compNode" presStyleCnt="0"/>
+      <dgm:spPr/>
+    </dgm:pt>
+    <dgm:pt modelId="{43A3F9FE-72B0-46A2-A1BF-E221478CAF4B}" type="pres">
+      <dgm:prSet presAssocID="{3811ABC6-0EBE-4514-9B2A-F7DF91867000}" presName="bgRect" presStyleLbl="bgShp" presStyleIdx="2" presStyleCnt="4"/>
+      <dgm:spPr/>
+    </dgm:pt>
+    <dgm:pt modelId="{3B47F748-8DF6-4BB3-8A7F-B350645395FD}" type="pres">
+      <dgm:prSet presAssocID="{3811ABC6-0EBE-4514-9B2A-F7DF91867000}" presName="iconRect" presStyleLbl="node1" presStyleIdx="2" presStyleCnt="4"/>
+      <dgm:spPr>
+        <a:blipFill rotWithShape="1">
+          <a:blip xmlns:r="http://schemas.openxmlformats.org/officeDocument/2006/relationships" r:embed="rId1">
+            <a:extLst>
+              <a:ext uri="{28A0092B-C50C-407E-A947-70E740481C1C}">
+                <a14:useLocalDpi xmlns:a14="http://schemas.microsoft.com/office/drawing/2010/main" val="0"/>
+              </a:ext>
+              <a:ext uri="{96DAC541-7B7A-43D3-8B79-37D633B846F1}">
+                <asvg:svgBlip xmlns:asvg="http://schemas.microsoft.com/office/drawing/2016/SVG/main" r:embed="rId2"/>
+              </a:ext>
+            </a:extLst>
+          </a:blip>
+          <a:srcRect/>
+          <a:stretch>
+            <a:fillRect/>
+          </a:stretch>
+        </a:blipFill>
+        <a:ln>
+          <a:noFill/>
+        </a:ln>
+      </dgm:spPr>
+      <dgm:extLst>
+        <a:ext uri="{E40237B7-FDA0-4F09-8148-C483321AD2D9}">
+          <dgm14:cNvPr xmlns:dgm14="http://schemas.microsoft.com/office/drawing/2010/diagram" id="0" name="" descr="Pin"/>
+        </a:ext>
+      </dgm:extLst>
+    </dgm:pt>
+    <dgm:pt modelId="{48B2C583-EEE6-44D1-927A-9D9C33DB4852}" type="pres">
+      <dgm:prSet presAssocID="{3811ABC6-0EBE-4514-9B2A-F7DF91867000}" presName="spaceRect" presStyleCnt="0"/>
+      <dgm:spPr/>
+    </dgm:pt>
+    <dgm:pt modelId="{E3817977-644B-4289-B560-38BEA11FA6AD}" type="pres">
+      <dgm:prSet presAssocID="{3811ABC6-0EBE-4514-9B2A-F7DF91867000}" presName="parTx" presStyleLbl="revTx" presStyleIdx="4" presStyleCnt="8">
+        <dgm:presLayoutVars>
+          <dgm:chMax val="0"/>
+          <dgm:chPref val="0"/>
+        </dgm:presLayoutVars>
+      </dgm:prSet>
+      <dgm:spPr/>
+    </dgm:pt>
+    <dgm:pt modelId="{D78A1AEE-8BB3-4A5A-BA0C-1FA817866D90}" type="pres">
+      <dgm:prSet presAssocID="{3811ABC6-0EBE-4514-9B2A-F7DF91867000}" presName="desTx" presStyleLbl="revTx" presStyleIdx="5" presStyleCnt="8">
+        <dgm:presLayoutVars/>
+      </dgm:prSet>
+      <dgm:spPr/>
+    </dgm:pt>
+    <dgm:pt modelId="{D77F9603-56B9-4BC3-91BE-22F21D54213C}" type="pres">
+      <dgm:prSet presAssocID="{2DE5209A-1AA8-47FD-91FD-8BFFE18FF10A}" presName="sibTrans" presStyleCnt="0"/>
+      <dgm:spPr/>
+    </dgm:pt>
+    <dgm:pt modelId="{FAAE8F08-8A0D-4688-932E-C249928477A9}" type="pres">
+      <dgm:prSet presAssocID="{62DB206D-E298-44AB-9A7D-E270ED106012}" presName="compNode" presStyleCnt="0"/>
+      <dgm:spPr/>
+    </dgm:pt>
+    <dgm:pt modelId="{AB9923E7-1788-4201-B201-5FDDFA2795D8}" type="pres">
+      <dgm:prSet presAssocID="{62DB206D-E298-44AB-9A7D-E270ED106012}" presName="bgRect" presStyleLbl="bgShp" presStyleIdx="3" presStyleCnt="4"/>
+      <dgm:spPr/>
+    </dgm:pt>
+    <dgm:pt modelId="{AE5E7BFA-865D-4F42-ACD7-93B8EB68C78A}" type="pres">
+      <dgm:prSet presAssocID="{62DB206D-E298-44AB-9A7D-E270ED106012}" presName="iconRect" presStyleLbl="node1" presStyleIdx="3" presStyleCnt="4"/>
+      <dgm:spPr>
+        <a:blipFill>
+          <a:blip xmlns:r="http://schemas.openxmlformats.org/officeDocument/2006/relationships" r:embed="rId3">
+            <a:extLst>
+              <a:ext uri="{28A0092B-C50C-407E-A947-70E740481C1C}">
+                <a14:useLocalDpi xmlns:a14="http://schemas.microsoft.com/office/drawing/2010/main" val="0"/>
+              </a:ext>
+              <a:ext uri="{96DAC541-7B7A-43D3-8B79-37D633B846F1}">
+                <asvg:svgBlip xmlns:asvg="http://schemas.microsoft.com/office/drawing/2016/SVG/main" r:embed="rId4"/>
+              </a:ext>
+            </a:extLst>
+          </a:blip>
+          <a:stretch>
+            <a:fillRect/>
+          </a:stretch>
+        </a:blipFill>
+        <a:ln>
+          <a:noFill/>
+        </a:ln>
+      </dgm:spPr>
+      <dgm:extLst>
+        <a:ext uri="{E40237B7-FDA0-4F09-8148-C483321AD2D9}">
+          <dgm14:cNvPr xmlns:dgm14="http://schemas.microsoft.com/office/drawing/2010/diagram" id="0" name="" descr="Checkmark"/>
+        </a:ext>
+      </dgm:extLst>
+    </dgm:pt>
+    <dgm:pt modelId="{106604CB-70EC-4DC5-940A-758464BA0874}" type="pres">
+      <dgm:prSet presAssocID="{62DB206D-E298-44AB-9A7D-E270ED106012}" presName="spaceRect" presStyleCnt="0"/>
+      <dgm:spPr/>
+    </dgm:pt>
+    <dgm:pt modelId="{1D0260FD-C43D-4091-8ABB-384147B7C643}" type="pres">
+      <dgm:prSet presAssocID="{62DB206D-E298-44AB-9A7D-E270ED106012}" presName="parTx" presStyleLbl="revTx" presStyleIdx="6" presStyleCnt="8">
+        <dgm:presLayoutVars>
+          <dgm:chMax val="0"/>
+          <dgm:chPref val="0"/>
+        </dgm:presLayoutVars>
+      </dgm:prSet>
+      <dgm:spPr/>
+    </dgm:pt>
+    <dgm:pt modelId="{FE0B20FF-3554-4AD0-AC3F-00F60D971DE5}" type="pres">
+      <dgm:prSet presAssocID="{62DB206D-E298-44AB-9A7D-E270ED106012}" presName="desTx" presStyleLbl="revTx" presStyleIdx="7" presStyleCnt="8">
+        <dgm:presLayoutVars/>
+      </dgm:prSet>
+      <dgm:spPr/>
+    </dgm:pt>
+  </dgm:ptLst>
+  <dgm:cxnLst>
+    <dgm:cxn modelId="{19516D00-D959-4939-8B44-FB6363B7530A}" type="presOf" srcId="{58A86A4D-8AA9-40B2-B945-B0DD059791AD}" destId="{FDAB30FF-1498-491E-A23B-E5B478D84F4F}" srcOrd="0" destOrd="0" presId="urn:microsoft.com/office/officeart/2018/2/layout/IconVerticalSolidList"/>
+    <dgm:cxn modelId="{C11D2A03-05D2-42C4-985E-E0AB83B35E50}" srcId="{62DB206D-E298-44AB-9A7D-E270ED106012}" destId="{267DE6DF-05B0-475B-A031-688BD2CE5AE6}" srcOrd="1" destOrd="0" parTransId="{B60D317F-EF41-415F-A703-8607D68B8E86}" sibTransId="{818CA3E8-34F0-493A-907C-BE2A59381F18}"/>
+    <dgm:cxn modelId="{CF582624-60A8-47DE-B322-6C2B87E4A489}" type="presOf" srcId="{267DE6DF-05B0-475B-A031-688BD2CE5AE6}" destId="{FE0B20FF-3554-4AD0-AC3F-00F60D971DE5}" srcOrd="0" destOrd="1" presId="urn:microsoft.com/office/officeart/2018/2/layout/IconVerticalSolidList"/>
+    <dgm:cxn modelId="{2A536332-A4D2-42C6-B74D-5B794649E9A5}" srcId="{3811ABC6-0EBE-4514-9B2A-F7DF91867000}" destId="{2C20D319-F5F5-4A16-8973-19D4B4503445}" srcOrd="0" destOrd="0" parTransId="{667DDDBE-9316-457D-B5EA-C2E2FCFA4DEF}" sibTransId="{51ADB56D-824E-4DCF-8974-878D358396C6}"/>
+    <dgm:cxn modelId="{E3C5B43C-5B89-4932-9F09-FBB26B0CD860}" type="presOf" srcId="{CE651174-97B3-4AD0-881F-5F90947CD3CE}" destId="{FE0B20FF-3554-4AD0-AC3F-00F60D971DE5}" srcOrd="0" destOrd="0" presId="urn:microsoft.com/office/officeart/2018/2/layout/IconVerticalSolidList"/>
+    <dgm:cxn modelId="{2465885E-333C-419B-83D7-320F08B36382}" srcId="{58A86A4D-8AA9-40B2-B945-B0DD059791AD}" destId="{4AFD3319-7FF3-44BF-9843-EE10E0E6A6AC}" srcOrd="0" destOrd="0" parTransId="{716438A7-F031-46CC-BEE6-D9A4C0AF4DF9}" sibTransId="{48EA5ECE-017A-4922-9157-EBB4A3E0CFFB}"/>
+    <dgm:cxn modelId="{A4DCD365-A1C0-4F5B-BC23-967CF17AC5A8}" srcId="{58A86A4D-8AA9-40B2-B945-B0DD059791AD}" destId="{62DB206D-E298-44AB-9A7D-E270ED106012}" srcOrd="3" destOrd="0" parTransId="{165B1E4C-9F4F-4E4E-86AD-A0B4A600E458}" sibTransId="{9AA4862B-3484-4627-9BFE-C5776D53E4CC}"/>
+    <dgm:cxn modelId="{7958986C-A945-4159-90E0-C8E1C6E3913F}" type="presOf" srcId="{62DB206D-E298-44AB-9A7D-E270ED106012}" destId="{1D0260FD-C43D-4091-8ABB-384147B7C643}" srcOrd="0" destOrd="0" presId="urn:microsoft.com/office/officeart/2018/2/layout/IconVerticalSolidList"/>
+    <dgm:cxn modelId="{0674414E-ACCE-4A68-B079-EA338D7DF4B3}" srcId="{58A86A4D-8AA9-40B2-B945-B0DD059791AD}" destId="{3811ABC6-0EBE-4514-9B2A-F7DF91867000}" srcOrd="2" destOrd="0" parTransId="{78CDE0C2-8A27-49DA-869B-1A7FEFA1FA27}" sibTransId="{2DE5209A-1AA8-47FD-91FD-8BFFE18FF10A}"/>
+    <dgm:cxn modelId="{7C28F852-CF5A-43C2-8CF8-5EFE2A1FEB2B}" type="presOf" srcId="{96C040BC-39D5-48B5-BCCF-03D1773A0F1F}" destId="{516460C4-9364-4A75-B8C0-AA805BAB68D3}" srcOrd="0" destOrd="0" presId="urn:microsoft.com/office/officeart/2018/2/layout/IconVerticalSolidList"/>
+    <dgm:cxn modelId="{80D908A7-93E4-4196-BD34-AC337F4D4F0B}" type="presOf" srcId="{CB0ECAA9-110C-4981-917E-07995E2F1CD5}" destId="{CA28843F-806E-4710-A671-F49DA3D8B09E}" srcOrd="0" destOrd="1" presId="urn:microsoft.com/office/officeart/2018/2/layout/IconVerticalSolidList"/>
+    <dgm:cxn modelId="{13C5D3C1-EFFD-4359-93E4-2F6A9E8C815F}" srcId="{62DB206D-E298-44AB-9A7D-E270ED106012}" destId="{CE651174-97B3-4AD0-881F-5F90947CD3CE}" srcOrd="0" destOrd="0" parTransId="{A44A253A-AB1E-4048-AA1A-ADA00F44AB63}" sibTransId="{0B448668-5D1D-413E-A841-45597EF9ECEC}"/>
+    <dgm:cxn modelId="{D6BF62CB-DE8D-4816-8F8B-F1D9BB3E9C0D}" type="presOf" srcId="{3811ABC6-0EBE-4514-9B2A-F7DF91867000}" destId="{E3817977-644B-4289-B560-38BEA11FA6AD}" srcOrd="0" destOrd="0" presId="urn:microsoft.com/office/officeart/2018/2/layout/IconVerticalSolidList"/>
+    <dgm:cxn modelId="{4BD4C3CE-5FA5-4DBC-9975-DF88A18891AB}" srcId="{58A86A4D-8AA9-40B2-B945-B0DD059791AD}" destId="{D8404086-47CF-4BA2-A62B-096D8556C598}" srcOrd="1" destOrd="0" parTransId="{C6B37330-A6D4-4A44-B541-BDEC32FBE959}" sibTransId="{5F9E0280-FC20-44DB-B5E1-B5DE726EEAFA}"/>
+    <dgm:cxn modelId="{B416ECD5-2C70-41C7-A142-FA0A5C568442}" srcId="{D8404086-47CF-4BA2-A62B-096D8556C598}" destId="{96C040BC-39D5-48B5-BCCF-03D1773A0F1F}" srcOrd="0" destOrd="0" parTransId="{5765F0F7-58B3-4CDC-97AB-EED10DBF9AEF}" sibTransId="{19D483A1-D796-4945-A73B-C9B81F1B4592}"/>
+    <dgm:cxn modelId="{2CD3A8D9-C5C6-4999-8D29-A425A9CC49D6}" type="presOf" srcId="{D8404086-47CF-4BA2-A62B-096D8556C598}" destId="{C9CE7F85-E815-4FA6-BD4E-12F903C4536A}" srcOrd="0" destOrd="0" presId="urn:microsoft.com/office/officeart/2018/2/layout/IconVerticalSolidList"/>
+    <dgm:cxn modelId="{EADC5BDA-6E56-42CA-B9C2-29B5DE37EAA7}" type="presOf" srcId="{2C20D319-F5F5-4A16-8973-19D4B4503445}" destId="{D78A1AEE-8BB3-4A5A-BA0C-1FA817866D90}" srcOrd="0" destOrd="0" presId="urn:microsoft.com/office/officeart/2018/2/layout/IconVerticalSolidList"/>
+    <dgm:cxn modelId="{46FE87DC-7B28-4143-8937-5770ABB8AA36}" type="presOf" srcId="{7E2BCB3B-EBD8-4D21-81B9-F7E6090C21DF}" destId="{CA28843F-806E-4710-A671-F49DA3D8B09E}" srcOrd="0" destOrd="0" presId="urn:microsoft.com/office/officeart/2018/2/layout/IconVerticalSolidList"/>
+    <dgm:cxn modelId="{EC5799DF-140F-4ED3-81F6-B29988A579C8}" srcId="{4AFD3319-7FF3-44BF-9843-EE10E0E6A6AC}" destId="{7E2BCB3B-EBD8-4D21-81B9-F7E6090C21DF}" srcOrd="0" destOrd="0" parTransId="{83D8123C-1549-4CF6-9CDD-5AA855FFA0ED}" sibTransId="{2EB44D9C-1C2E-4A56-958A-938B5F5F8CAE}"/>
+    <dgm:cxn modelId="{5CBEDFF9-0818-4954-9E26-BF380D7E902C}" srcId="{4AFD3319-7FF3-44BF-9843-EE10E0E6A6AC}" destId="{CB0ECAA9-110C-4981-917E-07995E2F1CD5}" srcOrd="1" destOrd="0" parTransId="{3E82EAD0-F43B-4FAF-8F4F-5B145A7FC601}" sibTransId="{258A98B8-C7EA-4D95-A27B-DE5EFF7746AF}"/>
+    <dgm:cxn modelId="{B1B9B1FF-B483-41BE-A6EC-FF29826465E1}" type="presOf" srcId="{4AFD3319-7FF3-44BF-9843-EE10E0E6A6AC}" destId="{B8AEA655-3B25-4D45-B9F0-7AA805775ED8}" srcOrd="0" destOrd="0" presId="urn:microsoft.com/office/officeart/2018/2/layout/IconVerticalSolidList"/>
+    <dgm:cxn modelId="{D84A2BA6-E542-44EB-A612-8BCC725F922C}" type="presParOf" srcId="{FDAB30FF-1498-491E-A23B-E5B478D84F4F}" destId="{B5699179-9423-4340-BFFE-1E853739892C}" srcOrd="0" destOrd="0" presId="urn:microsoft.com/office/officeart/2018/2/layout/IconVerticalSolidList"/>
+    <dgm:cxn modelId="{183E5E8C-0C34-4CE1-B4F8-E026E0922A1B}" type="presParOf" srcId="{B5699179-9423-4340-BFFE-1E853739892C}" destId="{26E782E4-90FA-47EB-AFEA-FB3662B03E64}" srcOrd="0" destOrd="0" presId="urn:microsoft.com/office/officeart/2018/2/layout/IconVerticalSolidList"/>
+    <dgm:cxn modelId="{DE3638C7-FBBB-47D8-B2CF-FAE69EFAB961}" type="presParOf" srcId="{B5699179-9423-4340-BFFE-1E853739892C}" destId="{15474855-99AF-4AC8-8FD8-2CBE29170E77}" srcOrd="1" destOrd="0" presId="urn:microsoft.com/office/officeart/2018/2/layout/IconVerticalSolidList"/>
+    <dgm:cxn modelId="{45858BB3-300A-4398-A5DB-2E8E8A240128}" type="presParOf" srcId="{B5699179-9423-4340-BFFE-1E853739892C}" destId="{CA1E14FC-D260-42A9-805E-039453AE8239}" srcOrd="2" destOrd="0" presId="urn:microsoft.com/office/officeart/2018/2/layout/IconVerticalSolidList"/>
+    <dgm:cxn modelId="{6A06E522-02C4-4182-97C1-280778F52790}" type="presParOf" srcId="{B5699179-9423-4340-BFFE-1E853739892C}" destId="{B8AEA655-3B25-4D45-B9F0-7AA805775ED8}" srcOrd="3" destOrd="0" presId="urn:microsoft.com/office/officeart/2018/2/layout/IconVerticalSolidList"/>
+    <dgm:cxn modelId="{19FB790E-4ED6-4F0C-A225-606E420FE6E2}" type="presParOf" srcId="{B5699179-9423-4340-BFFE-1E853739892C}" destId="{CA28843F-806E-4710-A671-F49DA3D8B09E}" srcOrd="4" destOrd="0" presId="urn:microsoft.com/office/officeart/2018/2/layout/IconVerticalSolidList"/>
+    <dgm:cxn modelId="{BC22D6B0-5053-4BF7-9FA4-07C901550653}" type="presParOf" srcId="{FDAB30FF-1498-491E-A23B-E5B478D84F4F}" destId="{D27DAB47-A38B-441E-8E52-13BD19D5E1C1}" srcOrd="1" destOrd="0" presId="urn:microsoft.com/office/officeart/2018/2/layout/IconVerticalSolidList"/>
+    <dgm:cxn modelId="{1DFEFF1E-6C05-4912-BF88-1F294CD16CD6}" type="presParOf" srcId="{FDAB30FF-1498-491E-A23B-E5B478D84F4F}" destId="{78BA5942-C5D3-42C4-8F33-D3AC8C92C4F8}" srcOrd="2" destOrd="0" presId="urn:microsoft.com/office/officeart/2018/2/layout/IconVerticalSolidList"/>
+    <dgm:cxn modelId="{BA6B614F-44B0-43DE-BF09-1F1CB35DFB93}" type="presParOf" srcId="{78BA5942-C5D3-42C4-8F33-D3AC8C92C4F8}" destId="{0F58F092-1E09-4C5D-A66A-3109B2FAA427}" srcOrd="0" destOrd="0" presId="urn:microsoft.com/office/officeart/2018/2/layout/IconVerticalSolidList"/>
+    <dgm:cxn modelId="{6B62FEDB-EFCF-4F6F-80EB-A12C31B7EDD1}" type="presParOf" srcId="{78BA5942-C5D3-42C4-8F33-D3AC8C92C4F8}" destId="{39772D22-6B17-4842-AC56-59C388F88DC3}" srcOrd="1" destOrd="0" presId="urn:microsoft.com/office/officeart/2018/2/layout/IconVerticalSolidList"/>
+    <dgm:cxn modelId="{75656BAC-5114-46BD-8C07-E75EAD527D36}" type="presParOf" srcId="{78BA5942-C5D3-42C4-8F33-D3AC8C92C4F8}" destId="{55BB4E46-716E-498E-8072-55573B20E34E}" srcOrd="2" destOrd="0" presId="urn:microsoft.com/office/officeart/2018/2/layout/IconVerticalSolidList"/>
+    <dgm:cxn modelId="{E630D2B7-0BCA-4F24-B38D-9D7FE0E40E95}" type="presParOf" srcId="{78BA5942-C5D3-42C4-8F33-D3AC8C92C4F8}" destId="{C9CE7F85-E815-4FA6-BD4E-12F903C4536A}" srcOrd="3" destOrd="0" presId="urn:microsoft.com/office/officeart/2018/2/layout/IconVerticalSolidList"/>
+    <dgm:cxn modelId="{536BCFF5-F6B7-415B-A6EB-BE9B63544625}" type="presParOf" srcId="{78BA5942-C5D3-42C4-8F33-D3AC8C92C4F8}" destId="{516460C4-9364-4A75-B8C0-AA805BAB68D3}" srcOrd="4" destOrd="0" presId="urn:microsoft.com/office/officeart/2018/2/layout/IconVerticalSolidList"/>
+    <dgm:cxn modelId="{F58F3341-6D92-4286-82A6-C83565688E2F}" type="presParOf" srcId="{FDAB30FF-1498-491E-A23B-E5B478D84F4F}" destId="{4F1B8822-7B8C-4531-8093-7F9D7B0520A7}" srcOrd="3" destOrd="0" presId="urn:microsoft.com/office/officeart/2018/2/layout/IconVerticalSolidList"/>
+    <dgm:cxn modelId="{72049FAB-5C16-4B3B-A7EA-95657BA59B27}" type="presParOf" srcId="{FDAB30FF-1498-491E-A23B-E5B478D84F4F}" destId="{89408B1E-A387-4C19-90E7-E2A34C5A7A48}" srcOrd="4" destOrd="0" presId="urn:microsoft.com/office/officeart/2018/2/layout/IconVerticalSolidList"/>
+    <dgm:cxn modelId="{11F86AAE-FD8A-4959-AD6F-FE32B08C9677}" type="presParOf" srcId="{89408B1E-A387-4C19-90E7-E2A34C5A7A48}" destId="{43A3F9FE-72B0-46A2-A1BF-E221478CAF4B}" srcOrd="0" destOrd="0" presId="urn:microsoft.com/office/officeart/2018/2/layout/IconVerticalSolidList"/>
+    <dgm:cxn modelId="{EDA1EDEC-CF71-4AD7-9775-3C7ED96F8A23}" type="presParOf" srcId="{89408B1E-A387-4C19-90E7-E2A34C5A7A48}" destId="{3B47F748-8DF6-4BB3-8A7F-B350645395FD}" srcOrd="1" destOrd="0" presId="urn:microsoft.com/office/officeart/2018/2/layout/IconVerticalSolidList"/>
+    <dgm:cxn modelId="{5C93BDC5-A017-4ECF-B192-7E363B1D6AE0}" type="presParOf" srcId="{89408B1E-A387-4C19-90E7-E2A34C5A7A48}" destId="{48B2C583-EEE6-44D1-927A-9D9C33DB4852}" srcOrd="2" destOrd="0" presId="urn:microsoft.com/office/officeart/2018/2/layout/IconVerticalSolidList"/>
+    <dgm:cxn modelId="{4B2884A8-113D-42D5-842C-3F7D29AF572B}" type="presParOf" srcId="{89408B1E-A387-4C19-90E7-E2A34C5A7A48}" destId="{E3817977-644B-4289-B560-38BEA11FA6AD}" srcOrd="3" destOrd="0" presId="urn:microsoft.com/office/officeart/2018/2/layout/IconVerticalSolidList"/>
+    <dgm:cxn modelId="{D554FF22-0EE5-41BB-8729-08FB9AEC7E5D}" type="presParOf" srcId="{89408B1E-A387-4C19-90E7-E2A34C5A7A48}" destId="{D78A1AEE-8BB3-4A5A-BA0C-1FA817866D90}" srcOrd="4" destOrd="0" presId="urn:microsoft.com/office/officeart/2018/2/layout/IconVerticalSolidList"/>
+    <dgm:cxn modelId="{18AEAFE8-85CA-4167-8F62-E3571153CE7F}" type="presParOf" srcId="{FDAB30FF-1498-491E-A23B-E5B478D84F4F}" destId="{D77F9603-56B9-4BC3-91BE-22F21D54213C}" srcOrd="5" destOrd="0" presId="urn:microsoft.com/office/officeart/2018/2/layout/IconVerticalSolidList"/>
+    <dgm:cxn modelId="{264E71EE-96EE-4CEF-B37D-D8BB6BB71444}" type="presParOf" srcId="{FDAB30FF-1498-491E-A23B-E5B478D84F4F}" destId="{FAAE8F08-8A0D-4688-932E-C249928477A9}" srcOrd="6" destOrd="0" presId="urn:microsoft.com/office/officeart/2018/2/layout/IconVerticalSolidList"/>
+    <dgm:cxn modelId="{CB127C46-D1B5-4915-9B93-6C9632DD0F08}" type="presParOf" srcId="{FAAE8F08-8A0D-4688-932E-C249928477A9}" destId="{AB9923E7-1788-4201-B201-5FDDFA2795D8}" srcOrd="0" destOrd="0" presId="urn:microsoft.com/office/officeart/2018/2/layout/IconVerticalSolidList"/>
+    <dgm:cxn modelId="{A6A8F8A6-F4BD-4936-9ADD-BF7A272BFE20}" type="presParOf" srcId="{FAAE8F08-8A0D-4688-932E-C249928477A9}" destId="{AE5E7BFA-865D-4F42-ACD7-93B8EB68C78A}" srcOrd="1" destOrd="0" presId="urn:microsoft.com/office/officeart/2018/2/layout/IconVerticalSolidList"/>
+    <dgm:cxn modelId="{01396D31-F228-4A91-B469-77ACD3C03BD6}" type="presParOf" srcId="{FAAE8F08-8A0D-4688-932E-C249928477A9}" destId="{106604CB-70EC-4DC5-940A-758464BA0874}" srcOrd="2" destOrd="0" presId="urn:microsoft.com/office/officeart/2018/2/layout/IconVerticalSolidList"/>
+    <dgm:cxn modelId="{F25EAF17-BAA5-45FB-B6CF-FBC5D0ACA41F}" type="presParOf" srcId="{FAAE8F08-8A0D-4688-932E-C249928477A9}" destId="{1D0260FD-C43D-4091-8ABB-384147B7C643}" srcOrd="3" destOrd="0" presId="urn:microsoft.com/office/officeart/2018/2/layout/IconVerticalSolidList"/>
+    <dgm:cxn modelId="{2E78C9BA-FCAC-4EBF-915C-DA6BEB8D3D11}" type="presParOf" srcId="{FAAE8F08-8A0D-4688-932E-C249928477A9}" destId="{FE0B20FF-3554-4AD0-AC3F-00F60D971DE5}" srcOrd="4" destOrd="0" presId="urn:microsoft.com/office/officeart/2018/2/layout/IconVerticalSolidList"/>
+  </dgm:cxnLst>
+  <dgm:bg/>
+  <dgm:whole/>
+  <dgm:extLst>
+    <a:ext uri="http://schemas.microsoft.com/office/drawing/2008/diagram">
+      <dsp:dataModelExt xmlns:dsp="http://schemas.microsoft.com/office/drawing/2008/diagram" relId="rId6" minVer="http://schemas.openxmlformats.org/drawingml/2006/diagram"/>
+    </a:ext>
+  </dgm:extLst>
+</dgm:dataModel>
+</file>
+
+<file path=ppt/diagrams/drawing1.xml><?xml version="1.0" encoding="utf-8"?>
+<dsp:drawing xmlns:dgm="http://schemas.openxmlformats.org/drawingml/2006/diagram" xmlns:dsp="http://schemas.microsoft.com/office/drawing/2008/diagram" xmlns:a="http://schemas.openxmlformats.org/drawingml/2006/main">
+  <dsp:spTree>
+    <dsp:nvGrpSpPr>
+      <dsp:cNvPr id="0" name=""/>
+      <dsp:cNvGrpSpPr/>
+    </dsp:nvGrpSpPr>
+    <dsp:grpSpPr/>
+    <dsp:sp modelId="{26E782E4-90FA-47EB-AFEA-FB3662B03E64}">
+      <dsp:nvSpPr>
+        <dsp:cNvPr id="0" name=""/>
+        <dsp:cNvSpPr/>
+      </dsp:nvSpPr>
+      <dsp:spPr>
+        <a:xfrm>
+          <a:off x="0" y="1805"/>
+          <a:ext cx="10515600" cy="915310"/>
+        </a:xfrm>
+        <a:prstGeom prst="roundRect">
+          <a:avLst>
+            <a:gd name="adj" fmla="val 10000"/>
+          </a:avLst>
+        </a:prstGeom>
+        <a:solidFill>
+          <a:schemeClr val="accent3">
+            <a:hueOff val="0"/>
+            <a:satOff val="0"/>
+            <a:lumOff val="0"/>
+            <a:alphaOff val="0"/>
+          </a:schemeClr>
+        </a:solidFill>
+        <a:ln>
+          <a:noFill/>
+        </a:ln>
+        <a:effectLst/>
+      </dsp:spPr>
+      <dsp:style>
+        <a:lnRef idx="0">
+          <a:scrgbClr r="0" g="0" b="0"/>
+        </a:lnRef>
+        <a:fillRef idx="1">
+          <a:scrgbClr r="0" g="0" b="0"/>
+        </a:fillRef>
+        <a:effectRef idx="2">
+          <a:scrgbClr r="0" g="0" b="0"/>
+        </a:effectRef>
+        <a:fontRef idx="minor"/>
+      </dsp:style>
+    </dsp:sp>
+    <dsp:sp modelId="{15474855-99AF-4AC8-8FD8-2CBE29170E77}">
+      <dsp:nvSpPr>
+        <dsp:cNvPr id="0" name=""/>
+        <dsp:cNvSpPr/>
+      </dsp:nvSpPr>
+      <dsp:spPr>
+        <a:xfrm>
+          <a:off x="276881" y="207750"/>
+          <a:ext cx="503420" cy="503420"/>
+        </a:xfrm>
+        <a:prstGeom prst="rect">
+          <a:avLst/>
+        </a:prstGeom>
+        <a:blipFill>
+          <a:blip xmlns:r="http://schemas.openxmlformats.org/officeDocument/2006/relationships" r:embed="rId1">
+            <a:extLst>
+              <a:ext uri="{28A0092B-C50C-407E-A947-70E740481C1C}">
+                <a14:useLocalDpi xmlns:a14="http://schemas.microsoft.com/office/drawing/2010/main" val="0"/>
+              </a:ext>
+              <a:ext uri="{96DAC541-7B7A-43D3-8B79-37D633B846F1}">
+                <asvg:svgBlip xmlns:asvg="http://schemas.microsoft.com/office/drawing/2016/SVG/main" r:embed="rId2"/>
+              </a:ext>
+            </a:extLst>
+          </a:blip>
+          <a:stretch>
+            <a:fillRect/>
+          </a:stretch>
+        </a:blipFill>
+        <a:ln>
+          <a:noFill/>
+        </a:ln>
+        <a:effectLst/>
+      </dsp:spPr>
+      <dsp:style>
+        <a:lnRef idx="0">
+          <a:scrgbClr r="0" g="0" b="0"/>
+        </a:lnRef>
+        <a:fillRef idx="3">
+          <a:scrgbClr r="0" g="0" b="0"/>
+        </a:fillRef>
+        <a:effectRef idx="2">
+          <a:scrgbClr r="0" g="0" b="0"/>
+        </a:effectRef>
+        <a:fontRef idx="minor">
+          <a:schemeClr val="lt1"/>
+        </a:fontRef>
+      </dsp:style>
+    </dsp:sp>
+    <dsp:sp modelId="{B8AEA655-3B25-4D45-B9F0-7AA805775ED8}">
+      <dsp:nvSpPr>
+        <dsp:cNvPr id="0" name=""/>
+        <dsp:cNvSpPr/>
+      </dsp:nvSpPr>
+      <dsp:spPr>
+        <a:xfrm>
+          <a:off x="1057183" y="1805"/>
+          <a:ext cx="4732020" cy="915310"/>
+        </a:xfrm>
+        <a:prstGeom prst="rect">
+          <a:avLst/>
+        </a:prstGeom>
+        <a:noFill/>
+        <a:ln>
+          <a:noFill/>
+        </a:ln>
+        <a:effectLst/>
+      </dsp:spPr>
+      <dsp:style>
+        <a:lnRef idx="0">
+          <a:scrgbClr r="0" g="0" b="0"/>
+        </a:lnRef>
+        <a:fillRef idx="0">
+          <a:scrgbClr r="0" g="0" b="0"/>
+        </a:fillRef>
+        <a:effectRef idx="0">
+          <a:scrgbClr r="0" g="0" b="0"/>
+        </a:effectRef>
+        <a:fontRef idx="minor"/>
+      </dsp:style>
+      <dsp:txBody>
+        <a:bodyPr spcFirstLastPara="0" vert="horz" wrap="square" lIns="96870" tIns="96870" rIns="96870" bIns="96870" numCol="1" spcCol="1270" anchor="ctr" anchorCtr="0">
+          <a:noAutofit/>
+        </a:bodyPr>
+        <a:lstStyle/>
+        <a:p>
+          <a:pPr marL="0" lvl="0" indent="0" algn="l" defTabSz="977900">
+            <a:lnSpc>
+              <a:spcPct val="90000"/>
+            </a:lnSpc>
+            <a:spcBef>
+              <a:spcPct val="0"/>
+            </a:spcBef>
+            <a:spcAft>
+              <a:spcPct val="35000"/>
+            </a:spcAft>
+            <a:buNone/>
+          </a:pPr>
+          <a:r>
+            <a:rPr lang="en-US" sz="2200" b="1" kern="1200"/>
+            <a:t>Drawing #5</a:t>
+          </a:r>
+          <a:endParaRPr lang="en-US" sz="2200" kern="1200"/>
+        </a:p>
+      </dsp:txBody>
+      <dsp:txXfrm>
+        <a:off x="1057183" y="1805"/>
+        <a:ext cx="4732020" cy="915310"/>
+      </dsp:txXfrm>
+    </dsp:sp>
+    <dsp:sp modelId="{CA28843F-806E-4710-A671-F49DA3D8B09E}">
+      <dsp:nvSpPr>
+        <dsp:cNvPr id="0" name=""/>
+        <dsp:cNvSpPr/>
+      </dsp:nvSpPr>
+      <dsp:spPr>
+        <a:xfrm>
+          <a:off x="5789203" y="1805"/>
+          <a:ext cx="4726396" cy="915310"/>
+        </a:xfrm>
+        <a:prstGeom prst="rect">
+          <a:avLst/>
+        </a:prstGeom>
+        <a:noFill/>
+        <a:ln>
+          <a:noFill/>
+        </a:ln>
+        <a:effectLst/>
+      </dsp:spPr>
+      <dsp:style>
+        <a:lnRef idx="0">
+          <a:scrgbClr r="0" g="0" b="0"/>
+        </a:lnRef>
+        <a:fillRef idx="0">
+          <a:scrgbClr r="0" g="0" b="0"/>
+        </a:fillRef>
+        <a:effectRef idx="0">
+          <a:scrgbClr r="0" g="0" b="0"/>
+        </a:effectRef>
+        <a:fontRef idx="minor"/>
+      </dsp:style>
+      <dsp:txBody>
+        <a:bodyPr spcFirstLastPara="0" vert="horz" wrap="square" lIns="96870" tIns="96870" rIns="96870" bIns="96870" numCol="1" spcCol="1270" anchor="ctr" anchorCtr="0">
+          <a:noAutofit/>
+        </a:bodyPr>
+        <a:lstStyle/>
+        <a:p>
+          <a:pPr marL="0" lvl="0" indent="0" algn="l" defTabSz="800100">
+            <a:lnSpc>
+              <a:spcPct val="90000"/>
+            </a:lnSpc>
+            <a:spcBef>
+              <a:spcPct val="0"/>
+            </a:spcBef>
+            <a:spcAft>
+              <a:spcPct val="35000"/>
+            </a:spcAft>
+            <a:buNone/>
+          </a:pPr>
+          <a:r>
+            <a:rPr lang="en-US" sz="1800" kern="1200"/>
+            <a:t>Was due yesterday, Tuesday, 10/9</a:t>
+          </a:r>
+        </a:p>
+        <a:p>
+          <a:pPr marL="0" lvl="0" indent="0" algn="l" defTabSz="800100">
+            <a:lnSpc>
+              <a:spcPct val="90000"/>
+            </a:lnSpc>
+            <a:spcBef>
+              <a:spcPct val="0"/>
+            </a:spcBef>
+            <a:spcAft>
+              <a:spcPct val="35000"/>
+            </a:spcAft>
+            <a:buNone/>
+          </a:pPr>
+          <a:r>
+            <a:rPr lang="en-US" sz="1800" kern="1200"/>
+            <a:t>Each missed day -10 points</a:t>
+          </a:r>
+        </a:p>
+      </dsp:txBody>
+      <dsp:txXfrm>
+        <a:off x="5789203" y="1805"/>
+        <a:ext cx="4726396" cy="915310"/>
+      </dsp:txXfrm>
+    </dsp:sp>
+    <dsp:sp modelId="{0F58F092-1E09-4C5D-A66A-3109B2FAA427}">
+      <dsp:nvSpPr>
+        <dsp:cNvPr id="0" name=""/>
+        <dsp:cNvSpPr/>
+      </dsp:nvSpPr>
+      <dsp:spPr>
+        <a:xfrm>
+          <a:off x="0" y="1145944"/>
+          <a:ext cx="10515600" cy="915310"/>
+        </a:xfrm>
+        <a:prstGeom prst="roundRect">
+          <a:avLst>
+            <a:gd name="adj" fmla="val 10000"/>
+          </a:avLst>
+        </a:prstGeom>
+        <a:solidFill>
+          <a:schemeClr val="accent3">
+            <a:hueOff val="0"/>
+            <a:satOff val="0"/>
+            <a:lumOff val="0"/>
+            <a:alphaOff val="0"/>
+          </a:schemeClr>
+        </a:solidFill>
+        <a:ln>
+          <a:noFill/>
+        </a:ln>
+        <a:effectLst/>
+      </dsp:spPr>
+      <dsp:style>
+        <a:lnRef idx="0">
+          <a:scrgbClr r="0" g="0" b="0"/>
+        </a:lnRef>
+        <a:fillRef idx="1">
+          <a:scrgbClr r="0" g="0" b="0"/>
+        </a:fillRef>
+        <a:effectRef idx="2">
+          <a:scrgbClr r="0" g="0" b="0"/>
+        </a:effectRef>
+        <a:fontRef idx="minor"/>
+      </dsp:style>
+    </dsp:sp>
+    <dsp:sp modelId="{39772D22-6B17-4842-AC56-59C388F88DC3}">
+      <dsp:nvSpPr>
+        <dsp:cNvPr id="0" name=""/>
+        <dsp:cNvSpPr/>
+      </dsp:nvSpPr>
+      <dsp:spPr>
+        <a:xfrm>
+          <a:off x="276881" y="1351889"/>
+          <a:ext cx="503420" cy="503420"/>
+        </a:xfrm>
+        <a:prstGeom prst="rect">
+          <a:avLst/>
+        </a:prstGeom>
+        <a:blipFill rotWithShape="1">
+          <a:blip xmlns:r="http://schemas.openxmlformats.org/officeDocument/2006/relationships" r:embed="rId1">
+            <a:extLst>
+              <a:ext uri="{28A0092B-C50C-407E-A947-70E740481C1C}">
+                <a14:useLocalDpi xmlns:a14="http://schemas.microsoft.com/office/drawing/2010/main" val="0"/>
+              </a:ext>
+              <a:ext uri="{96DAC541-7B7A-43D3-8B79-37D633B846F1}">
+                <asvg:svgBlip xmlns:asvg="http://schemas.microsoft.com/office/drawing/2016/SVG/main" r:embed="rId2"/>
+              </a:ext>
+            </a:extLst>
+          </a:blip>
+          <a:srcRect/>
+          <a:stretch>
+            <a:fillRect/>
+          </a:stretch>
+        </a:blipFill>
+        <a:ln>
+          <a:noFill/>
+        </a:ln>
+        <a:effectLst/>
+      </dsp:spPr>
+      <dsp:style>
+        <a:lnRef idx="0">
+          <a:scrgbClr r="0" g="0" b="0"/>
+        </a:lnRef>
+        <a:fillRef idx="3">
+          <a:scrgbClr r="0" g="0" b="0"/>
+        </a:fillRef>
+        <a:effectRef idx="2">
+          <a:scrgbClr r="0" g="0" b="0"/>
+        </a:effectRef>
+        <a:fontRef idx="minor">
+          <a:schemeClr val="lt1"/>
+        </a:fontRef>
+      </dsp:style>
+    </dsp:sp>
+    <dsp:sp modelId="{C9CE7F85-E815-4FA6-BD4E-12F903C4536A}">
+      <dsp:nvSpPr>
+        <dsp:cNvPr id="0" name=""/>
+        <dsp:cNvSpPr/>
+      </dsp:nvSpPr>
+      <dsp:spPr>
+        <a:xfrm>
+          <a:off x="1057183" y="1145944"/>
+          <a:ext cx="4732020" cy="915310"/>
+        </a:xfrm>
+        <a:prstGeom prst="rect">
+          <a:avLst/>
+        </a:prstGeom>
+        <a:noFill/>
+        <a:ln>
+          <a:noFill/>
+        </a:ln>
+        <a:effectLst/>
+      </dsp:spPr>
+      <dsp:style>
+        <a:lnRef idx="0">
+          <a:scrgbClr r="0" g="0" b="0"/>
+        </a:lnRef>
+        <a:fillRef idx="0">
+          <a:scrgbClr r="0" g="0" b="0"/>
+        </a:fillRef>
+        <a:effectRef idx="0">
+          <a:scrgbClr r="0" g="0" b="0"/>
+        </a:effectRef>
+        <a:fontRef idx="minor"/>
+      </dsp:style>
+      <dsp:txBody>
+        <a:bodyPr spcFirstLastPara="0" vert="horz" wrap="square" lIns="96870" tIns="96870" rIns="96870" bIns="96870" numCol="1" spcCol="1270" anchor="ctr" anchorCtr="0">
+          <a:noAutofit/>
+        </a:bodyPr>
+        <a:lstStyle/>
+        <a:p>
+          <a:pPr marL="0" lvl="0" indent="0" algn="l" defTabSz="977900">
+            <a:lnSpc>
+              <a:spcPct val="90000"/>
+            </a:lnSpc>
+            <a:spcBef>
+              <a:spcPct val="0"/>
+            </a:spcBef>
+            <a:spcAft>
+              <a:spcPct val="35000"/>
+            </a:spcAft>
+            <a:buNone/>
+          </a:pPr>
+          <a:r>
+            <a:rPr lang="en-US" sz="2200" b="1" kern="1200"/>
+            <a:t>Drawing #6 Handout 4-1</a:t>
+          </a:r>
+          <a:endParaRPr lang="en-US" sz="2200" kern="1200"/>
+        </a:p>
+      </dsp:txBody>
+      <dsp:txXfrm>
+        <a:off x="1057183" y="1145944"/>
+        <a:ext cx="4732020" cy="915310"/>
+      </dsp:txXfrm>
+    </dsp:sp>
+    <dsp:sp modelId="{516460C4-9364-4A75-B8C0-AA805BAB68D3}">
+      <dsp:nvSpPr>
+        <dsp:cNvPr id="0" name=""/>
+        <dsp:cNvSpPr/>
+      </dsp:nvSpPr>
+      <dsp:spPr>
+        <a:xfrm>
+          <a:off x="5789203" y="1145944"/>
+          <a:ext cx="4726396" cy="915310"/>
+        </a:xfrm>
+        <a:prstGeom prst="rect">
+          <a:avLst/>
+        </a:prstGeom>
+        <a:noFill/>
+        <a:ln>
+          <a:noFill/>
+        </a:ln>
+        <a:effectLst/>
+      </dsp:spPr>
+      <dsp:style>
+        <a:lnRef idx="0">
+          <a:scrgbClr r="0" g="0" b="0"/>
+        </a:lnRef>
+        <a:fillRef idx="0">
+          <a:scrgbClr r="0" g="0" b="0"/>
+        </a:fillRef>
+        <a:effectRef idx="0">
+          <a:scrgbClr r="0" g="0" b="0"/>
+        </a:effectRef>
+        <a:fontRef idx="minor"/>
+      </dsp:style>
+      <dsp:txBody>
+        <a:bodyPr spcFirstLastPara="0" vert="horz" wrap="square" lIns="96870" tIns="96870" rIns="96870" bIns="96870" numCol="1" spcCol="1270" anchor="ctr" anchorCtr="0">
+          <a:noAutofit/>
+        </a:bodyPr>
+        <a:lstStyle/>
+        <a:p>
+          <a:pPr marL="0" lvl="0" indent="0" algn="l" defTabSz="800100">
+            <a:lnSpc>
+              <a:spcPct val="90000"/>
+            </a:lnSpc>
+            <a:spcBef>
+              <a:spcPct val="0"/>
+            </a:spcBef>
+            <a:spcAft>
+              <a:spcPct val="35000"/>
+            </a:spcAft>
+            <a:buNone/>
+          </a:pPr>
+          <a:r>
+            <a:rPr lang="en-US" sz="1800" kern="1200"/>
+            <a:t>Due tomorrow, Thursday, 10/11</a:t>
+          </a:r>
+        </a:p>
+      </dsp:txBody>
+      <dsp:txXfrm>
+        <a:off x="5789203" y="1145944"/>
+        <a:ext cx="4726396" cy="915310"/>
+      </dsp:txXfrm>
+    </dsp:sp>
+    <dsp:sp modelId="{43A3F9FE-72B0-46A2-A1BF-E221478CAF4B}">
+      <dsp:nvSpPr>
+        <dsp:cNvPr id="0" name=""/>
+        <dsp:cNvSpPr/>
+      </dsp:nvSpPr>
+      <dsp:spPr>
+        <a:xfrm>
+          <a:off x="0" y="2290082"/>
+          <a:ext cx="10515600" cy="915310"/>
+        </a:xfrm>
+        <a:prstGeom prst="roundRect">
+          <a:avLst>
+            <a:gd name="adj" fmla="val 10000"/>
+          </a:avLst>
+        </a:prstGeom>
+        <a:solidFill>
+          <a:schemeClr val="accent3">
+            <a:hueOff val="0"/>
+            <a:satOff val="0"/>
+            <a:lumOff val="0"/>
+            <a:alphaOff val="0"/>
+          </a:schemeClr>
+        </a:solidFill>
+        <a:ln>
+          <a:noFill/>
+        </a:ln>
+        <a:effectLst/>
+      </dsp:spPr>
+      <dsp:style>
+        <a:lnRef idx="0">
+          <a:scrgbClr r="0" g="0" b="0"/>
+        </a:lnRef>
+        <a:fillRef idx="1">
+          <a:scrgbClr r="0" g="0" b="0"/>
+        </a:fillRef>
+        <a:effectRef idx="2">
+          <a:scrgbClr r="0" g="0" b="0"/>
+        </a:effectRef>
+        <a:fontRef idx="minor"/>
+      </dsp:style>
+    </dsp:sp>
+    <dsp:sp modelId="{3B47F748-8DF6-4BB3-8A7F-B350645395FD}">
+      <dsp:nvSpPr>
+        <dsp:cNvPr id="0" name=""/>
+        <dsp:cNvSpPr/>
+      </dsp:nvSpPr>
+      <dsp:spPr>
+        <a:xfrm>
+          <a:off x="276881" y="2496027"/>
+          <a:ext cx="503420" cy="503420"/>
+        </a:xfrm>
+        <a:prstGeom prst="rect">
+          <a:avLst/>
+        </a:prstGeom>
+        <a:blipFill rotWithShape="1">
+          <a:blip xmlns:r="http://schemas.openxmlformats.org/officeDocument/2006/relationships" r:embed="rId1">
+            <a:extLst>
+              <a:ext uri="{28A0092B-C50C-407E-A947-70E740481C1C}">
+                <a14:useLocalDpi xmlns:a14="http://schemas.microsoft.com/office/drawing/2010/main" val="0"/>
+              </a:ext>
+              <a:ext uri="{96DAC541-7B7A-43D3-8B79-37D633B846F1}">
+                <asvg:svgBlip xmlns:asvg="http://schemas.microsoft.com/office/drawing/2016/SVG/main" r:embed="rId2"/>
+              </a:ext>
+            </a:extLst>
+          </a:blip>
+          <a:srcRect/>
+          <a:stretch>
+            <a:fillRect/>
+          </a:stretch>
+        </a:blipFill>
+        <a:ln>
+          <a:noFill/>
+        </a:ln>
+        <a:effectLst/>
+      </dsp:spPr>
+      <dsp:style>
+        <a:lnRef idx="0">
+          <a:scrgbClr r="0" g="0" b="0"/>
+        </a:lnRef>
+        <a:fillRef idx="3">
+          <a:scrgbClr r="0" g="0" b="0"/>
+        </a:fillRef>
+        <a:effectRef idx="2">
+          <a:scrgbClr r="0" g="0" b="0"/>
+        </a:effectRef>
+        <a:fontRef idx="minor">
+          <a:schemeClr val="lt1"/>
+        </a:fontRef>
+      </dsp:style>
+    </dsp:sp>
+    <dsp:sp modelId="{E3817977-644B-4289-B560-38BEA11FA6AD}">
+      <dsp:nvSpPr>
+        <dsp:cNvPr id="0" name=""/>
+        <dsp:cNvSpPr/>
+      </dsp:nvSpPr>
+      <dsp:spPr>
+        <a:xfrm>
+          <a:off x="1057183" y="2290082"/>
+          <a:ext cx="4732020" cy="915310"/>
+        </a:xfrm>
+        <a:prstGeom prst="rect">
+          <a:avLst/>
+        </a:prstGeom>
+        <a:noFill/>
+        <a:ln>
+          <a:noFill/>
+        </a:ln>
+        <a:effectLst/>
+      </dsp:spPr>
+      <dsp:style>
+        <a:lnRef idx="0">
+          <a:scrgbClr r="0" g="0" b="0"/>
+        </a:lnRef>
+        <a:fillRef idx="0">
+          <a:scrgbClr r="0" g="0" b="0"/>
+        </a:fillRef>
+        <a:effectRef idx="0">
+          <a:scrgbClr r="0" g="0" b="0"/>
+        </a:effectRef>
+        <a:fontRef idx="minor"/>
+      </dsp:style>
+      <dsp:txBody>
+        <a:bodyPr spcFirstLastPara="0" vert="horz" wrap="square" lIns="96870" tIns="96870" rIns="96870" bIns="96870" numCol="1" spcCol="1270" anchor="ctr" anchorCtr="0">
+          <a:noAutofit/>
+        </a:bodyPr>
+        <a:lstStyle/>
+        <a:p>
+          <a:pPr marL="0" lvl="0" indent="0" algn="l" defTabSz="977900">
+            <a:lnSpc>
+              <a:spcPct val="90000"/>
+            </a:lnSpc>
+            <a:spcBef>
+              <a:spcPct val="0"/>
+            </a:spcBef>
+            <a:spcAft>
+              <a:spcPct val="35000"/>
+            </a:spcAft>
+            <a:buNone/>
+          </a:pPr>
+          <a:r>
+            <a:rPr lang="en-US" sz="2200" b="1" kern="1200"/>
+            <a:t>Drawing #7 Handout 4-2</a:t>
+          </a:r>
+          <a:endParaRPr lang="en-US" sz="2200" kern="1200"/>
+        </a:p>
+      </dsp:txBody>
+      <dsp:txXfrm>
+        <a:off x="1057183" y="2290082"/>
+        <a:ext cx="4732020" cy="915310"/>
+      </dsp:txXfrm>
+    </dsp:sp>
+    <dsp:sp modelId="{D78A1AEE-8BB3-4A5A-BA0C-1FA817866D90}">
+      <dsp:nvSpPr>
+        <dsp:cNvPr id="0" name=""/>
+        <dsp:cNvSpPr/>
+      </dsp:nvSpPr>
+      <dsp:spPr>
+        <a:xfrm>
+          <a:off x="5789203" y="2290082"/>
+          <a:ext cx="4726396" cy="915310"/>
+        </a:xfrm>
+        <a:prstGeom prst="rect">
+          <a:avLst/>
+        </a:prstGeom>
+        <a:noFill/>
+        <a:ln>
+          <a:noFill/>
+        </a:ln>
+        <a:effectLst/>
+      </dsp:spPr>
+      <dsp:style>
+        <a:lnRef idx="0">
+          <a:scrgbClr r="0" g="0" b="0"/>
+        </a:lnRef>
+        <a:fillRef idx="0">
+          <a:scrgbClr r="0" g="0" b="0"/>
+        </a:fillRef>
+        <a:effectRef idx="0">
+          <a:scrgbClr r="0" g="0" b="0"/>
+        </a:effectRef>
+        <a:fontRef idx="minor"/>
+      </dsp:style>
+      <dsp:txBody>
+        <a:bodyPr spcFirstLastPara="0" vert="horz" wrap="square" lIns="96870" tIns="96870" rIns="96870" bIns="96870" numCol="1" spcCol="1270" anchor="ctr" anchorCtr="0">
+          <a:noAutofit/>
+        </a:bodyPr>
+        <a:lstStyle/>
+        <a:p>
+          <a:pPr marL="0" lvl="0" indent="0" algn="l" defTabSz="800100">
+            <a:lnSpc>
+              <a:spcPct val="90000"/>
+            </a:lnSpc>
+            <a:spcBef>
+              <a:spcPct val="0"/>
+            </a:spcBef>
+            <a:spcAft>
+              <a:spcPct val="35000"/>
+            </a:spcAft>
+            <a:buNone/>
+          </a:pPr>
+          <a:r>
+            <a:rPr lang="en-US" sz="1800" kern="1200"/>
+            <a:t>Due Friday, 10/12</a:t>
+          </a:r>
+        </a:p>
+      </dsp:txBody>
+      <dsp:txXfrm>
+        <a:off x="5789203" y="2290082"/>
+        <a:ext cx="4726396" cy="915310"/>
+      </dsp:txXfrm>
+    </dsp:sp>
+    <dsp:sp modelId="{AB9923E7-1788-4201-B201-5FDDFA2795D8}">
+      <dsp:nvSpPr>
+        <dsp:cNvPr id="0" name=""/>
+        <dsp:cNvSpPr/>
+      </dsp:nvSpPr>
+      <dsp:spPr>
+        <a:xfrm>
+          <a:off x="0" y="3434221"/>
+          <a:ext cx="10515600" cy="915310"/>
+        </a:xfrm>
+        <a:prstGeom prst="roundRect">
+          <a:avLst>
+            <a:gd name="adj" fmla="val 10000"/>
+          </a:avLst>
+        </a:prstGeom>
+        <a:solidFill>
+          <a:schemeClr val="accent3">
+            <a:hueOff val="0"/>
+            <a:satOff val="0"/>
+            <a:lumOff val="0"/>
+            <a:alphaOff val="0"/>
+          </a:schemeClr>
+        </a:solidFill>
+        <a:ln>
+          <a:noFill/>
+        </a:ln>
+        <a:effectLst/>
+      </dsp:spPr>
+      <dsp:style>
+        <a:lnRef idx="0">
+          <a:scrgbClr r="0" g="0" b="0"/>
+        </a:lnRef>
+        <a:fillRef idx="1">
+          <a:scrgbClr r="0" g="0" b="0"/>
+        </a:fillRef>
+        <a:effectRef idx="2">
+          <a:scrgbClr r="0" g="0" b="0"/>
+        </a:effectRef>
+        <a:fontRef idx="minor"/>
+      </dsp:style>
+    </dsp:sp>
+    <dsp:sp modelId="{AE5E7BFA-865D-4F42-ACD7-93B8EB68C78A}">
+      <dsp:nvSpPr>
+        <dsp:cNvPr id="0" name=""/>
+        <dsp:cNvSpPr/>
+      </dsp:nvSpPr>
+      <dsp:spPr>
+        <a:xfrm>
+          <a:off x="276881" y="3640166"/>
+          <a:ext cx="503420" cy="503420"/>
+        </a:xfrm>
+        <a:prstGeom prst="rect">
+          <a:avLst/>
+        </a:prstGeom>
+        <a:blipFill>
+          <a:blip xmlns:r="http://schemas.openxmlformats.org/officeDocument/2006/relationships" r:embed="rId3">
+            <a:extLst>
+              <a:ext uri="{28A0092B-C50C-407E-A947-70E740481C1C}">
+                <a14:useLocalDpi xmlns:a14="http://schemas.microsoft.com/office/drawing/2010/main" val="0"/>
+              </a:ext>
+              <a:ext uri="{96DAC541-7B7A-43D3-8B79-37D633B846F1}">
+                <asvg:svgBlip xmlns:asvg="http://schemas.microsoft.com/office/drawing/2016/SVG/main" r:embed="rId4"/>
+              </a:ext>
+            </a:extLst>
+          </a:blip>
+          <a:stretch>
+            <a:fillRect/>
+          </a:stretch>
+        </a:blipFill>
+        <a:ln>
+          <a:noFill/>
+        </a:ln>
+        <a:effectLst/>
+      </dsp:spPr>
+      <dsp:style>
+        <a:lnRef idx="0">
+          <a:scrgbClr r="0" g="0" b="0"/>
+        </a:lnRef>
+        <a:fillRef idx="3">
+          <a:scrgbClr r="0" g="0" b="0"/>
+        </a:fillRef>
+        <a:effectRef idx="2">
+          <a:scrgbClr r="0" g="0" b="0"/>
+        </a:effectRef>
+        <a:fontRef idx="minor">
+          <a:schemeClr val="lt1"/>
+        </a:fontRef>
+      </dsp:style>
+    </dsp:sp>
+    <dsp:sp modelId="{1D0260FD-C43D-4091-8ABB-384147B7C643}">
+      <dsp:nvSpPr>
+        <dsp:cNvPr id="0" name=""/>
+        <dsp:cNvSpPr/>
+      </dsp:nvSpPr>
+      <dsp:spPr>
+        <a:xfrm>
+          <a:off x="1057183" y="3434221"/>
+          <a:ext cx="4732020" cy="915310"/>
+        </a:xfrm>
+        <a:prstGeom prst="rect">
+          <a:avLst/>
+        </a:prstGeom>
+        <a:noFill/>
+        <a:ln>
+          <a:noFill/>
+        </a:ln>
+        <a:effectLst/>
+      </dsp:spPr>
+      <dsp:style>
+        <a:lnRef idx="0">
+          <a:scrgbClr r="0" g="0" b="0"/>
+        </a:lnRef>
+        <a:fillRef idx="0">
+          <a:scrgbClr r="0" g="0" b="0"/>
+        </a:fillRef>
+        <a:effectRef idx="0">
+          <a:scrgbClr r="0" g="0" b="0"/>
+        </a:effectRef>
+        <a:fontRef idx="minor"/>
+      </dsp:style>
+      <dsp:txBody>
+        <a:bodyPr spcFirstLastPara="0" vert="horz" wrap="square" lIns="96870" tIns="96870" rIns="96870" bIns="96870" numCol="1" spcCol="1270" anchor="ctr" anchorCtr="0">
+          <a:noAutofit/>
+        </a:bodyPr>
+        <a:lstStyle/>
+        <a:p>
+          <a:pPr marL="0" lvl="0" indent="0" algn="l" defTabSz="977900">
+            <a:lnSpc>
+              <a:spcPct val="90000"/>
+            </a:lnSpc>
+            <a:spcBef>
+              <a:spcPct val="0"/>
+            </a:spcBef>
+            <a:spcAft>
+              <a:spcPct val="35000"/>
+            </a:spcAft>
+            <a:buNone/>
+          </a:pPr>
+          <a:r>
+            <a:rPr lang="en-US" sz="2200" b="1" kern="1200" dirty="0"/>
+            <a:t>Unit 3 Lettering Quiz</a:t>
+          </a:r>
+          <a:endParaRPr lang="en-US" sz="2200" kern="1200" dirty="0"/>
+        </a:p>
+      </dsp:txBody>
+      <dsp:txXfrm>
+        <a:off x="1057183" y="3434221"/>
+        <a:ext cx="4732020" cy="915310"/>
+      </dsp:txXfrm>
+    </dsp:sp>
+    <dsp:sp modelId="{FE0B20FF-3554-4AD0-AC3F-00F60D971DE5}">
+      <dsp:nvSpPr>
+        <dsp:cNvPr id="0" name=""/>
+        <dsp:cNvSpPr/>
+      </dsp:nvSpPr>
+      <dsp:spPr>
+        <a:xfrm>
+          <a:off x="5789203" y="3434221"/>
+          <a:ext cx="4726396" cy="915310"/>
+        </a:xfrm>
+        <a:prstGeom prst="rect">
+          <a:avLst/>
+        </a:prstGeom>
+        <a:noFill/>
+        <a:ln>
+          <a:noFill/>
+        </a:ln>
+        <a:effectLst/>
+      </dsp:spPr>
+      <dsp:style>
+        <a:lnRef idx="0">
+          <a:scrgbClr r="0" g="0" b="0"/>
+        </a:lnRef>
+        <a:fillRef idx="0">
+          <a:scrgbClr r="0" g="0" b="0"/>
+        </a:fillRef>
+        <a:effectRef idx="0">
+          <a:scrgbClr r="0" g="0" b="0"/>
+        </a:effectRef>
+        <a:fontRef idx="minor"/>
+      </dsp:style>
+      <dsp:txBody>
+        <a:bodyPr spcFirstLastPara="0" vert="horz" wrap="square" lIns="96870" tIns="96870" rIns="96870" bIns="96870" numCol="1" spcCol="1270" anchor="ctr" anchorCtr="0">
+          <a:noAutofit/>
+        </a:bodyPr>
+        <a:lstStyle/>
+        <a:p>
+          <a:pPr marL="0" lvl="0" indent="0" algn="l" defTabSz="800100">
+            <a:lnSpc>
+              <a:spcPct val="90000"/>
+            </a:lnSpc>
+            <a:spcBef>
+              <a:spcPct val="0"/>
+            </a:spcBef>
+            <a:spcAft>
+              <a:spcPct val="35000"/>
+            </a:spcAft>
+            <a:buNone/>
+          </a:pPr>
+          <a:r>
+            <a:rPr lang="en-US" sz="1800" kern="1200"/>
+            <a:t>Due Sunday</a:t>
+          </a:r>
+        </a:p>
+        <a:p>
+          <a:pPr marL="0" lvl="0" indent="0" algn="l" defTabSz="800100">
+            <a:lnSpc>
+              <a:spcPct val="90000"/>
+            </a:lnSpc>
+            <a:spcBef>
+              <a:spcPct val="0"/>
+            </a:spcBef>
+            <a:spcAft>
+              <a:spcPct val="35000"/>
+            </a:spcAft>
+            <a:buNone/>
+          </a:pPr>
+          <a:r>
+            <a:rPr lang="en-US" sz="1800" kern="1200"/>
+            <a:t>Is to be completed via Google Classroom</a:t>
+          </a:r>
+        </a:p>
+      </dsp:txBody>
+      <dsp:txXfrm>
+        <a:off x="5789203" y="3434221"/>
+        <a:ext cx="4726396" cy="915310"/>
+      </dsp:txXfrm>
+    </dsp:sp>
+  </dsp:spTree>
+</dsp:drawing>
+</file>
+
+<file path=ppt/diagrams/layout1.xml><?xml version="1.0" encoding="utf-8"?>
+<dgm:layoutDef xmlns:dgm="http://schemas.openxmlformats.org/drawingml/2006/diagram" xmlns:a="http://schemas.openxmlformats.org/drawingml/2006/main" uniqueId="urn:microsoft.com/office/officeart/2018/2/layout/IconVerticalSolidList">
+  <dgm:title val="Icon Vertical Solid List"/>
+  <dgm:desc val="Use to show a series of visuals from top to bottom with Level 1 or Level 1 and Level 2 text grouped in a shape. Works best with icons or small pictures with lengthier descriptions."/>
+  <dgm:catLst>
+    <dgm:cat type="icon" pri="500"/>
+  </dgm:catLst>
+  <dgm:sampData useDef="1">
+    <dgm:dataModel>
+      <dgm:ptLst/>
+      <dgm:bg/>
+      <dgm:whole/>
+    </dgm:dataModel>
+  </dgm:sampData>
+  <dgm:styleData useDef="1">
+    <dgm:dataModel>
+      <dgm:ptLst/>
+      <dgm:bg/>
+      <dgm:whole/>
+    </dgm:dataModel>
+  </dgm:styleData>
+  <dgm:clrData useDef="1">
+    <dgm:dataModel>
+      <dgm:ptLst/>
+      <dgm:bg/>
+      <dgm:whole/>
+    </dgm:dataModel>
+  </dgm:clrData>
+  <dgm:layoutNode name="root">
+    <dgm:varLst>
+      <dgm:dir/>
+      <dgm:resizeHandles val="exact"/>
+    </dgm:varLst>
+    <dgm:choose name="Name0">
+      <dgm:if name="Name1" axis="self" func="var" arg="dir" op="equ" val="norm">
+        <dgm:alg type="lin">
+          <dgm:param type="linDir" val="fromT"/>
+          <dgm:param type="nodeHorzAlign" val="l"/>
+        </dgm:alg>
+      </dgm:if>
+      <dgm:else name="Name2">
+        <dgm:alg type="lin">
+          <dgm:param type="linDir" val="fromT"/>
+          <dgm:param type="nodeHorzAlign" val="r"/>
+        </dgm:alg>
+      </dgm:else>
+    </dgm:choose>
+    <dgm:shape xmlns:r="http://schemas.openxmlformats.org/officeDocument/2006/relationships" r:blip="">
+      <dgm:adjLst/>
+    </dgm:shape>
+    <dgm:presOf/>
+    <dgm:choose name="Name3">
+      <dgm:if name="Name4" axis="ch" ptType="node" func="cnt" op="lte" val="3">
+        <dgm:constrLst>
+          <dgm:constr type="h" for="ch" forName="compNode" refType="h" fact="0.3"/>
+          <dgm:constr type="w" for="ch" forName="compNode" refType="w"/>
+          <dgm:constr type="h" for="ch" forName="sibTrans" refType="h" refFor="ch" refForName="compNode" fact="0.25"/>
+          <dgm:constr type="primFontSz" for="des" forName="parTx" val="25"/>
+          <dgm:constr type="primFontSz" for="des" forName="desTx" refType="primFontSz" refFor="des" refForName="parTx" op="lte" fact="0.75"/>
+          <dgm:constr type="h" for="des" forName="compNode" op="equ"/>
+          <dgm:constr type="h" for="des" forName="bgRect" op="equ"/>
+          <dgm:constr type="h" for="des" forName="iconRect" op="equ"/>
+          <dgm:constr type="w" for="des" forName="iconRect" op="equ"/>
+          <dgm:constr type="h" for="des" forName="spaceRect" op="equ"/>
+          <dgm:constr type="h" for="des" forName="parTx" op="equ"/>
+          <dgm:constr type="h" for="des" forName="desTx" op="equ"/>
+        </dgm:constrLst>
+      </dgm:if>
+      <dgm:if name="Name5" axis="ch" ptType="node" func="cnt" op="lte" val="4">
+        <dgm:constrLst>
+          <dgm:constr type="h" for="ch" forName="compNode" refType="h" fact="0.3"/>
+          <dgm:constr type="w" for="ch" forName="compNode" refType="w"/>
+          <dgm:constr type="h" for="ch" forName="sibTrans" refType="h" refFor="ch" refForName="compNode" fact="0.25"/>
+          <dgm:constr type="primFontSz" for="des" forName="parTx" val="22"/>
+          <dgm:constr type="primFontSz" for="des" forName="desTx" refType="primFontSz" refFor="des" refForName="parTx" op="lte" fact="0.75"/>
+          <dgm:constr type="h" for="des" forName="compNode" op="equ"/>
+          <dgm:constr type="h" for="des" forName="bgRect" op="equ"/>
+          <dgm:constr type="h" for="des" forName="iconRect" op="equ"/>
+          <dgm:constr type="w" for="des" forName="iconRect" op="equ"/>
+          <dgm:constr type="h" for="des" forName="spaceRect" op="equ"/>
+          <dgm:constr type="h" for="des" forName="parTx" op="equ"/>
+          <dgm:constr type="h" for="des" forName="desTx" op="equ"/>
+        </dgm:constrLst>
+      </dgm:if>
+      <dgm:if name="Name6" axis="ch" ptType="node" func="cnt" op="lte" val="6">
+        <dgm:constrLst>
+          <dgm:constr type="h" for="ch" forName="compNode" refType="h" fact="0.3"/>
+          <dgm:constr type="w" for="ch" forName="compNode" refType="w"/>
+          <dgm:constr type="h" for="ch" forName="sibTrans" refType="h" refFor="ch" refForName="compNode" fact="0.25"/>
+          <dgm:constr type="primFontSz" for="des" forName="parTx" val="19"/>
+          <dgm:constr type="primFontSz" for="des" forName="desTx" refType="primFontSz" refFor="des" refForName="parTx" op="lte" fact="0.75"/>
+          <dgm:constr type="h" for="des" forName="compNode" op="equ"/>
+          <dgm:constr type="h" for="des" forName="bgRect" op="equ"/>
+          <dgm:constr type="h" for="des" forName="iconRect" op="equ"/>
+          <dgm:constr type="w" for="des" forName="iconRect" op="equ"/>
+          <dgm:constr type="h" for="des" forName="spaceRect" op="equ"/>
+          <dgm:constr type="h" for="des" forName="parTx" op="equ"/>
+          <dgm:constr type="h" for="des" forName="desTx" op="equ"/>
+        </dgm:constrLst>
+      </dgm:if>
+      <dgm:else name="Name7">
+        <dgm:constrLst>
+          <dgm:constr type="h" for="ch" forName="compNode" refType="h" fact="0.3"/>
+          <dgm:constr type="w" for="ch" forName="compNode" refType="w"/>
+          <dgm:constr type="h" for="ch" forName="sibTrans" refType="h" refFor="ch" refForName="compNode" fact="0.25"/>
+          <dgm:constr type="primFontSz" for="des" forName="parTx" val="16"/>
+          <dgm:constr type="primFontSz" for="des" forName="desTx" refType="primFontSz" refFor="des" refForName="parTx" op="lte" fact="0.75"/>
+          <dgm:constr type="h" for="des" forName="compNode" op="equ"/>
+          <dgm:constr type="h" for="des" forName="bgRect" op="equ"/>
+          <dgm:constr type="h" for="des" forName="iconRect" op="equ"/>
+          <dgm:constr type="w" for="des" forName="iconRect" op="equ"/>
+          <dgm:constr type="h" for="des" forName="spaceRect" op="equ"/>
+          <dgm:constr type="h" for="des" forName="parTx" op="equ"/>
+          <dgm:constr type="h" for="des" forName="desTx" op="equ"/>
+        </dgm:constrLst>
+      </dgm:else>
+    </dgm:choose>
+    <dgm:ruleLst>
+      <dgm:rule type="h" for="ch" forName="compNode" val="0" fact="NaN" max="NaN"/>
+    </dgm:ruleLst>
+    <dgm:forEach name="Name8" axis="ch" ptType="node">
+      <dgm:layoutNode name="compNode">
+        <dgm:alg type="composite"/>
+        <dgm:shape xmlns:r="http://schemas.openxmlformats.org/officeDocument/2006/relationships" r:blip="">
+          <dgm:adjLst/>
+        </dgm:shape>
+        <dgm:presOf axis="self"/>
+        <dgm:choose name="Name9">
+          <dgm:if name="Name10" axis="ch" ptType="node" func="cnt" op="gte" val="1">
+            <dgm:constrLst>
+              <dgm:constr type="w" for="ch" forName="bgRect" refType="w"/>
+              <dgm:constr type="h" for="ch" forName="bgRect" refType="h"/>
+              <dgm:constr type="l" for="ch" forName="bgRect"/>
+              <dgm:constr type="t" for="ch" forName="bgRect"/>
+              <dgm:constr type="h" for="ch" forName="iconRect" refType="h" fact="0.55"/>
+              <dgm:constr type="w" for="ch" forName="iconRect" refType="h" refFor="ch" refForName="iconRect"/>
+              <dgm:constr type="l" for="ch" forName="iconRect" refType="h" refFor="ch" refForName="iconRect" fact="0.55"/>
+              <dgm:constr type="ctrY" for="ch" forName="iconRect" refType="ctrY" refFor="ch" refForName="bgRect"/>
+              <dgm:constr type="w" for="ch" forName="spaceRect" refType="l" refFor="ch" refForName="iconRect"/>
+              <dgm:constr type="h" for="ch" forName="spaceRect" refType="h"/>
+              <dgm:constr type="l" for="ch" forName="spaceRect" refType="r" refFor="ch" refForName="iconRect"/>
+              <dgm:constr type="t" for="ch" forName="spaceRect"/>
+              <dgm:constr type="w" for="ch" forName="parTx" refType="w" fact="0.45"/>
+              <dgm:constr type="h" for="ch" forName="parTx" refType="h"/>
+              <dgm:constr type="l" for="ch" forName="parTx" refType="r" refFor="ch" refForName="spaceRect"/>
+              <dgm:constr type="t" for="ch" forName="parTx"/>
+              <dgm:constr type="h" for="ch" forName="desTx" refType="h"/>
+              <dgm:constr type="l" for="ch" forName="desTx" refType="r" refFor="ch" refForName="parTx"/>
+              <dgm:constr type="t" for="ch" forName="desTx"/>
+            </dgm:constrLst>
+          </dgm:if>
+          <dgm:else name="Name11">
+            <dgm:constrLst>
+              <dgm:constr type="w" for="ch" forName="bgRect" refType="w"/>
+              <dgm:constr type="h" for="ch" forName="bgRect" refType="h"/>
+              <dgm:constr type="l" for="ch" forName="bgRect"/>
+              <dgm:constr type="t" for="ch" forName="bgRect"/>
+              <dgm:constr type="h" for="ch" forName="iconRect" refType="h" fact="0.55"/>
+              <dgm:constr type="w" for="ch" forName="iconRect" refType="h" refFor="ch" refForName="iconRect"/>
+              <dgm:constr type="l" for="ch" forName="iconRect" refType="h" refFor="ch" refForName="iconRect" fact="0.55"/>
+              <dgm:constr type="ctrY" for="ch" forName="iconRect" refType="ctrY" refFor="ch" refForName="bgRect"/>
+              <dgm:constr type="w" for="ch" forName="spaceRect" refType="l" refFor="ch" refForName="iconRect"/>
+              <dgm:constr type="h" for="ch" forName="spaceRect" refType="h"/>
+              <dgm:constr type="l" for="ch" forName="spaceRect" refType="r" refFor="ch" refForName="iconRect"/>
+              <dgm:constr type="t" for="ch" forName="spaceRect"/>
+              <dgm:constr type="h" for="ch" forName="parTx" refType="h"/>
+              <dgm:constr type="l" for="ch" forName="parTx" refType="r" refFor="ch" refForName="spaceRect"/>
+              <dgm:constr type="t" for="ch" forName="parTx"/>
+            </dgm:constrLst>
+          </dgm:else>
+        </dgm:choose>
+        <dgm:ruleLst>
+          <dgm:rule type="h" val="INF" fact="NaN" max="NaN"/>
+        </dgm:ruleLst>
+        <dgm:layoutNode name="bgRect" styleLbl="bgShp">
+          <dgm:alg type="sp"/>
+          <dgm:shape xmlns:r="http://schemas.openxmlformats.org/officeDocument/2006/relationships" type="roundRect" r:blip="">
+            <dgm:adjLst>
+              <dgm:adj idx="1" val="0.1"/>
+            </dgm:adjLst>
+          </dgm:shape>
+          <dgm:presOf/>
+          <dgm:constrLst/>
+          <dgm:ruleLst/>
+        </dgm:layoutNode>
+        <dgm:layoutNode name="iconRect" styleLbl="node1">
+          <dgm:alg type="sp"/>
+          <dgm:shape xmlns:r="http://schemas.openxmlformats.org/officeDocument/2006/relationships" type="rect" r:blip="" blipPhldr="1">
+            <dgm:adjLst/>
+          </dgm:shape>
+          <dgm:presOf/>
+          <dgm:constrLst/>
+          <dgm:ruleLst/>
+        </dgm:layoutNode>
+        <dgm:layoutNode name="spaceRect">
+          <dgm:alg type="sp"/>
+          <dgm:shape xmlns:r="http://schemas.openxmlformats.org/officeDocument/2006/relationships" r:blip="">
+            <dgm:adjLst/>
+          </dgm:shape>
+          <dgm:presOf/>
+          <dgm:constrLst/>
+          <dgm:ruleLst/>
+        </dgm:layoutNode>
+        <dgm:layoutNode name="parTx" styleLbl="revTx">
+          <dgm:varLst>
+            <dgm:chMax val="0"/>
+            <dgm:chPref val="0"/>
+          </dgm:varLst>
+          <dgm:alg type="tx">
+            <dgm:param type="txAnchorVert" val="mid"/>
+            <dgm:param type="parTxLTRAlign" val="l"/>
+            <dgm:param type="shpTxLTRAlignCh" val="l"/>
+            <dgm:param type="parTxRTLAlign" val="r"/>
+            <dgm:param type="shpTxRTLAlignCh" val="r"/>
+          </dgm:alg>
+          <dgm:shape xmlns:r="http://schemas.openxmlformats.org/officeDocument/2006/relationships" type="rect" r:blip="">
+            <dgm:adjLst/>
+          </dgm:shape>
+          <dgm:presOf axis="self" ptType="node"/>
+          <dgm:constrLst>
+            <dgm:constr type="lMarg" refType="h" fact="0.3"/>
+            <dgm:constr type="rMarg" refType="h" fact="0.3"/>
+            <dgm:constr type="tMarg" refType="h" fact="0.3"/>
+            <dgm:constr type="bMarg" refType="h" fact="0.3"/>
+          </dgm:constrLst>
+          <dgm:ruleLst>
+            <dgm:rule type="primFontSz" val="14" fact="NaN" max="NaN"/>
+            <dgm:rule type="h" val="INF" fact="NaN" max="NaN"/>
+          </dgm:ruleLst>
+        </dgm:layoutNode>
+        <dgm:choose name="Name12">
+          <dgm:if name="Name13" axis="ch" ptType="node" func="cnt" op="gte" val="1">
+            <dgm:layoutNode name="desTx" styleLbl="revTx">
+              <dgm:varLst/>
+              <dgm:alg type="tx">
+                <dgm:param type="txAnchorVertCh" val="mid"/>
+                <dgm:param type="parTxLTRAlign" val="l"/>
+                <dgm:param type="shpTxLTRAlignCh" val="l"/>
+                <dgm:param type="parTxRTLAlign" val="r"/>
+                <dgm:param type="shpTxRTLAlignCh" val="r"/>
+                <dgm:param type="stBulletLvl" val="0"/>
+              </dgm:alg>
+              <dgm:shape xmlns:r="http://schemas.openxmlformats.org/officeDocument/2006/relationships" type="rect" r:blip="">
+                <dgm:adjLst/>
+              </dgm:shape>
+              <dgm:presOf axis="des" ptType="node"/>
+              <dgm:constrLst>
+                <dgm:constr type="primFontSz" val="18"/>
+                <dgm:constr type="secFontSz" refType="primFontSz"/>
+                <dgm:constr type="lMarg" refType="h" fact="0.3"/>
+                <dgm:constr type="rMarg" refType="h" fact="0.3"/>
+                <dgm:constr type="tMarg" refType="h" fact="0.3"/>
+                <dgm:constr type="bMarg" refType="h" fact="0.3"/>
+              </dgm:constrLst>
+              <dgm:ruleLst>
+                <dgm:rule type="primFontSz" val="11" fact="NaN" max="NaN"/>
+              </dgm:ruleLst>
+            </dgm:layoutNode>
+          </dgm:if>
+          <dgm:else name="Name14"/>
+        </dgm:choose>
+      </dgm:layoutNode>
+      <dgm:forEach name="Name15" axis="followSib" ptType="sibTrans" cnt="1">
+        <dgm:layoutNode name="sibTrans">
+          <dgm:alg type="sp"/>
+          <dgm:shape xmlns:r="http://schemas.openxmlformats.org/officeDocument/2006/relationships" r:blip="">
+            <dgm:adjLst/>
+          </dgm:shape>
+          <dgm:presOf axis="self"/>
+          <dgm:constrLst/>
+          <dgm:ruleLst/>
+        </dgm:layoutNode>
+      </dgm:forEach>
+    </dgm:forEach>
+  </dgm:layoutNode>
+  <dgm:extLst>
+    <a:ext uri="{68A01E43-0DF5-4B5B-8FA6-DAF915123BFB}">
+      <dgm1612:lstStyle xmlns:dgm1612="http://schemas.microsoft.com/office/drawing/2016/12/diagram">
+        <a:lvl1pPr>
+          <a:lnSpc>
+            <a:spcPct val="100000"/>
+          </a:lnSpc>
+        </a:lvl1pPr>
+        <a:lvl2pPr>
+          <a:lnSpc>
+            <a:spcPct val="100000"/>
+          </a:lnSpc>
+        </a:lvl2pPr>
+      </dgm1612:lstStyle>
+    </a:ext>
+  </dgm:extLst>
+</dgm:layoutDef>
+</file>
+
+<file path=ppt/diagrams/quickStyle1.xml><?xml version="1.0" encoding="utf-8"?>
+<dgm:styleDef xmlns:dgm="http://schemas.openxmlformats.org/drawingml/2006/diagram" xmlns:a="http://schemas.openxmlformats.org/drawingml/2006/main" uniqueId="urn:microsoft.com/office/officeart/2005/8/quickstyle/simple4">
+  <dgm:title val=""/>
+  <dgm:desc val=""/>
+  <dgm:catLst>
+    <dgm:cat type="simple" pri="10400"/>
+  </dgm:catLst>
+  <dgm:scene3d>
+    <a:camera prst="orthographicFront"/>
+    <a:lightRig rig="threePt" dir="t"/>
+  </dgm:scene3d>
+  <dgm:styleLbl name="node0">
+    <dgm:scene3d>
+      <a:camera prst="orthographicFront"/>
+      <a:lightRig rig="threePt" dir="t"/>
+    </dgm:scene3d>
+    <dgm:sp3d/>
+    <dgm:txPr/>
+    <dgm:style>
+      <a:lnRef idx="0">
+        <a:scrgbClr r="0" g="0" b="0"/>
+      </a:lnRef>
+      <a:fillRef idx="3">
+        <a:scrgbClr r="0" g="0" b="0"/>
+      </a:fillRef>
+      <a:effectRef idx="2">
+        <a:scrgbClr r="0" g="0" b="0"/>
+      </a:effectRef>
+      <a:fontRef idx="minor">
+        <a:schemeClr val="lt1"/>
+      </a:fontRef>
+    </dgm:style>
+  </dgm:styleLbl>
+  <dgm:styleLbl name="lnNode1">
+    <dgm:scene3d>
+      <a:camera prst="orthographicFront"/>
+      <a:lightRig rig="threePt" dir="t"/>
+    </dgm:scene3d>
+    <dgm:sp3d/>
+    <dgm:txPr/>
+    <dgm:style>
+      <a:lnRef idx="1">
+        <a:scrgbClr r="0" g="0" b="0"/>
+      </a:lnRef>
+      <a:fillRef idx="3">
+        <a:scrgbClr r="0" g="0" b="0"/>
+      </a:fillRef>
+      <a:effectRef idx="2">
+        <a:scrgbClr r="0" g="0" b="0"/>
+      </a:effectRef>
+      <a:fontRef idx="minor">
+        <a:schemeClr val="lt1"/>
+      </a:fontRef>
+    </dgm:style>
+  </dgm:styleLbl>
+  <dgm:styleLbl name="vennNode1">
+    <dgm:scene3d>
+      <a:camera prst="orthographicFront"/>
+      <a:lightRig rig="threePt" dir="t"/>
+    </dgm:scene3d>
+    <dgm:sp3d/>
+    <dgm:txPr/>
+    <dgm:style>
+      <a:lnRef idx="0">
+        <a:scrgbClr r="0" g="0" b="0"/>
+      </a:lnRef>
+      <a:fillRef idx="3">
+        <a:scrgbClr r="0" g="0" b="0"/>
+      </a:fillRef>
+      <a:effectRef idx="0">
+        <a:scrgbClr r="0" g="0" b="0"/>
+      </a:effectRef>
+      <a:fontRef idx="minor">
+        <a:schemeClr val="tx1"/>
+      </a:fontRef>
+    </dgm:style>
+  </dgm:styleLbl>
+  <dgm:styleLbl name="alignNode1">
+    <dgm:scene3d>
+      <a:camera prst="orthographicFront"/>
+      <a:lightRig rig="threePt" dir="t"/>
+    </dgm:scene3d>
+    <dgm:sp3d/>
+    <dgm:txPr/>
+    <dgm:style>
+      <a:lnRef idx="1">
+        <a:scrgbClr r="0" g="0" b="0"/>
+      </a:lnRef>
+      <a:fillRef idx="3">
+        <a:scrgbClr r="0" g="0" b="0"/>
+      </a:fillRef>
+      <a:effectRef idx="2">
+        <a:scrgbClr r="0" g="0" b="0"/>
+      </a:effectRef>
+      <a:fontRef idx="minor">
+        <a:schemeClr val="lt1"/>
+      </a:fontRef>
+    </dgm:style>
+  </dgm:styleLbl>
+  <dgm:styleLbl name="node1">
+    <dgm:scene3d>
+      <a:camera prst="orthographicFront"/>
+      <a:lightRig rig="threePt" dir="t"/>
+    </dgm:scene3d>
+    <dgm:sp3d/>
+    <dgm:txPr/>
+    <dgm:style>
+      <a:lnRef idx="0">
+        <a:scrgbClr r="0" g="0" b="0"/>
+      </a:lnRef>
+      <a:fillRef idx="3">
+        <a:scrgbClr r="0" g="0" b="0"/>
+      </a:fillRef>
+      <a:effectRef idx="2">
+        <a:scrgbClr r="0" g="0" b="0"/>
+      </a:effectRef>
+      <a:fontRef idx="minor">
+        <a:schemeClr val="lt1"/>
+      </a:fontRef>
+    </dgm:style>
+  </dgm:styleLbl>
+  <dgm:styleLbl name="node2">
+    <dgm:scene3d>
+      <a:camera prst="orthographicFront"/>
+      <a:lightRig rig="threePt" dir="t"/>
+    </dgm:scene3d>
+    <dgm:sp3d/>
+    <dgm:txPr/>
+    <dgm:style>
+      <a:lnRef idx="0">
+        <a:scrgbClr r="0" g="0" b="0"/>
+      </a:lnRef>
+      <a:fillRef idx="3">
+        <a:scrgbClr r="0" g="0" b="0"/>
+      </a:fillRef>
+      <a:effectRef idx="2">
+        <a:scrgbClr r="0" g="0" b="0"/>
+      </a:effectRef>
+      <a:fontRef idx="minor">
+        <a:schemeClr val="lt1"/>
+      </a:fontRef>
+    </dgm:style>
+  </dgm:styleLbl>
+  <dgm:styleLbl name="node3">
+    <dgm:scene3d>
+      <a:camera prst="orthographicFront"/>
+      <a:lightRig rig="threePt" dir="t"/>
+    </dgm:scene3d>
+    <dgm:sp3d/>
+    <dgm:txPr/>
+    <dgm:style>
+      <a:lnRef idx="0">
+        <a:scrgbClr r="0" g="0" b="0"/>
+      </a:lnRef>
+      <a:fillRef idx="3">
+        <a:scrgbClr r="0" g="0" b="0"/>
+      </a:fillRef>
+      <a:effectRef idx="2">
+        <a:scrgbClr r="0" g="0" b="0"/>
+      </a:effectRef>
+      <a:fontRef idx="minor">
+        <a:schemeClr val="lt1"/>
+      </a:fontRef>
+    </dgm:style>
+  </dgm:styleLbl>
+  <dgm:styleLbl name="node4">
+    <dgm:scene3d>
+      <a:camera prst="orthographicFront"/>
+      <a:lightRig rig="threePt" dir="t"/>
+    </dgm:scene3d>
+    <dgm:sp3d/>
+    <dgm:txPr/>
+    <dgm:style>
+      <a:lnRef idx="0">
+        <a:scrgbClr r="0" g="0" b="0"/>
+      </a:lnRef>
+      <a:fillRef idx="3">
+        <a:scrgbClr r="0" g="0" b="0"/>
+      </a:fillRef>
+      <a:effectRef idx="2">
+        <a:scrgbClr r="0" g="0" b="0"/>
+      </a:effectRef>
+      <a:fontRef idx="minor">
+        <a:schemeClr val="lt1"/>
+      </a:fontRef>
+    </dgm:style>
+  </dgm:styleLbl>
+  <dgm:styleLbl name="fgImgPlace1">
+    <dgm:scene3d>
+      <a:camera prst="orthographicFront"/>
+      <a:lightRig rig="threePt" dir="t"/>
+    </dgm:scene3d>
+    <dgm:sp3d/>
+    <dgm:txPr/>
+    <dgm:style>
+      <a:lnRef idx="0">
+        <a:scrgbClr r="0" g="0" b="0"/>
+      </a:lnRef>
+      <a:fillRef idx="1">
+        <a:scrgbClr r="0" g="0" b="0"/>
+      </a:fillRef>
+      <a:effectRef idx="2">
+        <a:scrgbClr r="0" g="0" b="0"/>
+      </a:effectRef>
+      <a:fontRef idx="minor"/>
+    </dgm:style>
+  </dgm:styleLbl>
+  <dgm:styleLbl name="alignImgPlace1">
+    <dgm:scene3d>
+      <a:camera prst="orthographicFront"/>
+      <a:lightRig rig="threePt" dir="t"/>
+    </dgm:scene3d>
+    <dgm:sp3d/>
+    <dgm:txPr/>
+    <dgm:style>
+      <a:lnRef idx="0">
+        <a:scrgbClr r="0" g="0" b="0"/>
+      </a:lnRef>
+      <a:fillRef idx="1">
+        <a:scrgbClr r="0" g="0" b="0"/>
+      </a:fillRef>
+      <a:effectRef idx="2">
+        <a:scrgbClr r="0" g="0" b="0"/>
+      </a:effectRef>
+      <a:fontRef idx="minor"/>
+    </dgm:style>
+  </dgm:styleLbl>
+  <dgm:styleLbl name="bgImgPlace1">
+    <dgm:scene3d>
+      <a:camera prst="orthographicFront"/>
+      <a:lightRig rig="threePt" dir="t"/>
+    </dgm:scene3d>
+    <dgm:sp3d/>
+    <dgm:txPr/>
+    <dgm:style>
+      <a:lnRef idx="0">
+        <a:scrgbClr r="0" g="0" b="0"/>
+      </a:lnRef>
+      <a:fillRef idx="1">
+        <a:scrgbClr r="0" g="0" b="0"/>
+      </a:fillRef>
+      <a:effectRef idx="2">
+        <a:scrgbClr r="0" g="0" b="0"/>
+      </a:effectRef>
+      <a:fontRef idx="minor"/>
+    </dgm:style>
+  </dgm:styleLbl>
+  <dgm:styleLbl name="sibTrans2D1">
+    <dgm:scene3d>
+      <a:camera prst="orthographicFront"/>
+      <a:lightRig rig="threePt" dir="t"/>
+    </dgm:scene3d>
+    <dgm:sp3d/>
+    <dgm:txPr/>
+    <dgm:style>
+      <a:lnRef idx="0">
+        <a:scrgbClr r="0" g="0" b="0"/>
+      </a:lnRef>
+      <a:fillRef idx="3">
+        <a:scrgbClr r="0" g="0" b="0"/>
+      </a:fillRef>
+      <a:effectRef idx="2">
+        <a:scrgbClr r="0" g="0" b="0"/>
+      </a:effectRef>
+      <a:fontRef idx="minor">
+        <a:schemeClr val="lt1"/>
+      </a:fontRef>
+    </dgm:style>
+  </dgm:styleLbl>
+  <dgm:styleLbl name="fgSibTrans2D1">
+    <dgm:scene3d>
+      <a:camera prst="orthographicFront"/>
+      <a:lightRig rig="threePt" dir="t"/>
+    </dgm:scene3d>
+    <dgm:sp3d/>
+    <dgm:txPr/>
+    <dgm:style>
+      <a:lnRef idx="0">
+        <a:scrgbClr r="0" g="0" b="0"/>
+      </a:lnRef>
+      <a:fillRef idx="3">
+        <a:scrgbClr r="0" g="0" b="0"/>
+      </a:fillRef>
+      <a:effectRef idx="2">
+        <a:scrgbClr r="0" g="0" b="0"/>
+      </a:effectRef>
+      <a:fontRef idx="minor">
+        <a:schemeClr val="lt1"/>
+      </a:fontRef>
+    </dgm:style>
+  </dgm:styleLbl>
+  <dgm:styleLbl name="bgSibTrans2D1">
+    <dgm:scene3d>
+      <a:camera prst="orthographicFront"/>
+      <a:lightRig rig="threePt" dir="t"/>
+    </dgm:scene3d>
+    <dgm:sp3d/>
+    <dgm:txPr/>
+    <dgm:style>
+      <a:lnRef idx="0">
+        <a:scrgbClr r="0" g="0" b="0"/>
+      </a:lnRef>
+      <a:fillRef idx="3">
+        <a:scrgbClr r="0" g="0" b="0"/>
+      </a:fillRef>
+      <a:effectRef idx="2">
+        <a:scrgbClr r="0" g="0" b="0"/>
+      </a:effectRef>
+      <a:fontRef idx="minor">
+        <a:schemeClr val="lt1"/>
+      </a:fontRef>
+    </dgm:style>
+  </dgm:styleLbl>
+  <dgm:styleLbl name="sibTrans1D1">
+    <dgm:scene3d>
+      <a:camera prst="orthographicFront"/>
+      <a:lightRig rig="threePt" dir="t"/>
+    </dgm:scene3d>
+    <dgm:sp3d/>
+    <dgm:txPr/>
+    <dgm:style>
+      <a:lnRef idx="1">
+        <a:scrgbClr r="0" g="0" b="0"/>
+      </a:lnRef>
+      <a:fillRef idx="0">
+        <a:scrgbClr r="0" g="0" b="0"/>
+      </a:fillRef>
+      <a:effectRef idx="0">
+        <a:scrgbClr r="0" g="0" b="0"/>
+      </a:effectRef>
+      <a:fontRef idx="minor"/>
+    </dgm:style>
+  </dgm:styleLbl>
+  <dgm:styleLbl name="callout">
+    <dgm:scene3d>
+      <a:camera prst="orthographicFront"/>
+      <a:lightRig rig="threePt" dir="t"/>
+    </dgm:scene3d>
+    <dgm:sp3d/>
+    <dgm:txPr/>
+    <dgm:style>
+      <a:lnRef idx="2">
+        <a:scrgbClr r="0" g="0" b="0"/>
+      </a:lnRef>
+      <a:fillRef idx="1">
+        <a:scrgbClr r="0" g="0" b="0"/>
+      </a:fillRef>
+      <a:effectRef idx="1">
+        <a:scrgbClr r="0" g="0" b="0"/>
+      </a:effectRef>
+      <a:fontRef idx="minor"/>
+    </dgm:style>
+  </dgm:styleLbl>
+  <dgm:styleLbl name="asst0">
+    <dgm:scene3d>
+      <a:camera prst="orthographicFront"/>
+      <a:lightRig rig="threePt" dir="t"/>
+    </dgm:scene3d>
+    <dgm:sp3d/>
+    <dgm:txPr/>
+    <dgm:style>
+      <a:lnRef idx="0">
+        <a:scrgbClr r="0" g="0" b="0"/>
+      </a:lnRef>
+      <a:fillRef idx="3">
+        <a:scrgbClr r="0" g="0" b="0"/>
+      </a:fillRef>
+      <a:effectRef idx="2">
+        <a:scrgbClr r="0" g="0" b="0"/>
+      </a:effectRef>
+      <a:fontRef idx="minor">
+        <a:schemeClr val="lt1"/>
+      </a:fontRef>
+    </dgm:style>
+  </dgm:styleLbl>
+  <dgm:styleLbl name="asst1">
+    <dgm:scene3d>
+      <a:camera prst="orthographicFront"/>
+      <a:lightRig rig="threePt" dir="t"/>
+    </dgm:scene3d>
+    <dgm:sp3d/>
+    <dgm:txPr/>
+    <dgm:style>
+      <a:lnRef idx="0">
+        <a:scrgbClr r="0" g="0" b="0"/>
+      </a:lnRef>
+      <a:fillRef idx="3">
+        <a:scrgbClr r="0" g="0" b="0"/>
+      </a:fillRef>
+      <a:effectRef idx="2">
+        <a:scrgbClr r="0" g="0" b="0"/>
+      </a:effectRef>
+      <a:fontRef idx="minor">
+        <a:schemeClr val="lt1"/>
+      </a:fontRef>
+    </dgm:style>
+  </dgm:styleLbl>
+  <dgm:styleLbl name="asst2">
+    <dgm:scene3d>
+      <a:camera prst="orthographicFront"/>
+      <a:lightRig rig="threePt" dir="t"/>
+    </dgm:scene3d>
+    <dgm:sp3d/>
+    <dgm:txPr/>
+    <dgm:style>
+      <a:lnRef idx="0">
+        <a:scrgbClr r="0" g="0" b="0"/>
+      </a:lnRef>
+      <a:fillRef idx="3">
+        <a:scrgbClr r="0" g="0" b="0"/>
+      </a:fillRef>
+      <a:effectRef idx="2">
+        <a:scrgbClr r="0" g="0" b="0"/>
+      </a:effectRef>
+      <a:fontRef idx="minor">
+        <a:schemeClr val="lt1"/>
+      </a:fontRef>
+    </dgm:style>
+  </dgm:styleLbl>
+  <dgm:styleLbl name="asst3">
+    <dgm:scene3d>
+      <a:camera prst="orthographicFront"/>
+      <a:lightRig rig="threePt" dir="t"/>
+    </dgm:scene3d>
+    <dgm:sp3d/>
+    <dgm:txPr/>
+    <dgm:style>
+      <a:lnRef idx="0">
+        <a:scrgbClr r="0" g="0" b="0"/>
+      </a:lnRef>
+      <a:fillRef idx="3">
+        <a:scrgbClr r="0" g="0" b="0"/>
+      </a:fillRef>
+      <a:effectRef idx="2">
+        <a:scrgbClr r="0" g="0" b="0"/>
+      </a:effectRef>
+      <a:fontRef idx="minor">
+        <a:schemeClr val="lt1"/>
+      </a:fontRef>
+    </dgm:style>
+  </dgm:styleLbl>
+  <dgm:styleLbl name="asst4">
+    <dgm:scene3d>
+      <a:camera prst="orthographicFront"/>
+      <a:lightRig rig="threePt" dir="t"/>
+    </dgm:scene3d>
+    <dgm:sp3d/>
+    <dgm:txPr/>
+    <dgm:style>
+      <a:lnRef idx="0">
+        <a:scrgbClr r="0" g="0" b="0"/>
+      </a:lnRef>
+      <a:fillRef idx="3">
+        <a:scrgbClr r="0" g="0" b="0"/>
+      </a:fillRef>
+      <a:effectRef idx="2">
+        <a:scrgbClr r="0" g="0" b="0"/>
+      </a:effectRef>
+      <a:fontRef idx="minor">
+        <a:schemeClr val="lt1"/>
+      </a:fontRef>
+    </dgm:style>
+  </dgm:styleLbl>
+  <dgm:styleLbl name="parChTrans2D1">
+    <dgm:scene3d>
+      <a:camera prst="orthographicFront"/>
+      <a:lightRig rig="threePt" dir="t"/>
+    </dgm:scene3d>
+    <dgm:sp3d/>
+    <dgm:txPr/>
+    <dgm:style>
+      <a:lnRef idx="0">
+        <a:scrgbClr r="0" g="0" b="0"/>
+      </a:lnRef>
+      <a:fillRef idx="3">
+        <a:scrgbClr r="0" g="0" b="0"/>
+      </a:fillRef>
+      <a:effectRef idx="2">
+        <a:scrgbClr r="0" g="0" b="0"/>
+      </a:effectRef>
+      <a:fontRef idx="minor">
+        <a:schemeClr val="lt1"/>
+      </a:fontRef>
+    </dgm:style>
+  </dgm:styleLbl>
+  <dgm:styleLbl name="parChTrans2D2">
+    <dgm:scene3d>
+      <a:camera prst="orthographicFront"/>
+      <a:lightRig rig="threePt" dir="t"/>
+    </dgm:scene3d>
+    <dgm:sp3d/>
+    <dgm:txPr/>
+    <dgm:style>
+      <a:lnRef idx="0">
+        <a:scrgbClr r="0" g="0" b="0"/>
+      </a:lnRef>
+      <a:fillRef idx="3">
+        <a:scrgbClr r="0" g="0" b="0"/>
+      </a:fillRef>
+      <a:effectRef idx="2">
+        <a:scrgbClr r="0" g="0" b="0"/>
+      </a:effectRef>
+      <a:fontRef idx="minor">
+        <a:schemeClr val="lt1"/>
+      </a:fontRef>
+    </dgm:style>
+  </dgm:styleLbl>
+  <dgm:styleLbl name="parChTrans2D3">
+    <dgm:scene3d>
+      <a:camera prst="orthographicFront"/>
+      <a:lightRig rig="threePt" dir="t"/>
+    </dgm:scene3d>
+    <dgm:sp3d/>
+    <dgm:txPr/>
+    <dgm:style>
+      <a:lnRef idx="1">
+        <a:scrgbClr r="0" g="0" b="0"/>
+      </a:lnRef>
+      <a:fillRef idx="3">
+        <a:scrgbClr r="0" g="0" b="0"/>
+      </a:fillRef>
+      <a:effectRef idx="2">
+        <a:scrgbClr r="0" g="0" b="0"/>
+      </a:effectRef>
+      <a:fontRef idx="minor">
+        <a:schemeClr val="lt1"/>
+      </a:fontRef>
+    </dgm:style>
+  </dgm:styleLbl>
+  <dgm:styleLbl name="parChTrans2D4">
+    <dgm:scene3d>
+      <a:camera prst="orthographicFront"/>
+      <a:lightRig rig="threePt" dir="t"/>
+    </dgm:scene3d>
+    <dgm:sp3d/>
+    <dgm:txPr/>
+    <dgm:style>
+      <a:lnRef idx="1">
+        <a:scrgbClr r="0" g="0" b="0"/>
+      </a:lnRef>
+      <a:fillRef idx="3">
+        <a:scrgbClr r="0" g="0" b="0"/>
+      </a:fillRef>
+      <a:effectRef idx="2">
+        <a:scrgbClr r="0" g="0" b="0"/>
+      </a:effectRef>
+      <a:fontRef idx="minor">
+        <a:schemeClr val="lt1"/>
+      </a:fontRef>
+    </dgm:style>
+  </dgm:styleLbl>
+  <dgm:styleLbl name="parChTrans1D1">
+    <dgm:scene3d>
+      <a:camera prst="orthographicFront"/>
+      <a:lightRig rig="threePt" dir="t"/>
+    </dgm:scene3d>
+    <dgm:sp3d/>
+    <dgm:txPr/>
+    <dgm:style>
+      <a:lnRef idx="1">
+        <a:scrgbClr r="0" g="0" b="0"/>
+      </a:lnRef>
+      <a:fillRef idx="0">
+        <a:scrgbClr r="0" g="0" b="0"/>
+      </a:fillRef>
+      <a:effectRef idx="0">
+        <a:scrgbClr r="0" g="0" b="0"/>
+      </a:effectRef>
+      <a:fontRef idx="minor"/>
+    </dgm:style>
+  </dgm:styleLbl>
+  <dgm:styleLbl name="parChTrans1D2">
+    <dgm:scene3d>
+      <a:camera prst="orthographicFront"/>
+      <a:lightRig rig="threePt" dir="t"/>
+    </dgm:scene3d>
+    <dgm:sp3d/>
+    <dgm:txPr/>
+    <dgm:style>
+      <a:lnRef idx="1">
+        <a:scrgbClr r="0" g="0" b="0"/>
+      </a:lnRef>
+      <a:fillRef idx="0">
+        <a:scrgbClr r="0" g="0" b="0"/>
+      </a:fillRef>
+      <a:effectRef idx="0">
+        <a:scrgbClr r="0" g="0" b="0"/>
+      </a:effectRef>
+      <a:fontRef idx="minor"/>
+    </dgm:style>
+  </dgm:styleLbl>
+  <dgm:styleLbl name="parChTrans1D3">
+    <dgm:scene3d>
+      <a:camera prst="orthographicFront"/>
+      <a:lightRig rig="threePt" dir="t"/>
+    </dgm:scene3d>
+    <dgm:sp3d/>
+    <dgm:txPr/>
+    <dgm:style>
+      <a:lnRef idx="1">
+        <a:scrgbClr r="0" g="0" b="0"/>
+      </a:lnRef>
+      <a:fillRef idx="0">
+        <a:scrgbClr r="0" g="0" b="0"/>
+      </a:fillRef>
+      <a:effectRef idx="0">
+        <a:scrgbClr r="0" g="0" b="0"/>
+      </a:effectRef>
+      <a:fontRef idx="minor"/>
+    </dgm:style>
+  </dgm:styleLbl>
+  <dgm:styleLbl name="parChTrans1D4">
+    <dgm:scene3d>
+      <a:camera prst="orthographicFront"/>
+      <a:lightRig rig="threePt" dir="t"/>
+    </dgm:scene3d>
+    <dgm:sp3d/>
+    <dgm:txPr/>
+    <dgm:style>
+      <a:lnRef idx="1">
+        <a:scrgbClr r="0" g="0" b="0"/>
+      </a:lnRef>
+      <a:fillRef idx="0">
+        <a:scrgbClr r="0" g="0" b="0"/>
+      </a:fillRef>
+      <a:effectRef idx="0">
+        <a:scrgbClr r="0" g="0" b="0"/>
+      </a:effectRef>
+      <a:fontRef idx="minor"/>
+    </dgm:style>
+  </dgm:styleLbl>
+  <dgm:styleLbl name="fgAcc1">
+    <dgm:scene3d>
+      <a:camera prst="orthographicFront"/>
+      <a:lightRig rig="threePt" dir="t"/>
+    </dgm:scene3d>
+    <dgm:sp3d/>
+    <dgm:txPr/>
+    <dgm:style>
+      <a:lnRef idx="1">
+        <a:scrgbClr r="0" g="0" b="0"/>
+      </a:lnRef>
+      <a:fillRef idx="1">
+        <a:scrgbClr r="0" g="0" b="0"/>
+      </a:fillRef>
+      <a:effectRef idx="0">
+        <a:scrgbClr r="0" g="0" b="0"/>
+      </a:effectRef>
+      <a:fontRef idx="minor"/>
+    </dgm:style>
+  </dgm:styleLbl>
+  <dgm:styleLbl name="conFgAcc1">
+    <dgm:scene3d>
+      <a:camera prst="orthographicFront"/>
+      <a:lightRig rig="threePt" dir="t"/>
+    </dgm:scene3d>
+    <dgm:sp3d/>
+    <dgm:txPr/>
+    <dgm:style>
+      <a:lnRef idx="1">
+        <a:scrgbClr r="0" g="0" b="0"/>
+      </a:lnRef>
+      <a:fillRef idx="1">
+        <a:scrgbClr r="0" g="0" b="0"/>
+      </a:fillRef>
+      <a:effectRef idx="0">
+        <a:scrgbClr r="0" g="0" b="0"/>
+      </a:effectRef>
+      <a:fontRef idx="minor"/>
+    </dgm:style>
+  </dgm:styleLbl>
+  <dgm:styleLbl name="alignAcc1">
+    <dgm:scene3d>
+      <a:camera prst="orthographicFront"/>
+      <a:lightRig rig="threePt" dir="t"/>
+    </dgm:scene3d>
+    <dgm:sp3d/>
+    <dgm:txPr/>
+    <dgm:style>
+      <a:lnRef idx="1">
+        <a:scrgbClr r="0" g="0" b="0"/>
+      </a:lnRef>
+      <a:fillRef idx="1">
+        <a:scrgbClr r="0" g="0" b="0"/>
+      </a:fillRef>
+      <a:effectRef idx="0">
+        <a:scrgbClr r="0" g="0" b="0"/>
+      </a:effectRef>
+      <a:fontRef idx="minor"/>
+    </dgm:style>
+  </dgm:styleLbl>
+  <dgm:styleLbl name="trAlignAcc1">
+    <dgm:scene3d>
+      <a:camera prst="orthographicFront"/>
+      <a:lightRig rig="threePt" dir="t"/>
+    </dgm:scene3d>
+    <dgm:sp3d/>
+    <dgm:txPr/>
+    <dgm:style>
+      <a:lnRef idx="1">
+        <a:scrgbClr r="0" g="0" b="0"/>
+      </a:lnRef>
+      <a:fillRef idx="1">
+        <a:scrgbClr r="0" g="0" b="0"/>
+      </a:fillRef>
+      <a:effectRef idx="0">
+        <a:scrgbClr r="0" g="0" b="0"/>
+      </a:effectRef>
+      <a:fontRef idx="minor"/>
+    </dgm:style>
+  </dgm:styleLbl>
+  <dgm:styleLbl name="bgAcc1">
+    <dgm:scene3d>
+      <a:camera prst="orthographicFront"/>
+      <a:lightRig rig="threePt" dir="t"/>
+    </dgm:scene3d>
+    <dgm:sp3d/>
+    <dgm:txPr/>
+    <dgm:style>
+      <a:lnRef idx="1">
+        <a:scrgbClr r="0" g="0" b="0"/>
+      </a:lnRef>
+      <a:fillRef idx="1">
+        <a:scrgbClr r="0" g="0" b="0"/>
+      </a:fillRef>
+      <a:effectRef idx="0">
+        <a:scrgbClr r="0" g="0" b="0"/>
+      </a:effectRef>
+      <a:fontRef idx="minor"/>
+    </dgm:style>
+  </dgm:styleLbl>
+  <dgm:styleLbl name="solidFgAcc1">
+    <dgm:scene3d>
+      <a:camera prst="orthographicFront"/>
+      <a:lightRig rig="threePt" dir="t"/>
+    </dgm:scene3d>
+    <dgm:sp3d/>
+    <dgm:txPr/>
+    <dgm:style>
+      <a:lnRef idx="1">
+        <a:scrgbClr r="0" g="0" b="0"/>
+      </a:lnRef>
+      <a:fillRef idx="1">
+        <a:scrgbClr r="0" g="0" b="0"/>
+      </a:fillRef>
+      <a:effectRef idx="0">
+        <a:scrgbClr r="0" g="0" b="0"/>
+      </a:effectRef>
+      <a:fontRef idx="minor"/>
+    </dgm:style>
+  </dgm:styleLbl>
+  <dgm:styleLbl name="solidAlignAcc1">
+    <dgm:scene3d>
+      <a:camera prst="orthographicFront"/>
+      <a:lightRig rig="threePt" dir="t"/>
+    </dgm:scene3d>
+    <dgm:sp3d/>
+    <dgm:txPr/>
+    <dgm:style>
+      <a:lnRef idx="1">
+        <a:scrgbClr r="0" g="0" b="0"/>
+      </a:lnRef>
+      <a:fillRef idx="1">
+        <a:scrgbClr r="0" g="0" b="0"/>
+      </a:fillRef>
+      <a:effectRef idx="0">
+        <a:scrgbClr r="0" g="0" b="0"/>
+      </a:effectRef>
+      <a:fontRef idx="minor"/>
+    </dgm:style>
+  </dgm:styleLbl>
+  <dgm:styleLbl name="solidBgAcc1">
+    <dgm:scene3d>
+      <a:camera prst="orthographicFront"/>
+      <a:lightRig rig="threePt" dir="t"/>
+    </dgm:scene3d>
+    <dgm:sp3d/>
+    <dgm:txPr/>
+    <dgm:style>
+      <a:lnRef idx="1">
+        <a:scrgbClr r="0" g="0" b="0"/>
+      </a:lnRef>
+      <a:fillRef idx="1">
+        <a:scrgbClr r="0" g="0" b="0"/>
+      </a:fillRef>
+      <a:effectRef idx="0">
+        <a:scrgbClr r="0" g="0" b="0"/>
+      </a:effectRef>
+      <a:fontRef idx="minor"/>
+    </dgm:style>
+  </dgm:styleLbl>
+  <dgm:styleLbl name="fgAccFollowNode1">
+    <dgm:scene3d>
+      <a:camera prst="orthographicFront"/>
+      <a:lightRig rig="threePt" dir="t"/>
+    </dgm:scene3d>
+    <dgm:sp3d/>
+    <dgm:txPr/>
+    <dgm:style>
+      <a:lnRef idx="1">
+        <a:scrgbClr r="0" g="0" b="0"/>
+      </a:lnRef>
+      <a:fillRef idx="1">
+        <a:scrgbClr r="0" g="0" b="0"/>
+      </a:fillRef>
+      <a:effectRef idx="0">
+        <a:scrgbClr r="0" g="0" b="0"/>
+      </a:effectRef>
+      <a:fontRef idx="minor"/>
+    </dgm:style>
+  </dgm:styleLbl>
+  <dgm:styleLbl name="alignAccFollowNode1">
+    <dgm:scene3d>
+      <a:camera prst="orthographicFront"/>
+      <a:lightRig rig="threePt" dir="t"/>
+    </dgm:scene3d>
+    <dgm:sp3d/>
+    <dgm:txPr/>
+    <dgm:style>
+      <a:lnRef idx="1">
+        <a:scrgbClr r="0" g="0" b="0"/>
+      </a:lnRef>
+      <a:fillRef idx="1">
+        <a:scrgbClr r="0" g="0" b="0"/>
+      </a:fillRef>
+      <a:effectRef idx="0">
+        <a:scrgbClr r="0" g="0" b="0"/>
+      </a:effectRef>
+      <a:fontRef idx="minor"/>
+    </dgm:style>
+  </dgm:styleLbl>
+  <dgm:styleLbl name="bgAccFollowNode1">
+    <dgm:scene3d>
+      <a:camera prst="orthographicFront"/>
+      <a:lightRig rig="threePt" dir="t"/>
+    </dgm:scene3d>
+    <dgm:sp3d/>
+    <dgm:txPr/>
+    <dgm:style>
+      <a:lnRef idx="1">
+        <a:scrgbClr r="0" g="0" b="0"/>
+      </a:lnRef>
+      <a:fillRef idx="1">
+        <a:scrgbClr r="0" g="0" b="0"/>
+      </a:fillRef>
+      <a:effectRef idx="0">
+        <a:scrgbClr r="0" g="0" b="0"/>
+      </a:effectRef>
+      <a:fontRef idx="minor"/>
+    </dgm:style>
+  </dgm:styleLbl>
+  <dgm:styleLbl name="fgAcc0">
+    <dgm:scene3d>
+      <a:camera prst="orthographicFront"/>
+      <a:lightRig rig="threePt" dir="t"/>
+    </dgm:scene3d>
+    <dgm:sp3d/>
+    <dgm:txPr/>
+    <dgm:style>
+      <a:lnRef idx="1">
+        <a:scrgbClr r="0" g="0" b="0"/>
+      </a:lnRef>
+      <a:fillRef idx="1">
+        <a:scrgbClr r="0" g="0" b="0"/>
+      </a:fillRef>
+      <a:effectRef idx="0">
+        <a:scrgbClr r="0" g="0" b="0"/>
+      </a:effectRef>
+      <a:fontRef idx="minor"/>
+    </dgm:style>
+  </dgm:styleLbl>
+  <dgm:styleLbl name="fgAcc2">
+    <dgm:scene3d>
+      <a:camera prst="orthographicFront"/>
+      <a:lightRig rig="threePt" dir="t"/>
+    </dgm:scene3d>
+    <dgm:sp3d/>
+    <dgm:txPr/>
+    <dgm:style>
+      <a:lnRef idx="1">
+        <a:scrgbClr r="0" g="0" b="0"/>
+      </a:lnRef>
+      <a:fillRef idx="1">
+        <a:scrgbClr r="0" g="0" b="0"/>
+      </a:fillRef>
+      <a:effectRef idx="0">
+        <a:scrgbClr r="0" g="0" b="0"/>
+      </a:effectRef>
+      <a:fontRef idx="minor"/>
+    </dgm:style>
+  </dgm:styleLbl>
+  <dgm:styleLbl name="fgAcc3">
+    <dgm:scene3d>
+      <a:camera prst="orthographicFront"/>
+      <a:lightRig rig="threePt" dir="t"/>
+    </dgm:scene3d>
+    <dgm:sp3d/>
+    <dgm:txPr/>
+    <dgm:style>
+      <a:lnRef idx="1">
+        <a:scrgbClr r="0" g="0" b="0"/>
+      </a:lnRef>
+      <a:fillRef idx="1">
+        <a:scrgbClr r="0" g="0" b="0"/>
+      </a:fillRef>
+      <a:effectRef idx="0">
+        <a:scrgbClr r="0" g="0" b="0"/>
+      </a:effectRef>
+      <a:fontRef idx="minor"/>
+    </dgm:style>
+  </dgm:styleLbl>
+  <dgm:styleLbl name="fgAcc4">
+    <dgm:scene3d>
+      <a:camera prst="orthographicFront"/>
+      <a:lightRig rig="threePt" dir="t"/>
+    </dgm:scene3d>
+    <dgm:sp3d/>
+    <dgm:txPr/>
+    <dgm:style>
+      <a:lnRef idx="1">
+        <a:scrgbClr r="0" g="0" b="0"/>
+      </a:lnRef>
+      <a:fillRef idx="1">
+        <a:scrgbClr r="0" g="0" b="0"/>
+      </a:fillRef>
+      <a:effectRef idx="0">
+        <a:scrgbClr r="0" g="0" b="0"/>
+      </a:effectRef>
+      <a:fontRef idx="minor"/>
+    </dgm:style>
+  </dgm:styleLbl>
+  <dgm:styleLbl name="bgShp">
+    <dgm:scene3d>
+      <a:camera prst="orthographicFront"/>
+      <a:lightRig rig="threePt" dir="t"/>
+    </dgm:scene3d>
+    <dgm:sp3d/>
+    <dgm:txPr/>
+    <dgm:style>
+      <a:lnRef idx="0">
+        <a:scrgbClr r="0" g="0" b="0"/>
+      </a:lnRef>
+      <a:fillRef idx="1">
+        <a:scrgbClr r="0" g="0" b="0"/>
+      </a:fillRef>
+      <a:effectRef idx="2">
+        <a:scrgbClr r="0" g="0" b="0"/>
+      </a:effectRef>
+      <a:fontRef idx="minor"/>
+    </dgm:style>
+  </dgm:styleLbl>
+  <dgm:styleLbl name="dkBgShp">
+    <dgm:scene3d>
+      <a:camera prst="orthographicFront"/>
+      <a:lightRig rig="threePt" dir="t"/>
+    </dgm:scene3d>
+    <dgm:sp3d/>
+    <dgm:txPr/>
+    <dgm:style>
+      <a:lnRef idx="0">
+        <a:scrgbClr r="0" g="0" b="0"/>
+      </a:lnRef>
+      <a:fillRef idx="1">
+        <a:scrgbClr r="0" g="0" b="0"/>
+      </a:fillRef>
+      <a:effectRef idx="2">
+        <a:scrgbClr r="0" g="0" b="0"/>
+      </a:effectRef>
+      <a:fontRef idx="minor"/>
+    </dgm:style>
+  </dgm:styleLbl>
+  <dgm:styleLbl name="trBgShp">
+    <dgm:scene3d>
+      <a:camera prst="orthographicFront"/>
+      <a:lightRig rig="threePt" dir="t"/>
+    </dgm:scene3d>
+    <dgm:sp3d/>
+    <dgm:txPr/>
+    <dgm:style>
+      <a:lnRef idx="0">
+        <a:scrgbClr r="0" g="0" b="0"/>
+      </a:lnRef>
+      <a:fillRef idx="1">
+        <a:scrgbClr r="0" g="0" b="0"/>
+      </a:fillRef>
+      <a:effectRef idx="0">
+        <a:scrgbClr r="0" g="0" b="0"/>
+      </a:effectRef>
+      <a:fontRef idx="minor"/>
+    </dgm:style>
+  </dgm:styleLbl>
+  <dgm:styleLbl name="fgShp">
+    <dgm:scene3d>
+      <a:camera prst="orthographicFront"/>
+      <a:lightRig rig="threePt" dir="t"/>
+    </dgm:scene3d>
+    <dgm:sp3d/>
+    <dgm:txPr/>
+    <dgm:style>
+      <a:lnRef idx="0">
+        <a:scrgbClr r="0" g="0" b="0"/>
+      </a:lnRef>
+      <a:fillRef idx="3">
+        <a:scrgbClr r="0" g="0" b="0"/>
+      </a:fillRef>
+      <a:effectRef idx="2">
+        <a:scrgbClr r="0" g="0" b="0"/>
+      </a:effectRef>
+      <a:fontRef idx="minor"/>
+    </dgm:style>
+  </dgm:styleLbl>
+  <dgm:styleLbl name="revTx">
+    <dgm:scene3d>
+      <a:camera prst="orthographicFront"/>
+      <a:lightRig rig="threePt" dir="t"/>
+    </dgm:scene3d>
+    <dgm:sp3d/>
+    <dgm:txPr/>
+    <dgm:style>
+      <a:lnRef idx="0">
+        <a:scrgbClr r="0" g="0" b="0"/>
+      </a:lnRef>
+      <a:fillRef idx="0">
+        <a:scrgbClr r="0" g="0" b="0"/>
+      </a:fillRef>
+      <a:effectRef idx="0">
+        <a:scrgbClr r="0" g="0" b="0"/>
+      </a:effectRef>
+      <a:fontRef idx="minor"/>
+    </dgm:style>
+  </dgm:styleLbl>
+</dgm:styleDef>
+</file>
+
 <file path=ppt/handoutMasters/handoutMaster1.xml><?xml version="1.0" encoding="utf-8"?>
 <p:handoutMaster xmlns:a="http://schemas.openxmlformats.org/drawingml/2006/main" xmlns:r="http://schemas.openxmlformats.org/officeDocument/2006/relationships" xmlns:p="http://schemas.openxmlformats.org/presentationml/2006/main">
   <p:cSld>
@@ -231,7 +3883,7 @@
           <a:p>
             <a:fld id="{6AC4FB8F-ED15-48AB-97BD-17129D4E699D}" type="datetimeFigureOut">
               <a:rPr lang="en-US" smtClean="0"/>
-              <a:t>10/9/2018</a:t>
+              <a:t>10/10/2018</a:t>
             </a:fld>
             <a:endParaRPr lang="en-US" dirty="0"/>
           </a:p>
@@ -396,7 +4048,7 @@
           <a:p>
             <a:fld id="{BBC9D437-CD83-4825-AD0D-5E7B341BC79B}" type="datetimeFigureOut">
               <a:rPr lang="en-US" smtClean="0"/>
-              <a:t>10/9/2018</a:t>
+              <a:t>10/10/2018</a:t>
             </a:fld>
             <a:endParaRPr lang="en-US" dirty="0"/>
           </a:p>
@@ -794,7 +4446,7 @@
           <a:p>
             <a:fld id="{85AB7CBB-843F-464A-A764-71D6ADC27CFA}" type="datetime1">
               <a:rPr lang="en-US" smtClean="0"/>
-              <a:t>10/9/2018</a:t>
+              <a:t>10/10/2018</a:t>
             </a:fld>
             <a:endParaRPr lang="en-US" dirty="0"/>
           </a:p>
@@ -981,7 +4633,7 @@
           <a:p>
             <a:fld id="{CBEFC03D-3A1F-4813-9337-02411FCC3A9A}" type="datetime1">
               <a:rPr lang="en-US" smtClean="0"/>
-              <a:t>10/9/2018</a:t>
+              <a:t>10/10/2018</a:t>
             </a:fld>
             <a:endParaRPr lang="en-US" dirty="0"/>
           </a:p>
@@ -1177,7 +4829,7 @@
           <a:p>
             <a:fld id="{3D638F79-DFA0-4C26-9553-23A017B69AB6}" type="datetime1">
               <a:rPr lang="en-US" smtClean="0"/>
-              <a:t>10/9/2018</a:t>
+              <a:t>10/10/2018</a:t>
             </a:fld>
             <a:endParaRPr lang="en-US" dirty="0"/>
           </a:p>
@@ -1288,7 +4940,7 @@
           <a:p>
             <a:fld id="{AA615CA6-EC4D-4728-8AA6-534BE7E9B67C}" type="datetime1">
               <a:rPr lang="en-US" smtClean="0"/>
-              <a:t>10/9/2018</a:t>
+              <a:t>10/10/2018</a:t>
             </a:fld>
             <a:endParaRPr lang="en-US" dirty="0"/>
           </a:p>
@@ -1473,7 +5125,7 @@
           <a:p>
             <a:fld id="{A70B34E7-E1D9-4FBF-A1A0-4009669A00BF}" type="datetime1">
               <a:rPr lang="en-US" smtClean="0"/>
-              <a:t>10/9/2018</a:t>
+              <a:t>10/10/2018</a:t>
             </a:fld>
             <a:endParaRPr lang="en-US" dirty="0"/>
           </a:p>
@@ -1736,7 +5388,7 @@
           <a:p>
             <a:fld id="{C50FD434-5945-4FAF-A8C0-DAE9905532CE}" type="datetimeFigureOut">
               <a:rPr lang="en-US" smtClean="0"/>
-              <a:t>10/9/2018</a:t>
+              <a:t>10/10/2018</a:t>
             </a:fld>
             <a:endParaRPr lang="en-US"/>
           </a:p>
@@ -1980,7 +5632,7 @@
           <a:p>
             <a:fld id="{7579E8B6-2F47-420B-83EA-EB2285D13EC9}" type="datetime1">
               <a:rPr lang="en-US" smtClean="0"/>
-              <a:t>10/9/2018</a:t>
+              <a:t>10/10/2018</a:t>
             </a:fld>
             <a:endParaRPr lang="en-US" dirty="0"/>
           </a:p>
@@ -2363,7 +6015,7 @@
           <a:p>
             <a:fld id="{2304803D-B10E-4B90-8456-A0E05393E233}" type="datetime1">
               <a:rPr lang="en-US" smtClean="0"/>
-              <a:t>10/9/2018</a:t>
+              <a:t>10/10/2018</a:t>
             </a:fld>
             <a:endParaRPr lang="en-US" dirty="0"/>
           </a:p>
@@ -2497,7 +6149,7 @@
           <a:p>
             <a:fld id="{CCE1E62F-6CCE-4064-96C2-2084AF883904}" type="datetime1">
               <a:rPr lang="en-US" smtClean="0"/>
-              <a:t>10/9/2018</a:t>
+              <a:t>10/10/2018</a:t>
             </a:fld>
             <a:endParaRPr lang="en-US" dirty="0"/>
           </a:p>
@@ -2608,7 +6260,7 @@
           <a:p>
             <a:fld id="{AA615CA6-EC4D-4728-8AA6-534BE7E9B67C}" type="datetime1">
               <a:rPr lang="en-US" smtClean="0"/>
-              <a:t>10/9/2018</a:t>
+              <a:t>10/10/2018</a:t>
             </a:fld>
             <a:endParaRPr lang="en-US" dirty="0"/>
           </a:p>
@@ -2901,7 +6553,7 @@
           <a:p>
             <a:fld id="{A6139942-0A2E-443A-842F-D6DE74360370}" type="datetime1">
               <a:rPr lang="en-US" smtClean="0"/>
-              <a:t>10/9/2018</a:t>
+              <a:t>10/10/2018</a:t>
             </a:fld>
             <a:endParaRPr lang="en-US" dirty="0"/>
           </a:p>
@@ -3174,7 +6826,7 @@
           <a:p>
             <a:fld id="{C50FD434-5945-4FAF-A8C0-DAE9905532CE}" type="datetimeFigureOut">
               <a:rPr lang="en-US" smtClean="0"/>
-              <a:t>10/9/2018</a:t>
+              <a:t>10/10/2018</a:t>
             </a:fld>
             <a:endParaRPr lang="en-US"/>
           </a:p>
@@ -3451,7 +7103,7 @@
           <a:p>
             <a:fld id="{3F138946-C5C1-4A11-BA69-F12F43F8A94B}" type="datetime1">
               <a:rPr lang="en-US" smtClean="0"/>
-              <a:t>10/9/2018</a:t>
+              <a:t>10/10/2018</a:t>
             </a:fld>
             <a:endParaRPr lang="en-US" dirty="0"/>
           </a:p>
@@ -8485,6 +12137,105 @@
 </p:sld>
 </file>
 
+<file path=ppt/slides/slide19.xml><?xml version="1.0" encoding="utf-8"?>
+<p:sld xmlns:a="http://schemas.openxmlformats.org/drawingml/2006/main" xmlns:r="http://schemas.openxmlformats.org/officeDocument/2006/relationships" xmlns:p="http://schemas.openxmlformats.org/presentationml/2006/main">
+  <p:cSld>
+    <p:spTree>
+      <p:nvGrpSpPr>
+        <p:cNvPr id="1" name=""/>
+        <p:cNvGrpSpPr/>
+        <p:nvPr/>
+      </p:nvGrpSpPr>
+      <p:grpSpPr>
+        <a:xfrm>
+          <a:off x="0" y="0"/>
+          <a:ext cx="0" cy="0"/>
+          <a:chOff x="0" y="0"/>
+          <a:chExt cx="0" cy="0"/>
+        </a:xfrm>
+      </p:grpSpPr>
+      <p:sp>
+        <p:nvSpPr>
+          <p:cNvPr id="2" name="Title 1">
+            <a:extLst>
+              <a:ext uri="{FF2B5EF4-FFF2-40B4-BE49-F238E27FC236}">
+                <a16:creationId xmlns:a16="http://schemas.microsoft.com/office/drawing/2014/main" id="{5FFFF665-DBFE-4139-ACF5-B7D92BBE8CD9}"/>
+              </a:ext>
+            </a:extLst>
+          </p:cNvPr>
+          <p:cNvSpPr>
+            <a:spLocks noGrp="1"/>
+          </p:cNvSpPr>
+          <p:nvPr>
+            <p:ph type="title"/>
+          </p:nvPr>
+        </p:nvSpPr>
+        <p:spPr/>
+        <p:txBody>
+          <a:bodyPr/>
+          <a:lstStyle/>
+          <a:p>
+            <a:r>
+              <a:rPr lang="en-US" dirty="0"/>
+              <a:t>Lesson Plan 7</a:t>
+            </a:r>
+          </a:p>
+        </p:txBody>
+      </p:sp>
+      <p:sp>
+        <p:nvSpPr>
+          <p:cNvPr id="4" name="Footer Placeholder 3">
+            <a:extLst>
+              <a:ext uri="{FF2B5EF4-FFF2-40B4-BE49-F238E27FC236}">
+                <a16:creationId xmlns:a16="http://schemas.microsoft.com/office/drawing/2014/main" id="{D0F8768D-96E5-431F-BE40-E106E81AE634}"/>
+              </a:ext>
+            </a:extLst>
+          </p:cNvPr>
+          <p:cNvSpPr>
+            <a:spLocks noGrp="1"/>
+          </p:cNvSpPr>
+          <p:nvPr>
+            <p:ph type="ftr" sz="quarter" idx="11"/>
+          </p:nvPr>
+        </p:nvSpPr>
+        <p:spPr/>
+        <p:txBody>
+          <a:bodyPr/>
+          <a:lstStyle/>
+          <a:p>
+            <a:r>
+              <a:rPr lang="en-US"/>
+              <a:t>Add a footer</a:t>
+            </a:r>
+            <a:endParaRPr lang="en-US" dirty="0"/>
+          </a:p>
+        </p:txBody>
+      </p:sp>
+    </p:spTree>
+    <p:extLst>
+      <p:ext uri="{BB962C8B-B14F-4D97-AF65-F5344CB8AC3E}">
+        <p14:creationId xmlns:p14="http://schemas.microsoft.com/office/powerpoint/2010/main" val="1887116525"/>
+      </p:ext>
+    </p:extLst>
+  </p:cSld>
+  <p:clrMapOvr>
+    <a:masterClrMapping/>
+  </p:clrMapOvr>
+  <mc:AlternateContent xmlns:mc="http://schemas.openxmlformats.org/markup-compatibility/2006" xmlns:p14="http://schemas.microsoft.com/office/powerpoint/2010/main">
+    <mc:Choice Requires="p14">
+      <p:transition spd="med" p14:dur="700">
+        <p:fade/>
+      </p:transition>
+    </mc:Choice>
+    <mc:Fallback xmlns="">
+      <p:transition spd="med">
+        <p:fade/>
+      </p:transition>
+    </mc:Fallback>
+  </mc:AlternateContent>
+</p:sld>
+</file>
+
 <file path=ppt/slides/slide2.xml><?xml version="1.0" encoding="utf-8"?>
 <p:sld xmlns:a="http://schemas.openxmlformats.org/drawingml/2006/main" xmlns:r="http://schemas.openxmlformats.org/officeDocument/2006/relationships" xmlns:p="http://schemas.openxmlformats.org/presentationml/2006/main">
   <p:cSld>
@@ -8766,6 +12517,602 @@
   </p:cSld>
   <p:clrMapOvr>
     <a:masterClrMapping/>
+  </p:clrMapOvr>
+  <mc:AlternateContent xmlns:mc="http://schemas.openxmlformats.org/markup-compatibility/2006" xmlns:p14="http://schemas.microsoft.com/office/powerpoint/2010/main">
+    <mc:Choice Requires="p14">
+      <p:transition spd="med" p14:dur="700">
+        <p:fade/>
+      </p:transition>
+    </mc:Choice>
+    <mc:Fallback xmlns="">
+      <p:transition spd="med">
+        <p:fade/>
+      </p:transition>
+    </mc:Fallback>
+  </mc:AlternateContent>
+</p:sld>
+</file>
+
+<file path=ppt/slides/slide20.xml><?xml version="1.0" encoding="utf-8"?>
+<p:sld xmlns:a="http://schemas.openxmlformats.org/drawingml/2006/main" xmlns:r="http://schemas.openxmlformats.org/officeDocument/2006/relationships" xmlns:p="http://schemas.openxmlformats.org/presentationml/2006/main">
+  <p:cSld>
+    <p:bg>
+      <p:bgPr>
+        <a:solidFill>
+          <a:schemeClr val="bg1"/>
+        </a:solidFill>
+        <a:effectLst/>
+      </p:bgPr>
+    </p:bg>
+    <p:spTree>
+      <p:nvGrpSpPr>
+        <p:cNvPr id="1" name=""/>
+        <p:cNvGrpSpPr/>
+        <p:nvPr/>
+      </p:nvGrpSpPr>
+      <p:grpSpPr>
+        <a:xfrm>
+          <a:off x="0" y="0"/>
+          <a:ext cx="0" cy="0"/>
+          <a:chOff x="0" y="0"/>
+          <a:chExt cx="0" cy="0"/>
+        </a:xfrm>
+      </p:grpSpPr>
+      <p:sp>
+        <p:nvSpPr>
+          <p:cNvPr id="4" name="Title 3">
+            <a:extLst>
+              <a:ext uri="{FF2B5EF4-FFF2-40B4-BE49-F238E27FC236}">
+                <a16:creationId xmlns:a16="http://schemas.microsoft.com/office/drawing/2014/main" id="{D97D1FA4-7DA2-46D5-90BC-D3596A908836}"/>
+              </a:ext>
+            </a:extLst>
+          </p:cNvPr>
+          <p:cNvSpPr>
+            <a:spLocks noGrp="1"/>
+          </p:cNvSpPr>
+          <p:nvPr>
+            <p:ph type="title"/>
+          </p:nvPr>
+        </p:nvSpPr>
+        <p:spPr>
+          <a:xfrm>
+            <a:off x="838200" y="365125"/>
+            <a:ext cx="10515600" cy="1325563"/>
+          </a:xfrm>
+        </p:spPr>
+        <p:txBody>
+          <a:bodyPr>
+            <a:normAutofit/>
+          </a:bodyPr>
+          <a:lstStyle/>
+          <a:p>
+            <a:r>
+              <a:rPr lang="en-US"/>
+              <a:t>Rest of the week at a glance</a:t>
+            </a:r>
+          </a:p>
+        </p:txBody>
+      </p:sp>
+      <p:sp>
+        <p:nvSpPr>
+          <p:cNvPr id="3" name="Footer Placeholder 2">
+            <a:extLst>
+              <a:ext uri="{FF2B5EF4-FFF2-40B4-BE49-F238E27FC236}">
+                <a16:creationId xmlns:a16="http://schemas.microsoft.com/office/drawing/2014/main" id="{F05069F2-C868-4ABA-AA9D-6C7B78FF6CE5}"/>
+              </a:ext>
+            </a:extLst>
+          </p:cNvPr>
+          <p:cNvSpPr>
+            <a:spLocks noGrp="1"/>
+          </p:cNvSpPr>
+          <p:nvPr>
+            <p:ph type="ftr" sz="quarter" idx="11"/>
+          </p:nvPr>
+        </p:nvSpPr>
+        <p:spPr>
+          <a:xfrm>
+            <a:off x="4038600" y="6356350"/>
+            <a:ext cx="4114800" cy="365125"/>
+          </a:xfrm>
+        </p:spPr>
+        <p:txBody>
+          <a:bodyPr>
+            <a:normAutofit/>
+          </a:bodyPr>
+          <a:lstStyle/>
+          <a:p>
+            <a:pPr>
+              <a:spcAft>
+                <a:spcPts val="600"/>
+              </a:spcAft>
+            </a:pPr>
+            <a:r>
+              <a:rPr lang="en-US"/>
+              <a:t>Add a footer</a:t>
+            </a:r>
+          </a:p>
+        </p:txBody>
+      </p:sp>
+      <p:graphicFrame>
+        <p:nvGraphicFramePr>
+          <p:cNvPr id="40" name="Content Placeholder 4">
+            <a:extLst>
+              <a:ext uri="{FF2B5EF4-FFF2-40B4-BE49-F238E27FC236}">
+                <a16:creationId xmlns:a16="http://schemas.microsoft.com/office/drawing/2014/main" id="{7609257D-55B8-4A84-8FD8-9F2C6116508A}"/>
+              </a:ext>
+            </a:extLst>
+          </p:cNvPr>
+          <p:cNvGraphicFramePr>
+            <a:graphicFrameLocks noGrp="1"/>
+          </p:cNvGraphicFramePr>
+          <p:nvPr>
+            <p:ph idx="1"/>
+            <p:extLst>
+              <p:ext uri="{D42A27DB-BD31-4B8C-83A1-F6EECF244321}">
+                <p14:modId xmlns:p14="http://schemas.microsoft.com/office/powerpoint/2010/main" val="2614888911"/>
+              </p:ext>
+            </p:extLst>
+          </p:nvPr>
+        </p:nvGraphicFramePr>
+        <p:xfrm>
+          <a:off x="838200" y="1825625"/>
+          <a:ext cx="10515600" cy="4351338"/>
+        </p:xfrm>
+        <a:graphic>
+          <a:graphicData uri="http://schemas.openxmlformats.org/drawingml/2006/diagram">
+            <dgm:relIds xmlns:dgm="http://schemas.openxmlformats.org/drawingml/2006/diagram" xmlns:r="http://schemas.openxmlformats.org/officeDocument/2006/relationships" r:dm="rId2" r:lo="rId3" r:qs="rId4" r:cs="rId5"/>
+          </a:graphicData>
+        </a:graphic>
+      </p:graphicFrame>
+    </p:spTree>
+    <p:extLst>
+      <p:ext uri="{BB962C8B-B14F-4D97-AF65-F5344CB8AC3E}">
+        <p14:creationId xmlns:p14="http://schemas.microsoft.com/office/powerpoint/2010/main" val="633635371"/>
+      </p:ext>
+    </p:extLst>
+  </p:cSld>
+  <p:clrMapOvr>
+    <a:masterClrMapping/>
+  </p:clrMapOvr>
+  <mc:AlternateContent xmlns:mc="http://schemas.openxmlformats.org/markup-compatibility/2006" xmlns:p14="http://schemas.microsoft.com/office/powerpoint/2010/main">
+    <mc:Choice Requires="p14">
+      <p:transition spd="med" p14:dur="700">
+        <p:fade/>
+      </p:transition>
+    </mc:Choice>
+    <mc:Fallback xmlns="">
+      <p:transition spd="med">
+        <p:fade/>
+      </p:transition>
+    </mc:Fallback>
+  </mc:AlternateContent>
+</p:sld>
+</file>
+
+<file path=ppt/slides/slide21.xml><?xml version="1.0" encoding="utf-8"?>
+<p:sld xmlns:a="http://schemas.openxmlformats.org/drawingml/2006/main" xmlns:r="http://schemas.openxmlformats.org/officeDocument/2006/relationships" xmlns:p="http://schemas.openxmlformats.org/presentationml/2006/main">
+  <p:cSld>
+    <p:bg>
+      <p:bgPr>
+        <a:solidFill>
+          <a:schemeClr val="bg1">
+            <a:tint val="95000"/>
+            <a:satMod val="170000"/>
+          </a:schemeClr>
+        </a:solidFill>
+        <a:effectLst/>
+      </p:bgPr>
+    </p:bg>
+    <p:spTree>
+      <p:nvGrpSpPr>
+        <p:cNvPr id="1" name=""/>
+        <p:cNvGrpSpPr/>
+        <p:nvPr/>
+      </p:nvGrpSpPr>
+      <p:grpSpPr>
+        <a:xfrm>
+          <a:off x="0" y="0"/>
+          <a:ext cx="0" cy="0"/>
+          <a:chOff x="0" y="0"/>
+          <a:chExt cx="0" cy="0"/>
+        </a:xfrm>
+      </p:grpSpPr>
+      <p:sp>
+        <p:nvSpPr>
+          <p:cNvPr id="10" name="Freeform: Shape 9">
+            <a:extLst>
+              <a:ext uri="{FF2B5EF4-FFF2-40B4-BE49-F238E27FC236}">
+                <a16:creationId xmlns:a16="http://schemas.microsoft.com/office/drawing/2014/main" id="{48A740BC-A0AA-45E0-B899-2AE9C6FE11CA}"/>
+              </a:ext>
+              <a:ext uri="{C183D7F6-B498-43B3-948B-1728B52AA6E4}">
+                <adec:decorative xmlns:adec="http://schemas.microsoft.com/office/drawing/2017/decorative" val="1"/>
+              </a:ext>
+            </a:extLst>
+          </p:cNvPr>
+          <p:cNvSpPr>
+            <a:spLocks noGrp="1" noRot="1" noChangeAspect="1" noMove="1" noResize="1" noEditPoints="1" noAdjustHandles="1" noChangeArrowheads="1" noChangeShapeType="1" noTextEdit="1"/>
+          </p:cNvSpPr>
+          <p:nvPr>
+            <p:extLst>
+              <p:ext uri="{386F3935-93C4-4BCD-93E2-E3B085C9AB24}">
+                <p16:designElem xmlns:p16="http://schemas.microsoft.com/office/powerpoint/2015/main" val="1"/>
+              </p:ext>
+            </p:extLst>
+          </p:nvPr>
+        </p:nvSpPr>
+        <p:spPr>
+          <a:xfrm>
+            <a:off x="5913121" y="-2"/>
+            <a:ext cx="6278879" cy="6858002"/>
+          </a:xfrm>
+          <a:custGeom>
+            <a:avLst/>
+            <a:gdLst>
+              <a:gd name="connsiteX0" fmla="*/ 45572 w 6278879"/>
+              <a:gd name="connsiteY0" fmla="*/ 0 h 6858002"/>
+              <a:gd name="connsiteX1" fmla="*/ 6278879 w 6278879"/>
+              <a:gd name="connsiteY1" fmla="*/ 0 h 6858002"/>
+              <a:gd name="connsiteX2" fmla="*/ 6278879 w 6278879"/>
+              <a:gd name="connsiteY2" fmla="*/ 6858002 h 6858002"/>
+              <a:gd name="connsiteX3" fmla="*/ 3292308 w 6278879"/>
+              <a:gd name="connsiteY3" fmla="*/ 6858002 h 6858002"/>
+              <a:gd name="connsiteX4" fmla="*/ 3181526 w 6278879"/>
+              <a:gd name="connsiteY4" fmla="*/ 6786982 h 6858002"/>
+              <a:gd name="connsiteX5" fmla="*/ 0 w 6278879"/>
+              <a:gd name="connsiteY5" fmla="*/ 803254 h 6858002"/>
+              <a:gd name="connsiteX6" fmla="*/ 37255 w 6278879"/>
+              <a:gd name="connsiteY6" fmla="*/ 65447 h 6858002"/>
+            </a:gdLst>
+            <a:ahLst/>
+            <a:cxnLst>
+              <a:cxn ang="0">
+                <a:pos x="connsiteX0" y="connsiteY0"/>
+              </a:cxn>
+              <a:cxn ang="0">
+                <a:pos x="connsiteX1" y="connsiteY1"/>
+              </a:cxn>
+              <a:cxn ang="0">
+                <a:pos x="connsiteX2" y="connsiteY2"/>
+              </a:cxn>
+              <a:cxn ang="0">
+                <a:pos x="connsiteX3" y="connsiteY3"/>
+              </a:cxn>
+              <a:cxn ang="0">
+                <a:pos x="connsiteX4" y="connsiteY4"/>
+              </a:cxn>
+              <a:cxn ang="0">
+                <a:pos x="connsiteX5" y="connsiteY5"/>
+              </a:cxn>
+              <a:cxn ang="0">
+                <a:pos x="connsiteX6" y="connsiteY6"/>
+              </a:cxn>
+            </a:cxnLst>
+            <a:rect l="l" t="t" r="r" b="b"/>
+            <a:pathLst>
+              <a:path w="6278879" h="6858002">
+                <a:moveTo>
+                  <a:pt x="45572" y="0"/>
+                </a:moveTo>
+                <a:lnTo>
+                  <a:pt x="6278879" y="0"/>
+                </a:lnTo>
+                <a:lnTo>
+                  <a:pt x="6278879" y="6858002"/>
+                </a:lnTo>
+                <a:lnTo>
+                  <a:pt x="3292308" y="6858002"/>
+                </a:lnTo>
+                <a:lnTo>
+                  <a:pt x="3181526" y="6786982"/>
+                </a:lnTo>
+                <a:cubicBezTo>
+                  <a:pt x="1262021" y="5490191"/>
+                  <a:pt x="0" y="3294103"/>
+                  <a:pt x="0" y="803254"/>
+                </a:cubicBezTo>
+                <a:cubicBezTo>
+                  <a:pt x="0" y="554169"/>
+                  <a:pt x="12620" y="308032"/>
+                  <a:pt x="37255" y="65447"/>
+                </a:cubicBezTo>
+                <a:close/>
+              </a:path>
+            </a:pathLst>
+          </a:custGeom>
+          <a:solidFill>
+            <a:schemeClr val="bg1">
+              <a:lumMod val="85000"/>
+              <a:lumOff val="15000"/>
+              <a:alpha val="70000"/>
+            </a:schemeClr>
+          </a:solidFill>
+          <a:ln>
+            <a:noFill/>
+          </a:ln>
+        </p:spPr>
+        <p:style>
+          <a:lnRef idx="2">
+            <a:schemeClr val="accent1">
+              <a:shade val="50000"/>
+            </a:schemeClr>
+          </a:lnRef>
+          <a:fillRef idx="1">
+            <a:schemeClr val="accent1"/>
+          </a:fillRef>
+          <a:effectRef idx="0">
+            <a:schemeClr val="accent1"/>
+          </a:effectRef>
+          <a:fontRef idx="minor">
+            <a:schemeClr val="lt1"/>
+          </a:fontRef>
+        </p:style>
+        <p:txBody>
+          <a:bodyPr rtlCol="0" anchor="ctr"/>
+          <a:lstStyle/>
+          <a:p>
+            <a:pPr marL="0" marR="0" lvl="0" indent="0" algn="ctr" defTabSz="914400" rtl="0" eaLnBrk="1" fontAlgn="auto" latinLnBrk="0" hangingPunct="1">
+              <a:lnSpc>
+                <a:spcPct val="100000"/>
+              </a:lnSpc>
+              <a:spcBef>
+                <a:spcPts val="0"/>
+              </a:spcBef>
+              <a:spcAft>
+                <a:spcPts val="0"/>
+              </a:spcAft>
+              <a:buClrTx/>
+              <a:buSzTx/>
+              <a:buFontTx/>
+              <a:buNone/>
+              <a:tabLst/>
+              <a:defRPr/>
+            </a:pPr>
+            <a:endParaRPr kumimoji="0" lang="en-US" sz="1800" b="0" i="0" u="none" strike="noStrike" kern="1200" cap="none" spc="0" normalizeH="0" baseline="0" noProof="0">
+              <a:ln>
+                <a:noFill/>
+              </a:ln>
+              <a:solidFill>
+                <a:prstClr val="white"/>
+              </a:solidFill>
+              <a:effectLst/>
+              <a:uLnTx/>
+              <a:uFillTx/>
+              <a:latin typeface="Calibri" panose="020F0502020204030204"/>
+              <a:ea typeface="+mn-ea"/>
+              <a:cs typeface="+mn-cs"/>
+            </a:endParaRPr>
+          </a:p>
+        </p:txBody>
+      </p:sp>
+      <p:sp>
+        <p:nvSpPr>
+          <p:cNvPr id="4" name="Title 3">
+            <a:extLst>
+              <a:ext uri="{FF2B5EF4-FFF2-40B4-BE49-F238E27FC236}">
+                <a16:creationId xmlns:a16="http://schemas.microsoft.com/office/drawing/2014/main" id="{D97D1FA4-7DA2-46D5-90BC-D3596A908836}"/>
+              </a:ext>
+            </a:extLst>
+          </p:cNvPr>
+          <p:cNvSpPr>
+            <a:spLocks noGrp="1"/>
+          </p:cNvSpPr>
+          <p:nvPr>
+            <p:ph type="title"/>
+          </p:nvPr>
+        </p:nvSpPr>
+        <p:spPr>
+          <a:xfrm>
+            <a:off x="655320" y="365125"/>
+            <a:ext cx="9013052" cy="1623312"/>
+          </a:xfrm>
+        </p:spPr>
+        <p:txBody>
+          <a:bodyPr anchor="b">
+            <a:normAutofit/>
+          </a:bodyPr>
+          <a:lstStyle/>
+          <a:p>
+            <a:r>
+              <a:rPr lang="en-US" sz="4000" dirty="0"/>
+              <a:t>Drawing #6 – Lettering Handout 4-1</a:t>
+            </a:r>
+          </a:p>
+        </p:txBody>
+      </p:sp>
+      <p:cxnSp>
+        <p:nvCxnSpPr>
+          <p:cNvPr id="12" name="Straight Arrow Connector 11">
+            <a:extLst>
+              <a:ext uri="{FF2B5EF4-FFF2-40B4-BE49-F238E27FC236}">
+                <a16:creationId xmlns:a16="http://schemas.microsoft.com/office/drawing/2014/main" id="{B874EF51-C858-4BB9-97C3-D17755787127}"/>
+              </a:ext>
+              <a:ext uri="{C183D7F6-B498-43B3-948B-1728B52AA6E4}">
+                <adec:decorative xmlns:adec="http://schemas.microsoft.com/office/drawing/2017/decorative" val="1"/>
+              </a:ext>
+            </a:extLst>
+          </p:cNvPr>
+          <p:cNvCxnSpPr>
+            <a:cxnSpLocks noGrp="1" noRot="1" noChangeAspect="1" noMove="1" noResize="1" noEditPoints="1" noAdjustHandles="1" noChangeArrowheads="1" noChangeShapeType="1"/>
+          </p:cNvCxnSpPr>
+          <p:nvPr>
+            <p:extLst>
+              <p:ext uri="{386F3935-93C4-4BCD-93E2-E3B085C9AB24}">
+                <p16:designElem xmlns:p16="http://schemas.microsoft.com/office/powerpoint/2015/main" val="1"/>
+              </p:ext>
+            </p:extLst>
+          </p:nvPr>
+        </p:nvCxnSpPr>
+        <p:spPr>
+          <a:xfrm>
+            <a:off x="763661" y="2316480"/>
+            <a:ext cx="8229600" cy="0"/>
+          </a:xfrm>
+          <a:prstGeom prst="straightConnector1">
+            <a:avLst/>
+          </a:prstGeom>
+          <a:ln w="19050" cap="sq">
+            <a:solidFill>
+              <a:schemeClr val="tx1"/>
+            </a:solidFill>
+            <a:tailEnd type="none"/>
+          </a:ln>
+        </p:spPr>
+        <p:style>
+          <a:lnRef idx="1">
+            <a:schemeClr val="accent1"/>
+          </a:lnRef>
+          <a:fillRef idx="0">
+            <a:schemeClr val="accent1"/>
+          </a:fillRef>
+          <a:effectRef idx="0">
+            <a:schemeClr val="accent1"/>
+          </a:effectRef>
+          <a:fontRef idx="minor">
+            <a:schemeClr val="tx1"/>
+          </a:fontRef>
+        </p:style>
+      </p:cxnSp>
+      <p:sp>
+        <p:nvSpPr>
+          <p:cNvPr id="5" name="Content Placeholder 4">
+            <a:extLst>
+              <a:ext uri="{FF2B5EF4-FFF2-40B4-BE49-F238E27FC236}">
+                <a16:creationId xmlns:a16="http://schemas.microsoft.com/office/drawing/2014/main" id="{954FCF4C-A640-42CC-9C3B-2AEC0028E6A9}"/>
+              </a:ext>
+            </a:extLst>
+          </p:cNvPr>
+          <p:cNvSpPr>
+            <a:spLocks noGrp="1"/>
+          </p:cNvSpPr>
+          <p:nvPr>
+            <p:ph idx="1"/>
+          </p:nvPr>
+        </p:nvSpPr>
+        <p:spPr>
+          <a:xfrm>
+            <a:off x="655320" y="2644518"/>
+            <a:ext cx="9013052" cy="3327251"/>
+          </a:xfrm>
+        </p:spPr>
+        <p:txBody>
+          <a:bodyPr>
+            <a:normAutofit fontScale="92500"/>
+          </a:bodyPr>
+          <a:lstStyle/>
+          <a:p>
+            <a:r>
+              <a:rPr lang="en-US" sz="3600" dirty="0"/>
+              <a:t>DUE DATE: </a:t>
+            </a:r>
+            <a:r>
+              <a:rPr lang="en-US" sz="3600" b="1" dirty="0"/>
+              <a:t>TOMORROW, 10/11 by end of class</a:t>
+            </a:r>
+          </a:p>
+          <a:p>
+            <a:endParaRPr lang="en-US" sz="3600" b="1" dirty="0"/>
+          </a:p>
+          <a:p>
+            <a:pPr marL="0" indent="0">
+              <a:buNone/>
+            </a:pPr>
+            <a:r>
+              <a:rPr lang="en-US" b="1" dirty="0"/>
+              <a:t>TIPS</a:t>
+            </a:r>
+          </a:p>
+          <a:p>
+            <a:pPr>
+              <a:buFontTx/>
+              <a:buChar char="-"/>
+            </a:pPr>
+            <a:r>
+              <a:rPr lang="en-US" b="1" dirty="0"/>
+              <a:t>Good spacing between letters</a:t>
+            </a:r>
+          </a:p>
+          <a:p>
+            <a:pPr>
+              <a:buFontTx/>
+              <a:buChar char="-"/>
+            </a:pPr>
+            <a:r>
+              <a:rPr lang="en-US" b="1" dirty="0"/>
+              <a:t>Watch smudges</a:t>
+            </a:r>
+          </a:p>
+          <a:p>
+            <a:pPr>
+              <a:buFontTx/>
+              <a:buChar char="-"/>
+            </a:pPr>
+            <a:r>
+              <a:rPr lang="en-US" b="1" dirty="0"/>
+              <a:t>Use tools properly</a:t>
+            </a:r>
+          </a:p>
+          <a:p>
+            <a:pPr>
+              <a:buFontTx/>
+              <a:buChar char="-"/>
+            </a:pPr>
+            <a:endParaRPr lang="en-US" sz="3600" b="1" dirty="0"/>
+          </a:p>
+        </p:txBody>
+      </p:sp>
+      <p:sp>
+        <p:nvSpPr>
+          <p:cNvPr id="3" name="Footer Placeholder 2">
+            <a:extLst>
+              <a:ext uri="{FF2B5EF4-FFF2-40B4-BE49-F238E27FC236}">
+                <a16:creationId xmlns:a16="http://schemas.microsoft.com/office/drawing/2014/main" id="{F05069F2-C868-4ABA-AA9D-6C7B78FF6CE5}"/>
+              </a:ext>
+            </a:extLst>
+          </p:cNvPr>
+          <p:cNvSpPr>
+            <a:spLocks noGrp="1"/>
+          </p:cNvSpPr>
+          <p:nvPr>
+            <p:ph type="ftr" sz="quarter" idx="11"/>
+          </p:nvPr>
+        </p:nvSpPr>
+        <p:spPr>
+          <a:xfrm>
+            <a:off x="655320" y="6356350"/>
+            <a:ext cx="4114800" cy="365125"/>
+          </a:xfrm>
+        </p:spPr>
+        <p:txBody>
+          <a:bodyPr>
+            <a:normAutofit/>
+          </a:bodyPr>
+          <a:lstStyle/>
+          <a:p>
+            <a:pPr algn="l">
+              <a:spcAft>
+                <a:spcPts val="600"/>
+              </a:spcAft>
+            </a:pPr>
+            <a:r>
+              <a:rPr lang="en-US">
+                <a:solidFill>
+                  <a:schemeClr val="tx1"/>
+                </a:solidFill>
+              </a:rPr>
+              <a:t>Add a footer</a:t>
+            </a:r>
+          </a:p>
+        </p:txBody>
+      </p:sp>
+    </p:spTree>
+    <p:extLst>
+      <p:ext uri="{BB962C8B-B14F-4D97-AF65-F5344CB8AC3E}">
+        <p14:creationId xmlns:p14="http://schemas.microsoft.com/office/powerpoint/2010/main" val="2472317346"/>
+      </p:ext>
+    </p:extLst>
+  </p:cSld>
+  <p:clrMapOvr>
+    <a:overrideClrMapping bg1="dk1" tx1="lt1" bg2="dk2" tx2="lt2" accent1="accent1" accent2="accent2" accent3="accent3" accent4="accent4" accent5="accent5" accent6="accent6" hlink="hlink" folHlink="folHlink"/>
   </p:clrMapOvr>
   <mc:AlternateContent xmlns:mc="http://schemas.openxmlformats.org/markup-compatibility/2006" xmlns:p14="http://schemas.microsoft.com/office/powerpoint/2010/main">
     <mc:Choice Requires="p14">

--- a/High School/Design and Drawing for Production/Unit 3 - Introduction to Lettering/Section 1 - What is Lettering/Assets/Unit 3 - Section 1 - What is Lettering.pptx
+++ b/High School/Design and Drawing for Production/Unit 3 - Introduction to Lettering/Section 1 - What is Lettering/Assets/Unit 3 - Section 1 - What is Lettering.pptx
@@ -5,10 +5,10 @@
     <p:sldMasterId id="2147483705" r:id="rId1"/>
   </p:sldMasterIdLst>
   <p:notesMasterIdLst>
-    <p:notesMasterId r:id="rId23"/>
+    <p:notesMasterId r:id="rId25"/>
   </p:notesMasterIdLst>
   <p:handoutMasterIdLst>
-    <p:handoutMasterId r:id="rId24"/>
+    <p:handoutMasterId r:id="rId26"/>
   </p:handoutMasterIdLst>
   <p:sldIdLst>
     <p:sldId id="268" r:id="rId2"/>
@@ -32,6 +32,8 @@
     <p:sldId id="293" r:id="rId20"/>
     <p:sldId id="295" r:id="rId21"/>
     <p:sldId id="294" r:id="rId22"/>
+    <p:sldId id="296" r:id="rId23"/>
+    <p:sldId id="297" r:id="rId24"/>
   </p:sldIdLst>
   <p:sldSz cx="12192000" cy="6858000"/>
   <p:notesSz cx="6858000" cy="9144000"/>
@@ -901,7 +903,1438 @@
 </dgm:colorsDef>
 </file>
 
+<file path=ppt/diagrams/colors2.xml><?xml version="1.0" encoding="utf-8"?>
+<dgm:colorsDef xmlns:dgm="http://schemas.openxmlformats.org/drawingml/2006/diagram" xmlns:a="http://schemas.openxmlformats.org/drawingml/2006/main" uniqueId="urn:microsoft.com/office/officeart/2018/5/colors/Iconchunking_neutralicontext_accent3_2">
+  <dgm:title val=""/>
+  <dgm:desc val=""/>
+  <dgm:catLst>
+    <dgm:cat type="accent3" pri="13200"/>
+  </dgm:catLst>
+  <dgm:styleLbl name="node0">
+    <dgm:fillClrLst meth="repeat">
+      <a:schemeClr val="accent3"/>
+    </dgm:fillClrLst>
+    <dgm:linClrLst meth="repeat">
+      <a:schemeClr val="lt1"/>
+    </dgm:linClrLst>
+    <dgm:effectClrLst/>
+    <dgm:txLinClrLst/>
+    <dgm:txFillClrLst/>
+    <dgm:txEffectClrLst/>
+  </dgm:styleLbl>
+  <dgm:styleLbl name="node1">
+    <dgm:fillClrLst meth="repeat">
+      <a:schemeClr val="bg1"/>
+    </dgm:fillClrLst>
+    <dgm:linClrLst meth="repeat">
+      <a:schemeClr val="lt1">
+        <a:alpha val="0"/>
+      </a:schemeClr>
+    </dgm:linClrLst>
+    <dgm:effectClrLst/>
+    <dgm:txLinClrLst/>
+    <dgm:txFillClrLst meth="repeat">
+      <a:schemeClr val="dk1"/>
+    </dgm:txFillClrLst>
+    <dgm:txEffectClrLst/>
+  </dgm:styleLbl>
+  <dgm:styleLbl name="alignNode1">
+    <dgm:fillClrLst meth="repeat">
+      <a:schemeClr val="accent3"/>
+    </dgm:fillClrLst>
+    <dgm:linClrLst meth="repeat">
+      <a:schemeClr val="accent3"/>
+    </dgm:linClrLst>
+    <dgm:effectClrLst/>
+    <dgm:txLinClrLst/>
+    <dgm:txFillClrLst/>
+    <dgm:txEffectClrLst/>
+  </dgm:styleLbl>
+  <dgm:styleLbl name="lnNode1">
+    <dgm:fillClrLst meth="repeat">
+      <a:schemeClr val="accent3"/>
+    </dgm:fillClrLst>
+    <dgm:linClrLst meth="repeat">
+      <a:schemeClr val="lt1"/>
+    </dgm:linClrLst>
+    <dgm:effectClrLst/>
+    <dgm:txLinClrLst/>
+    <dgm:txFillClrLst/>
+    <dgm:txEffectClrLst/>
+  </dgm:styleLbl>
+  <dgm:styleLbl name="vennNode1">
+    <dgm:fillClrLst meth="repeat">
+      <a:schemeClr val="accent3">
+        <a:alpha val="50000"/>
+      </a:schemeClr>
+    </dgm:fillClrLst>
+    <dgm:linClrLst meth="repeat">
+      <a:schemeClr val="lt1"/>
+    </dgm:linClrLst>
+    <dgm:effectClrLst/>
+    <dgm:txLinClrLst/>
+    <dgm:txFillClrLst/>
+    <dgm:txEffectClrLst/>
+  </dgm:styleLbl>
+  <dgm:styleLbl name="node2">
+    <dgm:fillClrLst meth="repeat">
+      <a:schemeClr val="accent3"/>
+    </dgm:fillClrLst>
+    <dgm:linClrLst meth="repeat">
+      <a:schemeClr val="lt1"/>
+    </dgm:linClrLst>
+    <dgm:effectClrLst/>
+    <dgm:txLinClrLst/>
+    <dgm:txFillClrLst/>
+    <dgm:txEffectClrLst/>
+  </dgm:styleLbl>
+  <dgm:styleLbl name="node3">
+    <dgm:fillClrLst meth="repeat">
+      <a:schemeClr val="accent3"/>
+    </dgm:fillClrLst>
+    <dgm:linClrLst meth="repeat">
+      <a:schemeClr val="lt1"/>
+    </dgm:linClrLst>
+    <dgm:effectClrLst/>
+    <dgm:txLinClrLst/>
+    <dgm:txFillClrLst/>
+    <dgm:txEffectClrLst/>
+  </dgm:styleLbl>
+  <dgm:styleLbl name="node4">
+    <dgm:fillClrLst meth="repeat">
+      <a:schemeClr val="accent3"/>
+    </dgm:fillClrLst>
+    <dgm:linClrLst meth="repeat">
+      <a:schemeClr val="lt1"/>
+    </dgm:linClrLst>
+    <dgm:effectClrLst/>
+    <dgm:txLinClrLst/>
+    <dgm:txFillClrLst/>
+    <dgm:txEffectClrLst/>
+  </dgm:styleLbl>
+  <dgm:styleLbl name="fgImgPlace1">
+    <dgm:fillClrLst meth="repeat">
+      <a:schemeClr val="accent3">
+        <a:tint val="50000"/>
+      </a:schemeClr>
+    </dgm:fillClrLst>
+    <dgm:linClrLst meth="repeat">
+      <a:schemeClr val="lt1"/>
+    </dgm:linClrLst>
+    <dgm:effectClrLst/>
+    <dgm:txLinClrLst/>
+    <dgm:txFillClrLst meth="repeat">
+      <a:schemeClr val="lt1"/>
+    </dgm:txFillClrLst>
+    <dgm:txEffectClrLst/>
+  </dgm:styleLbl>
+  <dgm:styleLbl name="alignImgPlace1">
+    <dgm:fillClrLst meth="repeat">
+      <a:schemeClr val="accent3">
+        <a:tint val="50000"/>
+      </a:schemeClr>
+    </dgm:fillClrLst>
+    <dgm:linClrLst meth="repeat">
+      <a:schemeClr val="lt1"/>
+    </dgm:linClrLst>
+    <dgm:effectClrLst/>
+    <dgm:txLinClrLst/>
+    <dgm:txFillClrLst meth="repeat">
+      <a:schemeClr val="lt1"/>
+    </dgm:txFillClrLst>
+    <dgm:txEffectClrLst/>
+  </dgm:styleLbl>
+  <dgm:styleLbl name="bgImgPlace1">
+    <dgm:fillClrLst meth="repeat">
+      <a:schemeClr val="accent3">
+        <a:tint val="50000"/>
+      </a:schemeClr>
+    </dgm:fillClrLst>
+    <dgm:linClrLst meth="repeat">
+      <a:schemeClr val="lt1"/>
+    </dgm:linClrLst>
+    <dgm:effectClrLst/>
+    <dgm:txLinClrLst/>
+    <dgm:txFillClrLst meth="repeat">
+      <a:schemeClr val="lt1"/>
+    </dgm:txFillClrLst>
+    <dgm:txEffectClrLst/>
+  </dgm:styleLbl>
+  <dgm:styleLbl name="sibTrans2D1">
+    <dgm:fillClrLst meth="repeat">
+      <a:schemeClr val="accent3">
+        <a:tint val="60000"/>
+      </a:schemeClr>
+    </dgm:fillClrLst>
+    <dgm:linClrLst meth="repeat">
+      <a:schemeClr val="accent3">
+        <a:tint val="60000"/>
+      </a:schemeClr>
+    </dgm:linClrLst>
+    <dgm:effectClrLst/>
+    <dgm:txLinClrLst/>
+    <dgm:txFillClrLst/>
+    <dgm:txEffectClrLst/>
+  </dgm:styleLbl>
+  <dgm:styleLbl name="fgSibTrans2D1">
+    <dgm:fillClrLst meth="repeat">
+      <a:schemeClr val="accent3">
+        <a:tint val="60000"/>
+      </a:schemeClr>
+    </dgm:fillClrLst>
+    <dgm:linClrLst meth="repeat">
+      <a:schemeClr val="accent3">
+        <a:tint val="60000"/>
+      </a:schemeClr>
+    </dgm:linClrLst>
+    <dgm:effectClrLst/>
+    <dgm:txLinClrLst/>
+    <dgm:txFillClrLst/>
+    <dgm:txEffectClrLst/>
+  </dgm:styleLbl>
+  <dgm:styleLbl name="bgSibTrans2D1">
+    <dgm:fillClrLst meth="repeat">
+      <a:schemeClr val="accent3">
+        <a:tint val="60000"/>
+      </a:schemeClr>
+    </dgm:fillClrLst>
+    <dgm:linClrLst meth="repeat">
+      <a:schemeClr val="accent3">
+        <a:tint val="60000"/>
+      </a:schemeClr>
+    </dgm:linClrLst>
+    <dgm:effectClrLst/>
+    <dgm:txLinClrLst/>
+    <dgm:txFillClrLst/>
+    <dgm:txEffectClrLst/>
+  </dgm:styleLbl>
+  <dgm:styleLbl name="sibTrans1D1">
+    <dgm:fillClrLst meth="repeat">
+      <a:schemeClr val="accent3"/>
+    </dgm:fillClrLst>
+    <dgm:linClrLst meth="repeat">
+      <a:schemeClr val="accent3"/>
+    </dgm:linClrLst>
+    <dgm:effectClrLst/>
+    <dgm:txLinClrLst/>
+    <dgm:txFillClrLst meth="repeat">
+      <a:schemeClr val="tx1"/>
+    </dgm:txFillClrLst>
+    <dgm:txEffectClrLst/>
+  </dgm:styleLbl>
+  <dgm:styleLbl name="callout">
+    <dgm:fillClrLst meth="repeat">
+      <a:schemeClr val="accent3"/>
+    </dgm:fillClrLst>
+    <dgm:linClrLst meth="repeat">
+      <a:schemeClr val="accent3">
+        <a:tint val="50000"/>
+      </a:schemeClr>
+    </dgm:linClrLst>
+    <dgm:effectClrLst/>
+    <dgm:txLinClrLst/>
+    <dgm:txFillClrLst meth="repeat">
+      <a:schemeClr val="tx1"/>
+    </dgm:txFillClrLst>
+    <dgm:txEffectClrLst/>
+  </dgm:styleLbl>
+  <dgm:styleLbl name="asst0">
+    <dgm:fillClrLst meth="repeat">
+      <a:schemeClr val="accent3"/>
+    </dgm:fillClrLst>
+    <dgm:linClrLst meth="repeat">
+      <a:schemeClr val="lt1"/>
+    </dgm:linClrLst>
+    <dgm:effectClrLst/>
+    <dgm:txLinClrLst/>
+    <dgm:txFillClrLst/>
+    <dgm:txEffectClrLst/>
+  </dgm:styleLbl>
+  <dgm:styleLbl name="asst1">
+    <dgm:fillClrLst meth="repeat">
+      <a:schemeClr val="accent3"/>
+    </dgm:fillClrLst>
+    <dgm:linClrLst meth="repeat">
+      <a:schemeClr val="lt1"/>
+    </dgm:linClrLst>
+    <dgm:effectClrLst/>
+    <dgm:txLinClrLst/>
+    <dgm:txFillClrLst/>
+    <dgm:txEffectClrLst/>
+  </dgm:styleLbl>
+  <dgm:styleLbl name="asst2">
+    <dgm:fillClrLst meth="repeat">
+      <a:schemeClr val="accent3"/>
+    </dgm:fillClrLst>
+    <dgm:linClrLst meth="repeat">
+      <a:schemeClr val="lt1"/>
+    </dgm:linClrLst>
+    <dgm:effectClrLst/>
+    <dgm:txLinClrLst/>
+    <dgm:txFillClrLst/>
+    <dgm:txEffectClrLst/>
+  </dgm:styleLbl>
+  <dgm:styleLbl name="asst3">
+    <dgm:fillClrLst meth="repeat">
+      <a:schemeClr val="accent3"/>
+    </dgm:fillClrLst>
+    <dgm:linClrLst meth="repeat">
+      <a:schemeClr val="lt1"/>
+    </dgm:linClrLst>
+    <dgm:effectClrLst/>
+    <dgm:txLinClrLst/>
+    <dgm:txFillClrLst/>
+    <dgm:txEffectClrLst/>
+  </dgm:styleLbl>
+  <dgm:styleLbl name="asst4">
+    <dgm:fillClrLst meth="repeat">
+      <a:schemeClr val="accent3"/>
+    </dgm:fillClrLst>
+    <dgm:linClrLst meth="repeat">
+      <a:schemeClr val="lt1"/>
+    </dgm:linClrLst>
+    <dgm:effectClrLst/>
+    <dgm:txLinClrLst/>
+    <dgm:txFillClrLst/>
+    <dgm:txEffectClrLst/>
+  </dgm:styleLbl>
+  <dgm:styleLbl name="parChTrans2D1">
+    <dgm:fillClrLst meth="repeat">
+      <a:schemeClr val="accent3">
+        <a:tint val="60000"/>
+      </a:schemeClr>
+    </dgm:fillClrLst>
+    <dgm:linClrLst meth="repeat">
+      <a:schemeClr val="accent3">
+        <a:tint val="60000"/>
+      </a:schemeClr>
+    </dgm:linClrLst>
+    <dgm:effectClrLst/>
+    <dgm:txLinClrLst/>
+    <dgm:txFillClrLst meth="repeat">
+      <a:schemeClr val="lt1"/>
+    </dgm:txFillClrLst>
+    <dgm:txEffectClrLst/>
+  </dgm:styleLbl>
+  <dgm:styleLbl name="parChTrans2D2">
+    <dgm:fillClrLst meth="repeat">
+      <a:schemeClr val="accent3"/>
+    </dgm:fillClrLst>
+    <dgm:linClrLst meth="repeat">
+      <a:schemeClr val="accent3"/>
+    </dgm:linClrLst>
+    <dgm:effectClrLst/>
+    <dgm:txLinClrLst/>
+    <dgm:txFillClrLst meth="repeat">
+      <a:schemeClr val="lt1"/>
+    </dgm:txFillClrLst>
+    <dgm:txEffectClrLst/>
+  </dgm:styleLbl>
+  <dgm:styleLbl name="parChTrans2D3">
+    <dgm:fillClrLst meth="repeat">
+      <a:schemeClr val="accent3"/>
+    </dgm:fillClrLst>
+    <dgm:linClrLst meth="repeat">
+      <a:schemeClr val="accent3"/>
+    </dgm:linClrLst>
+    <dgm:effectClrLst/>
+    <dgm:txLinClrLst/>
+    <dgm:txFillClrLst meth="repeat">
+      <a:schemeClr val="lt1"/>
+    </dgm:txFillClrLst>
+    <dgm:txEffectClrLst/>
+  </dgm:styleLbl>
+  <dgm:styleLbl name="parChTrans2D4">
+    <dgm:fillClrLst meth="repeat">
+      <a:schemeClr val="accent3"/>
+    </dgm:fillClrLst>
+    <dgm:linClrLst meth="repeat">
+      <a:schemeClr val="accent3"/>
+    </dgm:linClrLst>
+    <dgm:effectClrLst/>
+    <dgm:txLinClrLst/>
+    <dgm:txFillClrLst meth="repeat">
+      <a:schemeClr val="lt1"/>
+    </dgm:txFillClrLst>
+    <dgm:txEffectClrLst/>
+  </dgm:styleLbl>
+  <dgm:styleLbl name="parChTrans1D1">
+    <dgm:fillClrLst meth="repeat">
+      <a:schemeClr val="accent3"/>
+    </dgm:fillClrLst>
+    <dgm:linClrLst meth="repeat">
+      <a:schemeClr val="accent3">
+        <a:shade val="60000"/>
+      </a:schemeClr>
+    </dgm:linClrLst>
+    <dgm:effectClrLst/>
+    <dgm:txLinClrLst/>
+    <dgm:txFillClrLst meth="repeat">
+      <a:schemeClr val="tx1"/>
+    </dgm:txFillClrLst>
+    <dgm:txEffectClrLst/>
+  </dgm:styleLbl>
+  <dgm:styleLbl name="parChTrans1D2">
+    <dgm:fillClrLst meth="repeat">
+      <a:schemeClr val="accent3"/>
+    </dgm:fillClrLst>
+    <dgm:linClrLst meth="repeat">
+      <a:schemeClr val="accent3">
+        <a:shade val="60000"/>
+      </a:schemeClr>
+    </dgm:linClrLst>
+    <dgm:effectClrLst/>
+    <dgm:txLinClrLst/>
+    <dgm:txFillClrLst meth="repeat">
+      <a:schemeClr val="tx1"/>
+    </dgm:txFillClrLst>
+    <dgm:txEffectClrLst/>
+  </dgm:styleLbl>
+  <dgm:styleLbl name="parChTrans1D3">
+    <dgm:fillClrLst meth="repeat">
+      <a:schemeClr val="accent3"/>
+    </dgm:fillClrLst>
+    <dgm:linClrLst meth="repeat">
+      <a:schemeClr val="accent3">
+        <a:shade val="80000"/>
+      </a:schemeClr>
+    </dgm:linClrLst>
+    <dgm:effectClrLst/>
+    <dgm:txLinClrLst/>
+    <dgm:txFillClrLst meth="repeat">
+      <a:schemeClr val="tx1"/>
+    </dgm:txFillClrLst>
+    <dgm:txEffectClrLst/>
+  </dgm:styleLbl>
+  <dgm:styleLbl name="parChTrans1D4">
+    <dgm:fillClrLst meth="repeat">
+      <a:schemeClr val="accent3"/>
+    </dgm:fillClrLst>
+    <dgm:linClrLst meth="repeat">
+      <a:schemeClr val="accent3">
+        <a:shade val="80000"/>
+      </a:schemeClr>
+    </dgm:linClrLst>
+    <dgm:effectClrLst/>
+    <dgm:txLinClrLst/>
+    <dgm:txFillClrLst meth="repeat">
+      <a:schemeClr val="tx1"/>
+    </dgm:txFillClrLst>
+    <dgm:txEffectClrLst/>
+  </dgm:styleLbl>
+  <dgm:styleLbl name="fgAcc1">
+    <dgm:fillClrLst meth="repeat">
+      <a:schemeClr val="lt1">
+        <a:alpha val="90000"/>
+      </a:schemeClr>
+    </dgm:fillClrLst>
+    <dgm:linClrLst meth="repeat">
+      <a:schemeClr val="accent3"/>
+    </dgm:linClrLst>
+    <dgm:effectClrLst/>
+    <dgm:txLinClrLst/>
+    <dgm:txFillClrLst meth="repeat">
+      <a:schemeClr val="dk1"/>
+    </dgm:txFillClrLst>
+    <dgm:txEffectClrLst/>
+  </dgm:styleLbl>
+  <dgm:styleLbl name="conFgAcc1">
+    <dgm:fillClrLst meth="repeat">
+      <a:schemeClr val="lt1">
+        <a:alpha val="90000"/>
+      </a:schemeClr>
+    </dgm:fillClrLst>
+    <dgm:linClrLst meth="repeat">
+      <a:schemeClr val="accent3"/>
+    </dgm:linClrLst>
+    <dgm:effectClrLst/>
+    <dgm:txLinClrLst/>
+    <dgm:txFillClrLst meth="repeat">
+      <a:schemeClr val="dk1"/>
+    </dgm:txFillClrLst>
+    <dgm:txEffectClrLst/>
+  </dgm:styleLbl>
+  <dgm:styleLbl name="alignAcc1">
+    <dgm:fillClrLst meth="repeat">
+      <a:schemeClr val="lt1">
+        <a:alpha val="90000"/>
+      </a:schemeClr>
+    </dgm:fillClrLst>
+    <dgm:linClrLst meth="repeat">
+      <a:schemeClr val="accent3"/>
+    </dgm:linClrLst>
+    <dgm:effectClrLst/>
+    <dgm:txLinClrLst/>
+    <dgm:txFillClrLst meth="repeat">
+      <a:schemeClr val="dk1"/>
+    </dgm:txFillClrLst>
+    <dgm:txEffectClrLst/>
+  </dgm:styleLbl>
+  <dgm:styleLbl name="trAlignAcc1">
+    <dgm:fillClrLst meth="repeat">
+      <a:schemeClr val="lt1">
+        <a:alpha val="40000"/>
+      </a:schemeClr>
+    </dgm:fillClrLst>
+    <dgm:linClrLst meth="repeat">
+      <a:schemeClr val="accent3"/>
+    </dgm:linClrLst>
+    <dgm:effectClrLst/>
+    <dgm:txLinClrLst/>
+    <dgm:txFillClrLst meth="repeat">
+      <a:schemeClr val="dk1"/>
+    </dgm:txFillClrLst>
+    <dgm:txEffectClrLst/>
+  </dgm:styleLbl>
+  <dgm:styleLbl name="bgAcc1">
+    <dgm:fillClrLst meth="repeat">
+      <a:schemeClr val="lt1">
+        <a:alpha val="90000"/>
+      </a:schemeClr>
+    </dgm:fillClrLst>
+    <dgm:linClrLst meth="repeat">
+      <a:schemeClr val="accent3"/>
+    </dgm:linClrLst>
+    <dgm:effectClrLst/>
+    <dgm:txLinClrLst/>
+    <dgm:txFillClrLst meth="repeat">
+      <a:schemeClr val="dk1"/>
+    </dgm:txFillClrLst>
+    <dgm:txEffectClrLst/>
+  </dgm:styleLbl>
+  <dgm:styleLbl name="solidFgAcc1">
+    <dgm:fillClrLst meth="repeat">
+      <a:schemeClr val="lt1"/>
+    </dgm:fillClrLst>
+    <dgm:linClrLst meth="repeat">
+      <a:schemeClr val="accent3"/>
+    </dgm:linClrLst>
+    <dgm:effectClrLst/>
+    <dgm:txLinClrLst/>
+    <dgm:txFillClrLst meth="repeat">
+      <a:schemeClr val="dk1"/>
+    </dgm:txFillClrLst>
+    <dgm:txEffectClrLst/>
+  </dgm:styleLbl>
+  <dgm:styleLbl name="solidAlignAcc1">
+    <dgm:fillClrLst meth="repeat">
+      <a:schemeClr val="lt1"/>
+    </dgm:fillClrLst>
+    <dgm:linClrLst meth="repeat">
+      <a:schemeClr val="accent3"/>
+    </dgm:linClrLst>
+    <dgm:effectClrLst/>
+    <dgm:txLinClrLst/>
+    <dgm:txFillClrLst meth="repeat">
+      <a:schemeClr val="dk1"/>
+    </dgm:txFillClrLst>
+    <dgm:txEffectClrLst/>
+  </dgm:styleLbl>
+  <dgm:styleLbl name="solidBgAcc1">
+    <dgm:fillClrLst meth="repeat">
+      <a:schemeClr val="lt1"/>
+    </dgm:fillClrLst>
+    <dgm:linClrLst meth="repeat">
+      <a:schemeClr val="accent3"/>
+    </dgm:linClrLst>
+    <dgm:effectClrLst/>
+    <dgm:txLinClrLst/>
+    <dgm:txFillClrLst meth="repeat">
+      <a:schemeClr val="dk1"/>
+    </dgm:txFillClrLst>
+    <dgm:txEffectClrLst/>
+  </dgm:styleLbl>
+  <dgm:styleLbl name="fgAccFollowNode1">
+    <dgm:fillClrLst meth="repeat">
+      <a:schemeClr val="accent3">
+        <a:alpha val="90000"/>
+        <a:tint val="40000"/>
+      </a:schemeClr>
+    </dgm:fillClrLst>
+    <dgm:linClrLst meth="repeat">
+      <a:schemeClr val="accent3">
+        <a:alpha val="90000"/>
+        <a:tint val="40000"/>
+      </a:schemeClr>
+    </dgm:linClrLst>
+    <dgm:effectClrLst/>
+    <dgm:txLinClrLst/>
+    <dgm:txFillClrLst meth="repeat">
+      <a:schemeClr val="dk1"/>
+    </dgm:txFillClrLst>
+    <dgm:txEffectClrLst/>
+  </dgm:styleLbl>
+  <dgm:styleLbl name="alignAccFollowNode1">
+    <dgm:fillClrLst meth="repeat">
+      <a:schemeClr val="accent3">
+        <a:alpha val="90000"/>
+        <a:tint val="40000"/>
+      </a:schemeClr>
+    </dgm:fillClrLst>
+    <dgm:linClrLst meth="repeat">
+      <a:schemeClr val="accent3">
+        <a:alpha val="90000"/>
+        <a:tint val="40000"/>
+      </a:schemeClr>
+    </dgm:linClrLst>
+    <dgm:effectClrLst/>
+    <dgm:txLinClrLst/>
+    <dgm:txFillClrLst meth="repeat">
+      <a:schemeClr val="dk1"/>
+    </dgm:txFillClrLst>
+    <dgm:txEffectClrLst/>
+  </dgm:styleLbl>
+  <dgm:styleLbl name="bgAccFollowNode1">
+    <dgm:fillClrLst meth="repeat">
+      <a:schemeClr val="accent3">
+        <a:alpha val="90000"/>
+        <a:tint val="40000"/>
+      </a:schemeClr>
+    </dgm:fillClrLst>
+    <dgm:linClrLst meth="repeat">
+      <a:schemeClr val="accent3">
+        <a:alpha val="90000"/>
+        <a:tint val="40000"/>
+      </a:schemeClr>
+    </dgm:linClrLst>
+    <dgm:effectClrLst/>
+    <dgm:txLinClrLst/>
+    <dgm:txFillClrLst meth="repeat">
+      <a:schemeClr val="dk1"/>
+    </dgm:txFillClrLst>
+    <dgm:txEffectClrLst/>
+  </dgm:styleLbl>
+  <dgm:styleLbl name="fgAcc0">
+    <dgm:fillClrLst meth="repeat">
+      <a:schemeClr val="lt1">
+        <a:alpha val="90000"/>
+      </a:schemeClr>
+    </dgm:fillClrLst>
+    <dgm:linClrLst meth="repeat">
+      <a:schemeClr val="accent3"/>
+    </dgm:linClrLst>
+    <dgm:effectClrLst/>
+    <dgm:txLinClrLst/>
+    <dgm:txFillClrLst meth="repeat">
+      <a:schemeClr val="dk1"/>
+    </dgm:txFillClrLst>
+    <dgm:txEffectClrLst/>
+  </dgm:styleLbl>
+  <dgm:styleLbl name="fgAcc2">
+    <dgm:fillClrLst meth="repeat">
+      <a:schemeClr val="lt1">
+        <a:alpha val="90000"/>
+      </a:schemeClr>
+    </dgm:fillClrLst>
+    <dgm:linClrLst meth="repeat">
+      <a:schemeClr val="accent3"/>
+    </dgm:linClrLst>
+    <dgm:effectClrLst/>
+    <dgm:txLinClrLst/>
+    <dgm:txFillClrLst meth="repeat">
+      <a:schemeClr val="dk1"/>
+    </dgm:txFillClrLst>
+    <dgm:txEffectClrLst/>
+  </dgm:styleLbl>
+  <dgm:styleLbl name="fgAcc3">
+    <dgm:fillClrLst meth="repeat">
+      <a:schemeClr val="lt1">
+        <a:alpha val="90000"/>
+      </a:schemeClr>
+    </dgm:fillClrLst>
+    <dgm:linClrLst meth="repeat">
+      <a:schemeClr val="accent3"/>
+    </dgm:linClrLst>
+    <dgm:effectClrLst/>
+    <dgm:txLinClrLst/>
+    <dgm:txFillClrLst meth="repeat">
+      <a:schemeClr val="dk1"/>
+    </dgm:txFillClrLst>
+    <dgm:txEffectClrLst/>
+  </dgm:styleLbl>
+  <dgm:styleLbl name="fgAcc4">
+    <dgm:fillClrLst meth="repeat">
+      <a:schemeClr val="lt1">
+        <a:alpha val="90000"/>
+      </a:schemeClr>
+    </dgm:fillClrLst>
+    <dgm:linClrLst meth="repeat">
+      <a:schemeClr val="accent3"/>
+    </dgm:linClrLst>
+    <dgm:effectClrLst/>
+    <dgm:txLinClrLst/>
+    <dgm:txFillClrLst meth="repeat">
+      <a:schemeClr val="dk1"/>
+    </dgm:txFillClrLst>
+    <dgm:txEffectClrLst/>
+  </dgm:styleLbl>
+  <dgm:styleLbl name="bgShp">
+    <dgm:fillClrLst meth="repeat">
+      <a:schemeClr val="accent3"/>
+    </dgm:fillClrLst>
+    <dgm:linClrLst meth="repeat">
+      <a:schemeClr val="lt1">
+        <a:alpha val="0"/>
+      </a:schemeClr>
+    </dgm:linClrLst>
+    <dgm:effectClrLst/>
+    <dgm:txLinClrLst/>
+    <dgm:txFillClrLst/>
+    <dgm:txEffectClrLst/>
+  </dgm:styleLbl>
+  <dgm:styleLbl name="dkBgShp">
+    <dgm:fillClrLst meth="repeat">
+      <a:schemeClr val="accent3">
+        <a:shade val="80000"/>
+      </a:schemeClr>
+    </dgm:fillClrLst>
+    <dgm:linClrLst meth="repeat">
+      <a:schemeClr val="accent3"/>
+    </dgm:linClrLst>
+    <dgm:effectClrLst/>
+    <dgm:txLinClrLst/>
+    <dgm:txFillClrLst meth="repeat">
+      <a:schemeClr val="lt1"/>
+    </dgm:txFillClrLst>
+    <dgm:txEffectClrLst/>
+  </dgm:styleLbl>
+  <dgm:styleLbl name="trBgShp">
+    <dgm:fillClrLst meth="repeat">
+      <a:schemeClr val="accent3">
+        <a:tint val="50000"/>
+        <a:alpha val="40000"/>
+      </a:schemeClr>
+    </dgm:fillClrLst>
+    <dgm:linClrLst meth="repeat">
+      <a:schemeClr val="accent3"/>
+    </dgm:linClrLst>
+    <dgm:effectClrLst/>
+    <dgm:txLinClrLst/>
+    <dgm:txFillClrLst meth="repeat">
+      <a:schemeClr val="lt1"/>
+    </dgm:txFillClrLst>
+    <dgm:txEffectClrLst/>
+  </dgm:styleLbl>
+  <dgm:styleLbl name="fgShp">
+    <dgm:fillClrLst meth="repeat">
+      <a:schemeClr val="accent3">
+        <a:tint val="60000"/>
+      </a:schemeClr>
+    </dgm:fillClrLst>
+    <dgm:linClrLst meth="repeat">
+      <a:schemeClr val="lt1"/>
+    </dgm:linClrLst>
+    <dgm:effectClrLst/>
+    <dgm:txLinClrLst/>
+    <dgm:txFillClrLst meth="repeat">
+      <a:schemeClr val="dk1"/>
+    </dgm:txFillClrLst>
+    <dgm:txEffectClrLst/>
+  </dgm:styleLbl>
+  <dgm:styleLbl name="revTx">
+    <dgm:fillClrLst meth="repeat">
+      <a:schemeClr val="lt1">
+        <a:alpha val="0"/>
+      </a:schemeClr>
+    </dgm:fillClrLst>
+    <dgm:linClrLst meth="repeat">
+      <a:schemeClr val="dk1">
+        <a:alpha val="0"/>
+      </a:schemeClr>
+    </dgm:linClrLst>
+    <dgm:effectClrLst/>
+    <dgm:txLinClrLst/>
+    <dgm:txFillClrLst meth="repeat">
+      <a:schemeClr val="bg1"/>
+    </dgm:txFillClrLst>
+    <dgm:txEffectClrLst/>
+  </dgm:styleLbl>
+</dgm:colorsDef>
+</file>
+
 <file path=ppt/diagrams/data1.xml><?xml version="1.0" encoding="utf-8"?>
+<dgm:dataModel xmlns:dgm="http://schemas.openxmlformats.org/drawingml/2006/diagram" xmlns:a="http://schemas.openxmlformats.org/drawingml/2006/main">
+  <dgm:ptLst>
+    <dgm:pt modelId="{58A86A4D-8AA9-40B2-B945-B0DD059791AD}" type="doc">
+      <dgm:prSet loTypeId="urn:microsoft.com/office/officeart/2018/2/layout/IconVerticalSolidList" loCatId="icon" qsTypeId="urn:microsoft.com/office/officeart/2005/8/quickstyle/simple4" qsCatId="simple" csTypeId="urn:microsoft.com/office/officeart/2018/5/colors/Iconchunking_neutralicontext_accent3_2" csCatId="accent3" phldr="1"/>
+      <dgm:spPr/>
+      <dgm:t>
+        <a:bodyPr/>
+        <a:lstStyle/>
+        <a:p>
+          <a:endParaRPr lang="en-US"/>
+        </a:p>
+      </dgm:t>
+    </dgm:pt>
+    <dgm:pt modelId="{4AFD3319-7FF3-44BF-9843-EE10E0E6A6AC}">
+      <dgm:prSet/>
+      <dgm:spPr/>
+      <dgm:t>
+        <a:bodyPr/>
+        <a:lstStyle/>
+        <a:p>
+          <a:r>
+            <a:rPr lang="en-US" b="1"/>
+            <a:t>Drawing #5</a:t>
+          </a:r>
+          <a:endParaRPr lang="en-US"/>
+        </a:p>
+      </dgm:t>
+    </dgm:pt>
+    <dgm:pt modelId="{716438A7-F031-46CC-BEE6-D9A4C0AF4DF9}" type="parTrans" cxnId="{2465885E-333C-419B-83D7-320F08B36382}">
+      <dgm:prSet/>
+      <dgm:spPr/>
+      <dgm:t>
+        <a:bodyPr/>
+        <a:lstStyle/>
+        <a:p>
+          <a:endParaRPr lang="en-US"/>
+        </a:p>
+      </dgm:t>
+    </dgm:pt>
+    <dgm:pt modelId="{48EA5ECE-017A-4922-9157-EBB4A3E0CFFB}" type="sibTrans" cxnId="{2465885E-333C-419B-83D7-320F08B36382}">
+      <dgm:prSet/>
+      <dgm:spPr/>
+      <dgm:t>
+        <a:bodyPr/>
+        <a:lstStyle/>
+        <a:p>
+          <a:endParaRPr lang="en-US"/>
+        </a:p>
+      </dgm:t>
+    </dgm:pt>
+    <dgm:pt modelId="{7E2BCB3B-EBD8-4D21-81B9-F7E6090C21DF}">
+      <dgm:prSet/>
+      <dgm:spPr/>
+      <dgm:t>
+        <a:bodyPr/>
+        <a:lstStyle/>
+        <a:p>
+          <a:r>
+            <a:rPr lang="en-US"/>
+            <a:t>Was due yesterday, Tuesday, 10/9</a:t>
+          </a:r>
+        </a:p>
+      </dgm:t>
+    </dgm:pt>
+    <dgm:pt modelId="{83D8123C-1549-4CF6-9CDD-5AA855FFA0ED}" type="parTrans" cxnId="{EC5799DF-140F-4ED3-81F6-B29988A579C8}">
+      <dgm:prSet/>
+      <dgm:spPr/>
+      <dgm:t>
+        <a:bodyPr/>
+        <a:lstStyle/>
+        <a:p>
+          <a:endParaRPr lang="en-US"/>
+        </a:p>
+      </dgm:t>
+    </dgm:pt>
+    <dgm:pt modelId="{2EB44D9C-1C2E-4A56-958A-938B5F5F8CAE}" type="sibTrans" cxnId="{EC5799DF-140F-4ED3-81F6-B29988A579C8}">
+      <dgm:prSet/>
+      <dgm:spPr/>
+      <dgm:t>
+        <a:bodyPr/>
+        <a:lstStyle/>
+        <a:p>
+          <a:endParaRPr lang="en-US"/>
+        </a:p>
+      </dgm:t>
+    </dgm:pt>
+    <dgm:pt modelId="{CB0ECAA9-110C-4981-917E-07995E2F1CD5}">
+      <dgm:prSet/>
+      <dgm:spPr/>
+      <dgm:t>
+        <a:bodyPr/>
+        <a:lstStyle/>
+        <a:p>
+          <a:r>
+            <a:rPr lang="en-US"/>
+            <a:t>Each missed day -10 points</a:t>
+          </a:r>
+        </a:p>
+      </dgm:t>
+    </dgm:pt>
+    <dgm:pt modelId="{3E82EAD0-F43B-4FAF-8F4F-5B145A7FC601}" type="parTrans" cxnId="{5CBEDFF9-0818-4954-9E26-BF380D7E902C}">
+      <dgm:prSet/>
+      <dgm:spPr/>
+      <dgm:t>
+        <a:bodyPr/>
+        <a:lstStyle/>
+        <a:p>
+          <a:endParaRPr lang="en-US"/>
+        </a:p>
+      </dgm:t>
+    </dgm:pt>
+    <dgm:pt modelId="{258A98B8-C7EA-4D95-A27B-DE5EFF7746AF}" type="sibTrans" cxnId="{5CBEDFF9-0818-4954-9E26-BF380D7E902C}">
+      <dgm:prSet/>
+      <dgm:spPr/>
+      <dgm:t>
+        <a:bodyPr/>
+        <a:lstStyle/>
+        <a:p>
+          <a:endParaRPr lang="en-US"/>
+        </a:p>
+      </dgm:t>
+    </dgm:pt>
+    <dgm:pt modelId="{D8404086-47CF-4BA2-A62B-096D8556C598}">
+      <dgm:prSet/>
+      <dgm:spPr/>
+      <dgm:t>
+        <a:bodyPr/>
+        <a:lstStyle/>
+        <a:p>
+          <a:r>
+            <a:rPr lang="en-US" b="1"/>
+            <a:t>Drawing #6 Handout 4-1</a:t>
+          </a:r>
+          <a:endParaRPr lang="en-US"/>
+        </a:p>
+      </dgm:t>
+    </dgm:pt>
+    <dgm:pt modelId="{C6B37330-A6D4-4A44-B541-BDEC32FBE959}" type="parTrans" cxnId="{4BD4C3CE-5FA5-4DBC-9975-DF88A18891AB}">
+      <dgm:prSet/>
+      <dgm:spPr/>
+      <dgm:t>
+        <a:bodyPr/>
+        <a:lstStyle/>
+        <a:p>
+          <a:endParaRPr lang="en-US"/>
+        </a:p>
+      </dgm:t>
+    </dgm:pt>
+    <dgm:pt modelId="{5F9E0280-FC20-44DB-B5E1-B5DE726EEAFA}" type="sibTrans" cxnId="{4BD4C3CE-5FA5-4DBC-9975-DF88A18891AB}">
+      <dgm:prSet/>
+      <dgm:spPr/>
+      <dgm:t>
+        <a:bodyPr/>
+        <a:lstStyle/>
+        <a:p>
+          <a:endParaRPr lang="en-US"/>
+        </a:p>
+      </dgm:t>
+    </dgm:pt>
+    <dgm:pt modelId="{96C040BC-39D5-48B5-BCCF-03D1773A0F1F}">
+      <dgm:prSet/>
+      <dgm:spPr/>
+      <dgm:t>
+        <a:bodyPr/>
+        <a:lstStyle/>
+        <a:p>
+          <a:r>
+            <a:rPr lang="en-US"/>
+            <a:t>Due tomorrow, Thursday, 10/11</a:t>
+          </a:r>
+        </a:p>
+      </dgm:t>
+    </dgm:pt>
+    <dgm:pt modelId="{5765F0F7-58B3-4CDC-97AB-EED10DBF9AEF}" type="parTrans" cxnId="{B416ECD5-2C70-41C7-A142-FA0A5C568442}">
+      <dgm:prSet/>
+      <dgm:spPr/>
+      <dgm:t>
+        <a:bodyPr/>
+        <a:lstStyle/>
+        <a:p>
+          <a:endParaRPr lang="en-US"/>
+        </a:p>
+      </dgm:t>
+    </dgm:pt>
+    <dgm:pt modelId="{19D483A1-D796-4945-A73B-C9B81F1B4592}" type="sibTrans" cxnId="{B416ECD5-2C70-41C7-A142-FA0A5C568442}">
+      <dgm:prSet/>
+      <dgm:spPr/>
+      <dgm:t>
+        <a:bodyPr/>
+        <a:lstStyle/>
+        <a:p>
+          <a:endParaRPr lang="en-US"/>
+        </a:p>
+      </dgm:t>
+    </dgm:pt>
+    <dgm:pt modelId="{3811ABC6-0EBE-4514-9B2A-F7DF91867000}">
+      <dgm:prSet/>
+      <dgm:spPr/>
+      <dgm:t>
+        <a:bodyPr/>
+        <a:lstStyle/>
+        <a:p>
+          <a:r>
+            <a:rPr lang="en-US" b="1"/>
+            <a:t>Drawing #7 Handout 4-2</a:t>
+          </a:r>
+          <a:endParaRPr lang="en-US"/>
+        </a:p>
+      </dgm:t>
+    </dgm:pt>
+    <dgm:pt modelId="{78CDE0C2-8A27-49DA-869B-1A7FEFA1FA27}" type="parTrans" cxnId="{0674414E-ACCE-4A68-B079-EA338D7DF4B3}">
+      <dgm:prSet/>
+      <dgm:spPr/>
+      <dgm:t>
+        <a:bodyPr/>
+        <a:lstStyle/>
+        <a:p>
+          <a:endParaRPr lang="en-US"/>
+        </a:p>
+      </dgm:t>
+    </dgm:pt>
+    <dgm:pt modelId="{2DE5209A-1AA8-47FD-91FD-8BFFE18FF10A}" type="sibTrans" cxnId="{0674414E-ACCE-4A68-B079-EA338D7DF4B3}">
+      <dgm:prSet/>
+      <dgm:spPr/>
+      <dgm:t>
+        <a:bodyPr/>
+        <a:lstStyle/>
+        <a:p>
+          <a:endParaRPr lang="en-US"/>
+        </a:p>
+      </dgm:t>
+    </dgm:pt>
+    <dgm:pt modelId="{2C20D319-F5F5-4A16-8973-19D4B4503445}">
+      <dgm:prSet/>
+      <dgm:spPr/>
+      <dgm:t>
+        <a:bodyPr/>
+        <a:lstStyle/>
+        <a:p>
+          <a:r>
+            <a:rPr lang="en-US"/>
+            <a:t>Due Friday, 10/12</a:t>
+          </a:r>
+        </a:p>
+      </dgm:t>
+    </dgm:pt>
+    <dgm:pt modelId="{667DDDBE-9316-457D-B5EA-C2E2FCFA4DEF}" type="parTrans" cxnId="{2A536332-A4D2-42C6-B74D-5B794649E9A5}">
+      <dgm:prSet/>
+      <dgm:spPr/>
+      <dgm:t>
+        <a:bodyPr/>
+        <a:lstStyle/>
+        <a:p>
+          <a:endParaRPr lang="en-US"/>
+        </a:p>
+      </dgm:t>
+    </dgm:pt>
+    <dgm:pt modelId="{51ADB56D-824E-4DCF-8974-878D358396C6}" type="sibTrans" cxnId="{2A536332-A4D2-42C6-B74D-5B794649E9A5}">
+      <dgm:prSet/>
+      <dgm:spPr/>
+      <dgm:t>
+        <a:bodyPr/>
+        <a:lstStyle/>
+        <a:p>
+          <a:endParaRPr lang="en-US"/>
+        </a:p>
+      </dgm:t>
+    </dgm:pt>
+    <dgm:pt modelId="{62DB206D-E298-44AB-9A7D-E270ED106012}">
+      <dgm:prSet/>
+      <dgm:spPr/>
+      <dgm:t>
+        <a:bodyPr/>
+        <a:lstStyle/>
+        <a:p>
+          <a:r>
+            <a:rPr lang="en-US" b="1" dirty="0"/>
+            <a:t>Unit 3 Lettering Quiz</a:t>
+          </a:r>
+          <a:endParaRPr lang="en-US" dirty="0"/>
+        </a:p>
+      </dgm:t>
+    </dgm:pt>
+    <dgm:pt modelId="{165B1E4C-9F4F-4E4E-86AD-A0B4A600E458}" type="parTrans" cxnId="{A4DCD365-A1C0-4F5B-BC23-967CF17AC5A8}">
+      <dgm:prSet/>
+      <dgm:spPr/>
+      <dgm:t>
+        <a:bodyPr/>
+        <a:lstStyle/>
+        <a:p>
+          <a:endParaRPr lang="en-US"/>
+        </a:p>
+      </dgm:t>
+    </dgm:pt>
+    <dgm:pt modelId="{9AA4862B-3484-4627-9BFE-C5776D53E4CC}" type="sibTrans" cxnId="{A4DCD365-A1C0-4F5B-BC23-967CF17AC5A8}">
+      <dgm:prSet/>
+      <dgm:spPr/>
+      <dgm:t>
+        <a:bodyPr/>
+        <a:lstStyle/>
+        <a:p>
+          <a:endParaRPr lang="en-US"/>
+        </a:p>
+      </dgm:t>
+    </dgm:pt>
+    <dgm:pt modelId="{CE651174-97B3-4AD0-881F-5F90947CD3CE}">
+      <dgm:prSet/>
+      <dgm:spPr/>
+      <dgm:t>
+        <a:bodyPr/>
+        <a:lstStyle/>
+        <a:p>
+          <a:r>
+            <a:rPr lang="en-US"/>
+            <a:t>Due Sunday</a:t>
+          </a:r>
+        </a:p>
+      </dgm:t>
+    </dgm:pt>
+    <dgm:pt modelId="{A44A253A-AB1E-4048-AA1A-ADA00F44AB63}" type="parTrans" cxnId="{13C5D3C1-EFFD-4359-93E4-2F6A9E8C815F}">
+      <dgm:prSet/>
+      <dgm:spPr/>
+      <dgm:t>
+        <a:bodyPr/>
+        <a:lstStyle/>
+        <a:p>
+          <a:endParaRPr lang="en-US"/>
+        </a:p>
+      </dgm:t>
+    </dgm:pt>
+    <dgm:pt modelId="{0B448668-5D1D-413E-A841-45597EF9ECEC}" type="sibTrans" cxnId="{13C5D3C1-EFFD-4359-93E4-2F6A9E8C815F}">
+      <dgm:prSet/>
+      <dgm:spPr/>
+      <dgm:t>
+        <a:bodyPr/>
+        <a:lstStyle/>
+        <a:p>
+          <a:endParaRPr lang="en-US"/>
+        </a:p>
+      </dgm:t>
+    </dgm:pt>
+    <dgm:pt modelId="{267DE6DF-05B0-475B-A031-688BD2CE5AE6}">
+      <dgm:prSet/>
+      <dgm:spPr/>
+      <dgm:t>
+        <a:bodyPr/>
+        <a:lstStyle/>
+        <a:p>
+          <a:r>
+            <a:rPr lang="en-US"/>
+            <a:t>Is to be completed via Google Classroom</a:t>
+          </a:r>
+        </a:p>
+      </dgm:t>
+    </dgm:pt>
+    <dgm:pt modelId="{B60D317F-EF41-415F-A703-8607D68B8E86}" type="parTrans" cxnId="{C11D2A03-05D2-42C4-985E-E0AB83B35E50}">
+      <dgm:prSet/>
+      <dgm:spPr/>
+      <dgm:t>
+        <a:bodyPr/>
+        <a:lstStyle/>
+        <a:p>
+          <a:endParaRPr lang="en-US"/>
+        </a:p>
+      </dgm:t>
+    </dgm:pt>
+    <dgm:pt modelId="{818CA3E8-34F0-493A-907C-BE2A59381F18}" type="sibTrans" cxnId="{C11D2A03-05D2-42C4-985E-E0AB83B35E50}">
+      <dgm:prSet/>
+      <dgm:spPr/>
+      <dgm:t>
+        <a:bodyPr/>
+        <a:lstStyle/>
+        <a:p>
+          <a:endParaRPr lang="en-US"/>
+        </a:p>
+      </dgm:t>
+    </dgm:pt>
+    <dgm:pt modelId="{FDAB30FF-1498-491E-A23B-E5B478D84F4F}" type="pres">
+      <dgm:prSet presAssocID="{58A86A4D-8AA9-40B2-B945-B0DD059791AD}" presName="root" presStyleCnt="0">
+        <dgm:presLayoutVars>
+          <dgm:dir/>
+          <dgm:resizeHandles val="exact"/>
+        </dgm:presLayoutVars>
+      </dgm:prSet>
+      <dgm:spPr/>
+    </dgm:pt>
+    <dgm:pt modelId="{B5699179-9423-4340-BFFE-1E853739892C}" type="pres">
+      <dgm:prSet presAssocID="{4AFD3319-7FF3-44BF-9843-EE10E0E6A6AC}" presName="compNode" presStyleCnt="0"/>
+      <dgm:spPr/>
+    </dgm:pt>
+    <dgm:pt modelId="{26E782E4-90FA-47EB-AFEA-FB3662B03E64}" type="pres">
+      <dgm:prSet presAssocID="{4AFD3319-7FF3-44BF-9843-EE10E0E6A6AC}" presName="bgRect" presStyleLbl="bgShp" presStyleIdx="0" presStyleCnt="4"/>
+      <dgm:spPr/>
+    </dgm:pt>
+    <dgm:pt modelId="{15474855-99AF-4AC8-8FD8-2CBE29170E77}" type="pres">
+      <dgm:prSet presAssocID="{4AFD3319-7FF3-44BF-9843-EE10E0E6A6AC}" presName="iconRect" presStyleLbl="node1" presStyleIdx="0" presStyleCnt="4"/>
+      <dgm:spPr>
+        <a:blipFill>
+          <a:blip xmlns:r="http://schemas.openxmlformats.org/officeDocument/2006/relationships" r:embed="rId1">
+            <a:extLst>
+              <a:ext uri="{28A0092B-C50C-407E-A947-70E740481C1C}">
+                <a14:useLocalDpi xmlns:a14="http://schemas.microsoft.com/office/drawing/2010/main" val="0"/>
+              </a:ext>
+              <a:ext uri="{96DAC541-7B7A-43D3-8B79-37D633B846F1}">
+                <asvg:svgBlip xmlns:asvg="http://schemas.microsoft.com/office/drawing/2016/SVG/main" r:embed="rId2"/>
+              </a:ext>
+            </a:extLst>
+          </a:blip>
+          <a:stretch>
+            <a:fillRect/>
+          </a:stretch>
+        </a:blipFill>
+        <a:ln>
+          <a:noFill/>
+        </a:ln>
+      </dgm:spPr>
+      <dgm:extLst>
+        <a:ext uri="{E40237B7-FDA0-4F09-8148-C483321AD2D9}">
+          <dgm14:cNvPr xmlns:dgm14="http://schemas.microsoft.com/office/drawing/2010/diagram" id="0" name="" descr="Pencil"/>
+        </a:ext>
+      </dgm:extLst>
+    </dgm:pt>
+    <dgm:pt modelId="{CA1E14FC-D260-42A9-805E-039453AE8239}" type="pres">
+      <dgm:prSet presAssocID="{4AFD3319-7FF3-44BF-9843-EE10E0E6A6AC}" presName="spaceRect" presStyleCnt="0"/>
+      <dgm:spPr/>
+    </dgm:pt>
+    <dgm:pt modelId="{B8AEA655-3B25-4D45-B9F0-7AA805775ED8}" type="pres">
+      <dgm:prSet presAssocID="{4AFD3319-7FF3-44BF-9843-EE10E0E6A6AC}" presName="parTx" presStyleLbl="revTx" presStyleIdx="0" presStyleCnt="8">
+        <dgm:presLayoutVars>
+          <dgm:chMax val="0"/>
+          <dgm:chPref val="0"/>
+        </dgm:presLayoutVars>
+      </dgm:prSet>
+      <dgm:spPr/>
+    </dgm:pt>
+    <dgm:pt modelId="{CA28843F-806E-4710-A671-F49DA3D8B09E}" type="pres">
+      <dgm:prSet presAssocID="{4AFD3319-7FF3-44BF-9843-EE10E0E6A6AC}" presName="desTx" presStyleLbl="revTx" presStyleIdx="1" presStyleCnt="8">
+        <dgm:presLayoutVars/>
+      </dgm:prSet>
+      <dgm:spPr/>
+    </dgm:pt>
+    <dgm:pt modelId="{D27DAB47-A38B-441E-8E52-13BD19D5E1C1}" type="pres">
+      <dgm:prSet presAssocID="{48EA5ECE-017A-4922-9157-EBB4A3E0CFFB}" presName="sibTrans" presStyleCnt="0"/>
+      <dgm:spPr/>
+    </dgm:pt>
+    <dgm:pt modelId="{78BA5942-C5D3-42C4-8F33-D3AC8C92C4F8}" type="pres">
+      <dgm:prSet presAssocID="{D8404086-47CF-4BA2-A62B-096D8556C598}" presName="compNode" presStyleCnt="0"/>
+      <dgm:spPr/>
+    </dgm:pt>
+    <dgm:pt modelId="{0F58F092-1E09-4C5D-A66A-3109B2FAA427}" type="pres">
+      <dgm:prSet presAssocID="{D8404086-47CF-4BA2-A62B-096D8556C598}" presName="bgRect" presStyleLbl="bgShp" presStyleIdx="1" presStyleCnt="4"/>
+      <dgm:spPr/>
+    </dgm:pt>
+    <dgm:pt modelId="{39772D22-6B17-4842-AC56-59C388F88DC3}" type="pres">
+      <dgm:prSet presAssocID="{D8404086-47CF-4BA2-A62B-096D8556C598}" presName="iconRect" presStyleLbl="node1" presStyleIdx="1" presStyleCnt="4"/>
+      <dgm:spPr>
+        <a:blipFill rotWithShape="1">
+          <a:blip xmlns:r="http://schemas.openxmlformats.org/officeDocument/2006/relationships" r:embed="rId1">
+            <a:extLst>
+              <a:ext uri="{28A0092B-C50C-407E-A947-70E740481C1C}">
+                <a14:useLocalDpi xmlns:a14="http://schemas.microsoft.com/office/drawing/2010/main" val="0"/>
+              </a:ext>
+              <a:ext uri="{96DAC541-7B7A-43D3-8B79-37D633B846F1}">
+                <asvg:svgBlip xmlns:asvg="http://schemas.microsoft.com/office/drawing/2016/SVG/main" r:embed="rId2"/>
+              </a:ext>
+            </a:extLst>
+          </a:blip>
+          <a:srcRect/>
+          <a:stretch>
+            <a:fillRect/>
+          </a:stretch>
+        </a:blipFill>
+        <a:ln>
+          <a:noFill/>
+        </a:ln>
+      </dgm:spPr>
+      <dgm:extLst>
+        <a:ext uri="{E40237B7-FDA0-4F09-8148-C483321AD2D9}">
+          <dgm14:cNvPr xmlns:dgm14="http://schemas.microsoft.com/office/drawing/2010/diagram" id="0" name="" descr="Hourglass"/>
+        </a:ext>
+      </dgm:extLst>
+    </dgm:pt>
+    <dgm:pt modelId="{55BB4E46-716E-498E-8072-55573B20E34E}" type="pres">
+      <dgm:prSet presAssocID="{D8404086-47CF-4BA2-A62B-096D8556C598}" presName="spaceRect" presStyleCnt="0"/>
+      <dgm:spPr/>
+    </dgm:pt>
+    <dgm:pt modelId="{C9CE7F85-E815-4FA6-BD4E-12F903C4536A}" type="pres">
+      <dgm:prSet presAssocID="{D8404086-47CF-4BA2-A62B-096D8556C598}" presName="parTx" presStyleLbl="revTx" presStyleIdx="2" presStyleCnt="8">
+        <dgm:presLayoutVars>
+          <dgm:chMax val="0"/>
+          <dgm:chPref val="0"/>
+        </dgm:presLayoutVars>
+      </dgm:prSet>
+      <dgm:spPr/>
+    </dgm:pt>
+    <dgm:pt modelId="{516460C4-9364-4A75-B8C0-AA805BAB68D3}" type="pres">
+      <dgm:prSet presAssocID="{D8404086-47CF-4BA2-A62B-096D8556C598}" presName="desTx" presStyleLbl="revTx" presStyleIdx="3" presStyleCnt="8">
+        <dgm:presLayoutVars/>
+      </dgm:prSet>
+      <dgm:spPr/>
+    </dgm:pt>
+    <dgm:pt modelId="{4F1B8822-7B8C-4531-8093-7F9D7B0520A7}" type="pres">
+      <dgm:prSet presAssocID="{5F9E0280-FC20-44DB-B5E1-B5DE726EEAFA}" presName="sibTrans" presStyleCnt="0"/>
+      <dgm:spPr/>
+    </dgm:pt>
+    <dgm:pt modelId="{89408B1E-A387-4C19-90E7-E2A34C5A7A48}" type="pres">
+      <dgm:prSet presAssocID="{3811ABC6-0EBE-4514-9B2A-F7DF91867000}" presName="compNode" presStyleCnt="0"/>
+      <dgm:spPr/>
+    </dgm:pt>
+    <dgm:pt modelId="{43A3F9FE-72B0-46A2-A1BF-E221478CAF4B}" type="pres">
+      <dgm:prSet presAssocID="{3811ABC6-0EBE-4514-9B2A-F7DF91867000}" presName="bgRect" presStyleLbl="bgShp" presStyleIdx="2" presStyleCnt="4"/>
+      <dgm:spPr/>
+    </dgm:pt>
+    <dgm:pt modelId="{3B47F748-8DF6-4BB3-8A7F-B350645395FD}" type="pres">
+      <dgm:prSet presAssocID="{3811ABC6-0EBE-4514-9B2A-F7DF91867000}" presName="iconRect" presStyleLbl="node1" presStyleIdx="2" presStyleCnt="4"/>
+      <dgm:spPr>
+        <a:blipFill rotWithShape="1">
+          <a:blip xmlns:r="http://schemas.openxmlformats.org/officeDocument/2006/relationships" r:embed="rId1">
+            <a:extLst>
+              <a:ext uri="{28A0092B-C50C-407E-A947-70E740481C1C}">
+                <a14:useLocalDpi xmlns:a14="http://schemas.microsoft.com/office/drawing/2010/main" val="0"/>
+              </a:ext>
+              <a:ext uri="{96DAC541-7B7A-43D3-8B79-37D633B846F1}">
+                <asvg:svgBlip xmlns:asvg="http://schemas.microsoft.com/office/drawing/2016/SVG/main" r:embed="rId2"/>
+              </a:ext>
+            </a:extLst>
+          </a:blip>
+          <a:srcRect/>
+          <a:stretch>
+            <a:fillRect/>
+          </a:stretch>
+        </a:blipFill>
+        <a:ln>
+          <a:noFill/>
+        </a:ln>
+      </dgm:spPr>
+      <dgm:extLst>
+        <a:ext uri="{E40237B7-FDA0-4F09-8148-C483321AD2D9}">
+          <dgm14:cNvPr xmlns:dgm14="http://schemas.microsoft.com/office/drawing/2010/diagram" id="0" name="" descr="Pin"/>
+        </a:ext>
+      </dgm:extLst>
+    </dgm:pt>
+    <dgm:pt modelId="{48B2C583-EEE6-44D1-927A-9D9C33DB4852}" type="pres">
+      <dgm:prSet presAssocID="{3811ABC6-0EBE-4514-9B2A-F7DF91867000}" presName="spaceRect" presStyleCnt="0"/>
+      <dgm:spPr/>
+    </dgm:pt>
+    <dgm:pt modelId="{E3817977-644B-4289-B560-38BEA11FA6AD}" type="pres">
+      <dgm:prSet presAssocID="{3811ABC6-0EBE-4514-9B2A-F7DF91867000}" presName="parTx" presStyleLbl="revTx" presStyleIdx="4" presStyleCnt="8">
+        <dgm:presLayoutVars>
+          <dgm:chMax val="0"/>
+          <dgm:chPref val="0"/>
+        </dgm:presLayoutVars>
+      </dgm:prSet>
+      <dgm:spPr/>
+    </dgm:pt>
+    <dgm:pt modelId="{D78A1AEE-8BB3-4A5A-BA0C-1FA817866D90}" type="pres">
+      <dgm:prSet presAssocID="{3811ABC6-0EBE-4514-9B2A-F7DF91867000}" presName="desTx" presStyleLbl="revTx" presStyleIdx="5" presStyleCnt="8">
+        <dgm:presLayoutVars/>
+      </dgm:prSet>
+      <dgm:spPr/>
+    </dgm:pt>
+    <dgm:pt modelId="{D77F9603-56B9-4BC3-91BE-22F21D54213C}" type="pres">
+      <dgm:prSet presAssocID="{2DE5209A-1AA8-47FD-91FD-8BFFE18FF10A}" presName="sibTrans" presStyleCnt="0"/>
+      <dgm:spPr/>
+    </dgm:pt>
+    <dgm:pt modelId="{FAAE8F08-8A0D-4688-932E-C249928477A9}" type="pres">
+      <dgm:prSet presAssocID="{62DB206D-E298-44AB-9A7D-E270ED106012}" presName="compNode" presStyleCnt="0"/>
+      <dgm:spPr/>
+    </dgm:pt>
+    <dgm:pt modelId="{AB9923E7-1788-4201-B201-5FDDFA2795D8}" type="pres">
+      <dgm:prSet presAssocID="{62DB206D-E298-44AB-9A7D-E270ED106012}" presName="bgRect" presStyleLbl="bgShp" presStyleIdx="3" presStyleCnt="4"/>
+      <dgm:spPr/>
+    </dgm:pt>
+    <dgm:pt modelId="{AE5E7BFA-865D-4F42-ACD7-93B8EB68C78A}" type="pres">
+      <dgm:prSet presAssocID="{62DB206D-E298-44AB-9A7D-E270ED106012}" presName="iconRect" presStyleLbl="node1" presStyleIdx="3" presStyleCnt="4"/>
+      <dgm:spPr>
+        <a:blipFill>
+          <a:blip xmlns:r="http://schemas.openxmlformats.org/officeDocument/2006/relationships" r:embed="rId3">
+            <a:extLst>
+              <a:ext uri="{28A0092B-C50C-407E-A947-70E740481C1C}">
+                <a14:useLocalDpi xmlns:a14="http://schemas.microsoft.com/office/drawing/2010/main" val="0"/>
+              </a:ext>
+              <a:ext uri="{96DAC541-7B7A-43D3-8B79-37D633B846F1}">
+                <asvg:svgBlip xmlns:asvg="http://schemas.microsoft.com/office/drawing/2016/SVG/main" r:embed="rId4"/>
+              </a:ext>
+            </a:extLst>
+          </a:blip>
+          <a:stretch>
+            <a:fillRect/>
+          </a:stretch>
+        </a:blipFill>
+        <a:ln>
+          <a:noFill/>
+        </a:ln>
+      </dgm:spPr>
+      <dgm:extLst>
+        <a:ext uri="{E40237B7-FDA0-4F09-8148-C483321AD2D9}">
+          <dgm14:cNvPr xmlns:dgm14="http://schemas.microsoft.com/office/drawing/2010/diagram" id="0" name="" descr="Checkmark"/>
+        </a:ext>
+      </dgm:extLst>
+    </dgm:pt>
+    <dgm:pt modelId="{106604CB-70EC-4DC5-940A-758464BA0874}" type="pres">
+      <dgm:prSet presAssocID="{62DB206D-E298-44AB-9A7D-E270ED106012}" presName="spaceRect" presStyleCnt="0"/>
+      <dgm:spPr/>
+    </dgm:pt>
+    <dgm:pt modelId="{1D0260FD-C43D-4091-8ABB-384147B7C643}" type="pres">
+      <dgm:prSet presAssocID="{62DB206D-E298-44AB-9A7D-E270ED106012}" presName="parTx" presStyleLbl="revTx" presStyleIdx="6" presStyleCnt="8">
+        <dgm:presLayoutVars>
+          <dgm:chMax val="0"/>
+          <dgm:chPref val="0"/>
+        </dgm:presLayoutVars>
+      </dgm:prSet>
+      <dgm:spPr/>
+    </dgm:pt>
+    <dgm:pt modelId="{FE0B20FF-3554-4AD0-AC3F-00F60D971DE5}" type="pres">
+      <dgm:prSet presAssocID="{62DB206D-E298-44AB-9A7D-E270ED106012}" presName="desTx" presStyleLbl="revTx" presStyleIdx="7" presStyleCnt="8">
+        <dgm:presLayoutVars/>
+      </dgm:prSet>
+      <dgm:spPr/>
+    </dgm:pt>
+  </dgm:ptLst>
+  <dgm:cxnLst>
+    <dgm:cxn modelId="{19516D00-D959-4939-8B44-FB6363B7530A}" type="presOf" srcId="{58A86A4D-8AA9-40B2-B945-B0DD059791AD}" destId="{FDAB30FF-1498-491E-A23B-E5B478D84F4F}" srcOrd="0" destOrd="0" presId="urn:microsoft.com/office/officeart/2018/2/layout/IconVerticalSolidList"/>
+    <dgm:cxn modelId="{C11D2A03-05D2-42C4-985E-E0AB83B35E50}" srcId="{62DB206D-E298-44AB-9A7D-E270ED106012}" destId="{267DE6DF-05B0-475B-A031-688BD2CE5AE6}" srcOrd="1" destOrd="0" parTransId="{B60D317F-EF41-415F-A703-8607D68B8E86}" sibTransId="{818CA3E8-34F0-493A-907C-BE2A59381F18}"/>
+    <dgm:cxn modelId="{CF582624-60A8-47DE-B322-6C2B87E4A489}" type="presOf" srcId="{267DE6DF-05B0-475B-A031-688BD2CE5AE6}" destId="{FE0B20FF-3554-4AD0-AC3F-00F60D971DE5}" srcOrd="0" destOrd="1" presId="urn:microsoft.com/office/officeart/2018/2/layout/IconVerticalSolidList"/>
+    <dgm:cxn modelId="{2A536332-A4D2-42C6-B74D-5B794649E9A5}" srcId="{3811ABC6-0EBE-4514-9B2A-F7DF91867000}" destId="{2C20D319-F5F5-4A16-8973-19D4B4503445}" srcOrd="0" destOrd="0" parTransId="{667DDDBE-9316-457D-B5EA-C2E2FCFA4DEF}" sibTransId="{51ADB56D-824E-4DCF-8974-878D358396C6}"/>
+    <dgm:cxn modelId="{E3C5B43C-5B89-4932-9F09-FBB26B0CD860}" type="presOf" srcId="{CE651174-97B3-4AD0-881F-5F90947CD3CE}" destId="{FE0B20FF-3554-4AD0-AC3F-00F60D971DE5}" srcOrd="0" destOrd="0" presId="urn:microsoft.com/office/officeart/2018/2/layout/IconVerticalSolidList"/>
+    <dgm:cxn modelId="{2465885E-333C-419B-83D7-320F08B36382}" srcId="{58A86A4D-8AA9-40B2-B945-B0DD059791AD}" destId="{4AFD3319-7FF3-44BF-9843-EE10E0E6A6AC}" srcOrd="0" destOrd="0" parTransId="{716438A7-F031-46CC-BEE6-D9A4C0AF4DF9}" sibTransId="{48EA5ECE-017A-4922-9157-EBB4A3E0CFFB}"/>
+    <dgm:cxn modelId="{A4DCD365-A1C0-4F5B-BC23-967CF17AC5A8}" srcId="{58A86A4D-8AA9-40B2-B945-B0DD059791AD}" destId="{62DB206D-E298-44AB-9A7D-E270ED106012}" srcOrd="3" destOrd="0" parTransId="{165B1E4C-9F4F-4E4E-86AD-A0B4A600E458}" sibTransId="{9AA4862B-3484-4627-9BFE-C5776D53E4CC}"/>
+    <dgm:cxn modelId="{7958986C-A945-4159-90E0-C8E1C6E3913F}" type="presOf" srcId="{62DB206D-E298-44AB-9A7D-E270ED106012}" destId="{1D0260FD-C43D-4091-8ABB-384147B7C643}" srcOrd="0" destOrd="0" presId="urn:microsoft.com/office/officeart/2018/2/layout/IconVerticalSolidList"/>
+    <dgm:cxn modelId="{0674414E-ACCE-4A68-B079-EA338D7DF4B3}" srcId="{58A86A4D-8AA9-40B2-B945-B0DD059791AD}" destId="{3811ABC6-0EBE-4514-9B2A-F7DF91867000}" srcOrd="2" destOrd="0" parTransId="{78CDE0C2-8A27-49DA-869B-1A7FEFA1FA27}" sibTransId="{2DE5209A-1AA8-47FD-91FD-8BFFE18FF10A}"/>
+    <dgm:cxn modelId="{7C28F852-CF5A-43C2-8CF8-5EFE2A1FEB2B}" type="presOf" srcId="{96C040BC-39D5-48B5-BCCF-03D1773A0F1F}" destId="{516460C4-9364-4A75-B8C0-AA805BAB68D3}" srcOrd="0" destOrd="0" presId="urn:microsoft.com/office/officeart/2018/2/layout/IconVerticalSolidList"/>
+    <dgm:cxn modelId="{80D908A7-93E4-4196-BD34-AC337F4D4F0B}" type="presOf" srcId="{CB0ECAA9-110C-4981-917E-07995E2F1CD5}" destId="{CA28843F-806E-4710-A671-F49DA3D8B09E}" srcOrd="0" destOrd="1" presId="urn:microsoft.com/office/officeart/2018/2/layout/IconVerticalSolidList"/>
+    <dgm:cxn modelId="{13C5D3C1-EFFD-4359-93E4-2F6A9E8C815F}" srcId="{62DB206D-E298-44AB-9A7D-E270ED106012}" destId="{CE651174-97B3-4AD0-881F-5F90947CD3CE}" srcOrd="0" destOrd="0" parTransId="{A44A253A-AB1E-4048-AA1A-ADA00F44AB63}" sibTransId="{0B448668-5D1D-413E-A841-45597EF9ECEC}"/>
+    <dgm:cxn modelId="{D6BF62CB-DE8D-4816-8F8B-F1D9BB3E9C0D}" type="presOf" srcId="{3811ABC6-0EBE-4514-9B2A-F7DF91867000}" destId="{E3817977-644B-4289-B560-38BEA11FA6AD}" srcOrd="0" destOrd="0" presId="urn:microsoft.com/office/officeart/2018/2/layout/IconVerticalSolidList"/>
+    <dgm:cxn modelId="{4BD4C3CE-5FA5-4DBC-9975-DF88A18891AB}" srcId="{58A86A4D-8AA9-40B2-B945-B0DD059791AD}" destId="{D8404086-47CF-4BA2-A62B-096D8556C598}" srcOrd="1" destOrd="0" parTransId="{C6B37330-A6D4-4A44-B541-BDEC32FBE959}" sibTransId="{5F9E0280-FC20-44DB-B5E1-B5DE726EEAFA}"/>
+    <dgm:cxn modelId="{B416ECD5-2C70-41C7-A142-FA0A5C568442}" srcId="{D8404086-47CF-4BA2-A62B-096D8556C598}" destId="{96C040BC-39D5-48B5-BCCF-03D1773A0F1F}" srcOrd="0" destOrd="0" parTransId="{5765F0F7-58B3-4CDC-97AB-EED10DBF9AEF}" sibTransId="{19D483A1-D796-4945-A73B-C9B81F1B4592}"/>
+    <dgm:cxn modelId="{2CD3A8D9-C5C6-4999-8D29-A425A9CC49D6}" type="presOf" srcId="{D8404086-47CF-4BA2-A62B-096D8556C598}" destId="{C9CE7F85-E815-4FA6-BD4E-12F903C4536A}" srcOrd="0" destOrd="0" presId="urn:microsoft.com/office/officeart/2018/2/layout/IconVerticalSolidList"/>
+    <dgm:cxn modelId="{EADC5BDA-6E56-42CA-B9C2-29B5DE37EAA7}" type="presOf" srcId="{2C20D319-F5F5-4A16-8973-19D4B4503445}" destId="{D78A1AEE-8BB3-4A5A-BA0C-1FA817866D90}" srcOrd="0" destOrd="0" presId="urn:microsoft.com/office/officeart/2018/2/layout/IconVerticalSolidList"/>
+    <dgm:cxn modelId="{46FE87DC-7B28-4143-8937-5770ABB8AA36}" type="presOf" srcId="{7E2BCB3B-EBD8-4D21-81B9-F7E6090C21DF}" destId="{CA28843F-806E-4710-A671-F49DA3D8B09E}" srcOrd="0" destOrd="0" presId="urn:microsoft.com/office/officeart/2018/2/layout/IconVerticalSolidList"/>
+    <dgm:cxn modelId="{EC5799DF-140F-4ED3-81F6-B29988A579C8}" srcId="{4AFD3319-7FF3-44BF-9843-EE10E0E6A6AC}" destId="{7E2BCB3B-EBD8-4D21-81B9-F7E6090C21DF}" srcOrd="0" destOrd="0" parTransId="{83D8123C-1549-4CF6-9CDD-5AA855FFA0ED}" sibTransId="{2EB44D9C-1C2E-4A56-958A-938B5F5F8CAE}"/>
+    <dgm:cxn modelId="{5CBEDFF9-0818-4954-9E26-BF380D7E902C}" srcId="{4AFD3319-7FF3-44BF-9843-EE10E0E6A6AC}" destId="{CB0ECAA9-110C-4981-917E-07995E2F1CD5}" srcOrd="1" destOrd="0" parTransId="{3E82EAD0-F43B-4FAF-8F4F-5B145A7FC601}" sibTransId="{258A98B8-C7EA-4D95-A27B-DE5EFF7746AF}"/>
+    <dgm:cxn modelId="{B1B9B1FF-B483-41BE-A6EC-FF29826465E1}" type="presOf" srcId="{4AFD3319-7FF3-44BF-9843-EE10E0E6A6AC}" destId="{B8AEA655-3B25-4D45-B9F0-7AA805775ED8}" srcOrd="0" destOrd="0" presId="urn:microsoft.com/office/officeart/2018/2/layout/IconVerticalSolidList"/>
+    <dgm:cxn modelId="{D84A2BA6-E542-44EB-A612-8BCC725F922C}" type="presParOf" srcId="{FDAB30FF-1498-491E-A23B-E5B478D84F4F}" destId="{B5699179-9423-4340-BFFE-1E853739892C}" srcOrd="0" destOrd="0" presId="urn:microsoft.com/office/officeart/2018/2/layout/IconVerticalSolidList"/>
+    <dgm:cxn modelId="{183E5E8C-0C34-4CE1-B4F8-E026E0922A1B}" type="presParOf" srcId="{B5699179-9423-4340-BFFE-1E853739892C}" destId="{26E782E4-90FA-47EB-AFEA-FB3662B03E64}" srcOrd="0" destOrd="0" presId="urn:microsoft.com/office/officeart/2018/2/layout/IconVerticalSolidList"/>
+    <dgm:cxn modelId="{DE3638C7-FBBB-47D8-B2CF-FAE69EFAB961}" type="presParOf" srcId="{B5699179-9423-4340-BFFE-1E853739892C}" destId="{15474855-99AF-4AC8-8FD8-2CBE29170E77}" srcOrd="1" destOrd="0" presId="urn:microsoft.com/office/officeart/2018/2/layout/IconVerticalSolidList"/>
+    <dgm:cxn modelId="{45858BB3-300A-4398-A5DB-2E8E8A240128}" type="presParOf" srcId="{B5699179-9423-4340-BFFE-1E853739892C}" destId="{CA1E14FC-D260-42A9-805E-039453AE8239}" srcOrd="2" destOrd="0" presId="urn:microsoft.com/office/officeart/2018/2/layout/IconVerticalSolidList"/>
+    <dgm:cxn modelId="{6A06E522-02C4-4182-97C1-280778F52790}" type="presParOf" srcId="{B5699179-9423-4340-BFFE-1E853739892C}" destId="{B8AEA655-3B25-4D45-B9F0-7AA805775ED8}" srcOrd="3" destOrd="0" presId="urn:microsoft.com/office/officeart/2018/2/layout/IconVerticalSolidList"/>
+    <dgm:cxn modelId="{19FB790E-4ED6-4F0C-A225-606E420FE6E2}" type="presParOf" srcId="{B5699179-9423-4340-BFFE-1E853739892C}" destId="{CA28843F-806E-4710-A671-F49DA3D8B09E}" srcOrd="4" destOrd="0" presId="urn:microsoft.com/office/officeart/2018/2/layout/IconVerticalSolidList"/>
+    <dgm:cxn modelId="{BC22D6B0-5053-4BF7-9FA4-07C901550653}" type="presParOf" srcId="{FDAB30FF-1498-491E-A23B-E5B478D84F4F}" destId="{D27DAB47-A38B-441E-8E52-13BD19D5E1C1}" srcOrd="1" destOrd="0" presId="urn:microsoft.com/office/officeart/2018/2/layout/IconVerticalSolidList"/>
+    <dgm:cxn modelId="{1DFEFF1E-6C05-4912-BF88-1F294CD16CD6}" type="presParOf" srcId="{FDAB30FF-1498-491E-A23B-E5B478D84F4F}" destId="{78BA5942-C5D3-42C4-8F33-D3AC8C92C4F8}" srcOrd="2" destOrd="0" presId="urn:microsoft.com/office/officeart/2018/2/layout/IconVerticalSolidList"/>
+    <dgm:cxn modelId="{BA6B614F-44B0-43DE-BF09-1F1CB35DFB93}" type="presParOf" srcId="{78BA5942-C5D3-42C4-8F33-D3AC8C92C4F8}" destId="{0F58F092-1E09-4C5D-A66A-3109B2FAA427}" srcOrd="0" destOrd="0" presId="urn:microsoft.com/office/officeart/2018/2/layout/IconVerticalSolidList"/>
+    <dgm:cxn modelId="{6B62FEDB-EFCF-4F6F-80EB-A12C31B7EDD1}" type="presParOf" srcId="{78BA5942-C5D3-42C4-8F33-D3AC8C92C4F8}" destId="{39772D22-6B17-4842-AC56-59C388F88DC3}" srcOrd="1" destOrd="0" presId="urn:microsoft.com/office/officeart/2018/2/layout/IconVerticalSolidList"/>
+    <dgm:cxn modelId="{75656BAC-5114-46BD-8C07-E75EAD527D36}" type="presParOf" srcId="{78BA5942-C5D3-42C4-8F33-D3AC8C92C4F8}" destId="{55BB4E46-716E-498E-8072-55573B20E34E}" srcOrd="2" destOrd="0" presId="urn:microsoft.com/office/officeart/2018/2/layout/IconVerticalSolidList"/>
+    <dgm:cxn modelId="{E630D2B7-0BCA-4F24-B38D-9D7FE0E40E95}" type="presParOf" srcId="{78BA5942-C5D3-42C4-8F33-D3AC8C92C4F8}" destId="{C9CE7F85-E815-4FA6-BD4E-12F903C4536A}" srcOrd="3" destOrd="0" presId="urn:microsoft.com/office/officeart/2018/2/layout/IconVerticalSolidList"/>
+    <dgm:cxn modelId="{536BCFF5-F6B7-415B-A6EB-BE9B63544625}" type="presParOf" srcId="{78BA5942-C5D3-42C4-8F33-D3AC8C92C4F8}" destId="{516460C4-9364-4A75-B8C0-AA805BAB68D3}" srcOrd="4" destOrd="0" presId="urn:microsoft.com/office/officeart/2018/2/layout/IconVerticalSolidList"/>
+    <dgm:cxn modelId="{F58F3341-6D92-4286-82A6-C83565688E2F}" type="presParOf" srcId="{FDAB30FF-1498-491E-A23B-E5B478D84F4F}" destId="{4F1B8822-7B8C-4531-8093-7F9D7B0520A7}" srcOrd="3" destOrd="0" presId="urn:microsoft.com/office/officeart/2018/2/layout/IconVerticalSolidList"/>
+    <dgm:cxn modelId="{72049FAB-5C16-4B3B-A7EA-95657BA59B27}" type="presParOf" srcId="{FDAB30FF-1498-491E-A23B-E5B478D84F4F}" destId="{89408B1E-A387-4C19-90E7-E2A34C5A7A48}" srcOrd="4" destOrd="0" presId="urn:microsoft.com/office/officeart/2018/2/layout/IconVerticalSolidList"/>
+    <dgm:cxn modelId="{11F86AAE-FD8A-4959-AD6F-FE32B08C9677}" type="presParOf" srcId="{89408B1E-A387-4C19-90E7-E2A34C5A7A48}" destId="{43A3F9FE-72B0-46A2-A1BF-E221478CAF4B}" srcOrd="0" destOrd="0" presId="urn:microsoft.com/office/officeart/2018/2/layout/IconVerticalSolidList"/>
+    <dgm:cxn modelId="{EDA1EDEC-CF71-4AD7-9775-3C7ED96F8A23}" type="presParOf" srcId="{89408B1E-A387-4C19-90E7-E2A34C5A7A48}" destId="{3B47F748-8DF6-4BB3-8A7F-B350645395FD}" srcOrd="1" destOrd="0" presId="urn:microsoft.com/office/officeart/2018/2/layout/IconVerticalSolidList"/>
+    <dgm:cxn modelId="{5C93BDC5-A017-4ECF-B192-7E363B1D6AE0}" type="presParOf" srcId="{89408B1E-A387-4C19-90E7-E2A34C5A7A48}" destId="{48B2C583-EEE6-44D1-927A-9D9C33DB4852}" srcOrd="2" destOrd="0" presId="urn:microsoft.com/office/officeart/2018/2/layout/IconVerticalSolidList"/>
+    <dgm:cxn modelId="{4B2884A8-113D-42D5-842C-3F7D29AF572B}" type="presParOf" srcId="{89408B1E-A387-4C19-90E7-E2A34C5A7A48}" destId="{E3817977-644B-4289-B560-38BEA11FA6AD}" srcOrd="3" destOrd="0" presId="urn:microsoft.com/office/officeart/2018/2/layout/IconVerticalSolidList"/>
+    <dgm:cxn modelId="{D554FF22-0EE5-41BB-8729-08FB9AEC7E5D}" type="presParOf" srcId="{89408B1E-A387-4C19-90E7-E2A34C5A7A48}" destId="{D78A1AEE-8BB3-4A5A-BA0C-1FA817866D90}" srcOrd="4" destOrd="0" presId="urn:microsoft.com/office/officeart/2018/2/layout/IconVerticalSolidList"/>
+    <dgm:cxn modelId="{18AEAFE8-85CA-4167-8F62-E3571153CE7F}" type="presParOf" srcId="{FDAB30FF-1498-491E-A23B-E5B478D84F4F}" destId="{D77F9603-56B9-4BC3-91BE-22F21D54213C}" srcOrd="5" destOrd="0" presId="urn:microsoft.com/office/officeart/2018/2/layout/IconVerticalSolidList"/>
+    <dgm:cxn modelId="{264E71EE-96EE-4CEF-B37D-D8BB6BB71444}" type="presParOf" srcId="{FDAB30FF-1498-491E-A23B-E5B478D84F4F}" destId="{FAAE8F08-8A0D-4688-932E-C249928477A9}" srcOrd="6" destOrd="0" presId="urn:microsoft.com/office/officeart/2018/2/layout/IconVerticalSolidList"/>
+    <dgm:cxn modelId="{CB127C46-D1B5-4915-9B93-6C9632DD0F08}" type="presParOf" srcId="{FAAE8F08-8A0D-4688-932E-C249928477A9}" destId="{AB9923E7-1788-4201-B201-5FDDFA2795D8}" srcOrd="0" destOrd="0" presId="urn:microsoft.com/office/officeart/2018/2/layout/IconVerticalSolidList"/>
+    <dgm:cxn modelId="{A6A8F8A6-F4BD-4936-9ADD-BF7A272BFE20}" type="presParOf" srcId="{FAAE8F08-8A0D-4688-932E-C249928477A9}" destId="{AE5E7BFA-865D-4F42-ACD7-93B8EB68C78A}" srcOrd="1" destOrd="0" presId="urn:microsoft.com/office/officeart/2018/2/layout/IconVerticalSolidList"/>
+    <dgm:cxn modelId="{01396D31-F228-4A91-B469-77ACD3C03BD6}" type="presParOf" srcId="{FAAE8F08-8A0D-4688-932E-C249928477A9}" destId="{106604CB-70EC-4DC5-940A-758464BA0874}" srcOrd="2" destOrd="0" presId="urn:microsoft.com/office/officeart/2018/2/layout/IconVerticalSolidList"/>
+    <dgm:cxn modelId="{F25EAF17-BAA5-45FB-B6CF-FBC5D0ACA41F}" type="presParOf" srcId="{FAAE8F08-8A0D-4688-932E-C249928477A9}" destId="{1D0260FD-C43D-4091-8ABB-384147B7C643}" srcOrd="3" destOrd="0" presId="urn:microsoft.com/office/officeart/2018/2/layout/IconVerticalSolidList"/>
+    <dgm:cxn modelId="{2E78C9BA-FCAC-4EBF-915C-DA6BEB8D3D11}" type="presParOf" srcId="{FAAE8F08-8A0D-4688-932E-C249928477A9}" destId="{FE0B20FF-3554-4AD0-AC3F-00F60D971DE5}" srcOrd="4" destOrd="0" presId="urn:microsoft.com/office/officeart/2018/2/layout/IconVerticalSolidList"/>
+  </dgm:cxnLst>
+  <dgm:bg/>
+  <dgm:whole/>
+  <dgm:extLst>
+    <a:ext uri="http://schemas.microsoft.com/office/drawing/2008/diagram">
+      <dsp:dataModelExt xmlns:dsp="http://schemas.microsoft.com/office/drawing/2008/diagram" relId="rId6" minVer="http://schemas.openxmlformats.org/drawingml/2006/diagram"/>
+    </a:ext>
+  </dgm:extLst>
+</dgm:dataModel>
+</file>
+
+<file path=ppt/diagrams/data2.xml><?xml version="1.0" encoding="utf-8"?>
 <dgm:dataModel xmlns:dgm="http://schemas.openxmlformats.org/drawingml/2006/diagram" xmlns:a="http://schemas.openxmlformats.org/drawingml/2006/main">
   <dgm:ptLst>
     <dgm:pt modelId="{58A86A4D-8AA9-40B2-B945-B0DD059791AD}" type="doc">
@@ -2473,7 +3906,1191 @@
 </dsp:drawing>
 </file>
 
+<file path=ppt/diagrams/drawing2.xml><?xml version="1.0" encoding="utf-8"?>
+<dsp:drawing xmlns:dgm="http://schemas.openxmlformats.org/drawingml/2006/diagram" xmlns:dsp="http://schemas.microsoft.com/office/drawing/2008/diagram" xmlns:a="http://schemas.openxmlformats.org/drawingml/2006/main">
+  <dsp:spTree>
+    <dsp:nvGrpSpPr>
+      <dsp:cNvPr id="0" name=""/>
+      <dsp:cNvGrpSpPr/>
+    </dsp:nvGrpSpPr>
+    <dsp:grpSpPr/>
+    <dsp:sp modelId="{26E782E4-90FA-47EB-AFEA-FB3662B03E64}">
+      <dsp:nvSpPr>
+        <dsp:cNvPr id="0" name=""/>
+        <dsp:cNvSpPr/>
+      </dsp:nvSpPr>
+      <dsp:spPr>
+        <a:xfrm>
+          <a:off x="0" y="1805"/>
+          <a:ext cx="10515600" cy="915310"/>
+        </a:xfrm>
+        <a:prstGeom prst="roundRect">
+          <a:avLst>
+            <a:gd name="adj" fmla="val 10000"/>
+          </a:avLst>
+        </a:prstGeom>
+        <a:solidFill>
+          <a:schemeClr val="accent3">
+            <a:hueOff val="0"/>
+            <a:satOff val="0"/>
+            <a:lumOff val="0"/>
+            <a:alphaOff val="0"/>
+          </a:schemeClr>
+        </a:solidFill>
+        <a:ln>
+          <a:noFill/>
+        </a:ln>
+        <a:effectLst/>
+      </dsp:spPr>
+      <dsp:style>
+        <a:lnRef idx="0">
+          <a:scrgbClr r="0" g="0" b="0"/>
+        </a:lnRef>
+        <a:fillRef idx="1">
+          <a:scrgbClr r="0" g="0" b="0"/>
+        </a:fillRef>
+        <a:effectRef idx="2">
+          <a:scrgbClr r="0" g="0" b="0"/>
+        </a:effectRef>
+        <a:fontRef idx="minor"/>
+      </dsp:style>
+    </dsp:sp>
+    <dsp:sp modelId="{15474855-99AF-4AC8-8FD8-2CBE29170E77}">
+      <dsp:nvSpPr>
+        <dsp:cNvPr id="0" name=""/>
+        <dsp:cNvSpPr/>
+      </dsp:nvSpPr>
+      <dsp:spPr>
+        <a:xfrm>
+          <a:off x="276881" y="207750"/>
+          <a:ext cx="503420" cy="503420"/>
+        </a:xfrm>
+        <a:prstGeom prst="rect">
+          <a:avLst/>
+        </a:prstGeom>
+        <a:blipFill>
+          <a:blip xmlns:r="http://schemas.openxmlformats.org/officeDocument/2006/relationships" r:embed="rId1">
+            <a:extLst>
+              <a:ext uri="{28A0092B-C50C-407E-A947-70E740481C1C}">
+                <a14:useLocalDpi xmlns:a14="http://schemas.microsoft.com/office/drawing/2010/main" val="0"/>
+              </a:ext>
+              <a:ext uri="{96DAC541-7B7A-43D3-8B79-37D633B846F1}">
+                <asvg:svgBlip xmlns:asvg="http://schemas.microsoft.com/office/drawing/2016/SVG/main" r:embed="rId2"/>
+              </a:ext>
+            </a:extLst>
+          </a:blip>
+          <a:stretch>
+            <a:fillRect/>
+          </a:stretch>
+        </a:blipFill>
+        <a:ln>
+          <a:noFill/>
+        </a:ln>
+        <a:effectLst/>
+      </dsp:spPr>
+      <dsp:style>
+        <a:lnRef idx="0">
+          <a:scrgbClr r="0" g="0" b="0"/>
+        </a:lnRef>
+        <a:fillRef idx="3">
+          <a:scrgbClr r="0" g="0" b="0"/>
+        </a:fillRef>
+        <a:effectRef idx="2">
+          <a:scrgbClr r="0" g="0" b="0"/>
+        </a:effectRef>
+        <a:fontRef idx="minor">
+          <a:schemeClr val="lt1"/>
+        </a:fontRef>
+      </dsp:style>
+    </dsp:sp>
+    <dsp:sp modelId="{B8AEA655-3B25-4D45-B9F0-7AA805775ED8}">
+      <dsp:nvSpPr>
+        <dsp:cNvPr id="0" name=""/>
+        <dsp:cNvSpPr/>
+      </dsp:nvSpPr>
+      <dsp:spPr>
+        <a:xfrm>
+          <a:off x="1057183" y="1805"/>
+          <a:ext cx="4732020" cy="915310"/>
+        </a:xfrm>
+        <a:prstGeom prst="rect">
+          <a:avLst/>
+        </a:prstGeom>
+        <a:noFill/>
+        <a:ln>
+          <a:noFill/>
+        </a:ln>
+        <a:effectLst/>
+      </dsp:spPr>
+      <dsp:style>
+        <a:lnRef idx="0">
+          <a:scrgbClr r="0" g="0" b="0"/>
+        </a:lnRef>
+        <a:fillRef idx="0">
+          <a:scrgbClr r="0" g="0" b="0"/>
+        </a:fillRef>
+        <a:effectRef idx="0">
+          <a:scrgbClr r="0" g="0" b="0"/>
+        </a:effectRef>
+        <a:fontRef idx="minor"/>
+      </dsp:style>
+      <dsp:txBody>
+        <a:bodyPr spcFirstLastPara="0" vert="horz" wrap="square" lIns="96870" tIns="96870" rIns="96870" bIns="96870" numCol="1" spcCol="1270" anchor="ctr" anchorCtr="0">
+          <a:noAutofit/>
+        </a:bodyPr>
+        <a:lstStyle/>
+        <a:p>
+          <a:pPr marL="0" lvl="0" indent="0" algn="l" defTabSz="977900">
+            <a:lnSpc>
+              <a:spcPct val="90000"/>
+            </a:lnSpc>
+            <a:spcBef>
+              <a:spcPct val="0"/>
+            </a:spcBef>
+            <a:spcAft>
+              <a:spcPct val="35000"/>
+            </a:spcAft>
+            <a:buNone/>
+          </a:pPr>
+          <a:r>
+            <a:rPr lang="en-US" sz="2200" b="1" kern="1200"/>
+            <a:t>Drawing #5</a:t>
+          </a:r>
+          <a:endParaRPr lang="en-US" sz="2200" kern="1200"/>
+        </a:p>
+      </dsp:txBody>
+      <dsp:txXfrm>
+        <a:off x="1057183" y="1805"/>
+        <a:ext cx="4732020" cy="915310"/>
+      </dsp:txXfrm>
+    </dsp:sp>
+    <dsp:sp modelId="{CA28843F-806E-4710-A671-F49DA3D8B09E}">
+      <dsp:nvSpPr>
+        <dsp:cNvPr id="0" name=""/>
+        <dsp:cNvSpPr/>
+      </dsp:nvSpPr>
+      <dsp:spPr>
+        <a:xfrm>
+          <a:off x="5789203" y="1805"/>
+          <a:ext cx="4726396" cy="915310"/>
+        </a:xfrm>
+        <a:prstGeom prst="rect">
+          <a:avLst/>
+        </a:prstGeom>
+        <a:noFill/>
+        <a:ln>
+          <a:noFill/>
+        </a:ln>
+        <a:effectLst/>
+      </dsp:spPr>
+      <dsp:style>
+        <a:lnRef idx="0">
+          <a:scrgbClr r="0" g="0" b="0"/>
+        </a:lnRef>
+        <a:fillRef idx="0">
+          <a:scrgbClr r="0" g="0" b="0"/>
+        </a:fillRef>
+        <a:effectRef idx="0">
+          <a:scrgbClr r="0" g="0" b="0"/>
+        </a:effectRef>
+        <a:fontRef idx="minor"/>
+      </dsp:style>
+      <dsp:txBody>
+        <a:bodyPr spcFirstLastPara="0" vert="horz" wrap="square" lIns="96870" tIns="96870" rIns="96870" bIns="96870" numCol="1" spcCol="1270" anchor="ctr" anchorCtr="0">
+          <a:noAutofit/>
+        </a:bodyPr>
+        <a:lstStyle/>
+        <a:p>
+          <a:pPr marL="0" lvl="0" indent="0" algn="l" defTabSz="800100">
+            <a:lnSpc>
+              <a:spcPct val="90000"/>
+            </a:lnSpc>
+            <a:spcBef>
+              <a:spcPct val="0"/>
+            </a:spcBef>
+            <a:spcAft>
+              <a:spcPct val="35000"/>
+            </a:spcAft>
+            <a:buNone/>
+          </a:pPr>
+          <a:r>
+            <a:rPr lang="en-US" sz="1800" kern="1200"/>
+            <a:t>Was due yesterday, Tuesday, 10/9</a:t>
+          </a:r>
+        </a:p>
+        <a:p>
+          <a:pPr marL="0" lvl="0" indent="0" algn="l" defTabSz="800100">
+            <a:lnSpc>
+              <a:spcPct val="90000"/>
+            </a:lnSpc>
+            <a:spcBef>
+              <a:spcPct val="0"/>
+            </a:spcBef>
+            <a:spcAft>
+              <a:spcPct val="35000"/>
+            </a:spcAft>
+            <a:buNone/>
+          </a:pPr>
+          <a:r>
+            <a:rPr lang="en-US" sz="1800" kern="1200"/>
+            <a:t>Each missed day -10 points</a:t>
+          </a:r>
+        </a:p>
+      </dsp:txBody>
+      <dsp:txXfrm>
+        <a:off x="5789203" y="1805"/>
+        <a:ext cx="4726396" cy="915310"/>
+      </dsp:txXfrm>
+    </dsp:sp>
+    <dsp:sp modelId="{0F58F092-1E09-4C5D-A66A-3109B2FAA427}">
+      <dsp:nvSpPr>
+        <dsp:cNvPr id="0" name=""/>
+        <dsp:cNvSpPr/>
+      </dsp:nvSpPr>
+      <dsp:spPr>
+        <a:xfrm>
+          <a:off x="0" y="1145944"/>
+          <a:ext cx="10515600" cy="915310"/>
+        </a:xfrm>
+        <a:prstGeom prst="roundRect">
+          <a:avLst>
+            <a:gd name="adj" fmla="val 10000"/>
+          </a:avLst>
+        </a:prstGeom>
+        <a:solidFill>
+          <a:schemeClr val="accent3">
+            <a:hueOff val="0"/>
+            <a:satOff val="0"/>
+            <a:lumOff val="0"/>
+            <a:alphaOff val="0"/>
+          </a:schemeClr>
+        </a:solidFill>
+        <a:ln>
+          <a:noFill/>
+        </a:ln>
+        <a:effectLst/>
+      </dsp:spPr>
+      <dsp:style>
+        <a:lnRef idx="0">
+          <a:scrgbClr r="0" g="0" b="0"/>
+        </a:lnRef>
+        <a:fillRef idx="1">
+          <a:scrgbClr r="0" g="0" b="0"/>
+        </a:fillRef>
+        <a:effectRef idx="2">
+          <a:scrgbClr r="0" g="0" b="0"/>
+        </a:effectRef>
+        <a:fontRef idx="minor"/>
+      </dsp:style>
+    </dsp:sp>
+    <dsp:sp modelId="{39772D22-6B17-4842-AC56-59C388F88DC3}">
+      <dsp:nvSpPr>
+        <dsp:cNvPr id="0" name=""/>
+        <dsp:cNvSpPr/>
+      </dsp:nvSpPr>
+      <dsp:spPr>
+        <a:xfrm>
+          <a:off x="276881" y="1351889"/>
+          <a:ext cx="503420" cy="503420"/>
+        </a:xfrm>
+        <a:prstGeom prst="rect">
+          <a:avLst/>
+        </a:prstGeom>
+        <a:blipFill rotWithShape="1">
+          <a:blip xmlns:r="http://schemas.openxmlformats.org/officeDocument/2006/relationships" r:embed="rId1">
+            <a:extLst>
+              <a:ext uri="{28A0092B-C50C-407E-A947-70E740481C1C}">
+                <a14:useLocalDpi xmlns:a14="http://schemas.microsoft.com/office/drawing/2010/main" val="0"/>
+              </a:ext>
+              <a:ext uri="{96DAC541-7B7A-43D3-8B79-37D633B846F1}">
+                <asvg:svgBlip xmlns:asvg="http://schemas.microsoft.com/office/drawing/2016/SVG/main" r:embed="rId2"/>
+              </a:ext>
+            </a:extLst>
+          </a:blip>
+          <a:srcRect/>
+          <a:stretch>
+            <a:fillRect/>
+          </a:stretch>
+        </a:blipFill>
+        <a:ln>
+          <a:noFill/>
+        </a:ln>
+        <a:effectLst/>
+      </dsp:spPr>
+      <dsp:style>
+        <a:lnRef idx="0">
+          <a:scrgbClr r="0" g="0" b="0"/>
+        </a:lnRef>
+        <a:fillRef idx="3">
+          <a:scrgbClr r="0" g="0" b="0"/>
+        </a:fillRef>
+        <a:effectRef idx="2">
+          <a:scrgbClr r="0" g="0" b="0"/>
+        </a:effectRef>
+        <a:fontRef idx="minor">
+          <a:schemeClr val="lt1"/>
+        </a:fontRef>
+      </dsp:style>
+    </dsp:sp>
+    <dsp:sp modelId="{C9CE7F85-E815-4FA6-BD4E-12F903C4536A}">
+      <dsp:nvSpPr>
+        <dsp:cNvPr id="0" name=""/>
+        <dsp:cNvSpPr/>
+      </dsp:nvSpPr>
+      <dsp:spPr>
+        <a:xfrm>
+          <a:off x="1057183" y="1145944"/>
+          <a:ext cx="4732020" cy="915310"/>
+        </a:xfrm>
+        <a:prstGeom prst="rect">
+          <a:avLst/>
+        </a:prstGeom>
+        <a:noFill/>
+        <a:ln>
+          <a:noFill/>
+        </a:ln>
+        <a:effectLst/>
+      </dsp:spPr>
+      <dsp:style>
+        <a:lnRef idx="0">
+          <a:scrgbClr r="0" g="0" b="0"/>
+        </a:lnRef>
+        <a:fillRef idx="0">
+          <a:scrgbClr r="0" g="0" b="0"/>
+        </a:fillRef>
+        <a:effectRef idx="0">
+          <a:scrgbClr r="0" g="0" b="0"/>
+        </a:effectRef>
+        <a:fontRef idx="minor"/>
+      </dsp:style>
+      <dsp:txBody>
+        <a:bodyPr spcFirstLastPara="0" vert="horz" wrap="square" lIns="96870" tIns="96870" rIns="96870" bIns="96870" numCol="1" spcCol="1270" anchor="ctr" anchorCtr="0">
+          <a:noAutofit/>
+        </a:bodyPr>
+        <a:lstStyle/>
+        <a:p>
+          <a:pPr marL="0" lvl="0" indent="0" algn="l" defTabSz="977900">
+            <a:lnSpc>
+              <a:spcPct val="90000"/>
+            </a:lnSpc>
+            <a:spcBef>
+              <a:spcPct val="0"/>
+            </a:spcBef>
+            <a:spcAft>
+              <a:spcPct val="35000"/>
+            </a:spcAft>
+            <a:buNone/>
+          </a:pPr>
+          <a:r>
+            <a:rPr lang="en-US" sz="2200" b="1" kern="1200"/>
+            <a:t>Drawing #6 Handout 4-1</a:t>
+          </a:r>
+          <a:endParaRPr lang="en-US" sz="2200" kern="1200"/>
+        </a:p>
+      </dsp:txBody>
+      <dsp:txXfrm>
+        <a:off x="1057183" y="1145944"/>
+        <a:ext cx="4732020" cy="915310"/>
+      </dsp:txXfrm>
+    </dsp:sp>
+    <dsp:sp modelId="{516460C4-9364-4A75-B8C0-AA805BAB68D3}">
+      <dsp:nvSpPr>
+        <dsp:cNvPr id="0" name=""/>
+        <dsp:cNvSpPr/>
+      </dsp:nvSpPr>
+      <dsp:spPr>
+        <a:xfrm>
+          <a:off x="5789203" y="1145944"/>
+          <a:ext cx="4726396" cy="915310"/>
+        </a:xfrm>
+        <a:prstGeom prst="rect">
+          <a:avLst/>
+        </a:prstGeom>
+        <a:noFill/>
+        <a:ln>
+          <a:noFill/>
+        </a:ln>
+        <a:effectLst/>
+      </dsp:spPr>
+      <dsp:style>
+        <a:lnRef idx="0">
+          <a:scrgbClr r="0" g="0" b="0"/>
+        </a:lnRef>
+        <a:fillRef idx="0">
+          <a:scrgbClr r="0" g="0" b="0"/>
+        </a:fillRef>
+        <a:effectRef idx="0">
+          <a:scrgbClr r="0" g="0" b="0"/>
+        </a:effectRef>
+        <a:fontRef idx="minor"/>
+      </dsp:style>
+      <dsp:txBody>
+        <a:bodyPr spcFirstLastPara="0" vert="horz" wrap="square" lIns="96870" tIns="96870" rIns="96870" bIns="96870" numCol="1" spcCol="1270" anchor="ctr" anchorCtr="0">
+          <a:noAutofit/>
+        </a:bodyPr>
+        <a:lstStyle/>
+        <a:p>
+          <a:pPr marL="0" lvl="0" indent="0" algn="l" defTabSz="800100">
+            <a:lnSpc>
+              <a:spcPct val="90000"/>
+            </a:lnSpc>
+            <a:spcBef>
+              <a:spcPct val="0"/>
+            </a:spcBef>
+            <a:spcAft>
+              <a:spcPct val="35000"/>
+            </a:spcAft>
+            <a:buNone/>
+          </a:pPr>
+          <a:r>
+            <a:rPr lang="en-US" sz="1800" kern="1200"/>
+            <a:t>Due tomorrow, Thursday, 10/11</a:t>
+          </a:r>
+        </a:p>
+      </dsp:txBody>
+      <dsp:txXfrm>
+        <a:off x="5789203" y="1145944"/>
+        <a:ext cx="4726396" cy="915310"/>
+      </dsp:txXfrm>
+    </dsp:sp>
+    <dsp:sp modelId="{43A3F9FE-72B0-46A2-A1BF-E221478CAF4B}">
+      <dsp:nvSpPr>
+        <dsp:cNvPr id="0" name=""/>
+        <dsp:cNvSpPr/>
+      </dsp:nvSpPr>
+      <dsp:spPr>
+        <a:xfrm>
+          <a:off x="0" y="2290082"/>
+          <a:ext cx="10515600" cy="915310"/>
+        </a:xfrm>
+        <a:prstGeom prst="roundRect">
+          <a:avLst>
+            <a:gd name="adj" fmla="val 10000"/>
+          </a:avLst>
+        </a:prstGeom>
+        <a:solidFill>
+          <a:schemeClr val="accent3">
+            <a:hueOff val="0"/>
+            <a:satOff val="0"/>
+            <a:lumOff val="0"/>
+            <a:alphaOff val="0"/>
+          </a:schemeClr>
+        </a:solidFill>
+        <a:ln>
+          <a:noFill/>
+        </a:ln>
+        <a:effectLst/>
+      </dsp:spPr>
+      <dsp:style>
+        <a:lnRef idx="0">
+          <a:scrgbClr r="0" g="0" b="0"/>
+        </a:lnRef>
+        <a:fillRef idx="1">
+          <a:scrgbClr r="0" g="0" b="0"/>
+        </a:fillRef>
+        <a:effectRef idx="2">
+          <a:scrgbClr r="0" g="0" b="0"/>
+        </a:effectRef>
+        <a:fontRef idx="minor"/>
+      </dsp:style>
+    </dsp:sp>
+    <dsp:sp modelId="{3B47F748-8DF6-4BB3-8A7F-B350645395FD}">
+      <dsp:nvSpPr>
+        <dsp:cNvPr id="0" name=""/>
+        <dsp:cNvSpPr/>
+      </dsp:nvSpPr>
+      <dsp:spPr>
+        <a:xfrm>
+          <a:off x="276881" y="2496027"/>
+          <a:ext cx="503420" cy="503420"/>
+        </a:xfrm>
+        <a:prstGeom prst="rect">
+          <a:avLst/>
+        </a:prstGeom>
+        <a:blipFill rotWithShape="1">
+          <a:blip xmlns:r="http://schemas.openxmlformats.org/officeDocument/2006/relationships" r:embed="rId1">
+            <a:extLst>
+              <a:ext uri="{28A0092B-C50C-407E-A947-70E740481C1C}">
+                <a14:useLocalDpi xmlns:a14="http://schemas.microsoft.com/office/drawing/2010/main" val="0"/>
+              </a:ext>
+              <a:ext uri="{96DAC541-7B7A-43D3-8B79-37D633B846F1}">
+                <asvg:svgBlip xmlns:asvg="http://schemas.microsoft.com/office/drawing/2016/SVG/main" r:embed="rId2"/>
+              </a:ext>
+            </a:extLst>
+          </a:blip>
+          <a:srcRect/>
+          <a:stretch>
+            <a:fillRect/>
+          </a:stretch>
+        </a:blipFill>
+        <a:ln>
+          <a:noFill/>
+        </a:ln>
+        <a:effectLst/>
+      </dsp:spPr>
+      <dsp:style>
+        <a:lnRef idx="0">
+          <a:scrgbClr r="0" g="0" b="0"/>
+        </a:lnRef>
+        <a:fillRef idx="3">
+          <a:scrgbClr r="0" g="0" b="0"/>
+        </a:fillRef>
+        <a:effectRef idx="2">
+          <a:scrgbClr r="0" g="0" b="0"/>
+        </a:effectRef>
+        <a:fontRef idx="minor">
+          <a:schemeClr val="lt1"/>
+        </a:fontRef>
+      </dsp:style>
+    </dsp:sp>
+    <dsp:sp modelId="{E3817977-644B-4289-B560-38BEA11FA6AD}">
+      <dsp:nvSpPr>
+        <dsp:cNvPr id="0" name=""/>
+        <dsp:cNvSpPr/>
+      </dsp:nvSpPr>
+      <dsp:spPr>
+        <a:xfrm>
+          <a:off x="1057183" y="2290082"/>
+          <a:ext cx="4732020" cy="915310"/>
+        </a:xfrm>
+        <a:prstGeom prst="rect">
+          <a:avLst/>
+        </a:prstGeom>
+        <a:noFill/>
+        <a:ln>
+          <a:noFill/>
+        </a:ln>
+        <a:effectLst/>
+      </dsp:spPr>
+      <dsp:style>
+        <a:lnRef idx="0">
+          <a:scrgbClr r="0" g="0" b="0"/>
+        </a:lnRef>
+        <a:fillRef idx="0">
+          <a:scrgbClr r="0" g="0" b="0"/>
+        </a:fillRef>
+        <a:effectRef idx="0">
+          <a:scrgbClr r="0" g="0" b="0"/>
+        </a:effectRef>
+        <a:fontRef idx="minor"/>
+      </dsp:style>
+      <dsp:txBody>
+        <a:bodyPr spcFirstLastPara="0" vert="horz" wrap="square" lIns="96870" tIns="96870" rIns="96870" bIns="96870" numCol="1" spcCol="1270" anchor="ctr" anchorCtr="0">
+          <a:noAutofit/>
+        </a:bodyPr>
+        <a:lstStyle/>
+        <a:p>
+          <a:pPr marL="0" lvl="0" indent="0" algn="l" defTabSz="977900">
+            <a:lnSpc>
+              <a:spcPct val="90000"/>
+            </a:lnSpc>
+            <a:spcBef>
+              <a:spcPct val="0"/>
+            </a:spcBef>
+            <a:spcAft>
+              <a:spcPct val="35000"/>
+            </a:spcAft>
+            <a:buNone/>
+          </a:pPr>
+          <a:r>
+            <a:rPr lang="en-US" sz="2200" b="1" kern="1200"/>
+            <a:t>Drawing #7 Handout 4-2</a:t>
+          </a:r>
+          <a:endParaRPr lang="en-US" sz="2200" kern="1200"/>
+        </a:p>
+      </dsp:txBody>
+      <dsp:txXfrm>
+        <a:off x="1057183" y="2290082"/>
+        <a:ext cx="4732020" cy="915310"/>
+      </dsp:txXfrm>
+    </dsp:sp>
+    <dsp:sp modelId="{D78A1AEE-8BB3-4A5A-BA0C-1FA817866D90}">
+      <dsp:nvSpPr>
+        <dsp:cNvPr id="0" name=""/>
+        <dsp:cNvSpPr/>
+      </dsp:nvSpPr>
+      <dsp:spPr>
+        <a:xfrm>
+          <a:off x="5789203" y="2290082"/>
+          <a:ext cx="4726396" cy="915310"/>
+        </a:xfrm>
+        <a:prstGeom prst="rect">
+          <a:avLst/>
+        </a:prstGeom>
+        <a:noFill/>
+        <a:ln>
+          <a:noFill/>
+        </a:ln>
+        <a:effectLst/>
+      </dsp:spPr>
+      <dsp:style>
+        <a:lnRef idx="0">
+          <a:scrgbClr r="0" g="0" b="0"/>
+        </a:lnRef>
+        <a:fillRef idx="0">
+          <a:scrgbClr r="0" g="0" b="0"/>
+        </a:fillRef>
+        <a:effectRef idx="0">
+          <a:scrgbClr r="0" g="0" b="0"/>
+        </a:effectRef>
+        <a:fontRef idx="minor"/>
+      </dsp:style>
+      <dsp:txBody>
+        <a:bodyPr spcFirstLastPara="0" vert="horz" wrap="square" lIns="96870" tIns="96870" rIns="96870" bIns="96870" numCol="1" spcCol="1270" anchor="ctr" anchorCtr="0">
+          <a:noAutofit/>
+        </a:bodyPr>
+        <a:lstStyle/>
+        <a:p>
+          <a:pPr marL="0" lvl="0" indent="0" algn="l" defTabSz="800100">
+            <a:lnSpc>
+              <a:spcPct val="90000"/>
+            </a:lnSpc>
+            <a:spcBef>
+              <a:spcPct val="0"/>
+            </a:spcBef>
+            <a:spcAft>
+              <a:spcPct val="35000"/>
+            </a:spcAft>
+            <a:buNone/>
+          </a:pPr>
+          <a:r>
+            <a:rPr lang="en-US" sz="1800" kern="1200"/>
+            <a:t>Due Friday, 10/12</a:t>
+          </a:r>
+        </a:p>
+      </dsp:txBody>
+      <dsp:txXfrm>
+        <a:off x="5789203" y="2290082"/>
+        <a:ext cx="4726396" cy="915310"/>
+      </dsp:txXfrm>
+    </dsp:sp>
+    <dsp:sp modelId="{AB9923E7-1788-4201-B201-5FDDFA2795D8}">
+      <dsp:nvSpPr>
+        <dsp:cNvPr id="0" name=""/>
+        <dsp:cNvSpPr/>
+      </dsp:nvSpPr>
+      <dsp:spPr>
+        <a:xfrm>
+          <a:off x="0" y="3434221"/>
+          <a:ext cx="10515600" cy="915310"/>
+        </a:xfrm>
+        <a:prstGeom prst="roundRect">
+          <a:avLst>
+            <a:gd name="adj" fmla="val 10000"/>
+          </a:avLst>
+        </a:prstGeom>
+        <a:solidFill>
+          <a:schemeClr val="accent3">
+            <a:hueOff val="0"/>
+            <a:satOff val="0"/>
+            <a:lumOff val="0"/>
+            <a:alphaOff val="0"/>
+          </a:schemeClr>
+        </a:solidFill>
+        <a:ln>
+          <a:noFill/>
+        </a:ln>
+        <a:effectLst/>
+      </dsp:spPr>
+      <dsp:style>
+        <a:lnRef idx="0">
+          <a:scrgbClr r="0" g="0" b="0"/>
+        </a:lnRef>
+        <a:fillRef idx="1">
+          <a:scrgbClr r="0" g="0" b="0"/>
+        </a:fillRef>
+        <a:effectRef idx="2">
+          <a:scrgbClr r="0" g="0" b="0"/>
+        </a:effectRef>
+        <a:fontRef idx="minor"/>
+      </dsp:style>
+    </dsp:sp>
+    <dsp:sp modelId="{AE5E7BFA-865D-4F42-ACD7-93B8EB68C78A}">
+      <dsp:nvSpPr>
+        <dsp:cNvPr id="0" name=""/>
+        <dsp:cNvSpPr/>
+      </dsp:nvSpPr>
+      <dsp:spPr>
+        <a:xfrm>
+          <a:off x="276881" y="3640166"/>
+          <a:ext cx="503420" cy="503420"/>
+        </a:xfrm>
+        <a:prstGeom prst="rect">
+          <a:avLst/>
+        </a:prstGeom>
+        <a:blipFill>
+          <a:blip xmlns:r="http://schemas.openxmlformats.org/officeDocument/2006/relationships" r:embed="rId3">
+            <a:extLst>
+              <a:ext uri="{28A0092B-C50C-407E-A947-70E740481C1C}">
+                <a14:useLocalDpi xmlns:a14="http://schemas.microsoft.com/office/drawing/2010/main" val="0"/>
+              </a:ext>
+              <a:ext uri="{96DAC541-7B7A-43D3-8B79-37D633B846F1}">
+                <asvg:svgBlip xmlns:asvg="http://schemas.microsoft.com/office/drawing/2016/SVG/main" r:embed="rId4"/>
+              </a:ext>
+            </a:extLst>
+          </a:blip>
+          <a:stretch>
+            <a:fillRect/>
+          </a:stretch>
+        </a:blipFill>
+        <a:ln>
+          <a:noFill/>
+        </a:ln>
+        <a:effectLst/>
+      </dsp:spPr>
+      <dsp:style>
+        <a:lnRef idx="0">
+          <a:scrgbClr r="0" g="0" b="0"/>
+        </a:lnRef>
+        <a:fillRef idx="3">
+          <a:scrgbClr r="0" g="0" b="0"/>
+        </a:fillRef>
+        <a:effectRef idx="2">
+          <a:scrgbClr r="0" g="0" b="0"/>
+        </a:effectRef>
+        <a:fontRef idx="minor">
+          <a:schemeClr val="lt1"/>
+        </a:fontRef>
+      </dsp:style>
+    </dsp:sp>
+    <dsp:sp modelId="{1D0260FD-C43D-4091-8ABB-384147B7C643}">
+      <dsp:nvSpPr>
+        <dsp:cNvPr id="0" name=""/>
+        <dsp:cNvSpPr/>
+      </dsp:nvSpPr>
+      <dsp:spPr>
+        <a:xfrm>
+          <a:off x="1057183" y="3434221"/>
+          <a:ext cx="4732020" cy="915310"/>
+        </a:xfrm>
+        <a:prstGeom prst="rect">
+          <a:avLst/>
+        </a:prstGeom>
+        <a:noFill/>
+        <a:ln>
+          <a:noFill/>
+        </a:ln>
+        <a:effectLst/>
+      </dsp:spPr>
+      <dsp:style>
+        <a:lnRef idx="0">
+          <a:scrgbClr r="0" g="0" b="0"/>
+        </a:lnRef>
+        <a:fillRef idx="0">
+          <a:scrgbClr r="0" g="0" b="0"/>
+        </a:fillRef>
+        <a:effectRef idx="0">
+          <a:scrgbClr r="0" g="0" b="0"/>
+        </a:effectRef>
+        <a:fontRef idx="minor"/>
+      </dsp:style>
+      <dsp:txBody>
+        <a:bodyPr spcFirstLastPara="0" vert="horz" wrap="square" lIns="96870" tIns="96870" rIns="96870" bIns="96870" numCol="1" spcCol="1270" anchor="ctr" anchorCtr="0">
+          <a:noAutofit/>
+        </a:bodyPr>
+        <a:lstStyle/>
+        <a:p>
+          <a:pPr marL="0" lvl="0" indent="0" algn="l" defTabSz="977900">
+            <a:lnSpc>
+              <a:spcPct val="90000"/>
+            </a:lnSpc>
+            <a:spcBef>
+              <a:spcPct val="0"/>
+            </a:spcBef>
+            <a:spcAft>
+              <a:spcPct val="35000"/>
+            </a:spcAft>
+            <a:buNone/>
+          </a:pPr>
+          <a:r>
+            <a:rPr lang="en-US" sz="2200" b="1" kern="1200" dirty="0"/>
+            <a:t>Unit 3 Lettering Quiz</a:t>
+          </a:r>
+          <a:endParaRPr lang="en-US" sz="2200" kern="1200" dirty="0"/>
+        </a:p>
+      </dsp:txBody>
+      <dsp:txXfrm>
+        <a:off x="1057183" y="3434221"/>
+        <a:ext cx="4732020" cy="915310"/>
+      </dsp:txXfrm>
+    </dsp:sp>
+    <dsp:sp modelId="{FE0B20FF-3554-4AD0-AC3F-00F60D971DE5}">
+      <dsp:nvSpPr>
+        <dsp:cNvPr id="0" name=""/>
+        <dsp:cNvSpPr/>
+      </dsp:nvSpPr>
+      <dsp:spPr>
+        <a:xfrm>
+          <a:off x="5789203" y="3434221"/>
+          <a:ext cx="4726396" cy="915310"/>
+        </a:xfrm>
+        <a:prstGeom prst="rect">
+          <a:avLst/>
+        </a:prstGeom>
+        <a:noFill/>
+        <a:ln>
+          <a:noFill/>
+        </a:ln>
+        <a:effectLst/>
+      </dsp:spPr>
+      <dsp:style>
+        <a:lnRef idx="0">
+          <a:scrgbClr r="0" g="0" b="0"/>
+        </a:lnRef>
+        <a:fillRef idx="0">
+          <a:scrgbClr r="0" g="0" b="0"/>
+        </a:fillRef>
+        <a:effectRef idx="0">
+          <a:scrgbClr r="0" g="0" b="0"/>
+        </a:effectRef>
+        <a:fontRef idx="minor"/>
+      </dsp:style>
+      <dsp:txBody>
+        <a:bodyPr spcFirstLastPara="0" vert="horz" wrap="square" lIns="96870" tIns="96870" rIns="96870" bIns="96870" numCol="1" spcCol="1270" anchor="ctr" anchorCtr="0">
+          <a:noAutofit/>
+        </a:bodyPr>
+        <a:lstStyle/>
+        <a:p>
+          <a:pPr marL="0" lvl="0" indent="0" algn="l" defTabSz="800100">
+            <a:lnSpc>
+              <a:spcPct val="90000"/>
+            </a:lnSpc>
+            <a:spcBef>
+              <a:spcPct val="0"/>
+            </a:spcBef>
+            <a:spcAft>
+              <a:spcPct val="35000"/>
+            </a:spcAft>
+            <a:buNone/>
+          </a:pPr>
+          <a:r>
+            <a:rPr lang="en-US" sz="1800" kern="1200"/>
+            <a:t>Due Sunday</a:t>
+          </a:r>
+        </a:p>
+        <a:p>
+          <a:pPr marL="0" lvl="0" indent="0" algn="l" defTabSz="800100">
+            <a:lnSpc>
+              <a:spcPct val="90000"/>
+            </a:lnSpc>
+            <a:spcBef>
+              <a:spcPct val="0"/>
+            </a:spcBef>
+            <a:spcAft>
+              <a:spcPct val="35000"/>
+            </a:spcAft>
+            <a:buNone/>
+          </a:pPr>
+          <a:r>
+            <a:rPr lang="en-US" sz="1800" kern="1200"/>
+            <a:t>Is to be completed via Google Classroom</a:t>
+          </a:r>
+        </a:p>
+      </dsp:txBody>
+      <dsp:txXfrm>
+        <a:off x="5789203" y="3434221"/>
+        <a:ext cx="4726396" cy="915310"/>
+      </dsp:txXfrm>
+    </dsp:sp>
+  </dsp:spTree>
+</dsp:drawing>
+</file>
+
 <file path=ppt/diagrams/layout1.xml><?xml version="1.0" encoding="utf-8"?>
+<dgm:layoutDef xmlns:dgm="http://schemas.openxmlformats.org/drawingml/2006/diagram" xmlns:a="http://schemas.openxmlformats.org/drawingml/2006/main" uniqueId="urn:microsoft.com/office/officeart/2018/2/layout/IconVerticalSolidList">
+  <dgm:title val="Icon Vertical Solid List"/>
+  <dgm:desc val="Use to show a series of visuals from top to bottom with Level 1 or Level 1 and Level 2 text grouped in a shape. Works best with icons or small pictures with lengthier descriptions."/>
+  <dgm:catLst>
+    <dgm:cat type="icon" pri="500"/>
+  </dgm:catLst>
+  <dgm:sampData useDef="1">
+    <dgm:dataModel>
+      <dgm:ptLst/>
+      <dgm:bg/>
+      <dgm:whole/>
+    </dgm:dataModel>
+  </dgm:sampData>
+  <dgm:styleData useDef="1">
+    <dgm:dataModel>
+      <dgm:ptLst/>
+      <dgm:bg/>
+      <dgm:whole/>
+    </dgm:dataModel>
+  </dgm:styleData>
+  <dgm:clrData useDef="1">
+    <dgm:dataModel>
+      <dgm:ptLst/>
+      <dgm:bg/>
+      <dgm:whole/>
+    </dgm:dataModel>
+  </dgm:clrData>
+  <dgm:layoutNode name="root">
+    <dgm:varLst>
+      <dgm:dir/>
+      <dgm:resizeHandles val="exact"/>
+    </dgm:varLst>
+    <dgm:choose name="Name0">
+      <dgm:if name="Name1" axis="self" func="var" arg="dir" op="equ" val="norm">
+        <dgm:alg type="lin">
+          <dgm:param type="linDir" val="fromT"/>
+          <dgm:param type="nodeHorzAlign" val="l"/>
+        </dgm:alg>
+      </dgm:if>
+      <dgm:else name="Name2">
+        <dgm:alg type="lin">
+          <dgm:param type="linDir" val="fromT"/>
+          <dgm:param type="nodeHorzAlign" val="r"/>
+        </dgm:alg>
+      </dgm:else>
+    </dgm:choose>
+    <dgm:shape xmlns:r="http://schemas.openxmlformats.org/officeDocument/2006/relationships" r:blip="">
+      <dgm:adjLst/>
+    </dgm:shape>
+    <dgm:presOf/>
+    <dgm:choose name="Name3">
+      <dgm:if name="Name4" axis="ch" ptType="node" func="cnt" op="lte" val="3">
+        <dgm:constrLst>
+          <dgm:constr type="h" for="ch" forName="compNode" refType="h" fact="0.3"/>
+          <dgm:constr type="w" for="ch" forName="compNode" refType="w"/>
+          <dgm:constr type="h" for="ch" forName="sibTrans" refType="h" refFor="ch" refForName="compNode" fact="0.25"/>
+          <dgm:constr type="primFontSz" for="des" forName="parTx" val="25"/>
+          <dgm:constr type="primFontSz" for="des" forName="desTx" refType="primFontSz" refFor="des" refForName="parTx" op="lte" fact="0.75"/>
+          <dgm:constr type="h" for="des" forName="compNode" op="equ"/>
+          <dgm:constr type="h" for="des" forName="bgRect" op="equ"/>
+          <dgm:constr type="h" for="des" forName="iconRect" op="equ"/>
+          <dgm:constr type="w" for="des" forName="iconRect" op="equ"/>
+          <dgm:constr type="h" for="des" forName="spaceRect" op="equ"/>
+          <dgm:constr type="h" for="des" forName="parTx" op="equ"/>
+          <dgm:constr type="h" for="des" forName="desTx" op="equ"/>
+        </dgm:constrLst>
+      </dgm:if>
+      <dgm:if name="Name5" axis="ch" ptType="node" func="cnt" op="lte" val="4">
+        <dgm:constrLst>
+          <dgm:constr type="h" for="ch" forName="compNode" refType="h" fact="0.3"/>
+          <dgm:constr type="w" for="ch" forName="compNode" refType="w"/>
+          <dgm:constr type="h" for="ch" forName="sibTrans" refType="h" refFor="ch" refForName="compNode" fact="0.25"/>
+          <dgm:constr type="primFontSz" for="des" forName="parTx" val="22"/>
+          <dgm:constr type="primFontSz" for="des" forName="desTx" refType="primFontSz" refFor="des" refForName="parTx" op="lte" fact="0.75"/>
+          <dgm:constr type="h" for="des" forName="compNode" op="equ"/>
+          <dgm:constr type="h" for="des" forName="bgRect" op="equ"/>
+          <dgm:constr type="h" for="des" forName="iconRect" op="equ"/>
+          <dgm:constr type="w" for="des" forName="iconRect" op="equ"/>
+          <dgm:constr type="h" for="des" forName="spaceRect" op="equ"/>
+          <dgm:constr type="h" for="des" forName="parTx" op="equ"/>
+          <dgm:constr type="h" for="des" forName="desTx" op="equ"/>
+        </dgm:constrLst>
+      </dgm:if>
+      <dgm:if name="Name6" axis="ch" ptType="node" func="cnt" op="lte" val="6">
+        <dgm:constrLst>
+          <dgm:constr type="h" for="ch" forName="compNode" refType="h" fact="0.3"/>
+          <dgm:constr type="w" for="ch" forName="compNode" refType="w"/>
+          <dgm:constr type="h" for="ch" forName="sibTrans" refType="h" refFor="ch" refForName="compNode" fact="0.25"/>
+          <dgm:constr type="primFontSz" for="des" forName="parTx" val="19"/>
+          <dgm:constr type="primFontSz" for="des" forName="desTx" refType="primFontSz" refFor="des" refForName="parTx" op="lte" fact="0.75"/>
+          <dgm:constr type="h" for="des" forName="compNode" op="equ"/>
+          <dgm:constr type="h" for="des" forName="bgRect" op="equ"/>
+          <dgm:constr type="h" for="des" forName="iconRect" op="equ"/>
+          <dgm:constr type="w" for="des" forName="iconRect" op="equ"/>
+          <dgm:constr type="h" for="des" forName="spaceRect" op="equ"/>
+          <dgm:constr type="h" for="des" forName="parTx" op="equ"/>
+          <dgm:constr type="h" for="des" forName="desTx" op="equ"/>
+        </dgm:constrLst>
+      </dgm:if>
+      <dgm:else name="Name7">
+        <dgm:constrLst>
+          <dgm:constr type="h" for="ch" forName="compNode" refType="h" fact="0.3"/>
+          <dgm:constr type="w" for="ch" forName="compNode" refType="w"/>
+          <dgm:constr type="h" for="ch" forName="sibTrans" refType="h" refFor="ch" refForName="compNode" fact="0.25"/>
+          <dgm:constr type="primFontSz" for="des" forName="parTx" val="16"/>
+          <dgm:constr type="primFontSz" for="des" forName="desTx" refType="primFontSz" refFor="des" refForName="parTx" op="lte" fact="0.75"/>
+          <dgm:constr type="h" for="des" forName="compNode" op="equ"/>
+          <dgm:constr type="h" for="des" forName="bgRect" op="equ"/>
+          <dgm:constr type="h" for="des" forName="iconRect" op="equ"/>
+          <dgm:constr type="w" for="des" forName="iconRect" op="equ"/>
+          <dgm:constr type="h" for="des" forName="spaceRect" op="equ"/>
+          <dgm:constr type="h" for="des" forName="parTx" op="equ"/>
+          <dgm:constr type="h" for="des" forName="desTx" op="equ"/>
+        </dgm:constrLst>
+      </dgm:else>
+    </dgm:choose>
+    <dgm:ruleLst>
+      <dgm:rule type="h" for="ch" forName="compNode" val="0" fact="NaN" max="NaN"/>
+    </dgm:ruleLst>
+    <dgm:forEach name="Name8" axis="ch" ptType="node">
+      <dgm:layoutNode name="compNode">
+        <dgm:alg type="composite"/>
+        <dgm:shape xmlns:r="http://schemas.openxmlformats.org/officeDocument/2006/relationships" r:blip="">
+          <dgm:adjLst/>
+        </dgm:shape>
+        <dgm:presOf axis="self"/>
+        <dgm:choose name="Name9">
+          <dgm:if name="Name10" axis="ch" ptType="node" func="cnt" op="gte" val="1">
+            <dgm:constrLst>
+              <dgm:constr type="w" for="ch" forName="bgRect" refType="w"/>
+              <dgm:constr type="h" for="ch" forName="bgRect" refType="h"/>
+              <dgm:constr type="l" for="ch" forName="bgRect"/>
+              <dgm:constr type="t" for="ch" forName="bgRect"/>
+              <dgm:constr type="h" for="ch" forName="iconRect" refType="h" fact="0.55"/>
+              <dgm:constr type="w" for="ch" forName="iconRect" refType="h" refFor="ch" refForName="iconRect"/>
+              <dgm:constr type="l" for="ch" forName="iconRect" refType="h" refFor="ch" refForName="iconRect" fact="0.55"/>
+              <dgm:constr type="ctrY" for="ch" forName="iconRect" refType="ctrY" refFor="ch" refForName="bgRect"/>
+              <dgm:constr type="w" for="ch" forName="spaceRect" refType="l" refFor="ch" refForName="iconRect"/>
+              <dgm:constr type="h" for="ch" forName="spaceRect" refType="h"/>
+              <dgm:constr type="l" for="ch" forName="spaceRect" refType="r" refFor="ch" refForName="iconRect"/>
+              <dgm:constr type="t" for="ch" forName="spaceRect"/>
+              <dgm:constr type="w" for="ch" forName="parTx" refType="w" fact="0.45"/>
+              <dgm:constr type="h" for="ch" forName="parTx" refType="h"/>
+              <dgm:constr type="l" for="ch" forName="parTx" refType="r" refFor="ch" refForName="spaceRect"/>
+              <dgm:constr type="t" for="ch" forName="parTx"/>
+              <dgm:constr type="h" for="ch" forName="desTx" refType="h"/>
+              <dgm:constr type="l" for="ch" forName="desTx" refType="r" refFor="ch" refForName="parTx"/>
+              <dgm:constr type="t" for="ch" forName="desTx"/>
+            </dgm:constrLst>
+          </dgm:if>
+          <dgm:else name="Name11">
+            <dgm:constrLst>
+              <dgm:constr type="w" for="ch" forName="bgRect" refType="w"/>
+              <dgm:constr type="h" for="ch" forName="bgRect" refType="h"/>
+              <dgm:constr type="l" for="ch" forName="bgRect"/>
+              <dgm:constr type="t" for="ch" forName="bgRect"/>
+              <dgm:constr type="h" for="ch" forName="iconRect" refType="h" fact="0.55"/>
+              <dgm:constr type="w" for="ch" forName="iconRect" refType="h" refFor="ch" refForName="iconRect"/>
+              <dgm:constr type="l" for="ch" forName="iconRect" refType="h" refFor="ch" refForName="iconRect" fact="0.55"/>
+              <dgm:constr type="ctrY" for="ch" forName="iconRect" refType="ctrY" refFor="ch" refForName="bgRect"/>
+              <dgm:constr type="w" for="ch" forName="spaceRect" refType="l" refFor="ch" refForName="iconRect"/>
+              <dgm:constr type="h" for="ch" forName="spaceRect" refType="h"/>
+              <dgm:constr type="l" for="ch" forName="spaceRect" refType="r" refFor="ch" refForName="iconRect"/>
+              <dgm:constr type="t" for="ch" forName="spaceRect"/>
+              <dgm:constr type="h" for="ch" forName="parTx" refType="h"/>
+              <dgm:constr type="l" for="ch" forName="parTx" refType="r" refFor="ch" refForName="spaceRect"/>
+              <dgm:constr type="t" for="ch" forName="parTx"/>
+            </dgm:constrLst>
+          </dgm:else>
+        </dgm:choose>
+        <dgm:ruleLst>
+          <dgm:rule type="h" val="INF" fact="NaN" max="NaN"/>
+        </dgm:ruleLst>
+        <dgm:layoutNode name="bgRect" styleLbl="bgShp">
+          <dgm:alg type="sp"/>
+          <dgm:shape xmlns:r="http://schemas.openxmlformats.org/officeDocument/2006/relationships" type="roundRect" r:blip="">
+            <dgm:adjLst>
+              <dgm:adj idx="1" val="0.1"/>
+            </dgm:adjLst>
+          </dgm:shape>
+          <dgm:presOf/>
+          <dgm:constrLst/>
+          <dgm:ruleLst/>
+        </dgm:layoutNode>
+        <dgm:layoutNode name="iconRect" styleLbl="node1">
+          <dgm:alg type="sp"/>
+          <dgm:shape xmlns:r="http://schemas.openxmlformats.org/officeDocument/2006/relationships" type="rect" r:blip="" blipPhldr="1">
+            <dgm:adjLst/>
+          </dgm:shape>
+          <dgm:presOf/>
+          <dgm:constrLst/>
+          <dgm:ruleLst/>
+        </dgm:layoutNode>
+        <dgm:layoutNode name="spaceRect">
+          <dgm:alg type="sp"/>
+          <dgm:shape xmlns:r="http://schemas.openxmlformats.org/officeDocument/2006/relationships" r:blip="">
+            <dgm:adjLst/>
+          </dgm:shape>
+          <dgm:presOf/>
+          <dgm:constrLst/>
+          <dgm:ruleLst/>
+        </dgm:layoutNode>
+        <dgm:layoutNode name="parTx" styleLbl="revTx">
+          <dgm:varLst>
+            <dgm:chMax val="0"/>
+            <dgm:chPref val="0"/>
+          </dgm:varLst>
+          <dgm:alg type="tx">
+            <dgm:param type="txAnchorVert" val="mid"/>
+            <dgm:param type="parTxLTRAlign" val="l"/>
+            <dgm:param type="shpTxLTRAlignCh" val="l"/>
+            <dgm:param type="parTxRTLAlign" val="r"/>
+            <dgm:param type="shpTxRTLAlignCh" val="r"/>
+          </dgm:alg>
+          <dgm:shape xmlns:r="http://schemas.openxmlformats.org/officeDocument/2006/relationships" type="rect" r:blip="">
+            <dgm:adjLst/>
+          </dgm:shape>
+          <dgm:presOf axis="self" ptType="node"/>
+          <dgm:constrLst>
+            <dgm:constr type="lMarg" refType="h" fact="0.3"/>
+            <dgm:constr type="rMarg" refType="h" fact="0.3"/>
+            <dgm:constr type="tMarg" refType="h" fact="0.3"/>
+            <dgm:constr type="bMarg" refType="h" fact="0.3"/>
+          </dgm:constrLst>
+          <dgm:ruleLst>
+            <dgm:rule type="primFontSz" val="14" fact="NaN" max="NaN"/>
+            <dgm:rule type="h" val="INF" fact="NaN" max="NaN"/>
+          </dgm:ruleLst>
+        </dgm:layoutNode>
+        <dgm:choose name="Name12">
+          <dgm:if name="Name13" axis="ch" ptType="node" func="cnt" op="gte" val="1">
+            <dgm:layoutNode name="desTx" styleLbl="revTx">
+              <dgm:varLst/>
+              <dgm:alg type="tx">
+                <dgm:param type="txAnchorVertCh" val="mid"/>
+                <dgm:param type="parTxLTRAlign" val="l"/>
+                <dgm:param type="shpTxLTRAlignCh" val="l"/>
+                <dgm:param type="parTxRTLAlign" val="r"/>
+                <dgm:param type="shpTxRTLAlignCh" val="r"/>
+                <dgm:param type="stBulletLvl" val="0"/>
+              </dgm:alg>
+              <dgm:shape xmlns:r="http://schemas.openxmlformats.org/officeDocument/2006/relationships" type="rect" r:blip="">
+                <dgm:adjLst/>
+              </dgm:shape>
+              <dgm:presOf axis="des" ptType="node"/>
+              <dgm:constrLst>
+                <dgm:constr type="primFontSz" val="18"/>
+                <dgm:constr type="secFontSz" refType="primFontSz"/>
+                <dgm:constr type="lMarg" refType="h" fact="0.3"/>
+                <dgm:constr type="rMarg" refType="h" fact="0.3"/>
+                <dgm:constr type="tMarg" refType="h" fact="0.3"/>
+                <dgm:constr type="bMarg" refType="h" fact="0.3"/>
+              </dgm:constrLst>
+              <dgm:ruleLst>
+                <dgm:rule type="primFontSz" val="11" fact="NaN" max="NaN"/>
+              </dgm:ruleLst>
+            </dgm:layoutNode>
+          </dgm:if>
+          <dgm:else name="Name14"/>
+        </dgm:choose>
+      </dgm:layoutNode>
+      <dgm:forEach name="Name15" axis="followSib" ptType="sibTrans" cnt="1">
+        <dgm:layoutNode name="sibTrans">
+          <dgm:alg type="sp"/>
+          <dgm:shape xmlns:r="http://schemas.openxmlformats.org/officeDocument/2006/relationships" r:blip="">
+            <dgm:adjLst/>
+          </dgm:shape>
+          <dgm:presOf axis="self"/>
+          <dgm:constrLst/>
+          <dgm:ruleLst/>
+        </dgm:layoutNode>
+      </dgm:forEach>
+    </dgm:forEach>
+  </dgm:layoutNode>
+  <dgm:extLst>
+    <a:ext uri="{68A01E43-0DF5-4B5B-8FA6-DAF915123BFB}">
+      <dgm1612:lstStyle xmlns:dgm1612="http://schemas.microsoft.com/office/drawing/2016/12/diagram">
+        <a:lvl1pPr>
+          <a:lnSpc>
+            <a:spcPct val="100000"/>
+          </a:lnSpc>
+        </a:lvl1pPr>
+        <a:lvl2pPr>
+          <a:lnSpc>
+            <a:spcPct val="100000"/>
+          </a:lnSpc>
+        </a:lvl2pPr>
+      </dgm1612:lstStyle>
+    </a:ext>
+  </dgm:extLst>
+</dgm:layoutDef>
+</file>
+
+<file path=ppt/diagrams/layout2.xml><?xml version="1.0" encoding="utf-8"?>
 <dgm:layoutDef xmlns:dgm="http://schemas.openxmlformats.org/drawingml/2006/diagram" xmlns:a="http://schemas.openxmlformats.org/drawingml/2006/main" uniqueId="urn:microsoft.com/office/officeart/2018/2/layout/IconVerticalSolidList">
   <dgm:title val="Icon Vertical Solid List"/>
   <dgm:desc val="Use to show a series of visuals from top to bottom with Level 1 or Level 1 and Level 2 text grouped in a shape. Works best with icons or small pictures with lengthier descriptions."/>
@@ -3801,6 +6418,1040 @@
 </dgm:styleDef>
 </file>
 
+<file path=ppt/diagrams/quickStyle2.xml><?xml version="1.0" encoding="utf-8"?>
+<dgm:styleDef xmlns:dgm="http://schemas.openxmlformats.org/drawingml/2006/diagram" xmlns:a="http://schemas.openxmlformats.org/drawingml/2006/main" uniqueId="urn:microsoft.com/office/officeart/2005/8/quickstyle/simple4">
+  <dgm:title val=""/>
+  <dgm:desc val=""/>
+  <dgm:catLst>
+    <dgm:cat type="simple" pri="10400"/>
+  </dgm:catLst>
+  <dgm:scene3d>
+    <a:camera prst="orthographicFront"/>
+    <a:lightRig rig="threePt" dir="t"/>
+  </dgm:scene3d>
+  <dgm:styleLbl name="node0">
+    <dgm:scene3d>
+      <a:camera prst="orthographicFront"/>
+      <a:lightRig rig="threePt" dir="t"/>
+    </dgm:scene3d>
+    <dgm:sp3d/>
+    <dgm:txPr/>
+    <dgm:style>
+      <a:lnRef idx="0">
+        <a:scrgbClr r="0" g="0" b="0"/>
+      </a:lnRef>
+      <a:fillRef idx="3">
+        <a:scrgbClr r="0" g="0" b="0"/>
+      </a:fillRef>
+      <a:effectRef idx="2">
+        <a:scrgbClr r="0" g="0" b="0"/>
+      </a:effectRef>
+      <a:fontRef idx="minor">
+        <a:schemeClr val="lt1"/>
+      </a:fontRef>
+    </dgm:style>
+  </dgm:styleLbl>
+  <dgm:styleLbl name="lnNode1">
+    <dgm:scene3d>
+      <a:camera prst="orthographicFront"/>
+      <a:lightRig rig="threePt" dir="t"/>
+    </dgm:scene3d>
+    <dgm:sp3d/>
+    <dgm:txPr/>
+    <dgm:style>
+      <a:lnRef idx="1">
+        <a:scrgbClr r="0" g="0" b="0"/>
+      </a:lnRef>
+      <a:fillRef idx="3">
+        <a:scrgbClr r="0" g="0" b="0"/>
+      </a:fillRef>
+      <a:effectRef idx="2">
+        <a:scrgbClr r="0" g="0" b="0"/>
+      </a:effectRef>
+      <a:fontRef idx="minor">
+        <a:schemeClr val="lt1"/>
+      </a:fontRef>
+    </dgm:style>
+  </dgm:styleLbl>
+  <dgm:styleLbl name="vennNode1">
+    <dgm:scene3d>
+      <a:camera prst="orthographicFront"/>
+      <a:lightRig rig="threePt" dir="t"/>
+    </dgm:scene3d>
+    <dgm:sp3d/>
+    <dgm:txPr/>
+    <dgm:style>
+      <a:lnRef idx="0">
+        <a:scrgbClr r="0" g="0" b="0"/>
+      </a:lnRef>
+      <a:fillRef idx="3">
+        <a:scrgbClr r="0" g="0" b="0"/>
+      </a:fillRef>
+      <a:effectRef idx="0">
+        <a:scrgbClr r="0" g="0" b="0"/>
+      </a:effectRef>
+      <a:fontRef idx="minor">
+        <a:schemeClr val="tx1"/>
+      </a:fontRef>
+    </dgm:style>
+  </dgm:styleLbl>
+  <dgm:styleLbl name="alignNode1">
+    <dgm:scene3d>
+      <a:camera prst="orthographicFront"/>
+      <a:lightRig rig="threePt" dir="t"/>
+    </dgm:scene3d>
+    <dgm:sp3d/>
+    <dgm:txPr/>
+    <dgm:style>
+      <a:lnRef idx="1">
+        <a:scrgbClr r="0" g="0" b="0"/>
+      </a:lnRef>
+      <a:fillRef idx="3">
+        <a:scrgbClr r="0" g="0" b="0"/>
+      </a:fillRef>
+      <a:effectRef idx="2">
+        <a:scrgbClr r="0" g="0" b="0"/>
+      </a:effectRef>
+      <a:fontRef idx="minor">
+        <a:schemeClr val="lt1"/>
+      </a:fontRef>
+    </dgm:style>
+  </dgm:styleLbl>
+  <dgm:styleLbl name="node1">
+    <dgm:scene3d>
+      <a:camera prst="orthographicFront"/>
+      <a:lightRig rig="threePt" dir="t"/>
+    </dgm:scene3d>
+    <dgm:sp3d/>
+    <dgm:txPr/>
+    <dgm:style>
+      <a:lnRef idx="0">
+        <a:scrgbClr r="0" g="0" b="0"/>
+      </a:lnRef>
+      <a:fillRef idx="3">
+        <a:scrgbClr r="0" g="0" b="0"/>
+      </a:fillRef>
+      <a:effectRef idx="2">
+        <a:scrgbClr r="0" g="0" b="0"/>
+      </a:effectRef>
+      <a:fontRef idx="minor">
+        <a:schemeClr val="lt1"/>
+      </a:fontRef>
+    </dgm:style>
+  </dgm:styleLbl>
+  <dgm:styleLbl name="node2">
+    <dgm:scene3d>
+      <a:camera prst="orthographicFront"/>
+      <a:lightRig rig="threePt" dir="t"/>
+    </dgm:scene3d>
+    <dgm:sp3d/>
+    <dgm:txPr/>
+    <dgm:style>
+      <a:lnRef idx="0">
+        <a:scrgbClr r="0" g="0" b="0"/>
+      </a:lnRef>
+      <a:fillRef idx="3">
+        <a:scrgbClr r="0" g="0" b="0"/>
+      </a:fillRef>
+      <a:effectRef idx="2">
+        <a:scrgbClr r="0" g="0" b="0"/>
+      </a:effectRef>
+      <a:fontRef idx="minor">
+        <a:schemeClr val="lt1"/>
+      </a:fontRef>
+    </dgm:style>
+  </dgm:styleLbl>
+  <dgm:styleLbl name="node3">
+    <dgm:scene3d>
+      <a:camera prst="orthographicFront"/>
+      <a:lightRig rig="threePt" dir="t"/>
+    </dgm:scene3d>
+    <dgm:sp3d/>
+    <dgm:txPr/>
+    <dgm:style>
+      <a:lnRef idx="0">
+        <a:scrgbClr r="0" g="0" b="0"/>
+      </a:lnRef>
+      <a:fillRef idx="3">
+        <a:scrgbClr r="0" g="0" b="0"/>
+      </a:fillRef>
+      <a:effectRef idx="2">
+        <a:scrgbClr r="0" g="0" b="0"/>
+      </a:effectRef>
+      <a:fontRef idx="minor">
+        <a:schemeClr val="lt1"/>
+      </a:fontRef>
+    </dgm:style>
+  </dgm:styleLbl>
+  <dgm:styleLbl name="node4">
+    <dgm:scene3d>
+      <a:camera prst="orthographicFront"/>
+      <a:lightRig rig="threePt" dir="t"/>
+    </dgm:scene3d>
+    <dgm:sp3d/>
+    <dgm:txPr/>
+    <dgm:style>
+      <a:lnRef idx="0">
+        <a:scrgbClr r="0" g="0" b="0"/>
+      </a:lnRef>
+      <a:fillRef idx="3">
+        <a:scrgbClr r="0" g="0" b="0"/>
+      </a:fillRef>
+      <a:effectRef idx="2">
+        <a:scrgbClr r="0" g="0" b="0"/>
+      </a:effectRef>
+      <a:fontRef idx="minor">
+        <a:schemeClr val="lt1"/>
+      </a:fontRef>
+    </dgm:style>
+  </dgm:styleLbl>
+  <dgm:styleLbl name="fgImgPlace1">
+    <dgm:scene3d>
+      <a:camera prst="orthographicFront"/>
+      <a:lightRig rig="threePt" dir="t"/>
+    </dgm:scene3d>
+    <dgm:sp3d/>
+    <dgm:txPr/>
+    <dgm:style>
+      <a:lnRef idx="0">
+        <a:scrgbClr r="0" g="0" b="0"/>
+      </a:lnRef>
+      <a:fillRef idx="1">
+        <a:scrgbClr r="0" g="0" b="0"/>
+      </a:fillRef>
+      <a:effectRef idx="2">
+        <a:scrgbClr r="0" g="0" b="0"/>
+      </a:effectRef>
+      <a:fontRef idx="minor"/>
+    </dgm:style>
+  </dgm:styleLbl>
+  <dgm:styleLbl name="alignImgPlace1">
+    <dgm:scene3d>
+      <a:camera prst="orthographicFront"/>
+      <a:lightRig rig="threePt" dir="t"/>
+    </dgm:scene3d>
+    <dgm:sp3d/>
+    <dgm:txPr/>
+    <dgm:style>
+      <a:lnRef idx="0">
+        <a:scrgbClr r="0" g="0" b="0"/>
+      </a:lnRef>
+      <a:fillRef idx="1">
+        <a:scrgbClr r="0" g="0" b="0"/>
+      </a:fillRef>
+      <a:effectRef idx="2">
+        <a:scrgbClr r="0" g="0" b="0"/>
+      </a:effectRef>
+      <a:fontRef idx="minor"/>
+    </dgm:style>
+  </dgm:styleLbl>
+  <dgm:styleLbl name="bgImgPlace1">
+    <dgm:scene3d>
+      <a:camera prst="orthographicFront"/>
+      <a:lightRig rig="threePt" dir="t"/>
+    </dgm:scene3d>
+    <dgm:sp3d/>
+    <dgm:txPr/>
+    <dgm:style>
+      <a:lnRef idx="0">
+        <a:scrgbClr r="0" g="0" b="0"/>
+      </a:lnRef>
+      <a:fillRef idx="1">
+        <a:scrgbClr r="0" g="0" b="0"/>
+      </a:fillRef>
+      <a:effectRef idx="2">
+        <a:scrgbClr r="0" g="0" b="0"/>
+      </a:effectRef>
+      <a:fontRef idx="minor"/>
+    </dgm:style>
+  </dgm:styleLbl>
+  <dgm:styleLbl name="sibTrans2D1">
+    <dgm:scene3d>
+      <a:camera prst="orthographicFront"/>
+      <a:lightRig rig="threePt" dir="t"/>
+    </dgm:scene3d>
+    <dgm:sp3d/>
+    <dgm:txPr/>
+    <dgm:style>
+      <a:lnRef idx="0">
+        <a:scrgbClr r="0" g="0" b="0"/>
+      </a:lnRef>
+      <a:fillRef idx="3">
+        <a:scrgbClr r="0" g="0" b="0"/>
+      </a:fillRef>
+      <a:effectRef idx="2">
+        <a:scrgbClr r="0" g="0" b="0"/>
+      </a:effectRef>
+      <a:fontRef idx="minor">
+        <a:schemeClr val="lt1"/>
+      </a:fontRef>
+    </dgm:style>
+  </dgm:styleLbl>
+  <dgm:styleLbl name="fgSibTrans2D1">
+    <dgm:scene3d>
+      <a:camera prst="orthographicFront"/>
+      <a:lightRig rig="threePt" dir="t"/>
+    </dgm:scene3d>
+    <dgm:sp3d/>
+    <dgm:txPr/>
+    <dgm:style>
+      <a:lnRef idx="0">
+        <a:scrgbClr r="0" g="0" b="0"/>
+      </a:lnRef>
+      <a:fillRef idx="3">
+        <a:scrgbClr r="0" g="0" b="0"/>
+      </a:fillRef>
+      <a:effectRef idx="2">
+        <a:scrgbClr r="0" g="0" b="0"/>
+      </a:effectRef>
+      <a:fontRef idx="minor">
+        <a:schemeClr val="lt1"/>
+      </a:fontRef>
+    </dgm:style>
+  </dgm:styleLbl>
+  <dgm:styleLbl name="bgSibTrans2D1">
+    <dgm:scene3d>
+      <a:camera prst="orthographicFront"/>
+      <a:lightRig rig="threePt" dir="t"/>
+    </dgm:scene3d>
+    <dgm:sp3d/>
+    <dgm:txPr/>
+    <dgm:style>
+      <a:lnRef idx="0">
+        <a:scrgbClr r="0" g="0" b="0"/>
+      </a:lnRef>
+      <a:fillRef idx="3">
+        <a:scrgbClr r="0" g="0" b="0"/>
+      </a:fillRef>
+      <a:effectRef idx="2">
+        <a:scrgbClr r="0" g="0" b="0"/>
+      </a:effectRef>
+      <a:fontRef idx="minor">
+        <a:schemeClr val="lt1"/>
+      </a:fontRef>
+    </dgm:style>
+  </dgm:styleLbl>
+  <dgm:styleLbl name="sibTrans1D1">
+    <dgm:scene3d>
+      <a:camera prst="orthographicFront"/>
+      <a:lightRig rig="threePt" dir="t"/>
+    </dgm:scene3d>
+    <dgm:sp3d/>
+    <dgm:txPr/>
+    <dgm:style>
+      <a:lnRef idx="1">
+        <a:scrgbClr r="0" g="0" b="0"/>
+      </a:lnRef>
+      <a:fillRef idx="0">
+        <a:scrgbClr r="0" g="0" b="0"/>
+      </a:fillRef>
+      <a:effectRef idx="0">
+        <a:scrgbClr r="0" g="0" b="0"/>
+      </a:effectRef>
+      <a:fontRef idx="minor"/>
+    </dgm:style>
+  </dgm:styleLbl>
+  <dgm:styleLbl name="callout">
+    <dgm:scene3d>
+      <a:camera prst="orthographicFront"/>
+      <a:lightRig rig="threePt" dir="t"/>
+    </dgm:scene3d>
+    <dgm:sp3d/>
+    <dgm:txPr/>
+    <dgm:style>
+      <a:lnRef idx="2">
+        <a:scrgbClr r="0" g="0" b="0"/>
+      </a:lnRef>
+      <a:fillRef idx="1">
+        <a:scrgbClr r="0" g="0" b="0"/>
+      </a:fillRef>
+      <a:effectRef idx="1">
+        <a:scrgbClr r="0" g="0" b="0"/>
+      </a:effectRef>
+      <a:fontRef idx="minor"/>
+    </dgm:style>
+  </dgm:styleLbl>
+  <dgm:styleLbl name="asst0">
+    <dgm:scene3d>
+      <a:camera prst="orthographicFront"/>
+      <a:lightRig rig="threePt" dir="t"/>
+    </dgm:scene3d>
+    <dgm:sp3d/>
+    <dgm:txPr/>
+    <dgm:style>
+      <a:lnRef idx="0">
+        <a:scrgbClr r="0" g="0" b="0"/>
+      </a:lnRef>
+      <a:fillRef idx="3">
+        <a:scrgbClr r="0" g="0" b="0"/>
+      </a:fillRef>
+      <a:effectRef idx="2">
+        <a:scrgbClr r="0" g="0" b="0"/>
+      </a:effectRef>
+      <a:fontRef idx="minor">
+        <a:schemeClr val="lt1"/>
+      </a:fontRef>
+    </dgm:style>
+  </dgm:styleLbl>
+  <dgm:styleLbl name="asst1">
+    <dgm:scene3d>
+      <a:camera prst="orthographicFront"/>
+      <a:lightRig rig="threePt" dir="t"/>
+    </dgm:scene3d>
+    <dgm:sp3d/>
+    <dgm:txPr/>
+    <dgm:style>
+      <a:lnRef idx="0">
+        <a:scrgbClr r="0" g="0" b="0"/>
+      </a:lnRef>
+      <a:fillRef idx="3">
+        <a:scrgbClr r="0" g="0" b="0"/>
+      </a:fillRef>
+      <a:effectRef idx="2">
+        <a:scrgbClr r="0" g="0" b="0"/>
+      </a:effectRef>
+      <a:fontRef idx="minor">
+        <a:schemeClr val="lt1"/>
+      </a:fontRef>
+    </dgm:style>
+  </dgm:styleLbl>
+  <dgm:styleLbl name="asst2">
+    <dgm:scene3d>
+      <a:camera prst="orthographicFront"/>
+      <a:lightRig rig="threePt" dir="t"/>
+    </dgm:scene3d>
+    <dgm:sp3d/>
+    <dgm:txPr/>
+    <dgm:style>
+      <a:lnRef idx="0">
+        <a:scrgbClr r="0" g="0" b="0"/>
+      </a:lnRef>
+      <a:fillRef idx="3">
+        <a:scrgbClr r="0" g="0" b="0"/>
+      </a:fillRef>
+      <a:effectRef idx="2">
+        <a:scrgbClr r="0" g="0" b="0"/>
+      </a:effectRef>
+      <a:fontRef idx="minor">
+        <a:schemeClr val="lt1"/>
+      </a:fontRef>
+    </dgm:style>
+  </dgm:styleLbl>
+  <dgm:styleLbl name="asst3">
+    <dgm:scene3d>
+      <a:camera prst="orthographicFront"/>
+      <a:lightRig rig="threePt" dir="t"/>
+    </dgm:scene3d>
+    <dgm:sp3d/>
+    <dgm:txPr/>
+    <dgm:style>
+      <a:lnRef idx="0">
+        <a:scrgbClr r="0" g="0" b="0"/>
+      </a:lnRef>
+      <a:fillRef idx="3">
+        <a:scrgbClr r="0" g="0" b="0"/>
+      </a:fillRef>
+      <a:effectRef idx="2">
+        <a:scrgbClr r="0" g="0" b="0"/>
+      </a:effectRef>
+      <a:fontRef idx="minor">
+        <a:schemeClr val="lt1"/>
+      </a:fontRef>
+    </dgm:style>
+  </dgm:styleLbl>
+  <dgm:styleLbl name="asst4">
+    <dgm:scene3d>
+      <a:camera prst="orthographicFront"/>
+      <a:lightRig rig="threePt" dir="t"/>
+    </dgm:scene3d>
+    <dgm:sp3d/>
+    <dgm:txPr/>
+    <dgm:style>
+      <a:lnRef idx="0">
+        <a:scrgbClr r="0" g="0" b="0"/>
+      </a:lnRef>
+      <a:fillRef idx="3">
+        <a:scrgbClr r="0" g="0" b="0"/>
+      </a:fillRef>
+      <a:effectRef idx="2">
+        <a:scrgbClr r="0" g="0" b="0"/>
+      </a:effectRef>
+      <a:fontRef idx="minor">
+        <a:schemeClr val="lt1"/>
+      </a:fontRef>
+    </dgm:style>
+  </dgm:styleLbl>
+  <dgm:styleLbl name="parChTrans2D1">
+    <dgm:scene3d>
+      <a:camera prst="orthographicFront"/>
+      <a:lightRig rig="threePt" dir="t"/>
+    </dgm:scene3d>
+    <dgm:sp3d/>
+    <dgm:txPr/>
+    <dgm:style>
+      <a:lnRef idx="0">
+        <a:scrgbClr r="0" g="0" b="0"/>
+      </a:lnRef>
+      <a:fillRef idx="3">
+        <a:scrgbClr r="0" g="0" b="0"/>
+      </a:fillRef>
+      <a:effectRef idx="2">
+        <a:scrgbClr r="0" g="0" b="0"/>
+      </a:effectRef>
+      <a:fontRef idx="minor">
+        <a:schemeClr val="lt1"/>
+      </a:fontRef>
+    </dgm:style>
+  </dgm:styleLbl>
+  <dgm:styleLbl name="parChTrans2D2">
+    <dgm:scene3d>
+      <a:camera prst="orthographicFront"/>
+      <a:lightRig rig="threePt" dir="t"/>
+    </dgm:scene3d>
+    <dgm:sp3d/>
+    <dgm:txPr/>
+    <dgm:style>
+      <a:lnRef idx="0">
+        <a:scrgbClr r="0" g="0" b="0"/>
+      </a:lnRef>
+      <a:fillRef idx="3">
+        <a:scrgbClr r="0" g="0" b="0"/>
+      </a:fillRef>
+      <a:effectRef idx="2">
+        <a:scrgbClr r="0" g="0" b="0"/>
+      </a:effectRef>
+      <a:fontRef idx="minor">
+        <a:schemeClr val="lt1"/>
+      </a:fontRef>
+    </dgm:style>
+  </dgm:styleLbl>
+  <dgm:styleLbl name="parChTrans2D3">
+    <dgm:scene3d>
+      <a:camera prst="orthographicFront"/>
+      <a:lightRig rig="threePt" dir="t"/>
+    </dgm:scene3d>
+    <dgm:sp3d/>
+    <dgm:txPr/>
+    <dgm:style>
+      <a:lnRef idx="1">
+        <a:scrgbClr r="0" g="0" b="0"/>
+      </a:lnRef>
+      <a:fillRef idx="3">
+        <a:scrgbClr r="0" g="0" b="0"/>
+      </a:fillRef>
+      <a:effectRef idx="2">
+        <a:scrgbClr r="0" g="0" b="0"/>
+      </a:effectRef>
+      <a:fontRef idx="minor">
+        <a:schemeClr val="lt1"/>
+      </a:fontRef>
+    </dgm:style>
+  </dgm:styleLbl>
+  <dgm:styleLbl name="parChTrans2D4">
+    <dgm:scene3d>
+      <a:camera prst="orthographicFront"/>
+      <a:lightRig rig="threePt" dir="t"/>
+    </dgm:scene3d>
+    <dgm:sp3d/>
+    <dgm:txPr/>
+    <dgm:style>
+      <a:lnRef idx="1">
+        <a:scrgbClr r="0" g="0" b="0"/>
+      </a:lnRef>
+      <a:fillRef idx="3">
+        <a:scrgbClr r="0" g="0" b="0"/>
+      </a:fillRef>
+      <a:effectRef idx="2">
+        <a:scrgbClr r="0" g="0" b="0"/>
+      </a:effectRef>
+      <a:fontRef idx="minor">
+        <a:schemeClr val="lt1"/>
+      </a:fontRef>
+    </dgm:style>
+  </dgm:styleLbl>
+  <dgm:styleLbl name="parChTrans1D1">
+    <dgm:scene3d>
+      <a:camera prst="orthographicFront"/>
+      <a:lightRig rig="threePt" dir="t"/>
+    </dgm:scene3d>
+    <dgm:sp3d/>
+    <dgm:txPr/>
+    <dgm:style>
+      <a:lnRef idx="1">
+        <a:scrgbClr r="0" g="0" b="0"/>
+      </a:lnRef>
+      <a:fillRef idx="0">
+        <a:scrgbClr r="0" g="0" b="0"/>
+      </a:fillRef>
+      <a:effectRef idx="0">
+        <a:scrgbClr r="0" g="0" b="0"/>
+      </a:effectRef>
+      <a:fontRef idx="minor"/>
+    </dgm:style>
+  </dgm:styleLbl>
+  <dgm:styleLbl name="parChTrans1D2">
+    <dgm:scene3d>
+      <a:camera prst="orthographicFront"/>
+      <a:lightRig rig="threePt" dir="t"/>
+    </dgm:scene3d>
+    <dgm:sp3d/>
+    <dgm:txPr/>
+    <dgm:style>
+      <a:lnRef idx="1">
+        <a:scrgbClr r="0" g="0" b="0"/>
+      </a:lnRef>
+      <a:fillRef idx="0">
+        <a:scrgbClr r="0" g="0" b="0"/>
+      </a:fillRef>
+      <a:effectRef idx="0">
+        <a:scrgbClr r="0" g="0" b="0"/>
+      </a:effectRef>
+      <a:fontRef idx="minor"/>
+    </dgm:style>
+  </dgm:styleLbl>
+  <dgm:styleLbl name="parChTrans1D3">
+    <dgm:scene3d>
+      <a:camera prst="orthographicFront"/>
+      <a:lightRig rig="threePt" dir="t"/>
+    </dgm:scene3d>
+    <dgm:sp3d/>
+    <dgm:txPr/>
+    <dgm:style>
+      <a:lnRef idx="1">
+        <a:scrgbClr r="0" g="0" b="0"/>
+      </a:lnRef>
+      <a:fillRef idx="0">
+        <a:scrgbClr r="0" g="0" b="0"/>
+      </a:fillRef>
+      <a:effectRef idx="0">
+        <a:scrgbClr r="0" g="0" b="0"/>
+      </a:effectRef>
+      <a:fontRef idx="minor"/>
+    </dgm:style>
+  </dgm:styleLbl>
+  <dgm:styleLbl name="parChTrans1D4">
+    <dgm:scene3d>
+      <a:camera prst="orthographicFront"/>
+      <a:lightRig rig="threePt" dir="t"/>
+    </dgm:scene3d>
+    <dgm:sp3d/>
+    <dgm:txPr/>
+    <dgm:style>
+      <a:lnRef idx="1">
+        <a:scrgbClr r="0" g="0" b="0"/>
+      </a:lnRef>
+      <a:fillRef idx="0">
+        <a:scrgbClr r="0" g="0" b="0"/>
+      </a:fillRef>
+      <a:effectRef idx="0">
+        <a:scrgbClr r="0" g="0" b="0"/>
+      </a:effectRef>
+      <a:fontRef idx="minor"/>
+    </dgm:style>
+  </dgm:styleLbl>
+  <dgm:styleLbl name="fgAcc1">
+    <dgm:scene3d>
+      <a:camera prst="orthographicFront"/>
+      <a:lightRig rig="threePt" dir="t"/>
+    </dgm:scene3d>
+    <dgm:sp3d/>
+    <dgm:txPr/>
+    <dgm:style>
+      <a:lnRef idx="1">
+        <a:scrgbClr r="0" g="0" b="0"/>
+      </a:lnRef>
+      <a:fillRef idx="1">
+        <a:scrgbClr r="0" g="0" b="0"/>
+      </a:fillRef>
+      <a:effectRef idx="0">
+        <a:scrgbClr r="0" g="0" b="0"/>
+      </a:effectRef>
+      <a:fontRef idx="minor"/>
+    </dgm:style>
+  </dgm:styleLbl>
+  <dgm:styleLbl name="conFgAcc1">
+    <dgm:scene3d>
+      <a:camera prst="orthographicFront"/>
+      <a:lightRig rig="threePt" dir="t"/>
+    </dgm:scene3d>
+    <dgm:sp3d/>
+    <dgm:txPr/>
+    <dgm:style>
+      <a:lnRef idx="1">
+        <a:scrgbClr r="0" g="0" b="0"/>
+      </a:lnRef>
+      <a:fillRef idx="1">
+        <a:scrgbClr r="0" g="0" b="0"/>
+      </a:fillRef>
+      <a:effectRef idx="0">
+        <a:scrgbClr r="0" g="0" b="0"/>
+      </a:effectRef>
+      <a:fontRef idx="minor"/>
+    </dgm:style>
+  </dgm:styleLbl>
+  <dgm:styleLbl name="alignAcc1">
+    <dgm:scene3d>
+      <a:camera prst="orthographicFront"/>
+      <a:lightRig rig="threePt" dir="t"/>
+    </dgm:scene3d>
+    <dgm:sp3d/>
+    <dgm:txPr/>
+    <dgm:style>
+      <a:lnRef idx="1">
+        <a:scrgbClr r="0" g="0" b="0"/>
+      </a:lnRef>
+      <a:fillRef idx="1">
+        <a:scrgbClr r="0" g="0" b="0"/>
+      </a:fillRef>
+      <a:effectRef idx="0">
+        <a:scrgbClr r="0" g="0" b="0"/>
+      </a:effectRef>
+      <a:fontRef idx="minor"/>
+    </dgm:style>
+  </dgm:styleLbl>
+  <dgm:styleLbl name="trAlignAcc1">
+    <dgm:scene3d>
+      <a:camera prst="orthographicFront"/>
+      <a:lightRig rig="threePt" dir="t"/>
+    </dgm:scene3d>
+    <dgm:sp3d/>
+    <dgm:txPr/>
+    <dgm:style>
+      <a:lnRef idx="1">
+        <a:scrgbClr r="0" g="0" b="0"/>
+      </a:lnRef>
+      <a:fillRef idx="1">
+        <a:scrgbClr r="0" g="0" b="0"/>
+      </a:fillRef>
+      <a:effectRef idx="0">
+        <a:scrgbClr r="0" g="0" b="0"/>
+      </a:effectRef>
+      <a:fontRef idx="minor"/>
+    </dgm:style>
+  </dgm:styleLbl>
+  <dgm:styleLbl name="bgAcc1">
+    <dgm:scene3d>
+      <a:camera prst="orthographicFront"/>
+      <a:lightRig rig="threePt" dir="t"/>
+    </dgm:scene3d>
+    <dgm:sp3d/>
+    <dgm:txPr/>
+    <dgm:style>
+      <a:lnRef idx="1">
+        <a:scrgbClr r="0" g="0" b="0"/>
+      </a:lnRef>
+      <a:fillRef idx="1">
+        <a:scrgbClr r="0" g="0" b="0"/>
+      </a:fillRef>
+      <a:effectRef idx="0">
+        <a:scrgbClr r="0" g="0" b="0"/>
+      </a:effectRef>
+      <a:fontRef idx="minor"/>
+    </dgm:style>
+  </dgm:styleLbl>
+  <dgm:styleLbl name="solidFgAcc1">
+    <dgm:scene3d>
+      <a:camera prst="orthographicFront"/>
+      <a:lightRig rig="threePt" dir="t"/>
+    </dgm:scene3d>
+    <dgm:sp3d/>
+    <dgm:txPr/>
+    <dgm:style>
+      <a:lnRef idx="1">
+        <a:scrgbClr r="0" g="0" b="0"/>
+      </a:lnRef>
+      <a:fillRef idx="1">
+        <a:scrgbClr r="0" g="0" b="0"/>
+      </a:fillRef>
+      <a:effectRef idx="0">
+        <a:scrgbClr r="0" g="0" b="0"/>
+      </a:effectRef>
+      <a:fontRef idx="minor"/>
+    </dgm:style>
+  </dgm:styleLbl>
+  <dgm:styleLbl name="solidAlignAcc1">
+    <dgm:scene3d>
+      <a:camera prst="orthographicFront"/>
+      <a:lightRig rig="threePt" dir="t"/>
+    </dgm:scene3d>
+    <dgm:sp3d/>
+    <dgm:txPr/>
+    <dgm:style>
+      <a:lnRef idx="1">
+        <a:scrgbClr r="0" g="0" b="0"/>
+      </a:lnRef>
+      <a:fillRef idx="1">
+        <a:scrgbClr r="0" g="0" b="0"/>
+      </a:fillRef>
+      <a:effectRef idx="0">
+        <a:scrgbClr r="0" g="0" b="0"/>
+      </a:effectRef>
+      <a:fontRef idx="minor"/>
+    </dgm:style>
+  </dgm:styleLbl>
+  <dgm:styleLbl name="solidBgAcc1">
+    <dgm:scene3d>
+      <a:camera prst="orthographicFront"/>
+      <a:lightRig rig="threePt" dir="t"/>
+    </dgm:scene3d>
+    <dgm:sp3d/>
+    <dgm:txPr/>
+    <dgm:style>
+      <a:lnRef idx="1">
+        <a:scrgbClr r="0" g="0" b="0"/>
+      </a:lnRef>
+      <a:fillRef idx="1">
+        <a:scrgbClr r="0" g="0" b="0"/>
+      </a:fillRef>
+      <a:effectRef idx="0">
+        <a:scrgbClr r="0" g="0" b="0"/>
+      </a:effectRef>
+      <a:fontRef idx="minor"/>
+    </dgm:style>
+  </dgm:styleLbl>
+  <dgm:styleLbl name="fgAccFollowNode1">
+    <dgm:scene3d>
+      <a:camera prst="orthographicFront"/>
+      <a:lightRig rig="threePt" dir="t"/>
+    </dgm:scene3d>
+    <dgm:sp3d/>
+    <dgm:txPr/>
+    <dgm:style>
+      <a:lnRef idx="1">
+        <a:scrgbClr r="0" g="0" b="0"/>
+      </a:lnRef>
+      <a:fillRef idx="1">
+        <a:scrgbClr r="0" g="0" b="0"/>
+      </a:fillRef>
+      <a:effectRef idx="0">
+        <a:scrgbClr r="0" g="0" b="0"/>
+      </a:effectRef>
+      <a:fontRef idx="minor"/>
+    </dgm:style>
+  </dgm:styleLbl>
+  <dgm:styleLbl name="alignAccFollowNode1">
+    <dgm:scene3d>
+      <a:camera prst="orthographicFront"/>
+      <a:lightRig rig="threePt" dir="t"/>
+    </dgm:scene3d>
+    <dgm:sp3d/>
+    <dgm:txPr/>
+    <dgm:style>
+      <a:lnRef idx="1">
+        <a:scrgbClr r="0" g="0" b="0"/>
+      </a:lnRef>
+      <a:fillRef idx="1">
+        <a:scrgbClr r="0" g="0" b="0"/>
+      </a:fillRef>
+      <a:effectRef idx="0">
+        <a:scrgbClr r="0" g="0" b="0"/>
+      </a:effectRef>
+      <a:fontRef idx="minor"/>
+    </dgm:style>
+  </dgm:styleLbl>
+  <dgm:styleLbl name="bgAccFollowNode1">
+    <dgm:scene3d>
+      <a:camera prst="orthographicFront"/>
+      <a:lightRig rig="threePt" dir="t"/>
+    </dgm:scene3d>
+    <dgm:sp3d/>
+    <dgm:txPr/>
+    <dgm:style>
+      <a:lnRef idx="1">
+        <a:scrgbClr r="0" g="0" b="0"/>
+      </a:lnRef>
+      <a:fillRef idx="1">
+        <a:scrgbClr r="0" g="0" b="0"/>
+      </a:fillRef>
+      <a:effectRef idx="0">
+        <a:scrgbClr r="0" g="0" b="0"/>
+      </a:effectRef>
+      <a:fontRef idx="minor"/>
+    </dgm:style>
+  </dgm:styleLbl>
+  <dgm:styleLbl name="fgAcc0">
+    <dgm:scene3d>
+      <a:camera prst="orthographicFront"/>
+      <a:lightRig rig="threePt" dir="t"/>
+    </dgm:scene3d>
+    <dgm:sp3d/>
+    <dgm:txPr/>
+    <dgm:style>
+      <a:lnRef idx="1">
+        <a:scrgbClr r="0" g="0" b="0"/>
+      </a:lnRef>
+      <a:fillRef idx="1">
+        <a:scrgbClr r="0" g="0" b="0"/>
+      </a:fillRef>
+      <a:effectRef idx="0">
+        <a:scrgbClr r="0" g="0" b="0"/>
+      </a:effectRef>
+      <a:fontRef idx="minor"/>
+    </dgm:style>
+  </dgm:styleLbl>
+  <dgm:styleLbl name="fgAcc2">
+    <dgm:scene3d>
+      <a:camera prst="orthographicFront"/>
+      <a:lightRig rig="threePt" dir="t"/>
+    </dgm:scene3d>
+    <dgm:sp3d/>
+    <dgm:txPr/>
+    <dgm:style>
+      <a:lnRef idx="1">
+        <a:scrgbClr r="0" g="0" b="0"/>
+      </a:lnRef>
+      <a:fillRef idx="1">
+        <a:scrgbClr r="0" g="0" b="0"/>
+      </a:fillRef>
+      <a:effectRef idx="0">
+        <a:scrgbClr r="0" g="0" b="0"/>
+      </a:effectRef>
+      <a:fontRef idx="minor"/>
+    </dgm:style>
+  </dgm:styleLbl>
+  <dgm:styleLbl name="fgAcc3">
+    <dgm:scene3d>
+      <a:camera prst="orthographicFront"/>
+      <a:lightRig rig="threePt" dir="t"/>
+    </dgm:scene3d>
+    <dgm:sp3d/>
+    <dgm:txPr/>
+    <dgm:style>
+      <a:lnRef idx="1">
+        <a:scrgbClr r="0" g="0" b="0"/>
+      </a:lnRef>
+      <a:fillRef idx="1">
+        <a:scrgbClr r="0" g="0" b="0"/>
+      </a:fillRef>
+      <a:effectRef idx="0">
+        <a:scrgbClr r="0" g="0" b="0"/>
+      </a:effectRef>
+      <a:fontRef idx="minor"/>
+    </dgm:style>
+  </dgm:styleLbl>
+  <dgm:styleLbl name="fgAcc4">
+    <dgm:scene3d>
+      <a:camera prst="orthographicFront"/>
+      <a:lightRig rig="threePt" dir="t"/>
+    </dgm:scene3d>
+    <dgm:sp3d/>
+    <dgm:txPr/>
+    <dgm:style>
+      <a:lnRef idx="1">
+        <a:scrgbClr r="0" g="0" b="0"/>
+      </a:lnRef>
+      <a:fillRef idx="1">
+        <a:scrgbClr r="0" g="0" b="0"/>
+      </a:fillRef>
+      <a:effectRef idx="0">
+        <a:scrgbClr r="0" g="0" b="0"/>
+      </a:effectRef>
+      <a:fontRef idx="minor"/>
+    </dgm:style>
+  </dgm:styleLbl>
+  <dgm:styleLbl name="bgShp">
+    <dgm:scene3d>
+      <a:camera prst="orthographicFront"/>
+      <a:lightRig rig="threePt" dir="t"/>
+    </dgm:scene3d>
+    <dgm:sp3d/>
+    <dgm:txPr/>
+    <dgm:style>
+      <a:lnRef idx="0">
+        <a:scrgbClr r="0" g="0" b="0"/>
+      </a:lnRef>
+      <a:fillRef idx="1">
+        <a:scrgbClr r="0" g="0" b="0"/>
+      </a:fillRef>
+      <a:effectRef idx="2">
+        <a:scrgbClr r="0" g="0" b="0"/>
+      </a:effectRef>
+      <a:fontRef idx="minor"/>
+    </dgm:style>
+  </dgm:styleLbl>
+  <dgm:styleLbl name="dkBgShp">
+    <dgm:scene3d>
+      <a:camera prst="orthographicFront"/>
+      <a:lightRig rig="threePt" dir="t"/>
+    </dgm:scene3d>
+    <dgm:sp3d/>
+    <dgm:txPr/>
+    <dgm:style>
+      <a:lnRef idx="0">
+        <a:scrgbClr r="0" g="0" b="0"/>
+      </a:lnRef>
+      <a:fillRef idx="1">
+        <a:scrgbClr r="0" g="0" b="0"/>
+      </a:fillRef>
+      <a:effectRef idx="2">
+        <a:scrgbClr r="0" g="0" b="0"/>
+      </a:effectRef>
+      <a:fontRef idx="minor"/>
+    </dgm:style>
+  </dgm:styleLbl>
+  <dgm:styleLbl name="trBgShp">
+    <dgm:scene3d>
+      <a:camera prst="orthographicFront"/>
+      <a:lightRig rig="threePt" dir="t"/>
+    </dgm:scene3d>
+    <dgm:sp3d/>
+    <dgm:txPr/>
+    <dgm:style>
+      <a:lnRef idx="0">
+        <a:scrgbClr r="0" g="0" b="0"/>
+      </a:lnRef>
+      <a:fillRef idx="1">
+        <a:scrgbClr r="0" g="0" b="0"/>
+      </a:fillRef>
+      <a:effectRef idx="0">
+        <a:scrgbClr r="0" g="0" b="0"/>
+      </a:effectRef>
+      <a:fontRef idx="minor"/>
+    </dgm:style>
+  </dgm:styleLbl>
+  <dgm:styleLbl name="fgShp">
+    <dgm:scene3d>
+      <a:camera prst="orthographicFront"/>
+      <a:lightRig rig="threePt" dir="t"/>
+    </dgm:scene3d>
+    <dgm:sp3d/>
+    <dgm:txPr/>
+    <dgm:style>
+      <a:lnRef idx="0">
+        <a:scrgbClr r="0" g="0" b="0"/>
+      </a:lnRef>
+      <a:fillRef idx="3">
+        <a:scrgbClr r="0" g="0" b="0"/>
+      </a:fillRef>
+      <a:effectRef idx="2">
+        <a:scrgbClr r="0" g="0" b="0"/>
+      </a:effectRef>
+      <a:fontRef idx="minor"/>
+    </dgm:style>
+  </dgm:styleLbl>
+  <dgm:styleLbl name="revTx">
+    <dgm:scene3d>
+      <a:camera prst="orthographicFront"/>
+      <a:lightRig rig="threePt" dir="t"/>
+    </dgm:scene3d>
+    <dgm:sp3d/>
+    <dgm:txPr/>
+    <dgm:style>
+      <a:lnRef idx="0">
+        <a:scrgbClr r="0" g="0" b="0"/>
+      </a:lnRef>
+      <a:fillRef idx="0">
+        <a:scrgbClr r="0" g="0" b="0"/>
+      </a:fillRef>
+      <a:effectRef idx="0">
+        <a:scrgbClr r="0" g="0" b="0"/>
+      </a:effectRef>
+      <a:fontRef idx="minor"/>
+    </dgm:style>
+  </dgm:styleLbl>
+</dgm:styleDef>
+</file>
+
 <file path=ppt/handoutMasters/handoutMaster1.xml><?xml version="1.0" encoding="utf-8"?>
 <p:handoutMaster xmlns:a="http://schemas.openxmlformats.org/drawingml/2006/main" xmlns:r="http://schemas.openxmlformats.org/officeDocument/2006/relationships" xmlns:p="http://schemas.openxmlformats.org/presentationml/2006/main">
   <p:cSld>
@@ -3883,7 +7534,7 @@
           <a:p>
             <a:fld id="{6AC4FB8F-ED15-48AB-97BD-17129D4E699D}" type="datetimeFigureOut">
               <a:rPr lang="en-US" smtClean="0"/>
-              <a:t>10/10/2018</a:t>
+              <a:t>10/11/2018</a:t>
             </a:fld>
             <a:endParaRPr lang="en-US" dirty="0"/>
           </a:p>
@@ -4048,7 +7699,7 @@
           <a:p>
             <a:fld id="{BBC9D437-CD83-4825-AD0D-5E7B341BC79B}" type="datetimeFigureOut">
               <a:rPr lang="en-US" smtClean="0"/>
-              <a:t>10/10/2018</a:t>
+              <a:t>10/11/2018</a:t>
             </a:fld>
             <a:endParaRPr lang="en-US" dirty="0"/>
           </a:p>
@@ -4446,7 +8097,7 @@
           <a:p>
             <a:fld id="{85AB7CBB-843F-464A-A764-71D6ADC27CFA}" type="datetime1">
               <a:rPr lang="en-US" smtClean="0"/>
-              <a:t>10/10/2018</a:t>
+              <a:t>10/11/2018</a:t>
             </a:fld>
             <a:endParaRPr lang="en-US" dirty="0"/>
           </a:p>
@@ -4633,7 +8284,7 @@
           <a:p>
             <a:fld id="{CBEFC03D-3A1F-4813-9337-02411FCC3A9A}" type="datetime1">
               <a:rPr lang="en-US" smtClean="0"/>
-              <a:t>10/10/2018</a:t>
+              <a:t>10/11/2018</a:t>
             </a:fld>
             <a:endParaRPr lang="en-US" dirty="0"/>
           </a:p>
@@ -4829,7 +8480,7 @@
           <a:p>
             <a:fld id="{3D638F79-DFA0-4C26-9553-23A017B69AB6}" type="datetime1">
               <a:rPr lang="en-US" smtClean="0"/>
-              <a:t>10/10/2018</a:t>
+              <a:t>10/11/2018</a:t>
             </a:fld>
             <a:endParaRPr lang="en-US" dirty="0"/>
           </a:p>
@@ -4940,7 +8591,7 @@
           <a:p>
             <a:fld id="{AA615CA6-EC4D-4728-8AA6-534BE7E9B67C}" type="datetime1">
               <a:rPr lang="en-US" smtClean="0"/>
-              <a:t>10/10/2018</a:t>
+              <a:t>10/11/2018</a:t>
             </a:fld>
             <a:endParaRPr lang="en-US" dirty="0"/>
           </a:p>
@@ -5125,7 +8776,7 @@
           <a:p>
             <a:fld id="{A70B34E7-E1D9-4FBF-A1A0-4009669A00BF}" type="datetime1">
               <a:rPr lang="en-US" smtClean="0"/>
-              <a:t>10/10/2018</a:t>
+              <a:t>10/11/2018</a:t>
             </a:fld>
             <a:endParaRPr lang="en-US" dirty="0"/>
           </a:p>
@@ -5388,7 +9039,7 @@
           <a:p>
             <a:fld id="{C50FD434-5945-4FAF-A8C0-DAE9905532CE}" type="datetimeFigureOut">
               <a:rPr lang="en-US" smtClean="0"/>
-              <a:t>10/10/2018</a:t>
+              <a:t>10/11/2018</a:t>
             </a:fld>
             <a:endParaRPr lang="en-US"/>
           </a:p>
@@ -5632,7 +9283,7 @@
           <a:p>
             <a:fld id="{7579E8B6-2F47-420B-83EA-EB2285D13EC9}" type="datetime1">
               <a:rPr lang="en-US" smtClean="0"/>
-              <a:t>10/10/2018</a:t>
+              <a:t>10/11/2018</a:t>
             </a:fld>
             <a:endParaRPr lang="en-US" dirty="0"/>
           </a:p>
@@ -6015,7 +9666,7 @@
           <a:p>
             <a:fld id="{2304803D-B10E-4B90-8456-A0E05393E233}" type="datetime1">
               <a:rPr lang="en-US" smtClean="0"/>
-              <a:t>10/10/2018</a:t>
+              <a:t>10/11/2018</a:t>
             </a:fld>
             <a:endParaRPr lang="en-US" dirty="0"/>
           </a:p>
@@ -6149,7 +9800,7 @@
           <a:p>
             <a:fld id="{CCE1E62F-6CCE-4064-96C2-2084AF883904}" type="datetime1">
               <a:rPr lang="en-US" smtClean="0"/>
-              <a:t>10/10/2018</a:t>
+              <a:t>10/11/2018</a:t>
             </a:fld>
             <a:endParaRPr lang="en-US" dirty="0"/>
           </a:p>
@@ -6260,7 +9911,7 @@
           <a:p>
             <a:fld id="{AA615CA6-EC4D-4728-8AA6-534BE7E9B67C}" type="datetime1">
               <a:rPr lang="en-US" smtClean="0"/>
-              <a:t>10/10/2018</a:t>
+              <a:t>10/11/2018</a:t>
             </a:fld>
             <a:endParaRPr lang="en-US" dirty="0"/>
           </a:p>
@@ -6553,7 +10204,7 @@
           <a:p>
             <a:fld id="{A6139942-0A2E-443A-842F-D6DE74360370}" type="datetime1">
               <a:rPr lang="en-US" smtClean="0"/>
-              <a:t>10/10/2018</a:t>
+              <a:t>10/11/2018</a:t>
             </a:fld>
             <a:endParaRPr lang="en-US" dirty="0"/>
           </a:p>
@@ -6826,7 +10477,7 @@
           <a:p>
             <a:fld id="{C50FD434-5945-4FAF-A8C0-DAE9905532CE}" type="datetimeFigureOut">
               <a:rPr lang="en-US" smtClean="0"/>
-              <a:t>10/10/2018</a:t>
+              <a:t>10/11/2018</a:t>
             </a:fld>
             <a:endParaRPr lang="en-US"/>
           </a:p>
@@ -7103,7 +10754,7 @@
           <a:p>
             <a:fld id="{3F138946-C5C1-4A11-BA69-F12F43F8A94B}" type="datetime1">
               <a:rPr lang="en-US" smtClean="0"/>
-              <a:t>10/10/2018</a:t>
+              <a:t>10/11/2018</a:t>
             </a:fld>
             <a:endParaRPr lang="en-US" dirty="0"/>
           </a:p>
@@ -13129,6 +16780,257 @@
 </p:sld>
 </file>
 
+<file path=ppt/slides/slide22.xml><?xml version="1.0" encoding="utf-8"?>
+<p:sld xmlns:a="http://schemas.openxmlformats.org/drawingml/2006/main" xmlns:r="http://schemas.openxmlformats.org/officeDocument/2006/relationships" xmlns:p="http://schemas.openxmlformats.org/presentationml/2006/main">
+  <p:cSld>
+    <p:spTree>
+      <p:nvGrpSpPr>
+        <p:cNvPr id="1" name=""/>
+        <p:cNvGrpSpPr/>
+        <p:nvPr/>
+      </p:nvGrpSpPr>
+      <p:grpSpPr>
+        <a:xfrm>
+          <a:off x="0" y="0"/>
+          <a:ext cx="0" cy="0"/>
+          <a:chOff x="0" y="0"/>
+          <a:chExt cx="0" cy="0"/>
+        </a:xfrm>
+      </p:grpSpPr>
+      <p:sp>
+        <p:nvSpPr>
+          <p:cNvPr id="2" name="Title 1">
+            <a:extLst>
+              <a:ext uri="{FF2B5EF4-FFF2-40B4-BE49-F238E27FC236}">
+                <a16:creationId xmlns:a16="http://schemas.microsoft.com/office/drawing/2014/main" id="{5FFFF665-DBFE-4139-ACF5-B7D92BBE8CD9}"/>
+              </a:ext>
+            </a:extLst>
+          </p:cNvPr>
+          <p:cNvSpPr>
+            <a:spLocks noGrp="1"/>
+          </p:cNvSpPr>
+          <p:nvPr>
+            <p:ph type="title"/>
+          </p:nvPr>
+        </p:nvSpPr>
+        <p:spPr/>
+        <p:txBody>
+          <a:bodyPr/>
+          <a:lstStyle/>
+          <a:p>
+            <a:r>
+              <a:rPr lang="en-US" dirty="0"/>
+              <a:t>Lesson Plan 8</a:t>
+            </a:r>
+          </a:p>
+        </p:txBody>
+      </p:sp>
+      <p:sp>
+        <p:nvSpPr>
+          <p:cNvPr id="4" name="Footer Placeholder 3">
+            <a:extLst>
+              <a:ext uri="{FF2B5EF4-FFF2-40B4-BE49-F238E27FC236}">
+                <a16:creationId xmlns:a16="http://schemas.microsoft.com/office/drawing/2014/main" id="{D0F8768D-96E5-431F-BE40-E106E81AE634}"/>
+              </a:ext>
+            </a:extLst>
+          </p:cNvPr>
+          <p:cNvSpPr>
+            <a:spLocks noGrp="1"/>
+          </p:cNvSpPr>
+          <p:nvPr>
+            <p:ph type="ftr" sz="quarter" idx="11"/>
+          </p:nvPr>
+        </p:nvSpPr>
+        <p:spPr/>
+        <p:txBody>
+          <a:bodyPr/>
+          <a:lstStyle/>
+          <a:p>
+            <a:r>
+              <a:rPr lang="en-US"/>
+              <a:t>Add a footer</a:t>
+            </a:r>
+            <a:endParaRPr lang="en-US" dirty="0"/>
+          </a:p>
+        </p:txBody>
+      </p:sp>
+    </p:spTree>
+    <p:extLst>
+      <p:ext uri="{BB962C8B-B14F-4D97-AF65-F5344CB8AC3E}">
+        <p14:creationId xmlns:p14="http://schemas.microsoft.com/office/powerpoint/2010/main" val="2607506471"/>
+      </p:ext>
+    </p:extLst>
+  </p:cSld>
+  <p:clrMapOvr>
+    <a:masterClrMapping/>
+  </p:clrMapOvr>
+  <mc:AlternateContent xmlns:mc="http://schemas.openxmlformats.org/markup-compatibility/2006" xmlns:p14="http://schemas.microsoft.com/office/powerpoint/2010/main">
+    <mc:Choice Requires="p14">
+      <p:transition spd="med" p14:dur="700">
+        <p:fade/>
+      </p:transition>
+    </mc:Choice>
+    <mc:Fallback xmlns="">
+      <p:transition spd="med">
+        <p:fade/>
+      </p:transition>
+    </mc:Fallback>
+  </mc:AlternateContent>
+</p:sld>
+</file>
+
+<file path=ppt/slides/slide23.xml><?xml version="1.0" encoding="utf-8"?>
+<p:sld xmlns:a="http://schemas.openxmlformats.org/drawingml/2006/main" xmlns:r="http://schemas.openxmlformats.org/officeDocument/2006/relationships" xmlns:p="http://schemas.openxmlformats.org/presentationml/2006/main">
+  <p:cSld>
+    <p:bg>
+      <p:bgPr>
+        <a:solidFill>
+          <a:schemeClr val="bg1"/>
+        </a:solidFill>
+        <a:effectLst/>
+      </p:bgPr>
+    </p:bg>
+    <p:spTree>
+      <p:nvGrpSpPr>
+        <p:cNvPr id="1" name=""/>
+        <p:cNvGrpSpPr/>
+        <p:nvPr/>
+      </p:nvGrpSpPr>
+      <p:grpSpPr>
+        <a:xfrm>
+          <a:off x="0" y="0"/>
+          <a:ext cx="0" cy="0"/>
+          <a:chOff x="0" y="0"/>
+          <a:chExt cx="0" cy="0"/>
+        </a:xfrm>
+      </p:grpSpPr>
+      <p:sp>
+        <p:nvSpPr>
+          <p:cNvPr id="4" name="Title 3">
+            <a:extLst>
+              <a:ext uri="{FF2B5EF4-FFF2-40B4-BE49-F238E27FC236}">
+                <a16:creationId xmlns:a16="http://schemas.microsoft.com/office/drawing/2014/main" id="{D97D1FA4-7DA2-46D5-90BC-D3596A908836}"/>
+              </a:ext>
+            </a:extLst>
+          </p:cNvPr>
+          <p:cNvSpPr>
+            <a:spLocks noGrp="1"/>
+          </p:cNvSpPr>
+          <p:nvPr>
+            <p:ph type="title"/>
+          </p:nvPr>
+        </p:nvSpPr>
+        <p:spPr>
+          <a:xfrm>
+            <a:off x="838200" y="365125"/>
+            <a:ext cx="10515600" cy="1325563"/>
+          </a:xfrm>
+        </p:spPr>
+        <p:txBody>
+          <a:bodyPr>
+            <a:normAutofit/>
+          </a:bodyPr>
+          <a:lstStyle/>
+          <a:p>
+            <a:r>
+              <a:rPr lang="en-US"/>
+              <a:t>Rest of the week at a glance</a:t>
+            </a:r>
+          </a:p>
+        </p:txBody>
+      </p:sp>
+      <p:sp>
+        <p:nvSpPr>
+          <p:cNvPr id="3" name="Footer Placeholder 2">
+            <a:extLst>
+              <a:ext uri="{FF2B5EF4-FFF2-40B4-BE49-F238E27FC236}">
+                <a16:creationId xmlns:a16="http://schemas.microsoft.com/office/drawing/2014/main" id="{F05069F2-C868-4ABA-AA9D-6C7B78FF6CE5}"/>
+              </a:ext>
+            </a:extLst>
+          </p:cNvPr>
+          <p:cNvSpPr>
+            <a:spLocks noGrp="1"/>
+          </p:cNvSpPr>
+          <p:nvPr>
+            <p:ph type="ftr" sz="quarter" idx="11"/>
+          </p:nvPr>
+        </p:nvSpPr>
+        <p:spPr>
+          <a:xfrm>
+            <a:off x="4038600" y="6356350"/>
+            <a:ext cx="4114800" cy="365125"/>
+          </a:xfrm>
+        </p:spPr>
+        <p:txBody>
+          <a:bodyPr>
+            <a:normAutofit/>
+          </a:bodyPr>
+          <a:lstStyle/>
+          <a:p>
+            <a:pPr>
+              <a:spcAft>
+                <a:spcPts val="600"/>
+              </a:spcAft>
+            </a:pPr>
+            <a:r>
+              <a:rPr lang="en-US"/>
+              <a:t>Add a footer</a:t>
+            </a:r>
+          </a:p>
+        </p:txBody>
+      </p:sp>
+      <p:graphicFrame>
+        <p:nvGraphicFramePr>
+          <p:cNvPr id="40" name="Content Placeholder 4">
+            <a:extLst>
+              <a:ext uri="{FF2B5EF4-FFF2-40B4-BE49-F238E27FC236}">
+                <a16:creationId xmlns:a16="http://schemas.microsoft.com/office/drawing/2014/main" id="{7609257D-55B8-4A84-8FD8-9F2C6116508A}"/>
+              </a:ext>
+            </a:extLst>
+          </p:cNvPr>
+          <p:cNvGraphicFramePr>
+            <a:graphicFrameLocks noGrp="1"/>
+          </p:cNvGraphicFramePr>
+          <p:nvPr>
+            <p:ph idx="1"/>
+            <p:extLst/>
+          </p:nvPr>
+        </p:nvGraphicFramePr>
+        <p:xfrm>
+          <a:off x="838200" y="1825625"/>
+          <a:ext cx="10515600" cy="4351338"/>
+        </p:xfrm>
+        <a:graphic>
+          <a:graphicData uri="http://schemas.openxmlformats.org/drawingml/2006/diagram">
+            <dgm:relIds xmlns:dgm="http://schemas.openxmlformats.org/drawingml/2006/diagram" xmlns:r="http://schemas.openxmlformats.org/officeDocument/2006/relationships" r:dm="rId2" r:lo="rId3" r:qs="rId4" r:cs="rId5"/>
+          </a:graphicData>
+        </a:graphic>
+      </p:graphicFrame>
+    </p:spTree>
+    <p:extLst>
+      <p:ext uri="{BB962C8B-B14F-4D97-AF65-F5344CB8AC3E}">
+        <p14:creationId xmlns:p14="http://schemas.microsoft.com/office/powerpoint/2010/main" val="512880778"/>
+      </p:ext>
+    </p:extLst>
+  </p:cSld>
+  <p:clrMapOvr>
+    <a:masterClrMapping/>
+  </p:clrMapOvr>
+  <mc:AlternateContent xmlns:mc="http://schemas.openxmlformats.org/markup-compatibility/2006" xmlns:p14="http://schemas.microsoft.com/office/powerpoint/2010/main">
+    <mc:Choice Requires="p14">
+      <p:transition spd="med" p14:dur="700">
+        <p:fade/>
+      </p:transition>
+    </mc:Choice>
+    <mc:Fallback xmlns="">
+      <p:transition spd="med">
+        <p:fade/>
+      </p:transition>
+    </mc:Fallback>
+  </mc:AlternateContent>
+</p:sld>
+</file>
+
 <file path=ppt/slides/slide3.xml><?xml version="1.0" encoding="utf-8"?>
 <p:sld xmlns:a="http://schemas.openxmlformats.org/drawingml/2006/main" xmlns:r="http://schemas.openxmlformats.org/officeDocument/2006/relationships" xmlns:p="http://schemas.openxmlformats.org/presentationml/2006/main">
   <p:cSld>
